--- a/Slides/slides_growth1_f14.pptx
+++ b/Slides/slides_growth1_f14.pptx
@@ -5,10 +5,10 @@
     <p:sldMasterId id="2147483649" r:id="rId1"/>
   </p:sldMasterIdLst>
   <p:notesMasterIdLst>
-    <p:notesMasterId r:id="rId87"/>
+    <p:notesMasterId r:id="rId88"/>
   </p:notesMasterIdLst>
   <p:handoutMasterIdLst>
-    <p:handoutMasterId r:id="rId88"/>
+    <p:handoutMasterId r:id="rId89"/>
   </p:handoutMasterIdLst>
   <p:sldIdLst>
     <p:sldId id="256" r:id="rId2"/>
@@ -72,33 +72,34 @@
     <p:sldId id="439" r:id="rId60"/>
     <p:sldId id="358" r:id="rId61"/>
     <p:sldId id="359" r:id="rId62"/>
-    <p:sldId id="360" r:id="rId63"/>
-    <p:sldId id="417" r:id="rId64"/>
-    <p:sldId id="361" r:id="rId65"/>
-    <p:sldId id="362" r:id="rId66"/>
-    <p:sldId id="369" r:id="rId67"/>
-    <p:sldId id="372" r:id="rId68"/>
-    <p:sldId id="371" r:id="rId69"/>
-    <p:sldId id="370" r:id="rId70"/>
-    <p:sldId id="375" r:id="rId71"/>
-    <p:sldId id="374" r:id="rId72"/>
-    <p:sldId id="376" r:id="rId73"/>
-    <p:sldId id="379" r:id="rId74"/>
-    <p:sldId id="368" r:id="rId75"/>
-    <p:sldId id="385" r:id="rId76"/>
-    <p:sldId id="386" r:id="rId77"/>
-    <p:sldId id="390" r:id="rId78"/>
-    <p:sldId id="436" r:id="rId79"/>
-    <p:sldId id="412" r:id="rId80"/>
-    <p:sldId id="300" r:id="rId81"/>
-    <p:sldId id="415" r:id="rId82"/>
-    <p:sldId id="414" r:id="rId83"/>
-    <p:sldId id="413" r:id="rId84"/>
-    <p:sldId id="443" r:id="rId85"/>
-    <p:sldId id="380" r:id="rId86"/>
+    <p:sldId id="445" r:id="rId63"/>
+    <p:sldId id="360" r:id="rId64"/>
+    <p:sldId id="417" r:id="rId65"/>
+    <p:sldId id="361" r:id="rId66"/>
+    <p:sldId id="362" r:id="rId67"/>
+    <p:sldId id="369" r:id="rId68"/>
+    <p:sldId id="372" r:id="rId69"/>
+    <p:sldId id="371" r:id="rId70"/>
+    <p:sldId id="370" r:id="rId71"/>
+    <p:sldId id="375" r:id="rId72"/>
+    <p:sldId id="374" r:id="rId73"/>
+    <p:sldId id="376" r:id="rId74"/>
+    <p:sldId id="379" r:id="rId75"/>
+    <p:sldId id="368" r:id="rId76"/>
+    <p:sldId id="385" r:id="rId77"/>
+    <p:sldId id="386" r:id="rId78"/>
+    <p:sldId id="390" r:id="rId79"/>
+    <p:sldId id="436" r:id="rId80"/>
+    <p:sldId id="412" r:id="rId81"/>
+    <p:sldId id="300" r:id="rId82"/>
+    <p:sldId id="415" r:id="rId83"/>
+    <p:sldId id="414" r:id="rId84"/>
+    <p:sldId id="413" r:id="rId85"/>
+    <p:sldId id="443" r:id="rId86"/>
+    <p:sldId id="380" r:id="rId87"/>
   </p:sldIdLst>
   <p:sldSz cx="9144000" cy="6858000" type="screen4x3"/>
-  <p:notesSz cx="7099300" cy="10234613"/>
+  <p:notesSz cx="6881813" cy="9296400"/>
   <p:defaultTextStyle>
     <a:defPPr>
       <a:defRPr lang="en-US"/>
@@ -226,7 +227,7 @@
   </p:defaultTextStyle>
   <p:extLst>
     <p:ext uri="{EFAFB233-063F-42B5-8137-9DF3F51BA10A}">
-      <p15:sldGuideLst xmlns:p15="http://schemas.microsoft.com/office/powerpoint/2012/main" xmlns="">
+      <p15:sldGuideLst xmlns:p15="http://schemas.microsoft.com/office/powerpoint/2012/main">
         <p15:guide id="1" orient="horz" pos="2160">
           <p15:clr>
             <a:srgbClr val="A4A3A4"/>
@@ -369,11 +370,11 @@
           <c:showBubbleSize val="0"/>
         </c:dLbls>
         <c:gapWidth val="150"/>
-        <c:axId val="36006528"/>
-        <c:axId val="36012416"/>
+        <c:axId val="311528424"/>
+        <c:axId val="311528816"/>
       </c:barChart>
       <c:catAx>
-        <c:axId val="36006528"/>
+        <c:axId val="311528424"/>
         <c:scaling>
           <c:orientation val="minMax"/>
         </c:scaling>
@@ -408,7 +409,7 @@
             <a:endParaRPr lang="en-US"/>
           </a:p>
         </c:txPr>
-        <c:crossAx val="36012416"/>
+        <c:crossAx val="311528816"/>
         <c:crosses val="autoZero"/>
         <c:auto val="1"/>
         <c:lblAlgn val="ctr"/>
@@ -418,7 +419,7 @@
         <c:noMultiLvlLbl val="0"/>
       </c:catAx>
       <c:valAx>
-        <c:axId val="36012416"/>
+        <c:axId val="311528816"/>
         <c:scaling>
           <c:orientation val="minMax"/>
           <c:max val="50000"/>
@@ -455,7 +456,7 @@
             <a:endParaRPr lang="en-US"/>
           </a:p>
         </c:txPr>
-        <c:crossAx val="36006528"/>
+        <c:crossAx val="311528424"/>
         <c:crosses val="autoZero"/>
         <c:crossBetween val="between"/>
         <c:majorUnit val="10000"/>
@@ -3963,11 +3964,11 @@
           <c:showPercent val="0"/>
           <c:showBubbleSize val="0"/>
         </c:dLbls>
-        <c:axId val="90690304"/>
-        <c:axId val="90691840"/>
+        <c:axId val="228460016"/>
+        <c:axId val="228458056"/>
       </c:scatterChart>
       <c:valAx>
-        <c:axId val="90690304"/>
+        <c:axId val="228460016"/>
         <c:scaling>
           <c:orientation val="minMax"/>
           <c:max val="2000"/>
@@ -4004,12 +4005,12 @@
             <a:endParaRPr lang="en-US"/>
           </a:p>
         </c:txPr>
-        <c:crossAx val="90691840"/>
+        <c:crossAx val="228458056"/>
         <c:crosses val="autoZero"/>
         <c:crossBetween val="midCat"/>
       </c:valAx>
       <c:valAx>
-        <c:axId val="90691840"/>
+        <c:axId val="228458056"/>
         <c:scaling>
           <c:orientation val="minMax"/>
           <c:max val="15"/>
@@ -4093,7 +4094,7 @@
             <a:endParaRPr lang="en-US"/>
           </a:p>
         </c:txPr>
-        <c:crossAx val="90690304"/>
+        <c:crossAx val="228460016"/>
         <c:crosses val="autoZero"/>
         <c:crossBetween val="midCat"/>
       </c:valAx>
@@ -5339,11 +5340,11 @@
         </c:dLbls>
         <c:bubbleScale val="100"/>
         <c:showNegBubbles val="0"/>
-        <c:axId val="82674816"/>
-        <c:axId val="82676736"/>
+        <c:axId val="231110336"/>
+        <c:axId val="230864040"/>
       </c:bubbleChart>
       <c:valAx>
-        <c:axId val="82674816"/>
+        <c:axId val="231110336"/>
         <c:scaling>
           <c:logBase val="10"/>
           <c:orientation val="minMax"/>
@@ -5420,12 +5421,12 @@
             <a:endParaRPr lang="en-US"/>
           </a:p>
         </c:txPr>
-        <c:crossAx val="82676736"/>
+        <c:crossAx val="230864040"/>
         <c:crossesAt val="-4"/>
         <c:crossBetween val="midCat"/>
       </c:valAx>
       <c:valAx>
-        <c:axId val="82676736"/>
+        <c:axId val="230864040"/>
         <c:scaling>
           <c:orientation val="minMax"/>
           <c:max val="10"/>
@@ -5506,7 +5507,7 @@
             <a:endParaRPr lang="en-US"/>
           </a:p>
         </c:txPr>
-        <c:crossAx val="82674816"/>
+        <c:crossAx val="231110336"/>
         <c:crosses val="autoZero"/>
         <c:crossBetween val="midCat"/>
       </c:valAx>
@@ -9588,11 +9589,11 @@
           <c:showPercent val="0"/>
           <c:showBubbleSize val="0"/>
         </c:dLbls>
-        <c:axId val="91336704"/>
-        <c:axId val="99553664"/>
+        <c:axId val="232217680"/>
+        <c:axId val="232219248"/>
       </c:scatterChart>
       <c:valAx>
-        <c:axId val="91336704"/>
+        <c:axId val="232217680"/>
         <c:scaling>
           <c:orientation val="minMax"/>
           <c:max val="400"/>
@@ -9667,12 +9668,12 @@
             <a:endParaRPr lang="en-US"/>
           </a:p>
         </c:txPr>
-        <c:crossAx val="99553664"/>
+        <c:crossAx val="232219248"/>
         <c:crosses val="autoZero"/>
         <c:crossBetween val="midCat"/>
       </c:valAx>
       <c:valAx>
-        <c:axId val="99553664"/>
+        <c:axId val="232219248"/>
         <c:scaling>
           <c:orientation val="minMax"/>
           <c:max val="160"/>
@@ -9748,7 +9749,7 @@
             <a:endParaRPr lang="en-US"/>
           </a:p>
         </c:txPr>
-        <c:crossAx val="91336704"/>
+        <c:crossAx val="232217680"/>
         <c:crosses val="autoZero"/>
         <c:crossBetween val="midCat"/>
         <c:majorUnit val="40"/>
@@ -10686,7 +10687,7 @@
         <p:spPr bwMode="auto">
           <a:xfrm>
             <a:off x="0" y="0"/>
-            <a:ext cx="3076672" cy="511054"/>
+            <a:ext cx="2982418" cy="464205"/>
           </a:xfrm>
           <a:prstGeom prst="rect">
             <a:avLst/>
@@ -10701,17 +10702,17 @@
           <a:effectLst/>
         </p:spPr>
         <p:txBody>
-          <a:bodyPr vert="horz" wrap="square" lIns="96649" tIns="48325" rIns="96649" bIns="48325" numCol="1" anchor="t" anchorCtr="0" compatLnSpc="1">
+          <a:bodyPr vert="horz" wrap="square" lIns="90203" tIns="45102" rIns="90203" bIns="45102" numCol="1" anchor="t" anchorCtr="0" compatLnSpc="1">
             <a:prstTxWarp prst="textNoShape">
               <a:avLst/>
             </a:prstTxWarp>
           </a:bodyPr>
           <a:lstStyle>
-            <a:lvl1pPr defTabSz="966670" eaLnBrk="1" hangingPunct="1">
+            <a:lvl1pPr defTabSz="902193" eaLnBrk="1" hangingPunct="1">
               <a:spcBef>
                 <a:spcPct val="0"/>
               </a:spcBef>
-              <a:defRPr sz="1300">
+              <a:defRPr sz="1200">
                 <a:latin typeface="Arial" charset="0"/>
                 <a:ea typeface="Arial" charset="0"/>
                 <a:cs typeface="Arial" charset="0"/>
@@ -10738,8 +10739,8 @@
         </p:nvSpPr>
         <p:spPr bwMode="auto">
           <a:xfrm>
-            <a:off x="4021089" y="0"/>
-            <a:ext cx="3076672" cy="511054"/>
+            <a:off x="3897903" y="0"/>
+            <a:ext cx="2982418" cy="464205"/>
           </a:xfrm>
           <a:prstGeom prst="rect">
             <a:avLst/>
@@ -10754,17 +10755,17 @@
           <a:effectLst/>
         </p:spPr>
         <p:txBody>
-          <a:bodyPr vert="horz" wrap="square" lIns="96649" tIns="48325" rIns="96649" bIns="48325" numCol="1" anchor="t" anchorCtr="0" compatLnSpc="1">
+          <a:bodyPr vert="horz" wrap="square" lIns="90203" tIns="45102" rIns="90203" bIns="45102" numCol="1" anchor="t" anchorCtr="0" compatLnSpc="1">
             <a:prstTxWarp prst="textNoShape">
               <a:avLst/>
             </a:prstTxWarp>
           </a:bodyPr>
           <a:lstStyle>
-            <a:lvl1pPr algn="r" defTabSz="966670" eaLnBrk="1" hangingPunct="1">
+            <a:lvl1pPr algn="r" defTabSz="902193" eaLnBrk="1" hangingPunct="1">
               <a:spcBef>
                 <a:spcPct val="0"/>
               </a:spcBef>
-              <a:defRPr sz="1300">
+              <a:defRPr sz="1200">
                 <a:latin typeface="Arial" charset="0"/>
                 <a:ea typeface="Arial" charset="0"/>
                 <a:cs typeface="Arial" charset="0"/>
@@ -10791,8 +10792,8 @@
         </p:nvSpPr>
         <p:spPr bwMode="auto">
           <a:xfrm>
-            <a:off x="0" y="9721869"/>
-            <a:ext cx="3076672" cy="511054"/>
+            <a:off x="0" y="8830660"/>
+            <a:ext cx="2982418" cy="464205"/>
           </a:xfrm>
           <a:prstGeom prst="rect">
             <a:avLst/>
@@ -10807,17 +10808,17 @@
           <a:effectLst/>
         </p:spPr>
         <p:txBody>
-          <a:bodyPr vert="horz" wrap="square" lIns="96649" tIns="48325" rIns="96649" bIns="48325" numCol="1" anchor="b" anchorCtr="0" compatLnSpc="1">
+          <a:bodyPr vert="horz" wrap="square" lIns="90203" tIns="45102" rIns="90203" bIns="45102" numCol="1" anchor="b" anchorCtr="0" compatLnSpc="1">
             <a:prstTxWarp prst="textNoShape">
               <a:avLst/>
             </a:prstTxWarp>
           </a:bodyPr>
           <a:lstStyle>
-            <a:lvl1pPr defTabSz="966670" eaLnBrk="1" hangingPunct="1">
+            <a:lvl1pPr defTabSz="902193" eaLnBrk="1" hangingPunct="1">
               <a:spcBef>
                 <a:spcPct val="0"/>
               </a:spcBef>
-              <a:defRPr sz="1300">
+              <a:defRPr sz="1200">
                 <a:latin typeface="Arial" charset="0"/>
                 <a:ea typeface="Arial" charset="0"/>
                 <a:cs typeface="Arial" charset="0"/>
@@ -10844,8 +10845,8 @@
         </p:nvSpPr>
         <p:spPr bwMode="auto">
           <a:xfrm>
-            <a:off x="4021089" y="9721869"/>
-            <a:ext cx="3076672" cy="511054"/>
+            <a:off x="3897903" y="8830660"/>
+            <a:ext cx="2982418" cy="464205"/>
           </a:xfrm>
           <a:prstGeom prst="rect">
             <a:avLst/>
@@ -10860,17 +10861,17 @@
           <a:effectLst/>
         </p:spPr>
         <p:txBody>
-          <a:bodyPr vert="horz" wrap="square" lIns="96649" tIns="48325" rIns="96649" bIns="48325" numCol="1" anchor="b" anchorCtr="0" compatLnSpc="1">
+          <a:bodyPr vert="horz" wrap="square" lIns="90203" tIns="45102" rIns="90203" bIns="45102" numCol="1" anchor="b" anchorCtr="0" compatLnSpc="1">
             <a:prstTxWarp prst="textNoShape">
               <a:avLst/>
             </a:prstTxWarp>
           </a:bodyPr>
           <a:lstStyle>
-            <a:lvl1pPr algn="r" defTabSz="966670" eaLnBrk="1" hangingPunct="1">
+            <a:lvl1pPr algn="r" defTabSz="902193" eaLnBrk="1" hangingPunct="1">
               <a:spcBef>
                 <a:spcPct val="0"/>
               </a:spcBef>
-              <a:defRPr sz="1300">
+              <a:defRPr sz="1200">
                 <a:latin typeface="Arial" charset="0"/>
                 <a:cs typeface="Arial" charset="0"/>
               </a:defRPr>
@@ -10940,7 +10941,7 @@
         <p:spPr bwMode="auto">
           <a:xfrm>
             <a:off x="0" y="0"/>
-            <a:ext cx="3076672" cy="511054"/>
+            <a:ext cx="2982418" cy="464205"/>
           </a:xfrm>
           <a:prstGeom prst="rect">
             <a:avLst/>
@@ -10955,17 +10956,17 @@
           <a:effectLst/>
         </p:spPr>
         <p:txBody>
-          <a:bodyPr vert="horz" wrap="square" lIns="96649" tIns="48325" rIns="96649" bIns="48325" numCol="1" anchor="t" anchorCtr="0" compatLnSpc="1">
+          <a:bodyPr vert="horz" wrap="square" lIns="90203" tIns="45102" rIns="90203" bIns="45102" numCol="1" anchor="t" anchorCtr="0" compatLnSpc="1">
             <a:prstTxWarp prst="textNoShape">
               <a:avLst/>
             </a:prstTxWarp>
           </a:bodyPr>
           <a:lstStyle>
-            <a:lvl1pPr defTabSz="966670" eaLnBrk="1" hangingPunct="1">
+            <a:lvl1pPr defTabSz="902193" eaLnBrk="1" hangingPunct="1">
               <a:spcBef>
                 <a:spcPct val="0"/>
               </a:spcBef>
-              <a:defRPr sz="1300">
+              <a:defRPr sz="1200">
                 <a:latin typeface="Arial" charset="0"/>
                 <a:ea typeface="Arial" charset="0"/>
                 <a:cs typeface="Arial" charset="0"/>
@@ -10992,8 +10993,8 @@
         </p:nvSpPr>
         <p:spPr bwMode="auto">
           <a:xfrm>
-            <a:off x="4021089" y="0"/>
-            <a:ext cx="3076672" cy="511054"/>
+            <a:off x="3897903" y="0"/>
+            <a:ext cx="2982418" cy="464205"/>
           </a:xfrm>
           <a:prstGeom prst="rect">
             <a:avLst/>
@@ -11008,17 +11009,17 @@
           <a:effectLst/>
         </p:spPr>
         <p:txBody>
-          <a:bodyPr vert="horz" wrap="square" lIns="96649" tIns="48325" rIns="96649" bIns="48325" numCol="1" anchor="t" anchorCtr="0" compatLnSpc="1">
+          <a:bodyPr vert="horz" wrap="square" lIns="90203" tIns="45102" rIns="90203" bIns="45102" numCol="1" anchor="t" anchorCtr="0" compatLnSpc="1">
             <a:prstTxWarp prst="textNoShape">
               <a:avLst/>
             </a:prstTxWarp>
           </a:bodyPr>
           <a:lstStyle>
-            <a:lvl1pPr algn="r" defTabSz="966670" eaLnBrk="1" hangingPunct="1">
+            <a:lvl1pPr algn="r" defTabSz="902193" eaLnBrk="1" hangingPunct="1">
               <a:spcBef>
                 <a:spcPct val="0"/>
               </a:spcBef>
-              <a:defRPr sz="1300">
+              <a:defRPr sz="1200">
                 <a:latin typeface="Arial" charset="0"/>
                 <a:ea typeface="Arial" charset="0"/>
                 <a:cs typeface="Arial" charset="0"/>
@@ -11045,8 +11046,8 @@
         </p:nvSpPr>
         <p:spPr bwMode="auto">
           <a:xfrm>
-            <a:off x="990600" y="768350"/>
-            <a:ext cx="5118100" cy="3838575"/>
+            <a:off x="1116013" y="698500"/>
+            <a:ext cx="4649787" cy="3486150"/>
           </a:xfrm>
           <a:prstGeom prst="rect">
             <a:avLst/>
@@ -11074,8 +11075,8 @@
         </p:nvSpPr>
         <p:spPr bwMode="auto">
           <a:xfrm>
-            <a:off x="710239" y="4861781"/>
-            <a:ext cx="5678824" cy="4604561"/>
+            <a:off x="688481" y="4416099"/>
+            <a:ext cx="5504853" cy="4182458"/>
           </a:xfrm>
           <a:prstGeom prst="rect">
             <a:avLst/>
@@ -11090,7 +11091,7 @@
           <a:effectLst/>
         </p:spPr>
         <p:txBody>
-          <a:bodyPr vert="horz" wrap="square" lIns="96649" tIns="48325" rIns="96649" bIns="48325" numCol="1" anchor="t" anchorCtr="0" compatLnSpc="1">
+          <a:bodyPr vert="horz" wrap="square" lIns="90203" tIns="45102" rIns="90203" bIns="45102" numCol="1" anchor="t" anchorCtr="0" compatLnSpc="1">
             <a:prstTxWarp prst="textNoShape">
               <a:avLst/>
             </a:prstTxWarp>
@@ -11145,8 +11146,8 @@
         </p:nvSpPr>
         <p:spPr bwMode="auto">
           <a:xfrm>
-            <a:off x="0" y="9721869"/>
-            <a:ext cx="3076672" cy="511054"/>
+            <a:off x="0" y="8830660"/>
+            <a:ext cx="2982418" cy="464205"/>
           </a:xfrm>
           <a:prstGeom prst="rect">
             <a:avLst/>
@@ -11161,17 +11162,17 @@
           <a:effectLst/>
         </p:spPr>
         <p:txBody>
-          <a:bodyPr vert="horz" wrap="square" lIns="96649" tIns="48325" rIns="96649" bIns="48325" numCol="1" anchor="b" anchorCtr="0" compatLnSpc="1">
+          <a:bodyPr vert="horz" wrap="square" lIns="90203" tIns="45102" rIns="90203" bIns="45102" numCol="1" anchor="b" anchorCtr="0" compatLnSpc="1">
             <a:prstTxWarp prst="textNoShape">
               <a:avLst/>
             </a:prstTxWarp>
           </a:bodyPr>
           <a:lstStyle>
-            <a:lvl1pPr defTabSz="966670" eaLnBrk="1" hangingPunct="1">
+            <a:lvl1pPr defTabSz="902193" eaLnBrk="1" hangingPunct="1">
               <a:spcBef>
                 <a:spcPct val="0"/>
               </a:spcBef>
-              <a:defRPr sz="1300">
+              <a:defRPr sz="1200">
                 <a:latin typeface="Arial" charset="0"/>
                 <a:ea typeface="Arial" charset="0"/>
                 <a:cs typeface="Arial" charset="0"/>
@@ -11198,8 +11199,8 @@
         </p:nvSpPr>
         <p:spPr bwMode="auto">
           <a:xfrm>
-            <a:off x="4021089" y="9721869"/>
-            <a:ext cx="3076672" cy="511054"/>
+            <a:off x="3897903" y="8830660"/>
+            <a:ext cx="2982418" cy="464205"/>
           </a:xfrm>
           <a:prstGeom prst="rect">
             <a:avLst/>
@@ -11214,17 +11215,17 @@
           <a:effectLst/>
         </p:spPr>
         <p:txBody>
-          <a:bodyPr vert="horz" wrap="square" lIns="96649" tIns="48325" rIns="96649" bIns="48325" numCol="1" anchor="b" anchorCtr="0" compatLnSpc="1">
+          <a:bodyPr vert="horz" wrap="square" lIns="90203" tIns="45102" rIns="90203" bIns="45102" numCol="1" anchor="b" anchorCtr="0" compatLnSpc="1">
             <a:prstTxWarp prst="textNoShape">
               <a:avLst/>
             </a:prstTxWarp>
           </a:bodyPr>
           <a:lstStyle>
-            <a:lvl1pPr algn="r" defTabSz="966670" eaLnBrk="1" hangingPunct="1">
+            <a:lvl1pPr algn="r" defTabSz="902193" eaLnBrk="1" hangingPunct="1">
               <a:spcBef>
                 <a:spcPct val="0"/>
               </a:spcBef>
-              <a:defRPr sz="1300">
+              <a:defRPr sz="1200">
                 <a:latin typeface="Arial" charset="0"/>
                 <a:cs typeface="Arial" charset="0"/>
               </a:defRPr>
@@ -11441,7 +11442,19 @@
           <a:p>
             <a:r>
               <a:rPr lang="en-US" dirty="0" smtClean="0"/>
-              <a:t>Also spreadsheet</a:t>
+              <a:t>Also </a:t>
+            </a:r>
+            <a:r>
+              <a:rPr lang="en-US" dirty="0" smtClean="0"/>
+              <a:t>growth spreadsheet (pf + </a:t>
+            </a:r>
+            <a:r>
+              <a:rPr lang="en-US" dirty="0" err="1" smtClean="0"/>
+              <a:t>solow</a:t>
+            </a:r>
+            <a:r>
+              <a:rPr lang="en-US" smtClean="0"/>
+              <a:t>)</a:t>
             </a:r>
             <a:endParaRPr lang="en-US" dirty="0"/>
           </a:p>
@@ -11720,7 +11733,7 @@
             <a:fld id="{F4D9A340-A853-49A2-86A8-DED43F7F5406}" type="slidenum">
               <a:rPr lang="en-US"/>
               <a:pPr/>
-              <a:t>84</a:t>
+              <a:t>85</a:t>
             </a:fld>
             <a:endParaRPr lang="en-US"/>
           </a:p>
@@ -20709,7 +20722,6 @@
               <a:rPr lang="en-US" dirty="0" smtClean="0"/>
               <a:t>Saving and investment</a:t>
             </a:r>
-            <a:endParaRPr lang="en-US" dirty="0" smtClean="0"/>
           </a:p>
         </p:txBody>
       </p:sp>
@@ -20743,11 +20755,7 @@
             </a:pPr>
             <a:r>
               <a:rPr lang="en-US" sz="2400" dirty="0" smtClean="0"/>
-              <a:t>How important for </a:t>
-            </a:r>
-            <a:r>
-              <a:rPr lang="en-US" sz="2400" dirty="0" smtClean="0"/>
-              <a:t>economic performance?  </a:t>
+              <a:t>How important for economic performance?  </a:t>
             </a:r>
           </a:p>
           <a:p>
@@ -29950,7 +29958,7 @@
           <a:graphicData uri="http://schemas.openxmlformats.org/presentationml/2006/ole">
             <mc:AlternateContent xmlns:mc="http://schemas.openxmlformats.org/markup-compatibility/2006">
               <mc:Choice xmlns:v="urn:schemas-microsoft-com:vml" Requires="v">
-                <p:oleObj spid="_x0000_s26751" name="Equation" r:id="rId4" imgW="1117600" imgH="1270000" progId="">
+                <p:oleObj spid="_x0000_s26755" name="Equation" r:id="rId4" imgW="1117600" imgH="1270000" progId="">
                   <p:embed/>
                 </p:oleObj>
               </mc:Choice>
@@ -34104,34 +34112,32 @@
       </p:sp>
       <p:pic>
         <p:nvPicPr>
-          <p:cNvPr id="47107" name="Picture 6" descr="Logo3"/>
+          <p:cNvPr id="4" name="Picture 3"/>
           <p:cNvPicPr>
-            <a:picLocks noChangeAspect="1" noChangeArrowheads="1"/>
+            <a:picLocks noChangeAspect="1"/>
           </p:cNvPicPr>
           <p:nvPr/>
         </p:nvPicPr>
         <p:blipFill>
-          <a:blip r:embed="rId2"/>
-          <a:srcRect/>
+          <a:blip r:embed="rId2">
+            <a:extLst>
+              <a:ext uri="{28A0092B-C50C-407E-A947-70E740481C1C}">
+                <a14:useLocalDpi xmlns:a14="http://schemas.microsoft.com/office/drawing/2010/main" val="0"/>
+              </a:ext>
+            </a:extLst>
+          </a:blip>
           <a:stretch>
             <a:fillRect/>
           </a:stretch>
         </p:blipFill>
-        <p:spPr bwMode="auto">
+        <p:spPr>
           <a:xfrm>
-            <a:off x="6553200" y="6172200"/>
-            <a:ext cx="2209800" cy="465138"/>
+            <a:off x="6172200" y="6281758"/>
+            <a:ext cx="2619375" cy="433367"/>
           </a:xfrm>
           <a:prstGeom prst="rect">
             <a:avLst/>
           </a:prstGeom>
-          <a:noFill/>
-          <a:ln w="9525">
-            <a:noFill/>
-            <a:miter lim="800000"/>
-            <a:headEnd/>
-            <a:tailEnd/>
-          </a:ln>
         </p:spPr>
       </p:pic>
     </p:spTree>
@@ -35577,35 +35583,7 @@
             </a:pPr>
             <a:r>
               <a:rPr lang="en-US" sz="2400" dirty="0" smtClean="0"/>
-              <a:t>JFK in 1960, height of Cold War </a:t>
-            </a:r>
-          </a:p>
-          <a:p>
-            <a:pPr lvl="1" eaLnBrk="1" hangingPunct="1">
-              <a:lnSpc>
-                <a:spcPct val="90000"/>
-              </a:lnSpc>
-              <a:spcBef>
-                <a:spcPct val="50000"/>
-              </a:spcBef>
-            </a:pPr>
-            <a:r>
-              <a:rPr lang="en-US" sz="2000" dirty="0" smtClean="0"/>
-              <a:t>Rapid growth in USSR, also high saving and investment rates </a:t>
-            </a:r>
-          </a:p>
-          <a:p>
-            <a:pPr lvl="1" eaLnBrk="1" hangingPunct="1">
-              <a:lnSpc>
-                <a:spcPct val="90000"/>
-              </a:lnSpc>
-              <a:spcBef>
-                <a:spcPct val="50000"/>
-              </a:spcBef>
-            </a:pPr>
-            <a:r>
-              <a:rPr lang="en-US" sz="2000" dirty="0" smtClean="0"/>
-              <a:t>Cause and effect?  </a:t>
+              <a:t>Saving seems virtuous</a:t>
             </a:r>
           </a:p>
           <a:p>
@@ -35619,37 +35597,13 @@
             </a:pPr>
             <a:r>
               <a:rPr lang="en-US" sz="2400" dirty="0" smtClean="0"/>
-              <a:t>US analysts in 1985</a:t>
-            </a:r>
-          </a:p>
-          <a:p>
-            <a:pPr lvl="1" eaLnBrk="1" hangingPunct="1">
-              <a:lnSpc>
-                <a:spcPct val="90000"/>
-              </a:lnSpc>
-              <a:spcBef>
-                <a:spcPct val="50000"/>
-              </a:spcBef>
-            </a:pPr>
-            <a:r>
-              <a:rPr lang="en-US" sz="2000" dirty="0" smtClean="0"/>
-              <a:t>Rapid growth in Asian “tigers,” lots of saving  </a:t>
-            </a:r>
-          </a:p>
-          <a:p>
-            <a:pPr lvl="1" eaLnBrk="1" hangingPunct="1">
-              <a:lnSpc>
-                <a:spcPct val="90000"/>
-              </a:lnSpc>
-              <a:spcBef>
-                <a:spcPct val="50000"/>
-              </a:spcBef>
-            </a:pPr>
-            <a:r>
-              <a:rPr lang="en-US" sz="2000" dirty="0" smtClean="0"/>
-              <a:t>Cause and effect?  </a:t>
-            </a:r>
-            <a:endParaRPr lang="en-US" sz="1600" dirty="0" smtClean="0"/>
+              <a:t>Should we do more of it?  </a:t>
+            </a:r>
+            <a:r>
+              <a:rPr lang="en-US" sz="2400" smtClean="0"/>
+              <a:t>If so, how much?  </a:t>
+            </a:r>
+            <a:endParaRPr lang="en-US" sz="2400" dirty="0" smtClean="0"/>
           </a:p>
           <a:p>
             <a:pPr eaLnBrk="1" hangingPunct="1">
@@ -35662,36 +35616,9 @@
             </a:pPr>
             <a:r>
               <a:rPr lang="en-US" sz="2400" dirty="0" smtClean="0"/>
-              <a:t>China in 2010</a:t>
-            </a:r>
-          </a:p>
-          <a:p>
-            <a:pPr lvl="1" eaLnBrk="1" hangingPunct="1">
-              <a:lnSpc>
-                <a:spcPct val="90000"/>
-              </a:lnSpc>
-              <a:spcBef>
-                <a:spcPct val="50000"/>
-              </a:spcBef>
-            </a:pPr>
-            <a:r>
-              <a:rPr lang="en-US" sz="2000" dirty="0" smtClean="0"/>
-              <a:t>Rapid growth, saving close to 50% of GDP </a:t>
-            </a:r>
-          </a:p>
-          <a:p>
-            <a:pPr lvl="1" eaLnBrk="1" hangingPunct="1">
-              <a:lnSpc>
-                <a:spcPct val="90000"/>
-              </a:lnSpc>
-              <a:spcBef>
-                <a:spcPct val="50000"/>
-              </a:spcBef>
-            </a:pPr>
-            <a:r>
-              <a:rPr lang="en-US" sz="2000" dirty="0" smtClean="0"/>
-              <a:t>Does India need to do the same?  </a:t>
-            </a:r>
+              <a:t>Why?  Or why not?  </a:t>
+            </a:r>
+            <a:endParaRPr lang="en-US" sz="2000" dirty="0" smtClean="0"/>
           </a:p>
         </p:txBody>
       </p:sp>
@@ -35792,7 +35719,7 @@
         <p:spPr>
           <a:xfrm>
             <a:off x="457200" y="1600200"/>
-            <a:ext cx="8229600" cy="2743200"/>
+            <a:ext cx="8229600" cy="4343400"/>
           </a:xfrm>
         </p:spPr>
         <p:txBody>
@@ -35809,7 +35736,35 @@
             </a:pPr>
             <a:r>
               <a:rPr lang="en-US" sz="2400" dirty="0" smtClean="0"/>
-              <a:t>How does saving generate growth? </a:t>
+              <a:t>JFK in 1960, height of Cold War </a:t>
+            </a:r>
+          </a:p>
+          <a:p>
+            <a:pPr lvl="1" eaLnBrk="1" hangingPunct="1">
+              <a:lnSpc>
+                <a:spcPct val="90000"/>
+              </a:lnSpc>
+              <a:spcBef>
+                <a:spcPct val="50000"/>
+              </a:spcBef>
+            </a:pPr>
+            <a:r>
+              <a:rPr lang="en-US" sz="2000" dirty="0" smtClean="0"/>
+              <a:t>Rapid growth in USSR, also high saving and investment rates </a:t>
+            </a:r>
+          </a:p>
+          <a:p>
+            <a:pPr lvl="1" eaLnBrk="1" hangingPunct="1">
+              <a:lnSpc>
+                <a:spcPct val="90000"/>
+              </a:lnSpc>
+              <a:spcBef>
+                <a:spcPct val="50000"/>
+              </a:spcBef>
+            </a:pPr>
+            <a:r>
+              <a:rPr lang="en-US" sz="2000" dirty="0" smtClean="0"/>
+              <a:t>Cause and effect?  </a:t>
             </a:r>
           </a:p>
           <a:p>
@@ -35823,7 +35778,78 @@
             </a:pPr>
             <a:r>
               <a:rPr lang="en-US" sz="2400" dirty="0" smtClean="0"/>
-              <a:t>Critical to long-run performance?  </a:t>
+              <a:t>US analysts in 1985</a:t>
+            </a:r>
+          </a:p>
+          <a:p>
+            <a:pPr lvl="1" eaLnBrk="1" hangingPunct="1">
+              <a:lnSpc>
+                <a:spcPct val="90000"/>
+              </a:lnSpc>
+              <a:spcBef>
+                <a:spcPct val="50000"/>
+              </a:spcBef>
+            </a:pPr>
+            <a:r>
+              <a:rPr lang="en-US" sz="2000" dirty="0" smtClean="0"/>
+              <a:t>Rapid growth in Asian “tigers,” lots of saving  </a:t>
+            </a:r>
+          </a:p>
+          <a:p>
+            <a:pPr lvl="1" eaLnBrk="1" hangingPunct="1">
+              <a:lnSpc>
+                <a:spcPct val="90000"/>
+              </a:lnSpc>
+              <a:spcBef>
+                <a:spcPct val="50000"/>
+              </a:spcBef>
+            </a:pPr>
+            <a:r>
+              <a:rPr lang="en-US" sz="2000" dirty="0" smtClean="0"/>
+              <a:t>Cause and effect?  </a:t>
+            </a:r>
+            <a:endParaRPr lang="en-US" sz="1600" dirty="0" smtClean="0"/>
+          </a:p>
+          <a:p>
+            <a:pPr eaLnBrk="1" hangingPunct="1">
+              <a:lnSpc>
+                <a:spcPct val="90000"/>
+              </a:lnSpc>
+              <a:spcBef>
+                <a:spcPct val="50000"/>
+              </a:spcBef>
+            </a:pPr>
+            <a:r>
+              <a:rPr lang="en-US" sz="2400" dirty="0" smtClean="0"/>
+              <a:t>China in 2010</a:t>
+            </a:r>
+          </a:p>
+          <a:p>
+            <a:pPr lvl="1" eaLnBrk="1" hangingPunct="1">
+              <a:lnSpc>
+                <a:spcPct val="90000"/>
+              </a:lnSpc>
+              <a:spcBef>
+                <a:spcPct val="50000"/>
+              </a:spcBef>
+            </a:pPr>
+            <a:r>
+              <a:rPr lang="en-US" sz="2000" dirty="0" smtClean="0"/>
+              <a:t>Rapid growth, saving close to 50% of GDP </a:t>
+            </a:r>
+          </a:p>
+          <a:p>
+            <a:pPr lvl="1" eaLnBrk="1" hangingPunct="1">
+              <a:lnSpc>
+                <a:spcPct val="90000"/>
+              </a:lnSpc>
+              <a:spcBef>
+                <a:spcPct val="50000"/>
+              </a:spcBef>
+            </a:pPr>
+            <a:r>
+              <a:rPr lang="en-US" sz="2000" dirty="0" smtClean="0"/>
+              <a:t>Does India need to do the same?  </a:t>
             </a:r>
           </a:p>
         </p:txBody>
@@ -35852,6 +35878,144 @@
                 <a:defRPr/>
               </a:pPr>
               <a:t>62</a:t>
+            </a:fld>
+            <a:endParaRPr lang="en-US"/>
+          </a:p>
+        </p:txBody>
+      </p:sp>
+    </p:spTree>
+    <p:extLst>
+      <p:ext uri="{BB962C8B-B14F-4D97-AF65-F5344CB8AC3E}">
+        <p14:creationId xmlns:p14="http://schemas.microsoft.com/office/powerpoint/2010/main" val="1021238362"/>
+      </p:ext>
+    </p:extLst>
+  </p:cSld>
+  <p:clrMapOvr>
+    <a:masterClrMapping/>
+  </p:clrMapOvr>
+  <p:timing>
+    <p:tnLst>
+      <p:par>
+        <p:cTn id="1" dur="indefinite" restart="never" nodeType="tmRoot"/>
+      </p:par>
+    </p:tnLst>
+  </p:timing>
+</p:sld>
+</file>
+
+<file path=ppt/slides/slide63.xml><?xml version="1.0" encoding="utf-8"?>
+<p:sld xmlns:a="http://schemas.openxmlformats.org/drawingml/2006/main" xmlns:r="http://schemas.openxmlformats.org/officeDocument/2006/relationships" xmlns:p="http://schemas.openxmlformats.org/presentationml/2006/main">
+  <p:cSld>
+    <p:spTree>
+      <p:nvGrpSpPr>
+        <p:cNvPr id="1" name=""/>
+        <p:cNvGrpSpPr/>
+        <p:nvPr/>
+      </p:nvGrpSpPr>
+      <p:grpSpPr>
+        <a:xfrm>
+          <a:off x="0" y="0"/>
+          <a:ext cx="0" cy="0"/>
+          <a:chOff x="0" y="0"/>
+          <a:chExt cx="0" cy="0"/>
+        </a:xfrm>
+      </p:grpSpPr>
+      <p:sp>
+        <p:nvSpPr>
+          <p:cNvPr id="40962" name="Rectangle 2"/>
+          <p:cNvSpPr>
+            <a:spLocks noGrp="1" noChangeArrowheads="1"/>
+          </p:cNvSpPr>
+          <p:nvPr>
+            <p:ph type="title"/>
+          </p:nvPr>
+        </p:nvSpPr>
+        <p:spPr/>
+        <p:txBody>
+          <a:bodyPr/>
+          <a:lstStyle/>
+          <a:p>
+            <a:pPr algn="l" eaLnBrk="1" hangingPunct="1"/>
+            <a:r>
+              <a:rPr lang="en-US" dirty="0" smtClean="0"/>
+              <a:t>Saving and growth </a:t>
+            </a:r>
+          </a:p>
+        </p:txBody>
+      </p:sp>
+      <p:sp>
+        <p:nvSpPr>
+          <p:cNvPr id="40963" name="Rectangle 3"/>
+          <p:cNvSpPr>
+            <a:spLocks noGrp="1" noChangeArrowheads="1"/>
+          </p:cNvSpPr>
+          <p:nvPr>
+            <p:ph type="body" idx="1"/>
+          </p:nvPr>
+        </p:nvSpPr>
+        <p:spPr>
+          <a:xfrm>
+            <a:off x="457200" y="1600200"/>
+            <a:ext cx="8229600" cy="2743200"/>
+          </a:xfrm>
+        </p:spPr>
+        <p:txBody>
+          <a:bodyPr/>
+          <a:lstStyle/>
+          <a:p>
+            <a:pPr eaLnBrk="1" hangingPunct="1">
+              <a:lnSpc>
+                <a:spcPct val="90000"/>
+              </a:lnSpc>
+              <a:spcBef>
+                <a:spcPct val="50000"/>
+              </a:spcBef>
+            </a:pPr>
+            <a:r>
+              <a:rPr lang="en-US" sz="2400" dirty="0" smtClean="0"/>
+              <a:t>How does saving generate growth? </a:t>
+            </a:r>
+          </a:p>
+          <a:p>
+            <a:pPr eaLnBrk="1" hangingPunct="1">
+              <a:lnSpc>
+                <a:spcPct val="90000"/>
+              </a:lnSpc>
+              <a:spcBef>
+                <a:spcPct val="50000"/>
+              </a:spcBef>
+            </a:pPr>
+            <a:r>
+              <a:rPr lang="en-US" sz="2400" dirty="0" smtClean="0"/>
+              <a:t>Critical to long-run performance?  </a:t>
+            </a:r>
+          </a:p>
+        </p:txBody>
+      </p:sp>
+      <p:sp>
+        <p:nvSpPr>
+          <p:cNvPr id="6" name="Slide Number Placeholder 5"/>
+          <p:cNvSpPr>
+            <a:spLocks noGrp="1"/>
+          </p:cNvSpPr>
+          <p:nvPr>
+            <p:ph type="sldNum" sz="quarter" idx="12"/>
+          </p:nvPr>
+        </p:nvSpPr>
+        <p:spPr/>
+        <p:txBody>
+          <a:bodyPr/>
+          <a:lstStyle/>
+          <a:p>
+            <a:pPr>
+              <a:defRPr/>
+            </a:pPr>
+            <a:fld id="{8617ACB6-EADE-4263-B932-20C3691C3C1F}" type="slidenum">
+              <a:rPr lang="en-US" smtClean="0"/>
+              <a:pPr>
+                <a:defRPr/>
+              </a:pPr>
+              <a:t>63</a:t>
             </a:fld>
             <a:endParaRPr lang="en-US"/>
           </a:p>
@@ -35872,7 +36036,7 @@
 </p:sld>
 </file>
 
-<file path=ppt/slides/slide63.xml><?xml version="1.0" encoding="utf-8"?>
+<file path=ppt/slides/slide64.xml><?xml version="1.0" encoding="utf-8"?>
 <p:sld xmlns:a="http://schemas.openxmlformats.org/drawingml/2006/main" xmlns:r="http://schemas.openxmlformats.org/officeDocument/2006/relationships" xmlns:p="http://schemas.openxmlformats.org/presentationml/2006/main">
   <p:cSld>
     <p:spTree>
@@ -36525,7 +36689,7 @@
               <a:pPr>
                 <a:defRPr/>
               </a:pPr>
-              <a:t>63</a:t>
+              <a:t>64</a:t>
             </a:fld>
             <a:endParaRPr lang="en-US"/>
           </a:p>
@@ -36671,7 +36835,7 @@
 </p:sld>
 </file>
 
-<file path=ppt/slides/slide64.xml><?xml version="1.0" encoding="utf-8"?>
+<file path=ppt/slides/slide65.xml><?xml version="1.0" encoding="utf-8"?>
 <p:sld xmlns:a="http://schemas.openxmlformats.org/drawingml/2006/main" xmlns:r="http://schemas.openxmlformats.org/officeDocument/2006/relationships" xmlns:p="http://schemas.openxmlformats.org/presentationml/2006/main">
   <p:cSld>
     <p:spTree>
@@ -36730,170 +36894,6 @@
               <a:defRPr/>
             </a:pPr>
             <a:fld id="{A0CE64D5-222C-4CFA-AFD3-A2848F192F39}" type="slidenum">
-              <a:rPr lang="en-US" smtClean="0"/>
-              <a:pPr>
-                <a:defRPr/>
-              </a:pPr>
-              <a:t>64</a:t>
-            </a:fld>
-            <a:endParaRPr lang="en-US"/>
-          </a:p>
-        </p:txBody>
-      </p:sp>
-    </p:spTree>
-  </p:cSld>
-  <p:clrMapOvr>
-    <a:masterClrMapping/>
-  </p:clrMapOvr>
-  <p:timing>
-    <p:tnLst>
-      <p:par>
-        <p:cTn id="1" dur="indefinite" restart="never" nodeType="tmRoot"/>
-      </p:par>
-    </p:tnLst>
-  </p:timing>
-</p:sld>
-</file>
-
-<file path=ppt/slides/slide65.xml><?xml version="1.0" encoding="utf-8"?>
-<p:sld xmlns:a="http://schemas.openxmlformats.org/drawingml/2006/main" xmlns:r="http://schemas.openxmlformats.org/officeDocument/2006/relationships" xmlns:p="http://schemas.openxmlformats.org/presentationml/2006/main">
-  <p:cSld>
-    <p:spTree>
-      <p:nvGrpSpPr>
-        <p:cNvPr id="1" name=""/>
-        <p:cNvGrpSpPr/>
-        <p:nvPr/>
-      </p:nvGrpSpPr>
-      <p:grpSpPr>
-        <a:xfrm>
-          <a:off x="0" y="0"/>
-          <a:ext cx="0" cy="0"/>
-          <a:chOff x="0" y="0"/>
-          <a:chExt cx="0" cy="0"/>
-        </a:xfrm>
-      </p:grpSpPr>
-      <p:sp>
-        <p:nvSpPr>
-          <p:cNvPr id="40962" name="Rectangle 2"/>
-          <p:cNvSpPr>
-            <a:spLocks noGrp="1" noChangeArrowheads="1"/>
-          </p:cNvSpPr>
-          <p:nvPr>
-            <p:ph type="title"/>
-          </p:nvPr>
-        </p:nvSpPr>
-        <p:spPr/>
-        <p:txBody>
-          <a:bodyPr/>
-          <a:lstStyle/>
-          <a:p>
-            <a:pPr algn="l" eaLnBrk="1" hangingPunct="1"/>
-            <a:r>
-              <a:rPr lang="en-US" dirty="0" smtClean="0"/>
-              <a:t>Solow model  </a:t>
-            </a:r>
-          </a:p>
-        </p:txBody>
-      </p:sp>
-      <p:sp>
-        <p:nvSpPr>
-          <p:cNvPr id="40963" name="Rectangle 3"/>
-          <p:cNvSpPr>
-            <a:spLocks noGrp="1" noChangeArrowheads="1"/>
-          </p:cNvSpPr>
-          <p:nvPr>
-            <p:ph type="body" idx="1"/>
-          </p:nvPr>
-        </p:nvSpPr>
-        <p:spPr>
-          <a:xfrm>
-            <a:off x="457200" y="1600200"/>
-            <a:ext cx="8229600" cy="2743200"/>
-          </a:xfrm>
-        </p:spPr>
-        <p:txBody>
-          <a:bodyPr/>
-          <a:lstStyle/>
-          <a:p>
-            <a:pPr eaLnBrk="1" hangingPunct="1">
-              <a:lnSpc>
-                <a:spcPct val="90000"/>
-              </a:lnSpc>
-              <a:spcBef>
-                <a:spcPct val="50000"/>
-              </a:spcBef>
-              <a:spcAft>
-                <a:spcPts val="600"/>
-              </a:spcAft>
-            </a:pPr>
-            <a:r>
-              <a:rPr lang="en-US" sz="2400" dirty="0" smtClean="0"/>
-              <a:t>How it works </a:t>
-            </a:r>
-          </a:p>
-          <a:p>
-            <a:pPr lvl="1" eaLnBrk="1" hangingPunct="1">
-              <a:lnSpc>
-                <a:spcPct val="90000"/>
-              </a:lnSpc>
-              <a:spcBef>
-                <a:spcPts val="1200"/>
-              </a:spcBef>
-            </a:pPr>
-            <a:r>
-              <a:rPr lang="en-US" sz="2000" dirty="0" smtClean="0"/>
-              <a:t>Saving finances capital accumulation</a:t>
-            </a:r>
-          </a:p>
-          <a:p>
-            <a:pPr lvl="1" eaLnBrk="1" hangingPunct="1">
-              <a:lnSpc>
-                <a:spcPct val="90000"/>
-              </a:lnSpc>
-              <a:spcBef>
-                <a:spcPts val="1200"/>
-              </a:spcBef>
-            </a:pPr>
-            <a:r>
-              <a:rPr lang="en-US" sz="2000" dirty="0" smtClean="0"/>
-              <a:t>More capital leads to greater output </a:t>
-            </a:r>
-          </a:p>
-          <a:p>
-            <a:pPr lvl="1" eaLnBrk="1" hangingPunct="1">
-              <a:lnSpc>
-                <a:spcPct val="90000"/>
-              </a:lnSpc>
-              <a:spcBef>
-                <a:spcPts val="1200"/>
-              </a:spcBef>
-            </a:pPr>
-            <a:r>
-              <a:rPr lang="en-US" sz="2000" dirty="0" smtClean="0"/>
-              <a:t>Impact eventually tails off:  diminishing marginal product of capital </a:t>
-            </a:r>
-          </a:p>
-        </p:txBody>
-      </p:sp>
-      <p:sp>
-        <p:nvSpPr>
-          <p:cNvPr id="6" name="Slide Number Placeholder 5"/>
-          <p:cNvSpPr>
-            <a:spLocks noGrp="1"/>
-          </p:cNvSpPr>
-          <p:nvPr>
-            <p:ph type="sldNum" sz="quarter" idx="12"/>
-          </p:nvPr>
-        </p:nvSpPr>
-        <p:spPr/>
-        <p:txBody>
-          <a:bodyPr/>
-          <a:lstStyle/>
-          <a:p>
-            <a:pPr>
-              <a:defRPr/>
-            </a:pPr>
-            <a:fld id="{8617ACB6-EADE-4263-B932-20C3691C3C1F}" type="slidenum">
               <a:rPr lang="en-US" smtClean="0"/>
               <a:pPr>
                 <a:defRPr/>
@@ -36954,7 +36954,7 @@
             <a:pPr algn="l" eaLnBrk="1" hangingPunct="1"/>
             <a:r>
               <a:rPr lang="en-US" dirty="0" smtClean="0"/>
-              <a:t>Solow model:  equations 	  </a:t>
+              <a:t>Solow model  </a:t>
             </a:r>
           </a:p>
         </p:txBody>
@@ -36979,222 +36979,62 @@
           <a:bodyPr/>
           <a:lstStyle/>
           <a:p>
-            <a:pPr>
+            <a:pPr eaLnBrk="1" hangingPunct="1">
               <a:lnSpc>
                 <a:spcPct val="90000"/>
               </a:lnSpc>
               <a:spcBef>
                 <a:spcPct val="50000"/>
               </a:spcBef>
+              <a:spcAft>
+                <a:spcPts val="600"/>
+              </a:spcAft>
             </a:pPr>
             <a:r>
               <a:rPr lang="en-US" sz="2400" dirty="0" smtClean="0"/>
-              <a:t>Production function:</a:t>
-            </a:r>
-          </a:p>
-          <a:p>
-            <a:pPr algn="ctr">
+              <a:t>How it works </a:t>
+            </a:r>
+          </a:p>
+          <a:p>
+            <a:pPr lvl="1" eaLnBrk="1" hangingPunct="1">
               <a:lnSpc>
                 <a:spcPct val="90000"/>
               </a:lnSpc>
               <a:spcBef>
-                <a:spcPct val="50000"/>
+                <a:spcPts val="1200"/>
               </a:spcBef>
-              <a:buFontTx/>
-              <a:buNone/>
-            </a:pPr>
-            <a:r>
-              <a:rPr lang="en-US" sz="2400" dirty="0" smtClean="0"/>
-              <a:t>Y  =  A K</a:t>
-            </a:r>
-            <a:r>
-              <a:rPr lang="el-GR" sz="2400" baseline="30000" dirty="0" smtClean="0">
-                <a:cs typeface="Times New Roman" pitchFamily="18" charset="0"/>
-              </a:rPr>
-              <a:t>α</a:t>
-            </a:r>
-            <a:r>
-              <a:rPr lang="en-US" sz="2400" baseline="30000" dirty="0" smtClean="0">
-                <a:cs typeface="Times New Roman" pitchFamily="18" charset="0"/>
-              </a:rPr>
-              <a:t> </a:t>
-            </a:r>
-            <a:r>
-              <a:rPr lang="en-US" sz="2400" dirty="0" smtClean="0">
-                <a:cs typeface="Times New Roman" pitchFamily="18" charset="0"/>
-              </a:rPr>
-              <a:t>L</a:t>
-            </a:r>
-            <a:r>
-              <a:rPr lang="en-US" sz="2400" baseline="30000" dirty="0" smtClean="0">
-                <a:cs typeface="Times New Roman" pitchFamily="18" charset="0"/>
-              </a:rPr>
-              <a:t>1-</a:t>
-            </a:r>
-            <a:r>
-              <a:rPr lang="el-GR" sz="2400" baseline="30000" dirty="0" smtClean="0">
-                <a:cs typeface="Times New Roman" pitchFamily="18" charset="0"/>
-              </a:rPr>
-              <a:t>α</a:t>
-            </a:r>
-            <a:r>
-              <a:rPr lang="en-US" sz="2400" baseline="30000" dirty="0" smtClean="0">
-                <a:cs typeface="Times New Roman" pitchFamily="18" charset="0"/>
-              </a:rPr>
-              <a:t> </a:t>
-            </a:r>
-            <a:r>
-              <a:rPr lang="en-US" sz="2400" dirty="0" smtClean="0">
-                <a:cs typeface="Times New Roman" pitchFamily="18" charset="0"/>
-              </a:rPr>
-              <a:t> </a:t>
-            </a:r>
-          </a:p>
-          <a:p>
-            <a:pPr>
+            </a:pPr>
+            <a:r>
+              <a:rPr lang="en-US" sz="2000" dirty="0" smtClean="0"/>
+              <a:t>Saving finances capital accumulation</a:t>
+            </a:r>
+          </a:p>
+          <a:p>
+            <a:pPr lvl="1" eaLnBrk="1" hangingPunct="1">
               <a:lnSpc>
                 <a:spcPct val="90000"/>
               </a:lnSpc>
               <a:spcBef>
-                <a:spcPct val="50000"/>
+                <a:spcPts val="1200"/>
               </a:spcBef>
             </a:pPr>
             <a:r>
-              <a:rPr lang="en-US" sz="2400" dirty="0" smtClean="0"/>
-              <a:t>Flow identity:</a:t>
-            </a:r>
-          </a:p>
-          <a:p>
-            <a:pPr algn="ctr">
+              <a:rPr lang="en-US" sz="2000" dirty="0" smtClean="0"/>
+              <a:t>More capital leads to greater output </a:t>
+            </a:r>
+          </a:p>
+          <a:p>
+            <a:pPr lvl="1" eaLnBrk="1" hangingPunct="1">
               <a:lnSpc>
                 <a:spcPct val="90000"/>
               </a:lnSpc>
               <a:spcBef>
-                <a:spcPct val="50000"/>
+                <a:spcPts val="1200"/>
               </a:spcBef>
-              <a:buFontTx/>
-              <a:buNone/>
-            </a:pPr>
-            <a:r>
-              <a:rPr lang="en-US" sz="2400" dirty="0" smtClean="0">
-                <a:cs typeface="Times New Roman" pitchFamily="18" charset="0"/>
-              </a:rPr>
-              <a:t>S  =  I</a:t>
-            </a:r>
-            <a:endParaRPr lang="en-US" sz="2400" dirty="0" smtClean="0"/>
-          </a:p>
-          <a:p>
-            <a:pPr>
-              <a:lnSpc>
-                <a:spcPct val="90000"/>
-              </a:lnSpc>
-              <a:spcBef>
-                <a:spcPct val="50000"/>
-              </a:spcBef>
-            </a:pPr>
-            <a:r>
-              <a:rPr lang="en-US" sz="2400" dirty="0" smtClean="0"/>
-              <a:t>Saving: </a:t>
-            </a:r>
-          </a:p>
-          <a:p>
-            <a:pPr algn="ctr">
-              <a:lnSpc>
-                <a:spcPct val="90000"/>
-              </a:lnSpc>
-              <a:spcBef>
-                <a:spcPct val="50000"/>
-              </a:spcBef>
-              <a:buFontTx/>
-              <a:buNone/>
-            </a:pPr>
-            <a:r>
-              <a:rPr lang="en-US" sz="2400" dirty="0" smtClean="0"/>
-              <a:t>S  =  </a:t>
-            </a:r>
-            <a:r>
-              <a:rPr lang="en-US" sz="2400" dirty="0" err="1" smtClean="0"/>
-              <a:t>sY</a:t>
-            </a:r>
-            <a:r>
-              <a:rPr lang="en-US" sz="2400" dirty="0" smtClean="0"/>
-              <a:t> </a:t>
-            </a:r>
-          </a:p>
-          <a:p>
-            <a:pPr>
-              <a:lnSpc>
-                <a:spcPct val="90000"/>
-              </a:lnSpc>
-              <a:spcBef>
-                <a:spcPct val="50000"/>
-              </a:spcBef>
-            </a:pPr>
-            <a:r>
-              <a:rPr lang="en-US" sz="2400" dirty="0" smtClean="0"/>
-              <a:t>Capital stock:   </a:t>
-            </a:r>
-          </a:p>
-          <a:p>
-            <a:pPr algn="ctr">
-              <a:lnSpc>
-                <a:spcPct val="90000"/>
-              </a:lnSpc>
-              <a:spcBef>
-                <a:spcPct val="50000"/>
-              </a:spcBef>
-              <a:buFontTx/>
-              <a:buNone/>
-            </a:pPr>
-            <a:r>
-              <a:rPr lang="en-US" sz="2400" dirty="0" smtClean="0">
-                <a:cs typeface="Times New Roman" pitchFamily="18" charset="0"/>
-              </a:rPr>
-              <a:t>K</a:t>
-            </a:r>
-            <a:r>
-              <a:rPr lang="en-US" sz="2400" baseline="-25000" dirty="0" smtClean="0">
-                <a:cs typeface="Times New Roman" pitchFamily="18" charset="0"/>
-              </a:rPr>
-              <a:t>t+1</a:t>
-            </a:r>
-            <a:r>
-              <a:rPr lang="en-US" sz="2400" dirty="0" smtClean="0">
-                <a:cs typeface="Times New Roman" pitchFamily="18" charset="0"/>
-              </a:rPr>
-              <a:t> – K</a:t>
-            </a:r>
-            <a:r>
-              <a:rPr lang="en-US" sz="2400" baseline="-25000" dirty="0" smtClean="0">
-                <a:cs typeface="Times New Roman" pitchFamily="18" charset="0"/>
-              </a:rPr>
-              <a:t>t</a:t>
-            </a:r>
-            <a:r>
-              <a:rPr lang="en-US" sz="2400" dirty="0" smtClean="0">
-                <a:cs typeface="Times New Roman" pitchFamily="18" charset="0"/>
-              </a:rPr>
-              <a:t>  =  </a:t>
-            </a:r>
-            <a:r>
-              <a:rPr lang="el-GR" sz="2400" dirty="0" smtClean="0">
-                <a:cs typeface="Times New Roman" pitchFamily="18" charset="0"/>
-              </a:rPr>
-              <a:t>Δ</a:t>
-            </a:r>
-            <a:r>
-              <a:rPr lang="en-US" sz="2400" dirty="0" smtClean="0"/>
-              <a:t>K  =  I – </a:t>
-            </a:r>
-            <a:r>
-              <a:rPr lang="el-GR" sz="2400" dirty="0" smtClean="0">
-                <a:cs typeface="Times New Roman" pitchFamily="18" charset="0"/>
-              </a:rPr>
-              <a:t>δ</a:t>
-            </a:r>
-            <a:r>
-              <a:rPr lang="en-US" sz="2400" dirty="0" smtClean="0"/>
-              <a:t>K</a:t>
+            </a:pPr>
+            <a:r>
+              <a:rPr lang="en-US" sz="2000" dirty="0" smtClean="0"/>
+              <a:t>Impact eventually tails off:  diminishing marginal product of capital </a:t>
             </a:r>
           </a:p>
         </p:txBody>
@@ -37278,7 +37118,7 @@
             <a:pPr algn="l" eaLnBrk="1" hangingPunct="1"/>
             <a:r>
               <a:rPr lang="en-US" dirty="0" smtClean="0"/>
-              <a:t>Solow model:  analysis	  </a:t>
+              <a:t>Solow model:  equations 	  </a:t>
             </a:r>
           </a:p>
         </p:txBody>
@@ -37296,7 +37136,7 @@
         <p:spPr>
           <a:xfrm>
             <a:off x="457200" y="1600200"/>
-            <a:ext cx="8229600" cy="4038600"/>
+            <a:ext cx="8229600" cy="2743200"/>
           </a:xfrm>
         </p:spPr>
         <p:txBody>
@@ -37313,11 +37153,11 @@
             </a:pPr>
             <a:r>
               <a:rPr lang="en-US" sz="2400" dirty="0" smtClean="0"/>
-              <a:t>“Analysis” here means we substitute like crazy</a:t>
-            </a:r>
-          </a:p>
-          <a:p>
-            <a:pPr>
+              <a:t>Production function:</a:t>
+            </a:r>
+          </a:p>
+          <a:p>
+            <a:pPr algn="ctr">
               <a:lnSpc>
                 <a:spcPct val="90000"/>
               </a:lnSpc>
@@ -37328,38 +37168,50 @@
               <a:buNone/>
             </a:pPr>
             <a:r>
+              <a:rPr lang="en-US" sz="2400" dirty="0" smtClean="0"/>
+              <a:t>Y  =  A K</a:t>
+            </a:r>
+            <a:r>
+              <a:rPr lang="el-GR" sz="2400" baseline="30000" dirty="0" smtClean="0">
+                <a:cs typeface="Times New Roman" pitchFamily="18" charset="0"/>
+              </a:rPr>
+              <a:t>α</a:t>
+            </a:r>
+            <a:r>
+              <a:rPr lang="en-US" sz="2400" baseline="30000" dirty="0" smtClean="0">
+                <a:cs typeface="Times New Roman" pitchFamily="18" charset="0"/>
+              </a:rPr>
+              <a:t> </a:t>
+            </a:r>
+            <a:r>
               <a:rPr lang="en-US" sz="2400" dirty="0" smtClean="0">
                 <a:cs typeface="Times New Roman" pitchFamily="18" charset="0"/>
               </a:rPr>
-              <a:t>				</a:t>
-            </a:r>
-            <a:r>
-              <a:rPr lang="el-GR" sz="2400" dirty="0" smtClean="0">
+              <a:t>L</a:t>
+            </a:r>
+            <a:r>
+              <a:rPr lang="en-US" sz="2400" baseline="30000" dirty="0" smtClean="0">
                 <a:cs typeface="Times New Roman" pitchFamily="18" charset="0"/>
               </a:rPr>
-              <a:t>Δ</a:t>
-            </a:r>
-            <a:r>
-              <a:rPr lang="en-US" sz="2400" dirty="0" smtClean="0"/>
-              <a:t>K =  </a:t>
-            </a:r>
-            <a:r>
-              <a:rPr lang="en-US" sz="2400" dirty="0" err="1" smtClean="0"/>
-              <a:t>sY</a:t>
-            </a:r>
-            <a:r>
-              <a:rPr lang="en-US" sz="2400" dirty="0" smtClean="0"/>
-              <a:t> – </a:t>
-            </a:r>
-            <a:r>
-              <a:rPr lang="el-GR" sz="2400" dirty="0" smtClean="0">
+              <a:t>1-</a:t>
+            </a:r>
+            <a:r>
+              <a:rPr lang="el-GR" sz="2400" baseline="30000" dirty="0" smtClean="0">
                 <a:cs typeface="Times New Roman" pitchFamily="18" charset="0"/>
               </a:rPr>
-              <a:t>δ</a:t>
-            </a:r>
-            <a:r>
-              <a:rPr lang="en-US" sz="2400" dirty="0" smtClean="0"/>
-              <a:t>K </a:t>
+              <a:t>α</a:t>
+            </a:r>
+            <a:r>
+              <a:rPr lang="en-US" sz="2400" baseline="30000" dirty="0" smtClean="0">
+                <a:cs typeface="Times New Roman" pitchFamily="18" charset="0"/>
+              </a:rPr>
+              <a:t> </a:t>
+            </a:r>
+            <a:r>
+              <a:rPr lang="en-US" sz="2400" dirty="0" smtClean="0">
+                <a:cs typeface="Times New Roman" pitchFamily="18" charset="0"/>
+              </a:rPr>
+              <a:t> </a:t>
             </a:r>
           </a:p>
           <a:p>
@@ -37370,75 +37222,30 @@
               <a:spcBef>
                 <a:spcPct val="50000"/>
               </a:spcBef>
+            </a:pPr>
+            <a:r>
+              <a:rPr lang="en-US" sz="2400" dirty="0" smtClean="0"/>
+              <a:t>Flow identity:</a:t>
+            </a:r>
+          </a:p>
+          <a:p>
+            <a:pPr algn="ctr">
+              <a:lnSpc>
+                <a:spcPct val="90000"/>
+              </a:lnSpc>
+              <a:spcBef>
+                <a:spcPct val="50000"/>
+              </a:spcBef>
+              <a:buFontTx/>
               <a:buNone/>
             </a:pPr>
-            <a:r>
-              <a:rPr lang="en-US" sz="2400" dirty="0" smtClean="0"/>
-              <a:t>				       =  </a:t>
-            </a:r>
-            <a:r>
-              <a:rPr lang="en-US" sz="2400" dirty="0" err="1" smtClean="0"/>
-              <a:t>sAK</a:t>
-            </a:r>
-            <a:r>
-              <a:rPr lang="el-GR" sz="2400" baseline="30000" dirty="0" smtClean="0">
-                <a:cs typeface="Times New Roman" pitchFamily="18" charset="0"/>
-              </a:rPr>
-              <a:t>α</a:t>
-            </a:r>
-            <a:r>
-              <a:rPr lang="en-US" sz="2400" baseline="30000" dirty="0" smtClean="0">
-                <a:cs typeface="Times New Roman" pitchFamily="18" charset="0"/>
-              </a:rPr>
-              <a:t> </a:t>
-            </a:r>
             <a:r>
               <a:rPr lang="en-US" sz="2400" dirty="0" smtClean="0">
                 <a:cs typeface="Times New Roman" pitchFamily="18" charset="0"/>
               </a:rPr>
-              <a:t>L</a:t>
-            </a:r>
-            <a:r>
-              <a:rPr lang="en-US" sz="2400" baseline="30000" dirty="0" smtClean="0">
-                <a:cs typeface="Times New Roman" pitchFamily="18" charset="0"/>
-              </a:rPr>
-              <a:t>1-</a:t>
-            </a:r>
-            <a:r>
-              <a:rPr lang="el-GR" sz="2400" baseline="30000" dirty="0" smtClean="0">
-                <a:cs typeface="Times New Roman" pitchFamily="18" charset="0"/>
-              </a:rPr>
-              <a:t>α</a:t>
-            </a:r>
-            <a:r>
-              <a:rPr lang="en-US" sz="2400" baseline="30000" dirty="0" smtClean="0">
-                <a:cs typeface="Times New Roman" pitchFamily="18" charset="0"/>
-              </a:rPr>
-              <a:t> </a:t>
-            </a:r>
-            <a:r>
-              <a:rPr lang="en-US" sz="2400" dirty="0" smtClean="0">
-                <a:cs typeface="Times New Roman" pitchFamily="18" charset="0"/>
-              </a:rPr>
-              <a:t> </a:t>
-            </a:r>
-            <a:r>
-              <a:rPr lang="en-US" sz="2400" dirty="0" smtClean="0"/>
-              <a:t>– </a:t>
-            </a:r>
-            <a:r>
-              <a:rPr lang="el-GR" sz="2400" dirty="0" smtClean="0">
-                <a:cs typeface="Times New Roman" pitchFamily="18" charset="0"/>
-              </a:rPr>
-              <a:t>δ</a:t>
-            </a:r>
-            <a:r>
-              <a:rPr lang="en-US" sz="2400" dirty="0" smtClean="0"/>
-              <a:t>K </a:t>
-            </a:r>
-            <a:endParaRPr lang="en-US" sz="2400" dirty="0" smtClean="0">
-              <a:cs typeface="Times New Roman" pitchFamily="18" charset="0"/>
-            </a:endParaRPr>
+              <a:t>S  =  I</a:t>
+            </a:r>
+            <a:endParaRPr lang="en-US" sz="2400" dirty="0" smtClean="0"/>
           </a:p>
           <a:p>
             <a:pPr>
@@ -37451,7 +37258,31 @@
             </a:pPr>
             <a:r>
               <a:rPr lang="en-US" sz="2400" dirty="0" smtClean="0"/>
-              <a:t>For the time being, A, L don’t change </a:t>
+              <a:t>Saving: </a:t>
+            </a:r>
+          </a:p>
+          <a:p>
+            <a:pPr algn="ctr">
+              <a:lnSpc>
+                <a:spcPct val="90000"/>
+              </a:lnSpc>
+              <a:spcBef>
+                <a:spcPct val="50000"/>
+              </a:spcBef>
+              <a:buFontTx/>
+              <a:buNone/>
+            </a:pPr>
+            <a:r>
+              <a:rPr lang="en-US" sz="2400" dirty="0" smtClean="0"/>
+              <a:t>S  =  </a:t>
+            </a:r>
+            <a:r>
+              <a:rPr lang="en-US" sz="2400" dirty="0" err="1" smtClean="0"/>
+              <a:t>sY</a:t>
+            </a:r>
+            <a:r>
+              <a:rPr lang="en-US" sz="2400" dirty="0" smtClean="0"/>
+              <a:t> </a:t>
             </a:r>
           </a:p>
           <a:p>
@@ -37465,63 +37296,69 @@
             </a:pPr>
             <a:r>
               <a:rPr lang="en-US" sz="2400" dirty="0" smtClean="0"/>
-              <a:t>Two competing forces on K </a:t>
-            </a:r>
-          </a:p>
-          <a:p>
-            <a:pPr lvl="1">
+              <a:t>Capital stock:   </a:t>
+            </a:r>
+          </a:p>
+          <a:p>
+            <a:pPr algn="ctr">
               <a:lnSpc>
                 <a:spcPct val="90000"/>
               </a:lnSpc>
               <a:spcBef>
                 <a:spcPct val="50000"/>
               </a:spcBef>
-            </a:pPr>
-            <a:r>
-              <a:rPr lang="en-US" sz="2000" dirty="0" smtClean="0"/>
-              <a:t>Depreciation drives K down </a:t>
-            </a:r>
-          </a:p>
-          <a:p>
-            <a:pPr lvl="1">
-              <a:lnSpc>
-                <a:spcPct val="90000"/>
-              </a:lnSpc>
-              <a:spcBef>
-                <a:spcPct val="50000"/>
-              </a:spcBef>
-            </a:pPr>
-            <a:r>
-              <a:rPr lang="en-US" sz="2000" dirty="0" smtClean="0"/>
-              <a:t>Saving drives K up</a:t>
-            </a:r>
-          </a:p>
-          <a:p>
-            <a:pPr lvl="1">
-              <a:lnSpc>
-                <a:spcPct val="90000"/>
-              </a:lnSpc>
-              <a:spcBef>
-                <a:spcPct val="50000"/>
-              </a:spcBef>
-            </a:pPr>
-            <a:r>
-              <a:rPr lang="en-US" sz="2000" dirty="0" smtClean="0"/>
-              <a:t>Which is stronger? </a:t>
-            </a:r>
-          </a:p>
-          <a:p>
-            <a:pPr lvl="1">
-              <a:lnSpc>
-                <a:spcPct val="90000"/>
-              </a:lnSpc>
-              <a:spcBef>
-                <a:spcPct val="50000"/>
-              </a:spcBef>
-            </a:pPr>
-            <a:r>
-              <a:rPr lang="en-US" sz="2000" dirty="0" smtClean="0"/>
-              <a:t>Where does diminishing returns show up?   </a:t>
+              <a:buFontTx/>
+              <a:buNone/>
+            </a:pPr>
+            <a:r>
+              <a:rPr lang="en-US" sz="2400" dirty="0" smtClean="0">
+                <a:cs typeface="Times New Roman" pitchFamily="18" charset="0"/>
+              </a:rPr>
+              <a:t>K</a:t>
+            </a:r>
+            <a:r>
+              <a:rPr lang="en-US" sz="2400" baseline="-25000" dirty="0" smtClean="0">
+                <a:cs typeface="Times New Roman" pitchFamily="18" charset="0"/>
+              </a:rPr>
+              <a:t>t+1</a:t>
+            </a:r>
+            <a:r>
+              <a:rPr lang="en-US" sz="2400" dirty="0" smtClean="0">
+                <a:cs typeface="Times New Roman" pitchFamily="18" charset="0"/>
+              </a:rPr>
+              <a:t> – K</a:t>
+            </a:r>
+            <a:r>
+              <a:rPr lang="en-US" sz="2400" baseline="-25000" dirty="0" smtClean="0">
+                <a:cs typeface="Times New Roman" pitchFamily="18" charset="0"/>
+              </a:rPr>
+              <a:t>t</a:t>
+            </a:r>
+            <a:r>
+              <a:rPr lang="en-US" sz="2400" dirty="0" smtClean="0">
+                <a:cs typeface="Times New Roman" pitchFamily="18" charset="0"/>
+              </a:rPr>
+              <a:t>  =  </a:t>
+            </a:r>
+            <a:r>
+              <a:rPr lang="el-GR" sz="2400" dirty="0" smtClean="0">
+                <a:cs typeface="Times New Roman" pitchFamily="18" charset="0"/>
+              </a:rPr>
+              <a:t>Δ</a:t>
+            </a:r>
+            <a:r>
+              <a:rPr lang="en-US" sz="2400" dirty="0" smtClean="0"/>
+              <a:t>K  =  I – </a:t>
+            </a:r>
+            <a:r>
+              <a:rPr lang="el-GR" sz="2400" dirty="0" smtClean="0">
+                <a:cs typeface="Times New Roman" pitchFamily="18" charset="0"/>
+              </a:rPr>
+              <a:t>δ</a:t>
+            </a:r>
+            <a:r>
+              <a:rPr lang="en-US" sz="2400" dirty="0" smtClean="0"/>
+              <a:t>K</a:t>
             </a:r>
           </a:p>
         </p:txBody>
@@ -37605,7 +37442,250 @@
             <a:pPr algn="l" eaLnBrk="1" hangingPunct="1"/>
             <a:r>
               <a:rPr lang="en-US" dirty="0" smtClean="0"/>
-              <a:t>Solow model:  dynamics	  </a:t>
+              <a:t>Solow model:  analysis	  </a:t>
+            </a:r>
+          </a:p>
+        </p:txBody>
+      </p:sp>
+      <p:sp>
+        <p:nvSpPr>
+          <p:cNvPr id="40963" name="Rectangle 3"/>
+          <p:cNvSpPr>
+            <a:spLocks noGrp="1" noChangeArrowheads="1"/>
+          </p:cNvSpPr>
+          <p:nvPr>
+            <p:ph type="body" idx="1"/>
+          </p:nvPr>
+        </p:nvSpPr>
+        <p:spPr>
+          <a:xfrm>
+            <a:off x="457200" y="1600200"/>
+            <a:ext cx="8229600" cy="4038600"/>
+          </a:xfrm>
+        </p:spPr>
+        <p:txBody>
+          <a:bodyPr/>
+          <a:lstStyle/>
+          <a:p>
+            <a:pPr>
+              <a:lnSpc>
+                <a:spcPct val="90000"/>
+              </a:lnSpc>
+              <a:spcBef>
+                <a:spcPct val="50000"/>
+              </a:spcBef>
+            </a:pPr>
+            <a:r>
+              <a:rPr lang="en-US" sz="2400" dirty="0" smtClean="0"/>
+              <a:t>“Analysis” here means we substitute like crazy</a:t>
+            </a:r>
+          </a:p>
+          <a:p>
+            <a:pPr>
+              <a:lnSpc>
+                <a:spcPct val="90000"/>
+              </a:lnSpc>
+              <a:spcBef>
+                <a:spcPct val="50000"/>
+              </a:spcBef>
+              <a:buFontTx/>
+              <a:buNone/>
+            </a:pPr>
+            <a:r>
+              <a:rPr lang="en-US" sz="2400" dirty="0" smtClean="0">
+                <a:cs typeface="Times New Roman" pitchFamily="18" charset="0"/>
+              </a:rPr>
+              <a:t>				</a:t>
+            </a:r>
+            <a:r>
+              <a:rPr lang="el-GR" sz="2400" dirty="0" smtClean="0">
+                <a:cs typeface="Times New Roman" pitchFamily="18" charset="0"/>
+              </a:rPr>
+              <a:t>Δ</a:t>
+            </a:r>
+            <a:r>
+              <a:rPr lang="en-US" sz="2400" dirty="0" smtClean="0"/>
+              <a:t>K =  </a:t>
+            </a:r>
+            <a:r>
+              <a:rPr lang="en-US" sz="2400" dirty="0" err="1" smtClean="0"/>
+              <a:t>sY</a:t>
+            </a:r>
+            <a:r>
+              <a:rPr lang="en-US" sz="2400" dirty="0" smtClean="0"/>
+              <a:t> – </a:t>
+            </a:r>
+            <a:r>
+              <a:rPr lang="el-GR" sz="2400" dirty="0" smtClean="0">
+                <a:cs typeface="Times New Roman" pitchFamily="18" charset="0"/>
+              </a:rPr>
+              <a:t>δ</a:t>
+            </a:r>
+            <a:r>
+              <a:rPr lang="en-US" sz="2400" dirty="0" smtClean="0"/>
+              <a:t>K </a:t>
+            </a:r>
+          </a:p>
+          <a:p>
+            <a:pPr>
+              <a:lnSpc>
+                <a:spcPct val="90000"/>
+              </a:lnSpc>
+              <a:spcBef>
+                <a:spcPct val="50000"/>
+              </a:spcBef>
+              <a:buNone/>
+            </a:pPr>
+            <a:r>
+              <a:rPr lang="en-US" sz="2400" dirty="0" smtClean="0"/>
+              <a:t>				       =  </a:t>
+            </a:r>
+            <a:r>
+              <a:rPr lang="en-US" sz="2400" dirty="0" err="1" smtClean="0"/>
+              <a:t>sAK</a:t>
+            </a:r>
+            <a:r>
+              <a:rPr lang="el-GR" sz="2400" baseline="30000" dirty="0" smtClean="0">
+                <a:cs typeface="Times New Roman" pitchFamily="18" charset="0"/>
+              </a:rPr>
+              <a:t>α</a:t>
+            </a:r>
+            <a:r>
+              <a:rPr lang="en-US" sz="2400" baseline="30000" dirty="0" smtClean="0">
+                <a:cs typeface="Times New Roman" pitchFamily="18" charset="0"/>
+              </a:rPr>
+              <a:t> </a:t>
+            </a:r>
+            <a:r>
+              <a:rPr lang="en-US" sz="2400" dirty="0" smtClean="0">
+                <a:cs typeface="Times New Roman" pitchFamily="18" charset="0"/>
+              </a:rPr>
+              <a:t>L</a:t>
+            </a:r>
+            <a:r>
+              <a:rPr lang="en-US" sz="2400" baseline="30000" dirty="0" smtClean="0">
+                <a:cs typeface="Times New Roman" pitchFamily="18" charset="0"/>
+              </a:rPr>
+              <a:t>1-</a:t>
+            </a:r>
+            <a:r>
+              <a:rPr lang="el-GR" sz="2400" baseline="30000" dirty="0" smtClean="0">
+                <a:cs typeface="Times New Roman" pitchFamily="18" charset="0"/>
+              </a:rPr>
+              <a:t>α</a:t>
+            </a:r>
+            <a:r>
+              <a:rPr lang="en-US" sz="2400" baseline="30000" dirty="0" smtClean="0">
+                <a:cs typeface="Times New Roman" pitchFamily="18" charset="0"/>
+              </a:rPr>
+              <a:t> </a:t>
+            </a:r>
+            <a:r>
+              <a:rPr lang="en-US" sz="2400" dirty="0" smtClean="0">
+                <a:cs typeface="Times New Roman" pitchFamily="18" charset="0"/>
+              </a:rPr>
+              <a:t> </a:t>
+            </a:r>
+            <a:r>
+              <a:rPr lang="en-US" sz="2400" dirty="0" smtClean="0"/>
+              <a:t>– </a:t>
+            </a:r>
+            <a:r>
+              <a:rPr lang="el-GR" sz="2400" dirty="0" smtClean="0">
+                <a:cs typeface="Times New Roman" pitchFamily="18" charset="0"/>
+              </a:rPr>
+              <a:t>δ</a:t>
+            </a:r>
+            <a:r>
+              <a:rPr lang="en-US" sz="2400" dirty="0" smtClean="0"/>
+              <a:t>K </a:t>
+            </a:r>
+            <a:endParaRPr lang="en-US" sz="2400" dirty="0" smtClean="0">
+              <a:cs typeface="Times New Roman" pitchFamily="18" charset="0"/>
+            </a:endParaRPr>
+          </a:p>
+          <a:p>
+            <a:pPr>
+              <a:lnSpc>
+                <a:spcPct val="90000"/>
+              </a:lnSpc>
+              <a:spcBef>
+                <a:spcPct val="50000"/>
+              </a:spcBef>
+            </a:pPr>
+            <a:r>
+              <a:rPr lang="en-US" sz="2400" dirty="0" smtClean="0"/>
+              <a:t>For the time being, A, L don’t change </a:t>
+            </a:r>
+          </a:p>
+          <a:p>
+            <a:pPr>
+              <a:lnSpc>
+                <a:spcPct val="90000"/>
+              </a:lnSpc>
+              <a:spcBef>
+                <a:spcPct val="50000"/>
+              </a:spcBef>
+            </a:pPr>
+            <a:r>
+              <a:rPr lang="en-US" sz="2400" dirty="0" smtClean="0"/>
+              <a:t>Two competing forces on K </a:t>
+            </a:r>
+          </a:p>
+          <a:p>
+            <a:pPr lvl="1">
+              <a:lnSpc>
+                <a:spcPct val="90000"/>
+              </a:lnSpc>
+              <a:spcBef>
+                <a:spcPct val="50000"/>
+              </a:spcBef>
+            </a:pPr>
+            <a:r>
+              <a:rPr lang="en-US" sz="2000" dirty="0" smtClean="0"/>
+              <a:t>Depreciation drives K down </a:t>
+            </a:r>
+          </a:p>
+          <a:p>
+            <a:pPr lvl="1">
+              <a:lnSpc>
+                <a:spcPct val="90000"/>
+              </a:lnSpc>
+              <a:spcBef>
+                <a:spcPct val="50000"/>
+              </a:spcBef>
+            </a:pPr>
+            <a:r>
+              <a:rPr lang="en-US" sz="2000" dirty="0" smtClean="0"/>
+              <a:t>Saving drives K up</a:t>
+            </a:r>
+          </a:p>
+          <a:p>
+            <a:pPr lvl="1">
+              <a:lnSpc>
+                <a:spcPct val="90000"/>
+              </a:lnSpc>
+              <a:spcBef>
+                <a:spcPct val="50000"/>
+              </a:spcBef>
+            </a:pPr>
+            <a:r>
+              <a:rPr lang="en-US" sz="2000" dirty="0" smtClean="0"/>
+              <a:t>Which is stronger? </a:t>
+            </a:r>
+          </a:p>
+          <a:p>
+            <a:pPr lvl="1">
+              <a:lnSpc>
+                <a:spcPct val="90000"/>
+              </a:lnSpc>
+              <a:spcBef>
+                <a:spcPct val="50000"/>
+              </a:spcBef>
+            </a:pPr>
+            <a:r>
+              <a:rPr lang="en-US" sz="2000" dirty="0" smtClean="0"/>
+              <a:t>Where does diminishing returns show up?   </a:t>
             </a:r>
           </a:p>
         </p:txBody>
@@ -37634,6 +37714,90 @@
                 <a:defRPr/>
               </a:pPr>
               <a:t>68</a:t>
+            </a:fld>
+            <a:endParaRPr lang="en-US"/>
+          </a:p>
+        </p:txBody>
+      </p:sp>
+    </p:spTree>
+  </p:cSld>
+  <p:clrMapOvr>
+    <a:masterClrMapping/>
+  </p:clrMapOvr>
+  <p:timing>
+    <p:tnLst>
+      <p:par>
+        <p:cTn id="1" dur="indefinite" restart="never" nodeType="tmRoot"/>
+      </p:par>
+    </p:tnLst>
+  </p:timing>
+</p:sld>
+</file>
+
+<file path=ppt/slides/slide69.xml><?xml version="1.0" encoding="utf-8"?>
+<p:sld xmlns:a="http://schemas.openxmlformats.org/drawingml/2006/main" xmlns:r="http://schemas.openxmlformats.org/officeDocument/2006/relationships" xmlns:p="http://schemas.openxmlformats.org/presentationml/2006/main">
+  <p:cSld>
+    <p:spTree>
+      <p:nvGrpSpPr>
+        <p:cNvPr id="1" name=""/>
+        <p:cNvGrpSpPr/>
+        <p:nvPr/>
+      </p:nvGrpSpPr>
+      <p:grpSpPr>
+        <a:xfrm>
+          <a:off x="0" y="0"/>
+          <a:ext cx="0" cy="0"/>
+          <a:chOff x="0" y="0"/>
+          <a:chExt cx="0" cy="0"/>
+        </a:xfrm>
+      </p:grpSpPr>
+      <p:sp>
+        <p:nvSpPr>
+          <p:cNvPr id="40962" name="Rectangle 2"/>
+          <p:cNvSpPr>
+            <a:spLocks noGrp="1" noChangeArrowheads="1"/>
+          </p:cNvSpPr>
+          <p:nvPr>
+            <p:ph type="title"/>
+          </p:nvPr>
+        </p:nvSpPr>
+        <p:spPr/>
+        <p:txBody>
+          <a:bodyPr/>
+          <a:lstStyle/>
+          <a:p>
+            <a:pPr algn="l" eaLnBrk="1" hangingPunct="1"/>
+            <a:r>
+              <a:rPr lang="en-US" dirty="0" smtClean="0"/>
+              <a:t>Solow model:  dynamics	  </a:t>
+            </a:r>
+          </a:p>
+        </p:txBody>
+      </p:sp>
+      <p:sp>
+        <p:nvSpPr>
+          <p:cNvPr id="6" name="Slide Number Placeholder 5"/>
+          <p:cNvSpPr>
+            <a:spLocks noGrp="1"/>
+          </p:cNvSpPr>
+          <p:nvPr>
+            <p:ph type="sldNum" sz="quarter" idx="12"/>
+          </p:nvPr>
+        </p:nvSpPr>
+        <p:spPr/>
+        <p:txBody>
+          <a:bodyPr/>
+          <a:lstStyle/>
+          <a:p>
+            <a:pPr>
+              <a:defRPr/>
+            </a:pPr>
+            <a:fld id="{8617ACB6-EADE-4263-B932-20C3691C3C1F}" type="slidenum">
+              <a:rPr lang="en-US" smtClean="0"/>
+              <a:pPr>
+                <a:defRPr/>
+              </a:pPr>
+              <a:t>69</a:t>
             </a:fld>
             <a:endParaRPr lang="en-US"/>
           </a:p>
@@ -37655,7 +37819,7 @@
           <a:graphicData uri="http://schemas.openxmlformats.org/presentationml/2006/ole">
             <mc:AlternateContent xmlns:mc="http://schemas.openxmlformats.org/markup-compatibility/2006">
               <mc:Choice xmlns:v="urn:schemas-microsoft-com:vml" Requires="v">
-                <p:oleObj spid="_x0000_s70782" name="Chart" r:id="rId3" imgW="8220042" imgH="4533967" progId="MSGraph.Chart.8">
+                <p:oleObj spid="_x0000_s70786" name="Chart" r:id="rId3" imgW="8220042" imgH="4533967" progId="MSGraph.Chart.8">
                   <p:embed followColorScheme="full"/>
                 </p:oleObj>
               </mc:Choice>
@@ -37837,195 +38001,6 @@
 </p:sld>
 </file>
 
-<file path=ppt/slides/slide69.xml><?xml version="1.0" encoding="utf-8"?>
-<p:sld xmlns:a="http://schemas.openxmlformats.org/drawingml/2006/main" xmlns:r="http://schemas.openxmlformats.org/officeDocument/2006/relationships" xmlns:p="http://schemas.openxmlformats.org/presentationml/2006/main">
-  <p:cSld>
-    <p:spTree>
-      <p:nvGrpSpPr>
-        <p:cNvPr id="1" name=""/>
-        <p:cNvGrpSpPr/>
-        <p:nvPr/>
-      </p:nvGrpSpPr>
-      <p:grpSpPr>
-        <a:xfrm>
-          <a:off x="0" y="0"/>
-          <a:ext cx="0" cy="0"/>
-          <a:chOff x="0" y="0"/>
-          <a:chExt cx="0" cy="0"/>
-        </a:xfrm>
-      </p:grpSpPr>
-      <p:sp>
-        <p:nvSpPr>
-          <p:cNvPr id="40962" name="Rectangle 2"/>
-          <p:cNvSpPr>
-            <a:spLocks noGrp="1" noChangeArrowheads="1"/>
-          </p:cNvSpPr>
-          <p:nvPr>
-            <p:ph type="title"/>
-          </p:nvPr>
-        </p:nvSpPr>
-        <p:spPr/>
-        <p:txBody>
-          <a:bodyPr/>
-          <a:lstStyle/>
-          <a:p>
-            <a:pPr algn="l" eaLnBrk="1" hangingPunct="1"/>
-            <a:r>
-              <a:rPr lang="en-US" dirty="0" smtClean="0"/>
-              <a:t>Solow model:  convergence 	  </a:t>
-            </a:r>
-          </a:p>
-        </p:txBody>
-      </p:sp>
-      <p:sp>
-        <p:nvSpPr>
-          <p:cNvPr id="40963" name="Rectangle 3"/>
-          <p:cNvSpPr>
-            <a:spLocks noGrp="1" noChangeArrowheads="1"/>
-          </p:cNvSpPr>
-          <p:nvPr>
-            <p:ph type="body" idx="1"/>
-          </p:nvPr>
-        </p:nvSpPr>
-        <p:spPr>
-          <a:xfrm>
-            <a:off x="457200" y="1600200"/>
-            <a:ext cx="8229600" cy="2743200"/>
-          </a:xfrm>
-        </p:spPr>
-        <p:txBody>
-          <a:bodyPr/>
-          <a:lstStyle/>
-          <a:p>
-            <a:pPr>
-              <a:lnSpc>
-                <a:spcPct val="90000"/>
-              </a:lnSpc>
-              <a:spcBef>
-                <a:spcPct val="50000"/>
-              </a:spcBef>
-            </a:pPr>
-            <a:r>
-              <a:rPr lang="en-US" sz="2400" dirty="0" smtClean="0"/>
-              <a:t>Eventually the two forces balance </a:t>
-            </a:r>
-          </a:p>
-          <a:p>
-            <a:pPr lvl="1">
-              <a:lnSpc>
-                <a:spcPct val="90000"/>
-              </a:lnSpc>
-              <a:spcBef>
-                <a:spcPct val="50000"/>
-              </a:spcBef>
-            </a:pPr>
-            <a:r>
-              <a:rPr lang="en-US" sz="2000" dirty="0" smtClean="0"/>
-              <a:t>Capital stock eventually stops changing  </a:t>
-            </a:r>
-          </a:p>
-          <a:p>
-            <a:pPr lvl="1">
-              <a:lnSpc>
-                <a:spcPct val="90000"/>
-              </a:lnSpc>
-              <a:spcBef>
-                <a:spcPct val="50000"/>
-              </a:spcBef>
-            </a:pPr>
-            <a:r>
-              <a:rPr lang="en-US" sz="2000" dirty="0" smtClean="0"/>
-              <a:t>Output does, too </a:t>
-            </a:r>
-          </a:p>
-          <a:p>
-            <a:pPr>
-              <a:lnSpc>
-                <a:spcPct val="90000"/>
-              </a:lnSpc>
-              <a:spcBef>
-                <a:spcPct val="50000"/>
-              </a:spcBef>
-            </a:pPr>
-            <a:r>
-              <a:rPr lang="en-US" sz="2400" dirty="0" smtClean="0"/>
-              <a:t>Solow’s answer to JFK</a:t>
-            </a:r>
-          </a:p>
-          <a:p>
-            <a:pPr lvl="1">
-              <a:lnSpc>
-                <a:spcPct val="90000"/>
-              </a:lnSpc>
-              <a:spcBef>
-                <a:spcPct val="50000"/>
-              </a:spcBef>
-            </a:pPr>
-            <a:r>
-              <a:rPr lang="en-US" sz="2000" dirty="0" smtClean="0"/>
-              <a:t>USSR won’t catch up through saving alone </a:t>
-            </a:r>
-          </a:p>
-          <a:p>
-            <a:pPr lvl="1">
-              <a:lnSpc>
-                <a:spcPct val="90000"/>
-              </a:lnSpc>
-              <a:spcBef>
-                <a:spcPct val="50000"/>
-              </a:spcBef>
-            </a:pPr>
-            <a:r>
-              <a:rPr lang="en-US" sz="2000" dirty="0" smtClean="0"/>
-              <a:t>Eventually the effects of higher saving/investment peter out </a:t>
-            </a:r>
-          </a:p>
-        </p:txBody>
-      </p:sp>
-      <p:sp>
-        <p:nvSpPr>
-          <p:cNvPr id="6" name="Slide Number Placeholder 5"/>
-          <p:cNvSpPr>
-            <a:spLocks noGrp="1"/>
-          </p:cNvSpPr>
-          <p:nvPr>
-            <p:ph type="sldNum" sz="quarter" idx="12"/>
-          </p:nvPr>
-        </p:nvSpPr>
-        <p:spPr/>
-        <p:txBody>
-          <a:bodyPr/>
-          <a:lstStyle/>
-          <a:p>
-            <a:pPr>
-              <a:defRPr/>
-            </a:pPr>
-            <a:fld id="{8617ACB6-EADE-4263-B932-20C3691C3C1F}" type="slidenum">
-              <a:rPr lang="en-US" smtClean="0"/>
-              <a:pPr>
-                <a:defRPr/>
-              </a:pPr>
-              <a:t>69</a:t>
-            </a:fld>
-            <a:endParaRPr lang="en-US"/>
-          </a:p>
-        </p:txBody>
-      </p:sp>
-    </p:spTree>
-  </p:cSld>
-  <p:clrMapOvr>
-    <a:masterClrMapping/>
-  </p:clrMapOvr>
-  <p:timing>
-    <p:tnLst>
-      <p:par>
-        <p:cTn id="1" dur="indefinite" restart="never" nodeType="tmRoot"/>
-      </p:par>
-    </p:tnLst>
-  </p:timing>
-</p:sld>
-</file>
-
 <file path=ppt/slides/slide7.xml><?xml version="1.0" encoding="utf-8"?>
 <p:sld xmlns:a="http://schemas.openxmlformats.org/drawingml/2006/main" xmlns:r="http://schemas.openxmlformats.org/officeDocument/2006/relationships" xmlns:p="http://schemas.openxmlformats.org/presentationml/2006/main">
   <p:cSld>
@@ -38228,12 +38203,12 @@
       </p:grpSpPr>
       <p:sp>
         <p:nvSpPr>
-          <p:cNvPr id="21506" name="Rectangle 4"/>
+          <p:cNvPr id="40962" name="Rectangle 2"/>
           <p:cNvSpPr>
             <a:spLocks noGrp="1" noChangeArrowheads="1"/>
           </p:cNvSpPr>
           <p:nvPr>
-            <p:ph type="ctrTitle"/>
+            <p:ph type="title"/>
           </p:nvPr>
         </p:nvSpPr>
         <p:spPr/>
@@ -38241,17 +38216,122 @@
           <a:bodyPr/>
           <a:lstStyle/>
           <a:p>
-            <a:pPr eaLnBrk="1" hangingPunct="1"/>
+            <a:pPr algn="l" eaLnBrk="1" hangingPunct="1"/>
             <a:r>
               <a:rPr lang="en-US" dirty="0" smtClean="0"/>
-              <a:t>India</a:t>
+              <a:t>Solow model:  convergence 	  </a:t>
             </a:r>
           </a:p>
         </p:txBody>
       </p:sp>
       <p:sp>
         <p:nvSpPr>
-          <p:cNvPr id="3" name="Slide Number Placeholder 2"/>
+          <p:cNvPr id="40963" name="Rectangle 3"/>
+          <p:cNvSpPr>
+            <a:spLocks noGrp="1" noChangeArrowheads="1"/>
+          </p:cNvSpPr>
+          <p:nvPr>
+            <p:ph type="body" idx="1"/>
+          </p:nvPr>
+        </p:nvSpPr>
+        <p:spPr>
+          <a:xfrm>
+            <a:off x="457200" y="1600200"/>
+            <a:ext cx="8229600" cy="2743200"/>
+          </a:xfrm>
+        </p:spPr>
+        <p:txBody>
+          <a:bodyPr/>
+          <a:lstStyle/>
+          <a:p>
+            <a:pPr>
+              <a:lnSpc>
+                <a:spcPct val="90000"/>
+              </a:lnSpc>
+              <a:spcBef>
+                <a:spcPct val="50000"/>
+              </a:spcBef>
+            </a:pPr>
+            <a:r>
+              <a:rPr lang="en-US" sz="2400" dirty="0" smtClean="0"/>
+              <a:t>Eventually the two forces balance </a:t>
+            </a:r>
+          </a:p>
+          <a:p>
+            <a:pPr lvl="1">
+              <a:lnSpc>
+                <a:spcPct val="90000"/>
+              </a:lnSpc>
+              <a:spcBef>
+                <a:spcPct val="50000"/>
+              </a:spcBef>
+            </a:pPr>
+            <a:r>
+              <a:rPr lang="en-US" sz="2000" dirty="0" smtClean="0"/>
+              <a:t>Capital stock eventually stops changing  </a:t>
+            </a:r>
+          </a:p>
+          <a:p>
+            <a:pPr lvl="1">
+              <a:lnSpc>
+                <a:spcPct val="90000"/>
+              </a:lnSpc>
+              <a:spcBef>
+                <a:spcPct val="50000"/>
+              </a:spcBef>
+            </a:pPr>
+            <a:r>
+              <a:rPr lang="en-US" sz="2000" dirty="0" smtClean="0"/>
+              <a:t>Output does, too </a:t>
+            </a:r>
+          </a:p>
+          <a:p>
+            <a:pPr>
+              <a:lnSpc>
+                <a:spcPct val="90000"/>
+              </a:lnSpc>
+              <a:spcBef>
+                <a:spcPct val="50000"/>
+              </a:spcBef>
+            </a:pPr>
+            <a:r>
+              <a:rPr lang="en-US" sz="2400" dirty="0" smtClean="0"/>
+              <a:t>Solow’s answer to JFK</a:t>
+            </a:r>
+          </a:p>
+          <a:p>
+            <a:pPr lvl="1">
+              <a:lnSpc>
+                <a:spcPct val="90000"/>
+              </a:lnSpc>
+              <a:spcBef>
+                <a:spcPct val="50000"/>
+              </a:spcBef>
+            </a:pPr>
+            <a:r>
+              <a:rPr lang="en-US" sz="2000" dirty="0" smtClean="0"/>
+              <a:t>USSR won’t catch up through saving alone </a:t>
+            </a:r>
+          </a:p>
+          <a:p>
+            <a:pPr lvl="1">
+              <a:lnSpc>
+                <a:spcPct val="90000"/>
+              </a:lnSpc>
+              <a:spcBef>
+                <a:spcPct val="50000"/>
+              </a:spcBef>
+            </a:pPr>
+            <a:r>
+              <a:rPr lang="en-US" sz="2000" dirty="0" smtClean="0"/>
+              <a:t>Eventually the effects of higher saving/investment peter out </a:t>
+            </a:r>
+          </a:p>
+        </p:txBody>
+      </p:sp>
+      <p:sp>
+        <p:nvSpPr>
+          <p:cNvPr id="6" name="Slide Number Placeholder 5"/>
           <p:cNvSpPr>
             <a:spLocks noGrp="1"/>
           </p:cNvSpPr>
@@ -38267,7 +38347,7 @@
             <a:pPr>
               <a:defRPr/>
             </a:pPr>
-            <a:fld id="{A0CE64D5-222C-4CFA-AFD3-A2848F192F39}" type="slidenum">
+            <a:fld id="{8617ACB6-EADE-4263-B932-20C3691C3C1F}" type="slidenum">
               <a:rPr lang="en-US" smtClean="0"/>
               <a:pPr>
                 <a:defRPr/>
@@ -38312,12 +38392,12 @@
       </p:grpSpPr>
       <p:sp>
         <p:nvSpPr>
-          <p:cNvPr id="40962" name="Rectangle 2"/>
+          <p:cNvPr id="21506" name="Rectangle 4"/>
           <p:cNvSpPr>
             <a:spLocks noGrp="1" noChangeArrowheads="1"/>
           </p:cNvSpPr>
           <p:nvPr>
-            <p:ph type="title"/>
+            <p:ph type="ctrTitle"/>
           </p:nvPr>
         </p:nvSpPr>
         <p:spPr/>
@@ -38325,7 +38405,7 @@
           <a:bodyPr/>
           <a:lstStyle/>
           <a:p>
-            <a:pPr algn="l" eaLnBrk="1" hangingPunct="1"/>
+            <a:pPr eaLnBrk="1" hangingPunct="1"/>
             <a:r>
               <a:rPr lang="en-US" dirty="0" smtClean="0"/>
               <a:t>India</a:t>
@@ -38335,56 +38415,7 @@
       </p:sp>
       <p:sp>
         <p:nvSpPr>
-          <p:cNvPr id="40963" name="Rectangle 3"/>
-          <p:cNvSpPr>
-            <a:spLocks noGrp="1" noChangeArrowheads="1"/>
-          </p:cNvSpPr>
-          <p:nvPr>
-            <p:ph type="body" idx="1"/>
-          </p:nvPr>
-        </p:nvSpPr>
-        <p:spPr>
-          <a:xfrm>
-            <a:off x="457200" y="1600200"/>
-            <a:ext cx="8229600" cy="3200400"/>
-          </a:xfrm>
-        </p:spPr>
-        <p:txBody>
-          <a:bodyPr/>
-          <a:lstStyle/>
-          <a:p>
-            <a:pPr>
-              <a:lnSpc>
-                <a:spcPct val="90000"/>
-              </a:lnSpc>
-              <a:spcBef>
-                <a:spcPct val="50000"/>
-              </a:spcBef>
-            </a:pPr>
-            <a:r>
-              <a:rPr lang="en-US" sz="2400" dirty="0" smtClean="0"/>
-              <a:t>Saving and investment rates well below China’s </a:t>
-            </a:r>
-          </a:p>
-          <a:p>
-            <a:pPr>
-              <a:lnSpc>
-                <a:spcPct val="90000"/>
-              </a:lnSpc>
-              <a:spcBef>
-                <a:spcPct val="50000"/>
-              </a:spcBef>
-            </a:pPr>
-            <a:r>
-              <a:rPr lang="en-US" sz="2400" dirty="0" smtClean="0"/>
-              <a:t>How important is this to India’s future? </a:t>
-            </a:r>
-          </a:p>
-        </p:txBody>
-      </p:sp>
-      <p:sp>
-        <p:nvSpPr>
-          <p:cNvPr id="6" name="Slide Number Placeholder 5"/>
+          <p:cNvPr id="3" name="Slide Number Placeholder 2"/>
           <p:cNvSpPr>
             <a:spLocks noGrp="1"/>
           </p:cNvSpPr>
@@ -38400,7 +38431,7 @@
             <a:pPr>
               <a:defRPr/>
             </a:pPr>
-            <a:fld id="{8617ACB6-EADE-4263-B932-20C3691C3C1F}" type="slidenum">
+            <a:fld id="{A0CE64D5-222C-4CFA-AFD3-A2848F192F39}" type="slidenum">
               <a:rPr lang="en-US" smtClean="0"/>
               <a:pPr>
                 <a:defRPr/>
@@ -38461,7 +38492,56 @@
             <a:pPr algn="l" eaLnBrk="1" hangingPunct="1"/>
             <a:r>
               <a:rPr lang="en-US" dirty="0" smtClean="0"/>
-              <a:t>Investment rates </a:t>
+              <a:t>India</a:t>
+            </a:r>
+          </a:p>
+        </p:txBody>
+      </p:sp>
+      <p:sp>
+        <p:nvSpPr>
+          <p:cNvPr id="40963" name="Rectangle 3"/>
+          <p:cNvSpPr>
+            <a:spLocks noGrp="1" noChangeArrowheads="1"/>
+          </p:cNvSpPr>
+          <p:nvPr>
+            <p:ph type="body" idx="1"/>
+          </p:nvPr>
+        </p:nvSpPr>
+        <p:spPr>
+          <a:xfrm>
+            <a:off x="457200" y="1600200"/>
+            <a:ext cx="8229600" cy="3200400"/>
+          </a:xfrm>
+        </p:spPr>
+        <p:txBody>
+          <a:bodyPr/>
+          <a:lstStyle/>
+          <a:p>
+            <a:pPr>
+              <a:lnSpc>
+                <a:spcPct val="90000"/>
+              </a:lnSpc>
+              <a:spcBef>
+                <a:spcPct val="50000"/>
+              </a:spcBef>
+            </a:pPr>
+            <a:r>
+              <a:rPr lang="en-US" sz="2400" dirty="0" smtClean="0"/>
+              <a:t>Saving and investment rates well below China’s </a:t>
+            </a:r>
+          </a:p>
+          <a:p>
+            <a:pPr>
+              <a:lnSpc>
+                <a:spcPct val="90000"/>
+              </a:lnSpc>
+              <a:spcBef>
+                <a:spcPct val="50000"/>
+              </a:spcBef>
+            </a:pPr>
+            <a:r>
+              <a:rPr lang="en-US" sz="2400" dirty="0" smtClean="0"/>
+              <a:t>How important is this to India’s future? </a:t>
             </a:r>
           </a:p>
         </p:txBody>
@@ -38490,6 +38570,90 @@
                 <a:defRPr/>
               </a:pPr>
               <a:t>72</a:t>
+            </a:fld>
+            <a:endParaRPr lang="en-US"/>
+          </a:p>
+        </p:txBody>
+      </p:sp>
+    </p:spTree>
+  </p:cSld>
+  <p:clrMapOvr>
+    <a:masterClrMapping/>
+  </p:clrMapOvr>
+  <p:timing>
+    <p:tnLst>
+      <p:par>
+        <p:cTn id="1" dur="indefinite" restart="never" nodeType="tmRoot"/>
+      </p:par>
+    </p:tnLst>
+  </p:timing>
+</p:sld>
+</file>
+
+<file path=ppt/slides/slide73.xml><?xml version="1.0" encoding="utf-8"?>
+<p:sld xmlns:a="http://schemas.openxmlformats.org/drawingml/2006/main" xmlns:r="http://schemas.openxmlformats.org/officeDocument/2006/relationships" xmlns:p="http://schemas.openxmlformats.org/presentationml/2006/main">
+  <p:cSld>
+    <p:spTree>
+      <p:nvGrpSpPr>
+        <p:cNvPr id="1" name=""/>
+        <p:cNvGrpSpPr/>
+        <p:nvPr/>
+      </p:nvGrpSpPr>
+      <p:grpSpPr>
+        <a:xfrm>
+          <a:off x="0" y="0"/>
+          <a:ext cx="0" cy="0"/>
+          <a:chOff x="0" y="0"/>
+          <a:chExt cx="0" cy="0"/>
+        </a:xfrm>
+      </p:grpSpPr>
+      <p:sp>
+        <p:nvSpPr>
+          <p:cNvPr id="40962" name="Rectangle 2"/>
+          <p:cNvSpPr>
+            <a:spLocks noGrp="1" noChangeArrowheads="1"/>
+          </p:cNvSpPr>
+          <p:nvPr>
+            <p:ph type="title"/>
+          </p:nvPr>
+        </p:nvSpPr>
+        <p:spPr/>
+        <p:txBody>
+          <a:bodyPr/>
+          <a:lstStyle/>
+          <a:p>
+            <a:pPr algn="l" eaLnBrk="1" hangingPunct="1"/>
+            <a:r>
+              <a:rPr lang="en-US" dirty="0" smtClean="0"/>
+              <a:t>Investment rates </a:t>
+            </a:r>
+          </a:p>
+        </p:txBody>
+      </p:sp>
+      <p:sp>
+        <p:nvSpPr>
+          <p:cNvPr id="6" name="Slide Number Placeholder 5"/>
+          <p:cNvSpPr>
+            <a:spLocks noGrp="1"/>
+          </p:cNvSpPr>
+          <p:nvPr>
+            <p:ph type="sldNum" sz="quarter" idx="12"/>
+          </p:nvPr>
+        </p:nvSpPr>
+        <p:spPr/>
+        <p:txBody>
+          <a:bodyPr/>
+          <a:lstStyle/>
+          <a:p>
+            <a:pPr>
+              <a:defRPr/>
+            </a:pPr>
+            <a:fld id="{8617ACB6-EADE-4263-B932-20C3691C3C1F}" type="slidenum">
+              <a:rPr lang="en-US" smtClean="0"/>
+              <a:pPr>
+                <a:defRPr/>
+              </a:pPr>
+              <a:t>73</a:t>
             </a:fld>
             <a:endParaRPr lang="en-US"/>
           </a:p>
@@ -38542,181 +38706,6 @@
 </p:sld>
 </file>
 
-<file path=ppt/slides/slide73.xml><?xml version="1.0" encoding="utf-8"?>
-<p:sld xmlns:a="http://schemas.openxmlformats.org/drawingml/2006/main" xmlns:r="http://schemas.openxmlformats.org/officeDocument/2006/relationships" xmlns:p="http://schemas.openxmlformats.org/presentationml/2006/main">
-  <p:cSld>
-    <p:spTree>
-      <p:nvGrpSpPr>
-        <p:cNvPr id="1" name=""/>
-        <p:cNvGrpSpPr/>
-        <p:nvPr/>
-      </p:nvGrpSpPr>
-      <p:grpSpPr>
-        <a:xfrm>
-          <a:off x="0" y="0"/>
-          <a:ext cx="0" cy="0"/>
-          <a:chOff x="0" y="0"/>
-          <a:chExt cx="0" cy="0"/>
-        </a:xfrm>
-      </p:grpSpPr>
-      <p:sp>
-        <p:nvSpPr>
-          <p:cNvPr id="40962" name="Rectangle 2"/>
-          <p:cNvSpPr>
-            <a:spLocks noGrp="1" noChangeArrowheads="1"/>
-          </p:cNvSpPr>
-          <p:nvPr>
-            <p:ph type="title"/>
-          </p:nvPr>
-        </p:nvSpPr>
-        <p:spPr/>
-        <p:txBody>
-          <a:bodyPr/>
-          <a:lstStyle/>
-          <a:p>
-            <a:pPr algn="l" eaLnBrk="1" hangingPunct="1"/>
-            <a:r>
-              <a:rPr lang="en-US" dirty="0" smtClean="0"/>
-              <a:t>India</a:t>
-            </a:r>
-          </a:p>
-        </p:txBody>
-      </p:sp>
-      <p:sp>
-        <p:nvSpPr>
-          <p:cNvPr id="40963" name="Rectangle 3"/>
-          <p:cNvSpPr>
-            <a:spLocks noGrp="1" noChangeArrowheads="1"/>
-          </p:cNvSpPr>
-          <p:nvPr>
-            <p:ph type="body" idx="1"/>
-          </p:nvPr>
-        </p:nvSpPr>
-        <p:spPr>
-          <a:xfrm>
-            <a:off x="457200" y="1600200"/>
-            <a:ext cx="8229600" cy="3200400"/>
-          </a:xfrm>
-        </p:spPr>
-        <p:txBody>
-          <a:bodyPr/>
-          <a:lstStyle/>
-          <a:p>
-            <a:pPr>
-              <a:lnSpc>
-                <a:spcPct val="90000"/>
-              </a:lnSpc>
-              <a:spcBef>
-                <a:spcPct val="50000"/>
-              </a:spcBef>
-            </a:pPr>
-            <a:r>
-              <a:rPr lang="en-US" sz="2400" dirty="0" smtClean="0"/>
-              <a:t>Experiments with Solow model  </a:t>
-            </a:r>
-          </a:p>
-          <a:p>
-            <a:pPr lvl="1">
-              <a:lnSpc>
-                <a:spcPct val="90000"/>
-              </a:lnSpc>
-              <a:spcBef>
-                <a:spcPct val="50000"/>
-              </a:spcBef>
-            </a:pPr>
-            <a:r>
-              <a:rPr lang="en-US" sz="2000" dirty="0" smtClean="0"/>
-              <a:t>Benchmark:  start model in 2010 and see what happens</a:t>
-            </a:r>
-          </a:p>
-          <a:p>
-            <a:pPr lvl="1">
-              <a:lnSpc>
-                <a:spcPct val="90000"/>
-              </a:lnSpc>
-              <a:spcBef>
-                <a:spcPct val="50000"/>
-              </a:spcBef>
-            </a:pPr>
-            <a:r>
-              <a:rPr lang="en-US" sz="2000" dirty="0" smtClean="0"/>
-              <a:t>Raise saving rate </a:t>
-            </a:r>
-          </a:p>
-          <a:p>
-            <a:pPr lvl="1">
-              <a:lnSpc>
-                <a:spcPct val="90000"/>
-              </a:lnSpc>
-              <a:spcBef>
-                <a:spcPct val="50000"/>
-              </a:spcBef>
-            </a:pPr>
-            <a:r>
-              <a:rPr lang="en-US" sz="2000" dirty="0" smtClean="0"/>
-              <a:t>Introduce productivity growth </a:t>
-            </a:r>
-          </a:p>
-          <a:p>
-            <a:pPr>
-              <a:lnSpc>
-                <a:spcPct val="90000"/>
-              </a:lnSpc>
-              <a:spcBef>
-                <a:spcPct val="50000"/>
-              </a:spcBef>
-            </a:pPr>
-            <a:r>
-              <a:rPr lang="en-US" sz="2400" dirty="0" smtClean="0"/>
-              <a:t>What has the biggest impact? </a:t>
-            </a:r>
-          </a:p>
-        </p:txBody>
-      </p:sp>
-      <p:sp>
-        <p:nvSpPr>
-          <p:cNvPr id="6" name="Slide Number Placeholder 5"/>
-          <p:cNvSpPr>
-            <a:spLocks noGrp="1"/>
-          </p:cNvSpPr>
-          <p:nvPr>
-            <p:ph type="sldNum" sz="quarter" idx="12"/>
-          </p:nvPr>
-        </p:nvSpPr>
-        <p:spPr/>
-        <p:txBody>
-          <a:bodyPr/>
-          <a:lstStyle/>
-          <a:p>
-            <a:pPr>
-              <a:defRPr/>
-            </a:pPr>
-            <a:fld id="{8617ACB6-EADE-4263-B932-20C3691C3C1F}" type="slidenum">
-              <a:rPr lang="en-US" smtClean="0"/>
-              <a:pPr>
-                <a:defRPr/>
-              </a:pPr>
-              <a:t>73</a:t>
-            </a:fld>
-            <a:endParaRPr lang="en-US"/>
-          </a:p>
-        </p:txBody>
-      </p:sp>
-    </p:spTree>
-  </p:cSld>
-  <p:clrMapOvr>
-    <a:masterClrMapping/>
-  </p:clrMapOvr>
-  <p:timing>
-    <p:tnLst>
-      <p:par>
-        <p:cTn id="1" dur="indefinite" restart="never" nodeType="tmRoot"/>
-      </p:par>
-    </p:tnLst>
-  </p:timing>
-</p:sld>
-</file>
-
 <file path=ppt/slides/slide74.xml><?xml version="1.0" encoding="utf-8"?>
 <p:sld xmlns:a="http://schemas.openxmlformats.org/drawingml/2006/main" xmlns:r="http://schemas.openxmlformats.org/officeDocument/2006/relationships" xmlns:p="http://schemas.openxmlformats.org/presentationml/2006/main">
   <p:cSld>
@@ -38769,7 +38758,7 @@
         </p:nvSpPr>
         <p:spPr>
           <a:xfrm>
-            <a:off x="457200" y="1447800"/>
+            <a:off x="457200" y="1600200"/>
             <a:ext cx="8229600" cy="3200400"/>
           </a:xfrm>
         </p:spPr>
@@ -38784,13 +38773,10 @@
               <a:spcBef>
                 <a:spcPct val="50000"/>
               </a:spcBef>
-              <a:spcAft>
-                <a:spcPts val="600"/>
-              </a:spcAft>
             </a:pPr>
             <a:r>
               <a:rPr lang="en-US" sz="2400" dirty="0" smtClean="0"/>
-              <a:t>Solow model inputs (estimates for 2010) </a:t>
+              <a:t>Experiments with Solow model  </a:t>
             </a:r>
           </a:p>
           <a:p>
@@ -38799,12 +38785,12 @@
                 <a:spcPct val="90000"/>
               </a:lnSpc>
               <a:spcBef>
-                <a:spcPts val="600"/>
+                <a:spcPct val="50000"/>
               </a:spcBef>
             </a:pPr>
             <a:r>
               <a:rPr lang="en-US" sz="2000" dirty="0" smtClean="0"/>
-              <a:t>Output Y=GDP:  4.08 trillion USD </a:t>
+              <a:t>Benchmark:  start model in 2010 and see what happens</a:t>
             </a:r>
           </a:p>
           <a:p>
@@ -38813,12 +38799,12 @@
                 <a:spcPct val="90000"/>
               </a:lnSpc>
               <a:spcBef>
-                <a:spcPts val="600"/>
+                <a:spcPct val="50000"/>
               </a:spcBef>
             </a:pPr>
             <a:r>
               <a:rPr lang="en-US" sz="2000" dirty="0" smtClean="0"/>
-              <a:t>Capital K:  8.23 trillion USD </a:t>
+              <a:t>Raise saving rate </a:t>
             </a:r>
           </a:p>
           <a:p>
@@ -38827,78 +38813,12 @@
                 <a:spcPct val="90000"/>
               </a:lnSpc>
               <a:spcBef>
-                <a:spcPts val="600"/>
+                <a:spcPct val="50000"/>
               </a:spcBef>
             </a:pPr>
             <a:r>
               <a:rPr lang="en-US" sz="2000" dirty="0" smtClean="0"/>
-              <a:t>Labor L:  0.452 billion people </a:t>
-            </a:r>
-          </a:p>
-          <a:p>
-            <a:pPr lvl="1">
-              <a:lnSpc>
-                <a:spcPct val="90000"/>
-              </a:lnSpc>
-              <a:spcBef>
-                <a:spcPts val="600"/>
-              </a:spcBef>
-            </a:pPr>
-            <a:r>
-              <a:rPr lang="en-US" sz="2000" dirty="0" smtClean="0"/>
-              <a:t>Source:  Penn World Table </a:t>
-            </a:r>
-          </a:p>
-          <a:p>
-            <a:pPr lvl="1">
-              <a:lnSpc>
-                <a:spcPct val="90000"/>
-              </a:lnSpc>
-              <a:spcBef>
-                <a:spcPts val="600"/>
-              </a:spcBef>
-            </a:pPr>
-            <a:r>
-              <a:rPr lang="en-US" sz="2000" dirty="0" smtClean="0"/>
-              <a:t>Productivity A:  how do we compute this? </a:t>
-            </a:r>
-          </a:p>
-          <a:p>
-            <a:pPr lvl="1">
-              <a:lnSpc>
-                <a:spcPct val="90000"/>
-              </a:lnSpc>
-              <a:spcBef>
-                <a:spcPts val="600"/>
-              </a:spcBef>
-            </a:pPr>
-            <a:r>
-              <a:rPr lang="en-US" sz="2000" dirty="0" smtClean="0"/>
-              <a:t>Saving/investment rate s:  0.25 </a:t>
-            </a:r>
-          </a:p>
-          <a:p>
-            <a:pPr lvl="1">
-              <a:lnSpc>
-                <a:spcPct val="90000"/>
-              </a:lnSpc>
-              <a:spcBef>
-                <a:spcPts val="600"/>
-              </a:spcBef>
-            </a:pPr>
-            <a:r>
-              <a:rPr lang="en-US" sz="2000" dirty="0" smtClean="0"/>
-              <a:t>Depreciation rate </a:t>
-            </a:r>
-            <a:r>
-              <a:rPr lang="en-US" sz="2000" dirty="0" smtClean="0">
-                <a:latin typeface="Palatino Linotype"/>
-              </a:rPr>
-              <a:t>δ</a:t>
-            </a:r>
-            <a:r>
-              <a:rPr lang="en-US" sz="2000" dirty="0" smtClean="0"/>
-              <a:t>:  0.06 </a:t>
+              <a:t>Introduce productivity growth </a:t>
             </a:r>
           </a:p>
           <a:p>
@@ -38907,49 +38827,12 @@
                 <a:spcPct val="90000"/>
               </a:lnSpc>
               <a:spcBef>
-                <a:spcPts val="1200"/>
+                <a:spcPct val="50000"/>
               </a:spcBef>
-              <a:spcAft>
-                <a:spcPts val="600"/>
-              </a:spcAft>
             </a:pPr>
             <a:r>
               <a:rPr lang="en-US" sz="2400" dirty="0" smtClean="0"/>
-              <a:t>Experiments </a:t>
-            </a:r>
-          </a:p>
-          <a:p>
-            <a:pPr lvl="1">
-              <a:lnSpc>
-                <a:spcPct val="90000"/>
-              </a:lnSpc>
-              <a:spcBef>
-                <a:spcPts val="600"/>
-              </a:spcBef>
-              <a:spcAft>
-                <a:spcPts val="0"/>
-              </a:spcAft>
-            </a:pPr>
-            <a:r>
-              <a:rPr lang="en-US" sz="2000" dirty="0" smtClean="0"/>
-              <a:t>Raise saving rate </a:t>
-            </a:r>
-          </a:p>
-          <a:p>
-            <a:pPr lvl="1">
-              <a:lnSpc>
-                <a:spcPct val="90000"/>
-              </a:lnSpc>
-              <a:spcBef>
-                <a:spcPts val="600"/>
-              </a:spcBef>
-              <a:spcAft>
-                <a:spcPts val="0"/>
-              </a:spcAft>
-            </a:pPr>
-            <a:r>
-              <a:rPr lang="en-US" sz="2000" dirty="0" smtClean="0"/>
-              <a:t>Add productivity growth </a:t>
+              <a:t>What has the biggest impact? </a:t>
             </a:r>
           </a:p>
         </p:txBody>
@@ -39065,10 +38948,13 @@
               <a:spcBef>
                 <a:spcPct val="50000"/>
               </a:spcBef>
+              <a:spcAft>
+                <a:spcPts val="600"/>
+              </a:spcAft>
             </a:pPr>
             <a:r>
               <a:rPr lang="en-US" sz="2400" dirty="0" smtClean="0"/>
-              <a:t>Solow model experiments</a:t>
+              <a:t>Solow model inputs (estimates for 2010) </a:t>
             </a:r>
           </a:p>
           <a:p>
@@ -39077,12 +38963,12 @@
                 <a:spcPct val="90000"/>
               </a:lnSpc>
               <a:spcBef>
-                <a:spcPct val="50000"/>
+                <a:spcPts val="600"/>
               </a:spcBef>
             </a:pPr>
             <a:r>
               <a:rPr lang="en-US" sz="2000" dirty="0" smtClean="0"/>
-              <a:t>Raise saving rate </a:t>
+              <a:t>Output Y=GDP:  4.08 trillion USD </a:t>
             </a:r>
           </a:p>
           <a:p>
@@ -39091,12 +38977,12 @@
                 <a:spcPct val="90000"/>
               </a:lnSpc>
               <a:spcBef>
-                <a:spcPct val="50000"/>
+                <a:spcPts val="600"/>
               </a:spcBef>
             </a:pPr>
             <a:r>
               <a:rPr lang="en-US" sz="2000" dirty="0" smtClean="0"/>
-              <a:t>Add labor force growth </a:t>
+              <a:t>Capital K:  8.23 trillion USD </a:t>
             </a:r>
           </a:p>
           <a:p>
@@ -39105,12 +38991,12 @@
                 <a:spcPct val="90000"/>
               </a:lnSpc>
               <a:spcBef>
-                <a:spcPct val="50000"/>
+                <a:spcPts val="600"/>
               </a:spcBef>
             </a:pPr>
             <a:r>
               <a:rPr lang="en-US" sz="2000" dirty="0" smtClean="0"/>
-              <a:t>Add productivity growth </a:t>
+              <a:t>Labor L:  0.452 billion people </a:t>
             </a:r>
           </a:p>
           <a:p>
@@ -39119,12 +39005,115 @@
                 <a:spcPct val="90000"/>
               </a:lnSpc>
               <a:spcBef>
-                <a:spcPct val="50000"/>
+                <a:spcPts val="600"/>
               </a:spcBef>
             </a:pPr>
             <a:r>
               <a:rPr lang="en-US" sz="2000" dirty="0" smtClean="0"/>
-              <a:t>Increase productivity growth </a:t>
+              <a:t>Source:  Penn World Table </a:t>
+            </a:r>
+          </a:p>
+          <a:p>
+            <a:pPr lvl="1">
+              <a:lnSpc>
+                <a:spcPct val="90000"/>
+              </a:lnSpc>
+              <a:spcBef>
+                <a:spcPts val="600"/>
+              </a:spcBef>
+            </a:pPr>
+            <a:r>
+              <a:rPr lang="en-US" sz="2000" dirty="0" smtClean="0"/>
+              <a:t>Productivity A:  how do we compute this? </a:t>
+            </a:r>
+          </a:p>
+          <a:p>
+            <a:pPr lvl="1">
+              <a:lnSpc>
+                <a:spcPct val="90000"/>
+              </a:lnSpc>
+              <a:spcBef>
+                <a:spcPts val="600"/>
+              </a:spcBef>
+            </a:pPr>
+            <a:r>
+              <a:rPr lang="en-US" sz="2000" dirty="0" smtClean="0"/>
+              <a:t>Saving/investment rate s:  0.25 </a:t>
+            </a:r>
+          </a:p>
+          <a:p>
+            <a:pPr lvl="1">
+              <a:lnSpc>
+                <a:spcPct val="90000"/>
+              </a:lnSpc>
+              <a:spcBef>
+                <a:spcPts val="600"/>
+              </a:spcBef>
+            </a:pPr>
+            <a:r>
+              <a:rPr lang="en-US" sz="2000" dirty="0" smtClean="0"/>
+              <a:t>Depreciation rate </a:t>
+            </a:r>
+            <a:r>
+              <a:rPr lang="en-US" sz="2000" dirty="0" smtClean="0">
+                <a:latin typeface="Palatino Linotype"/>
+              </a:rPr>
+              <a:t>δ</a:t>
+            </a:r>
+            <a:r>
+              <a:rPr lang="en-US" sz="2000" dirty="0" smtClean="0"/>
+              <a:t>:  0.06 </a:t>
+            </a:r>
+          </a:p>
+          <a:p>
+            <a:pPr>
+              <a:lnSpc>
+                <a:spcPct val="90000"/>
+              </a:lnSpc>
+              <a:spcBef>
+                <a:spcPts val="1200"/>
+              </a:spcBef>
+              <a:spcAft>
+                <a:spcPts val="600"/>
+              </a:spcAft>
+            </a:pPr>
+            <a:r>
+              <a:rPr lang="en-US" sz="2400" dirty="0" smtClean="0"/>
+              <a:t>Experiments </a:t>
+            </a:r>
+          </a:p>
+          <a:p>
+            <a:pPr lvl="1">
+              <a:lnSpc>
+                <a:spcPct val="90000"/>
+              </a:lnSpc>
+              <a:spcBef>
+                <a:spcPts val="600"/>
+              </a:spcBef>
+              <a:spcAft>
+                <a:spcPts val="0"/>
+              </a:spcAft>
+            </a:pPr>
+            <a:r>
+              <a:rPr lang="en-US" sz="2000" dirty="0" smtClean="0"/>
+              <a:t>Raise saving rate </a:t>
+            </a:r>
+          </a:p>
+          <a:p>
+            <a:pPr lvl="1">
+              <a:lnSpc>
+                <a:spcPct val="90000"/>
+              </a:lnSpc>
+              <a:spcBef>
+                <a:spcPts val="600"/>
+              </a:spcBef>
+              <a:spcAft>
+                <a:spcPts val="0"/>
+              </a:spcAft>
+            </a:pPr>
+            <a:r>
+              <a:rPr lang="en-US" sz="2000" dirty="0" smtClean="0"/>
+              <a:t>Add productivity growth </a:t>
             </a:r>
           </a:p>
         </p:txBody>
@@ -39215,6 +39204,97 @@
       </p:sp>
       <p:sp>
         <p:nvSpPr>
+          <p:cNvPr id="40963" name="Rectangle 3"/>
+          <p:cNvSpPr>
+            <a:spLocks noGrp="1" noChangeArrowheads="1"/>
+          </p:cNvSpPr>
+          <p:nvPr>
+            <p:ph type="body" idx="1"/>
+          </p:nvPr>
+        </p:nvSpPr>
+        <p:spPr>
+          <a:xfrm>
+            <a:off x="457200" y="1447800"/>
+            <a:ext cx="8229600" cy="3200400"/>
+          </a:xfrm>
+        </p:spPr>
+        <p:txBody>
+          <a:bodyPr/>
+          <a:lstStyle/>
+          <a:p>
+            <a:pPr>
+              <a:lnSpc>
+                <a:spcPct val="90000"/>
+              </a:lnSpc>
+              <a:spcBef>
+                <a:spcPct val="50000"/>
+              </a:spcBef>
+            </a:pPr>
+            <a:r>
+              <a:rPr lang="en-US" sz="2400" dirty="0" smtClean="0"/>
+              <a:t>Solow model experiments</a:t>
+            </a:r>
+          </a:p>
+          <a:p>
+            <a:pPr lvl="1">
+              <a:lnSpc>
+                <a:spcPct val="90000"/>
+              </a:lnSpc>
+              <a:spcBef>
+                <a:spcPct val="50000"/>
+              </a:spcBef>
+            </a:pPr>
+            <a:r>
+              <a:rPr lang="en-US" sz="2000" dirty="0" smtClean="0"/>
+              <a:t>Raise saving rate </a:t>
+            </a:r>
+          </a:p>
+          <a:p>
+            <a:pPr lvl="1">
+              <a:lnSpc>
+                <a:spcPct val="90000"/>
+              </a:lnSpc>
+              <a:spcBef>
+                <a:spcPct val="50000"/>
+              </a:spcBef>
+            </a:pPr>
+            <a:r>
+              <a:rPr lang="en-US" sz="2000" dirty="0" smtClean="0"/>
+              <a:t>Add labor force growth </a:t>
+            </a:r>
+          </a:p>
+          <a:p>
+            <a:pPr lvl="1">
+              <a:lnSpc>
+                <a:spcPct val="90000"/>
+              </a:lnSpc>
+              <a:spcBef>
+                <a:spcPct val="50000"/>
+              </a:spcBef>
+            </a:pPr>
+            <a:r>
+              <a:rPr lang="en-US" sz="2000" dirty="0" smtClean="0"/>
+              <a:t>Add productivity growth </a:t>
+            </a:r>
+          </a:p>
+          <a:p>
+            <a:pPr lvl="1">
+              <a:lnSpc>
+                <a:spcPct val="90000"/>
+              </a:lnSpc>
+              <a:spcBef>
+                <a:spcPct val="50000"/>
+              </a:spcBef>
+            </a:pPr>
+            <a:r>
+              <a:rPr lang="en-US" sz="2000" dirty="0" smtClean="0"/>
+              <a:t>Increase productivity growth </a:t>
+            </a:r>
+          </a:p>
+        </p:txBody>
+      </p:sp>
+      <p:sp>
+        <p:nvSpPr>
           <p:cNvPr id="6" name="Slide Number Placeholder 5"/>
           <p:cNvSpPr>
             <a:spLocks noGrp="1"/>
@@ -39237,6 +39317,90 @@
                 <a:defRPr/>
               </a:pPr>
               <a:t>76</a:t>
+            </a:fld>
+            <a:endParaRPr lang="en-US"/>
+          </a:p>
+        </p:txBody>
+      </p:sp>
+    </p:spTree>
+  </p:cSld>
+  <p:clrMapOvr>
+    <a:masterClrMapping/>
+  </p:clrMapOvr>
+  <p:timing>
+    <p:tnLst>
+      <p:par>
+        <p:cTn id="1" dur="indefinite" restart="never" nodeType="tmRoot"/>
+      </p:par>
+    </p:tnLst>
+  </p:timing>
+</p:sld>
+</file>
+
+<file path=ppt/slides/slide77.xml><?xml version="1.0" encoding="utf-8"?>
+<p:sld xmlns:a="http://schemas.openxmlformats.org/drawingml/2006/main" xmlns:r="http://schemas.openxmlformats.org/officeDocument/2006/relationships" xmlns:p="http://schemas.openxmlformats.org/presentationml/2006/main">
+  <p:cSld>
+    <p:spTree>
+      <p:nvGrpSpPr>
+        <p:cNvPr id="1" name=""/>
+        <p:cNvGrpSpPr/>
+        <p:nvPr/>
+      </p:nvGrpSpPr>
+      <p:grpSpPr>
+        <a:xfrm>
+          <a:off x="0" y="0"/>
+          <a:ext cx="0" cy="0"/>
+          <a:chOff x="0" y="0"/>
+          <a:chExt cx="0" cy="0"/>
+        </a:xfrm>
+      </p:grpSpPr>
+      <p:sp>
+        <p:nvSpPr>
+          <p:cNvPr id="40962" name="Rectangle 2"/>
+          <p:cNvSpPr>
+            <a:spLocks noGrp="1" noChangeArrowheads="1"/>
+          </p:cNvSpPr>
+          <p:nvPr>
+            <p:ph type="title"/>
+          </p:nvPr>
+        </p:nvSpPr>
+        <p:spPr/>
+        <p:txBody>
+          <a:bodyPr/>
+          <a:lstStyle/>
+          <a:p>
+            <a:pPr algn="l" eaLnBrk="1" hangingPunct="1"/>
+            <a:r>
+              <a:rPr lang="en-US" dirty="0" smtClean="0"/>
+              <a:t>India</a:t>
+            </a:r>
+          </a:p>
+        </p:txBody>
+      </p:sp>
+      <p:sp>
+        <p:nvSpPr>
+          <p:cNvPr id="6" name="Slide Number Placeholder 5"/>
+          <p:cNvSpPr>
+            <a:spLocks noGrp="1"/>
+          </p:cNvSpPr>
+          <p:nvPr>
+            <p:ph type="sldNum" sz="quarter" idx="12"/>
+          </p:nvPr>
+        </p:nvSpPr>
+        <p:spPr/>
+        <p:txBody>
+          <a:bodyPr/>
+          <a:lstStyle/>
+          <a:p>
+            <a:pPr>
+              <a:defRPr/>
+            </a:pPr>
+            <a:fld id="{8617ACB6-EADE-4263-B932-20C3691C3C1F}" type="slidenum">
+              <a:rPr lang="en-US" smtClean="0"/>
+              <a:pPr>
+                <a:defRPr/>
+              </a:pPr>
+              <a:t>77</a:t>
             </a:fld>
             <a:endParaRPr lang="en-US"/>
           </a:p>
@@ -40428,7 +40592,7 @@
 </p:sld>
 </file>
 
-<file path=ppt/slides/slide77.xml><?xml version="1.0" encoding="utf-8"?>
+<file path=ppt/slides/slide78.xml><?xml version="1.0" encoding="utf-8"?>
 <p:sld xmlns:a="http://schemas.openxmlformats.org/drawingml/2006/main" xmlns:r="http://schemas.openxmlformats.org/officeDocument/2006/relationships" xmlns:p="http://schemas.openxmlformats.org/presentationml/2006/main">
   <p:cSld>
     <p:spTree>
@@ -40491,7 +40655,7 @@
               <a:pPr>
                 <a:defRPr/>
               </a:pPr>
-              <a:t>77</a:t>
+              <a:t>78</a:t>
             </a:fld>
             <a:endParaRPr lang="en-US"/>
           </a:p>
@@ -41698,7 +41862,7 @@
 </p:sld>
 </file>
 
-<file path=ppt/slides/slide78.xml><?xml version="1.0" encoding="utf-8"?>
+<file path=ppt/slides/slide79.xml><?xml version="1.0" encoding="utf-8"?>
 <p:sld xmlns:a="http://schemas.openxmlformats.org/drawingml/2006/main" xmlns:r="http://schemas.openxmlformats.org/officeDocument/2006/relationships" xmlns:p="http://schemas.openxmlformats.org/presentationml/2006/main">
   <p:cSld>
     <p:spTree>
@@ -41761,128 +41925,12 @@
               <a:pPr>
                 <a:defRPr/>
               </a:pPr>
-              <a:t>78</a:t>
-            </a:fld>
-            <a:endParaRPr lang="en-US"/>
-          </a:p>
-        </p:txBody>
-      </p:sp>
-    </p:spTree>
-  </p:cSld>
-  <p:clrMapOvr>
-    <a:masterClrMapping/>
-  </p:clrMapOvr>
-  <p:timing>
-    <p:tnLst>
-      <p:par>
-        <p:cTn id="1" dur="indefinite" restart="never" nodeType="tmRoot"/>
-      </p:par>
-    </p:tnLst>
-  </p:timing>
-</p:sld>
-</file>
-
-<file path=ppt/slides/slide79.xml><?xml version="1.0" encoding="utf-8"?>
-<p:sld xmlns:a="http://schemas.openxmlformats.org/drawingml/2006/main" xmlns:r="http://schemas.openxmlformats.org/officeDocument/2006/relationships" xmlns:p="http://schemas.openxmlformats.org/presentationml/2006/main">
-  <p:cSld>
-    <p:spTree>
-      <p:nvGrpSpPr>
-        <p:cNvPr id="1" name=""/>
-        <p:cNvGrpSpPr/>
-        <p:nvPr/>
-      </p:nvGrpSpPr>
-      <p:grpSpPr>
-        <a:xfrm>
-          <a:off x="0" y="0"/>
-          <a:ext cx="0" cy="0"/>
-          <a:chOff x="0" y="0"/>
-          <a:chExt cx="0" cy="0"/>
-        </a:xfrm>
-      </p:grpSpPr>
-      <p:sp>
-        <p:nvSpPr>
-          <p:cNvPr id="40962" name="Rectangle 2"/>
-          <p:cNvSpPr>
-            <a:spLocks noGrp="1" noChangeArrowheads="1"/>
-          </p:cNvSpPr>
-          <p:nvPr>
-            <p:ph type="title"/>
-          </p:nvPr>
-        </p:nvSpPr>
-        <p:spPr/>
-        <p:txBody>
-          <a:bodyPr/>
-          <a:lstStyle/>
-          <a:p>
-            <a:pPr algn="l" eaLnBrk="1" hangingPunct="1"/>
-            <a:r>
-              <a:rPr lang="en-US" dirty="0" smtClean="0"/>
-              <a:t>Investment rates </a:t>
-            </a:r>
-          </a:p>
-        </p:txBody>
-      </p:sp>
-      <p:sp>
-        <p:nvSpPr>
-          <p:cNvPr id="6" name="Slide Number Placeholder 5"/>
-          <p:cNvSpPr>
-            <a:spLocks noGrp="1"/>
-          </p:cNvSpPr>
-          <p:nvPr>
-            <p:ph type="sldNum" sz="quarter" idx="12"/>
-          </p:nvPr>
-        </p:nvSpPr>
-        <p:spPr/>
-        <p:txBody>
-          <a:bodyPr/>
-          <a:lstStyle/>
-          <a:p>
-            <a:pPr>
-              <a:defRPr/>
-            </a:pPr>
-            <a:fld id="{8617ACB6-EADE-4263-B932-20C3691C3C1F}" type="slidenum">
-              <a:rPr lang="en-US" smtClean="0"/>
-              <a:pPr>
-                <a:defRPr/>
-              </a:pPr>
               <a:t>79</a:t>
             </a:fld>
             <a:endParaRPr lang="en-US"/>
           </a:p>
         </p:txBody>
       </p:sp>
-      <p:pic>
-        <p:nvPicPr>
-          <p:cNvPr id="71682" name="Picture 2"/>
-          <p:cNvPicPr>
-            <a:picLocks noChangeAspect="1" noChangeArrowheads="1"/>
-          </p:cNvPicPr>
-          <p:nvPr/>
-        </p:nvPicPr>
-        <p:blipFill>
-          <a:blip r:embed="rId2"/>
-          <a:srcRect/>
-          <a:stretch>
-            <a:fillRect/>
-          </a:stretch>
-        </p:blipFill>
-        <p:spPr bwMode="auto">
-          <a:xfrm>
-            <a:off x="1160453" y="1219200"/>
-            <a:ext cx="6655594" cy="4953000"/>
-          </a:xfrm>
-          <a:prstGeom prst="rect">
-            <a:avLst/>
-          </a:prstGeom>
-          <a:noFill/>
-          <a:ln w="9525">
-            <a:noFill/>
-            <a:miter lim="800000"/>
-            <a:headEnd/>
-            <a:tailEnd/>
-          </a:ln>
-        </p:spPr>
-      </p:pic>
     </p:spTree>
   </p:cSld>
   <p:clrMapOvr>
@@ -42001,7 +42049,7 @@
       </p:grpSpPr>
       <p:sp>
         <p:nvSpPr>
-          <p:cNvPr id="64514" name="Rectangle 2"/>
+          <p:cNvPr id="40962" name="Rectangle 2"/>
           <p:cNvSpPr>
             <a:spLocks noGrp="1" noChangeArrowheads="1"/>
           </p:cNvSpPr>
@@ -42017,14 +42065,14 @@
             <a:pPr algn="l" eaLnBrk="1" hangingPunct="1"/>
             <a:r>
               <a:rPr lang="en-US" dirty="0" smtClean="0"/>
-              <a:t>Capital intensity</a:t>
+              <a:t>Investment rates </a:t>
             </a:r>
           </a:p>
         </p:txBody>
       </p:sp>
       <p:sp>
         <p:nvSpPr>
-          <p:cNvPr id="4" name="Slide Number Placeholder 3"/>
+          <p:cNvPr id="6" name="Slide Number Placeholder 5"/>
           <p:cNvSpPr>
             <a:spLocks noGrp="1"/>
           </p:cNvSpPr>
@@ -42053,7 +42101,7 @@
       </p:sp>
       <p:pic>
         <p:nvPicPr>
-          <p:cNvPr id="44034" name="Picture 2"/>
+          <p:cNvPr id="71682" name="Picture 2"/>
           <p:cNvPicPr>
             <a:picLocks noChangeAspect="1" noChangeArrowheads="1"/>
           </p:cNvPicPr>
@@ -42068,8 +42116,8 @@
         </p:blipFill>
         <p:spPr bwMode="auto">
           <a:xfrm>
-            <a:off x="1077435" y="1175067"/>
-            <a:ext cx="6824215" cy="4996453"/>
+            <a:off x="1160453" y="1219200"/>
+            <a:ext cx="6655594" cy="4953000"/>
           </a:xfrm>
           <a:prstGeom prst="rect">
             <a:avLst/>
@@ -42133,117 +42181,7 @@
             <a:pPr algn="l" eaLnBrk="1" hangingPunct="1"/>
             <a:r>
               <a:rPr lang="en-US" dirty="0" smtClean="0"/>
-              <a:t>China summary</a:t>
-            </a:r>
-          </a:p>
-        </p:txBody>
-      </p:sp>
-      <p:sp>
-        <p:nvSpPr>
-          <p:cNvPr id="64515" name="Rectangle 3"/>
-          <p:cNvSpPr>
-            <a:spLocks noGrp="1" noChangeArrowheads="1"/>
-          </p:cNvSpPr>
-          <p:nvPr>
-            <p:ph type="body" idx="1"/>
-          </p:nvPr>
-        </p:nvSpPr>
-        <p:spPr>
-          <a:xfrm>
-            <a:off x="457200" y="1524000"/>
-            <a:ext cx="8229600" cy="4525963"/>
-          </a:xfrm>
-        </p:spPr>
-        <p:txBody>
-          <a:bodyPr/>
-          <a:lstStyle/>
-          <a:p>
-            <a:pPr eaLnBrk="1" hangingPunct="1">
-              <a:spcBef>
-                <a:spcPct val="50000"/>
-              </a:spcBef>
-            </a:pPr>
-            <a:r>
-              <a:rPr lang="en-US" sz="2400" dirty="0" smtClean="0"/>
-              <a:t>Quantity of capital not unusual</a:t>
-            </a:r>
-            <a:endParaRPr lang="en-US" sz="2000" dirty="0" smtClean="0"/>
-          </a:p>
-          <a:p>
-            <a:pPr lvl="1" eaLnBrk="1" hangingPunct="1">
-              <a:spcBef>
-                <a:spcPct val="50000"/>
-              </a:spcBef>
-            </a:pPr>
-            <a:r>
-              <a:rPr lang="en-US" sz="2000" dirty="0" smtClean="0"/>
-              <a:t>K/Y not much different from US </a:t>
-            </a:r>
-          </a:p>
-          <a:p>
-            <a:pPr lvl="1" eaLnBrk="1" hangingPunct="1">
-              <a:spcBef>
-                <a:spcPct val="50000"/>
-              </a:spcBef>
-            </a:pPr>
-            <a:r>
-              <a:rPr lang="en-US" sz="2000" dirty="0" smtClean="0"/>
-              <a:t>How can that be?  </a:t>
-            </a:r>
-          </a:p>
-          <a:p>
-            <a:pPr lvl="1" eaLnBrk="1" hangingPunct="1">
-              <a:spcBef>
-                <a:spcPct val="50000"/>
-              </a:spcBef>
-            </a:pPr>
-            <a:r>
-              <a:rPr lang="en-US" sz="2000" dirty="0" smtClean="0"/>
-              <a:t>When you growth this fast, you need a lot of investment </a:t>
-            </a:r>
-          </a:p>
-          <a:p>
-            <a:pPr eaLnBrk="1" hangingPunct="1">
-              <a:spcBef>
-                <a:spcPct val="50000"/>
-              </a:spcBef>
-            </a:pPr>
-            <a:r>
-              <a:rPr lang="en-US" sz="2400" dirty="0" smtClean="0"/>
-              <a:t>“Quality” of capital raises some questions</a:t>
-            </a:r>
-          </a:p>
-          <a:p>
-            <a:pPr lvl="1" eaLnBrk="1" hangingPunct="1">
-              <a:spcBef>
-                <a:spcPct val="50000"/>
-              </a:spcBef>
-            </a:pPr>
-            <a:r>
-              <a:rPr lang="en-US" sz="2000" dirty="0" smtClean="0"/>
-              <a:t>Has public infrastructure been overdone?</a:t>
-            </a:r>
-          </a:p>
-          <a:p>
-            <a:pPr lvl="1" eaLnBrk="1" hangingPunct="1">
-              <a:spcBef>
-                <a:spcPct val="50000"/>
-              </a:spcBef>
-            </a:pPr>
-            <a:r>
-              <a:rPr lang="en-US" sz="2000" dirty="0" smtClean="0"/>
-              <a:t>Are productive firms starved for resources?  </a:t>
-            </a:r>
-          </a:p>
-          <a:p>
-            <a:pPr lvl="1" eaLnBrk="1" hangingPunct="1">
-              <a:spcBef>
-                <a:spcPct val="50000"/>
-              </a:spcBef>
-            </a:pPr>
-            <a:r>
-              <a:rPr lang="en-US" sz="2000" dirty="0" smtClean="0"/>
-              <a:t>Is the financial system a hindrance to future growth?  </a:t>
+              <a:t>Capital intensity</a:t>
             </a:r>
           </a:p>
         </p:txBody>
@@ -42277,6 +42215,38 @@
           </a:p>
         </p:txBody>
       </p:sp>
+      <p:pic>
+        <p:nvPicPr>
+          <p:cNvPr id="44034" name="Picture 2"/>
+          <p:cNvPicPr>
+            <a:picLocks noChangeAspect="1" noChangeArrowheads="1"/>
+          </p:cNvPicPr>
+          <p:nvPr/>
+        </p:nvPicPr>
+        <p:blipFill>
+          <a:blip r:embed="rId2"/>
+          <a:srcRect/>
+          <a:stretch>
+            <a:fillRect/>
+          </a:stretch>
+        </p:blipFill>
+        <p:spPr bwMode="auto">
+          <a:xfrm>
+            <a:off x="1077435" y="1175067"/>
+            <a:ext cx="6824215" cy="4996453"/>
+          </a:xfrm>
+          <a:prstGeom prst="rect">
+            <a:avLst/>
+          </a:prstGeom>
+          <a:noFill/>
+          <a:ln w="9525">
+            <a:noFill/>
+            <a:miter lim="800000"/>
+            <a:headEnd/>
+            <a:tailEnd/>
+          </a:ln>
+        </p:spPr>
+      </p:pic>
     </p:spTree>
   </p:cSld>
   <p:clrMapOvr>
@@ -42311,12 +42281,12 @@
       </p:grpSpPr>
       <p:sp>
         <p:nvSpPr>
-          <p:cNvPr id="21506" name="Rectangle 4"/>
+          <p:cNvPr id="64514" name="Rectangle 2"/>
           <p:cNvSpPr>
             <a:spLocks noGrp="1" noChangeArrowheads="1"/>
           </p:cNvSpPr>
           <p:nvPr>
-            <p:ph type="ctrTitle"/>
+            <p:ph type="title"/>
           </p:nvPr>
         </p:nvSpPr>
         <p:spPr/>
@@ -42324,17 +42294,127 @@
           <a:bodyPr/>
           <a:lstStyle/>
           <a:p>
-            <a:pPr eaLnBrk="1" hangingPunct="1"/>
+            <a:pPr algn="l" eaLnBrk="1" hangingPunct="1"/>
             <a:r>
               <a:rPr lang="en-US" dirty="0" smtClean="0"/>
-              <a:t>Almost done</a:t>
+              <a:t>China summary</a:t>
             </a:r>
           </a:p>
         </p:txBody>
       </p:sp>
       <p:sp>
         <p:nvSpPr>
-          <p:cNvPr id="3" name="Slide Number Placeholder 2"/>
+          <p:cNvPr id="64515" name="Rectangle 3"/>
+          <p:cNvSpPr>
+            <a:spLocks noGrp="1" noChangeArrowheads="1"/>
+          </p:cNvSpPr>
+          <p:nvPr>
+            <p:ph type="body" idx="1"/>
+          </p:nvPr>
+        </p:nvSpPr>
+        <p:spPr>
+          <a:xfrm>
+            <a:off x="457200" y="1524000"/>
+            <a:ext cx="8229600" cy="4525963"/>
+          </a:xfrm>
+        </p:spPr>
+        <p:txBody>
+          <a:bodyPr/>
+          <a:lstStyle/>
+          <a:p>
+            <a:pPr eaLnBrk="1" hangingPunct="1">
+              <a:spcBef>
+                <a:spcPct val="50000"/>
+              </a:spcBef>
+            </a:pPr>
+            <a:r>
+              <a:rPr lang="en-US" sz="2400" dirty="0" smtClean="0"/>
+              <a:t>Quantity of capital not unusual</a:t>
+            </a:r>
+            <a:endParaRPr lang="en-US" sz="2000" dirty="0" smtClean="0"/>
+          </a:p>
+          <a:p>
+            <a:pPr lvl="1" eaLnBrk="1" hangingPunct="1">
+              <a:spcBef>
+                <a:spcPct val="50000"/>
+              </a:spcBef>
+            </a:pPr>
+            <a:r>
+              <a:rPr lang="en-US" sz="2000" dirty="0" smtClean="0"/>
+              <a:t>K/Y not much different from US </a:t>
+            </a:r>
+          </a:p>
+          <a:p>
+            <a:pPr lvl="1" eaLnBrk="1" hangingPunct="1">
+              <a:spcBef>
+                <a:spcPct val="50000"/>
+              </a:spcBef>
+            </a:pPr>
+            <a:r>
+              <a:rPr lang="en-US" sz="2000" dirty="0" smtClean="0"/>
+              <a:t>How can that be?  </a:t>
+            </a:r>
+          </a:p>
+          <a:p>
+            <a:pPr lvl="1" eaLnBrk="1" hangingPunct="1">
+              <a:spcBef>
+                <a:spcPct val="50000"/>
+              </a:spcBef>
+            </a:pPr>
+            <a:r>
+              <a:rPr lang="en-US" sz="2000" dirty="0" smtClean="0"/>
+              <a:t>When you growth this fast, you need a lot of investment </a:t>
+            </a:r>
+          </a:p>
+          <a:p>
+            <a:pPr eaLnBrk="1" hangingPunct="1">
+              <a:spcBef>
+                <a:spcPct val="50000"/>
+              </a:spcBef>
+            </a:pPr>
+            <a:r>
+              <a:rPr lang="en-US" sz="2400" dirty="0" smtClean="0"/>
+              <a:t>“Quality” of capital raises some questions</a:t>
+            </a:r>
+          </a:p>
+          <a:p>
+            <a:pPr lvl="1" eaLnBrk="1" hangingPunct="1">
+              <a:spcBef>
+                <a:spcPct val="50000"/>
+              </a:spcBef>
+            </a:pPr>
+            <a:r>
+              <a:rPr lang="en-US" sz="2000" dirty="0" smtClean="0"/>
+              <a:t>Has public infrastructure been overdone?</a:t>
+            </a:r>
+          </a:p>
+          <a:p>
+            <a:pPr lvl="1" eaLnBrk="1" hangingPunct="1">
+              <a:spcBef>
+                <a:spcPct val="50000"/>
+              </a:spcBef>
+            </a:pPr>
+            <a:r>
+              <a:rPr lang="en-US" sz="2000" dirty="0" smtClean="0"/>
+              <a:t>Are productive firms starved for resources?  </a:t>
+            </a:r>
+          </a:p>
+          <a:p>
+            <a:pPr lvl="1" eaLnBrk="1" hangingPunct="1">
+              <a:spcBef>
+                <a:spcPct val="50000"/>
+              </a:spcBef>
+            </a:pPr>
+            <a:r>
+              <a:rPr lang="en-US" sz="2000" dirty="0" smtClean="0"/>
+              <a:t>Is the financial system a hindrance to future growth?  </a:t>
+            </a:r>
+          </a:p>
+        </p:txBody>
+      </p:sp>
+      <p:sp>
+        <p:nvSpPr>
+          <p:cNvPr id="4" name="Slide Number Placeholder 3"/>
           <p:cNvSpPr>
             <a:spLocks noGrp="1"/>
           </p:cNvSpPr>
@@ -42350,7 +42430,7 @@
             <a:pPr>
               <a:defRPr/>
             </a:pPr>
-            <a:fld id="{A0CE64D5-222C-4CFA-AFD3-A2848F192F39}" type="slidenum">
+            <a:fld id="{8617ACB6-EADE-4263-B932-20C3691C3C1F}" type="slidenum">
               <a:rPr lang="en-US" smtClean="0"/>
               <a:pPr>
                 <a:defRPr/>
@@ -42395,12 +42475,12 @@
       </p:grpSpPr>
       <p:sp>
         <p:nvSpPr>
-          <p:cNvPr id="64514" name="Rectangle 2"/>
+          <p:cNvPr id="21506" name="Rectangle 4"/>
           <p:cNvSpPr>
             <a:spLocks noGrp="1" noChangeArrowheads="1"/>
           </p:cNvSpPr>
           <p:nvPr>
-            <p:ph type="title"/>
+            <p:ph type="ctrTitle"/>
           </p:nvPr>
         </p:nvSpPr>
         <p:spPr/>
@@ -42408,115 +42488,17 @@
           <a:bodyPr/>
           <a:lstStyle/>
           <a:p>
-            <a:pPr algn="l" eaLnBrk="1" hangingPunct="1"/>
+            <a:pPr eaLnBrk="1" hangingPunct="1"/>
             <a:r>
               <a:rPr lang="en-US" dirty="0" smtClean="0"/>
-              <a:t>What have we learned?</a:t>
+              <a:t>Almost done</a:t>
             </a:r>
           </a:p>
         </p:txBody>
       </p:sp>
       <p:sp>
         <p:nvSpPr>
-          <p:cNvPr id="64515" name="Rectangle 3"/>
-          <p:cNvSpPr>
-            <a:spLocks noGrp="1" noChangeArrowheads="1"/>
-          </p:cNvSpPr>
-          <p:nvPr>
-            <p:ph type="body" idx="1"/>
-          </p:nvPr>
-        </p:nvSpPr>
-        <p:spPr>
-          <a:xfrm>
-            <a:off x="457200" y="1524000"/>
-            <a:ext cx="8229600" cy="4525963"/>
-          </a:xfrm>
-        </p:spPr>
-        <p:txBody>
-          <a:bodyPr/>
-          <a:lstStyle/>
-          <a:p>
-            <a:pPr eaLnBrk="1" hangingPunct="1">
-              <a:spcBef>
-                <a:spcPct val="50000"/>
-              </a:spcBef>
-            </a:pPr>
-            <a:r>
-              <a:rPr lang="en-US" sz="2400" dirty="0" smtClean="0"/>
-              <a:t>Solow model </a:t>
-            </a:r>
-          </a:p>
-          <a:p>
-            <a:pPr lvl="1" eaLnBrk="1" hangingPunct="1">
-              <a:spcBef>
-                <a:spcPct val="50000"/>
-              </a:spcBef>
-            </a:pPr>
-            <a:r>
-              <a:rPr lang="en-US" sz="2000" dirty="0" smtClean="0"/>
-              <a:t>Saving and capital accumulation generate growth </a:t>
-            </a:r>
-          </a:p>
-          <a:p>
-            <a:pPr lvl="1" eaLnBrk="1" hangingPunct="1">
-              <a:spcBef>
-                <a:spcPct val="50000"/>
-              </a:spcBef>
-            </a:pPr>
-            <a:r>
-              <a:rPr lang="en-US" sz="2000" dirty="0" smtClean="0"/>
-              <a:t>But diminishing returns kills this off quickly</a:t>
-            </a:r>
-          </a:p>
-          <a:p>
-            <a:pPr lvl="1" eaLnBrk="1" hangingPunct="1">
-              <a:spcBef>
-                <a:spcPct val="50000"/>
-              </a:spcBef>
-            </a:pPr>
-            <a:r>
-              <a:rPr lang="en-US" sz="2000" dirty="0" smtClean="0"/>
-              <a:t>Conclusion:  saving and capital formation can’t be the keys to prosperity (in the US, in China, in India, etc) </a:t>
-            </a:r>
-          </a:p>
-          <a:p>
-            <a:pPr lvl="1" eaLnBrk="1" hangingPunct="1">
-              <a:spcBef>
-                <a:spcPct val="50000"/>
-              </a:spcBef>
-            </a:pPr>
-            <a:r>
-              <a:rPr lang="en-US" sz="2000" dirty="0" smtClean="0"/>
-              <a:t>Solow model still a useful forecasting tool </a:t>
-            </a:r>
-          </a:p>
-          <a:p>
-            <a:pPr eaLnBrk="1" hangingPunct="1">
-              <a:spcBef>
-                <a:spcPct val="50000"/>
-              </a:spcBef>
-            </a:pPr>
-            <a:r>
-              <a:rPr lang="en-US" sz="2400" dirty="0" smtClean="0"/>
-              <a:t>If not capital, what? </a:t>
-            </a:r>
-          </a:p>
-          <a:p>
-            <a:pPr lvl="1" eaLnBrk="1" hangingPunct="1">
-              <a:spcBef>
-                <a:spcPct val="50000"/>
-              </a:spcBef>
-            </a:pPr>
-            <a:r>
-              <a:rPr lang="en-US" sz="2000" dirty="0" smtClean="0"/>
-              <a:t>TFP growth </a:t>
-            </a:r>
-          </a:p>
-        </p:txBody>
-      </p:sp>
-      <p:sp>
-        <p:nvSpPr>
-          <p:cNvPr id="4" name="Slide Number Placeholder 3"/>
+          <p:cNvPr id="3" name="Slide Number Placeholder 2"/>
           <p:cNvSpPr>
             <a:spLocks noGrp="1"/>
           </p:cNvSpPr>
@@ -42532,7 +42514,7 @@
             <a:pPr>
               <a:defRPr/>
             </a:pPr>
-            <a:fld id="{8617ACB6-EADE-4263-B932-20C3691C3C1F}" type="slidenum">
+            <a:fld id="{A0CE64D5-222C-4CFA-AFD3-A2848F192F39}" type="slidenum">
               <a:rPr lang="en-US" smtClean="0"/>
               <a:pPr>
                 <a:defRPr/>
@@ -42577,7 +42559,7 @@
       </p:grpSpPr>
       <p:sp>
         <p:nvSpPr>
-          <p:cNvPr id="141314" name="Rectangle 2"/>
+          <p:cNvPr id="64514" name="Rectangle 2"/>
           <p:cNvSpPr>
             <a:spLocks noGrp="1" noChangeArrowheads="1"/>
           </p:cNvSpPr>
@@ -42593,14 +42575,14 @@
             <a:pPr algn="l" eaLnBrk="1" hangingPunct="1"/>
             <a:r>
               <a:rPr lang="en-US" dirty="0" smtClean="0"/>
-              <a:t>Something for the ride home</a:t>
+              <a:t>What have we learned?</a:t>
             </a:r>
           </a:p>
         </p:txBody>
       </p:sp>
       <p:sp>
         <p:nvSpPr>
-          <p:cNvPr id="141315" name="Rectangle 3"/>
+          <p:cNvPr id="64515" name="Rectangle 3"/>
           <p:cNvSpPr>
             <a:spLocks noGrp="1" noChangeArrowheads="1"/>
           </p:cNvSpPr>
@@ -42608,53 +42590,90 @@
             <p:ph type="body" idx="1"/>
           </p:nvPr>
         </p:nvSpPr>
-        <p:spPr/>
+        <p:spPr>
+          <a:xfrm>
+            <a:off x="457200" y="1524000"/>
+            <a:ext cx="8229600" cy="4525963"/>
+          </a:xfrm>
+        </p:spPr>
         <p:txBody>
           <a:bodyPr/>
           <a:lstStyle/>
           <a:p>
             <a:pPr eaLnBrk="1" hangingPunct="1">
               <a:spcBef>
-                <a:spcPts val="1200"/>
+                <a:spcPct val="50000"/>
               </a:spcBef>
             </a:pPr>
             <a:r>
               <a:rPr lang="en-US" sz="2400" dirty="0" smtClean="0"/>
-              <a:t>Are natural resources critical to economic growth?  </a:t>
+              <a:t>Solow model </a:t>
+            </a:r>
+          </a:p>
+          <a:p>
+            <a:pPr lvl="1" eaLnBrk="1" hangingPunct="1">
+              <a:spcBef>
+                <a:spcPct val="50000"/>
+              </a:spcBef>
+            </a:pPr>
+            <a:r>
+              <a:rPr lang="en-US" sz="2000" dirty="0" smtClean="0"/>
+              <a:t>Saving and capital accumulation generate growth </a:t>
+            </a:r>
+          </a:p>
+          <a:p>
+            <a:pPr lvl="1" eaLnBrk="1" hangingPunct="1">
+              <a:spcBef>
+                <a:spcPct val="50000"/>
+              </a:spcBef>
+            </a:pPr>
+            <a:r>
+              <a:rPr lang="en-US" sz="2000" dirty="0" smtClean="0"/>
+              <a:t>But diminishing returns kills this off quickly</a:t>
+            </a:r>
+          </a:p>
+          <a:p>
+            <a:pPr lvl="1" eaLnBrk="1" hangingPunct="1">
+              <a:spcBef>
+                <a:spcPct val="50000"/>
+              </a:spcBef>
+            </a:pPr>
+            <a:r>
+              <a:rPr lang="en-US" sz="2000" dirty="0" smtClean="0"/>
+              <a:t>Conclusion:  saving and capital formation can’t be the keys to prosperity (in the US, in China, in India, etc) </a:t>
+            </a:r>
+          </a:p>
+          <a:p>
+            <a:pPr lvl="1" eaLnBrk="1" hangingPunct="1">
+              <a:spcBef>
+                <a:spcPct val="50000"/>
+              </a:spcBef>
+            </a:pPr>
+            <a:r>
+              <a:rPr lang="en-US" sz="2000" dirty="0" smtClean="0"/>
+              <a:t>Solow model still a useful forecasting tool </a:t>
             </a:r>
           </a:p>
           <a:p>
             <a:pPr eaLnBrk="1" hangingPunct="1">
               <a:spcBef>
-                <a:spcPts val="1200"/>
+                <a:spcPct val="50000"/>
               </a:spcBef>
             </a:pPr>
             <a:r>
               <a:rPr lang="en-US" sz="2400" dirty="0" smtClean="0"/>
-              <a:t>Why?  Or why not?  </a:t>
-            </a:r>
-          </a:p>
-          <a:p>
-            <a:pPr eaLnBrk="1" hangingPunct="1">
+              <a:t>If not capital, what? </a:t>
+            </a:r>
+          </a:p>
+          <a:p>
+            <a:pPr lvl="1" eaLnBrk="1" hangingPunct="1">
               <a:spcBef>
-                <a:spcPts val="1200"/>
+                <a:spcPct val="50000"/>
               </a:spcBef>
             </a:pPr>
             <a:r>
-              <a:rPr lang="en-US" sz="2400" dirty="0" smtClean="0"/>
-              <a:t>Examples?  </a:t>
-            </a:r>
-            <a:endParaRPr lang="en-US" sz="2400" dirty="0"/>
-          </a:p>
-          <a:p>
-            <a:pPr eaLnBrk="1" hangingPunct="1">
-              <a:spcBef>
-                <a:spcPts val="1200"/>
-              </a:spcBef>
-            </a:pPr>
-            <a:r>
-              <a:rPr lang="en-US" sz="2400" dirty="0" smtClean="0"/>
-              <a:t>Add your thoughts on the discussion page</a:t>
+              <a:rPr lang="en-US" sz="2000" dirty="0" smtClean="0"/>
+              <a:t>TFP growth </a:t>
             </a:r>
           </a:p>
         </p:txBody>
@@ -42674,9 +42693,14 @@
           <a:bodyPr/>
           <a:lstStyle/>
           <a:p>
-            <a:fld id="{F6FB92B7-FF3F-48F1-A050-FBDAAD6C6217}" type="slidenum">
+            <a:pPr>
+              <a:defRPr/>
+            </a:pPr>
+            <a:fld id="{8617ACB6-EADE-4263-B932-20C3691C3C1F}" type="slidenum">
               <a:rPr lang="en-US" smtClean="0"/>
-              <a:pPr/>
+              <a:pPr>
+                <a:defRPr/>
+              </a:pPr>
               <a:t>84</a:t>
             </a:fld>
             <a:endParaRPr lang="en-US"/>
@@ -42684,11 +42708,6 @@
         </p:txBody>
       </p:sp>
     </p:spTree>
-    <p:extLst>
-      <p:ext uri="{BB962C8B-B14F-4D97-AF65-F5344CB8AC3E}">
-        <p14:creationId xmlns:p14="http://schemas.microsoft.com/office/powerpoint/2010/main" val="912621750"/>
-      </p:ext>
-    </p:extLst>
   </p:cSld>
   <p:clrMapOvr>
     <a:masterClrMapping/>
@@ -42722,6 +42741,151 @@
       </p:grpSpPr>
       <p:sp>
         <p:nvSpPr>
+          <p:cNvPr id="141314" name="Rectangle 2"/>
+          <p:cNvSpPr>
+            <a:spLocks noGrp="1" noChangeArrowheads="1"/>
+          </p:cNvSpPr>
+          <p:nvPr>
+            <p:ph type="title"/>
+          </p:nvPr>
+        </p:nvSpPr>
+        <p:spPr/>
+        <p:txBody>
+          <a:bodyPr/>
+          <a:lstStyle/>
+          <a:p>
+            <a:pPr algn="l" eaLnBrk="1" hangingPunct="1"/>
+            <a:r>
+              <a:rPr lang="en-US" dirty="0" smtClean="0"/>
+              <a:t>Something for the ride home</a:t>
+            </a:r>
+          </a:p>
+        </p:txBody>
+      </p:sp>
+      <p:sp>
+        <p:nvSpPr>
+          <p:cNvPr id="141315" name="Rectangle 3"/>
+          <p:cNvSpPr>
+            <a:spLocks noGrp="1" noChangeArrowheads="1"/>
+          </p:cNvSpPr>
+          <p:nvPr>
+            <p:ph type="body" idx="1"/>
+          </p:nvPr>
+        </p:nvSpPr>
+        <p:spPr/>
+        <p:txBody>
+          <a:bodyPr/>
+          <a:lstStyle/>
+          <a:p>
+            <a:pPr eaLnBrk="1" hangingPunct="1">
+              <a:spcBef>
+                <a:spcPts val="1200"/>
+              </a:spcBef>
+            </a:pPr>
+            <a:r>
+              <a:rPr lang="en-US" sz="2400" dirty="0" smtClean="0"/>
+              <a:t>Are natural resources critical to economic growth?  </a:t>
+            </a:r>
+          </a:p>
+          <a:p>
+            <a:pPr eaLnBrk="1" hangingPunct="1">
+              <a:spcBef>
+                <a:spcPts val="1200"/>
+              </a:spcBef>
+            </a:pPr>
+            <a:r>
+              <a:rPr lang="en-US" sz="2400" dirty="0" smtClean="0"/>
+              <a:t>Why?  Or why not?  </a:t>
+            </a:r>
+          </a:p>
+          <a:p>
+            <a:pPr eaLnBrk="1" hangingPunct="1">
+              <a:spcBef>
+                <a:spcPts val="1200"/>
+              </a:spcBef>
+            </a:pPr>
+            <a:r>
+              <a:rPr lang="en-US" sz="2400" dirty="0" smtClean="0"/>
+              <a:t>Examples?  </a:t>
+            </a:r>
+            <a:endParaRPr lang="en-US" sz="2400" dirty="0"/>
+          </a:p>
+          <a:p>
+            <a:pPr eaLnBrk="1" hangingPunct="1">
+              <a:spcBef>
+                <a:spcPts val="1200"/>
+              </a:spcBef>
+            </a:pPr>
+            <a:r>
+              <a:rPr lang="en-US" sz="2400" dirty="0" smtClean="0"/>
+              <a:t>Add your thoughts on the discussion page</a:t>
+            </a:r>
+          </a:p>
+        </p:txBody>
+      </p:sp>
+      <p:sp>
+        <p:nvSpPr>
+          <p:cNvPr id="4" name="Slide Number Placeholder 3"/>
+          <p:cNvSpPr>
+            <a:spLocks noGrp="1"/>
+          </p:cNvSpPr>
+          <p:nvPr>
+            <p:ph type="sldNum" sz="quarter" idx="12"/>
+          </p:nvPr>
+        </p:nvSpPr>
+        <p:spPr/>
+        <p:txBody>
+          <a:bodyPr/>
+          <a:lstStyle/>
+          <a:p>
+            <a:fld id="{F6FB92B7-FF3F-48F1-A050-FBDAAD6C6217}" type="slidenum">
+              <a:rPr lang="en-US" smtClean="0"/>
+              <a:pPr/>
+              <a:t>85</a:t>
+            </a:fld>
+            <a:endParaRPr lang="en-US"/>
+          </a:p>
+        </p:txBody>
+      </p:sp>
+    </p:spTree>
+    <p:extLst>
+      <p:ext uri="{BB962C8B-B14F-4D97-AF65-F5344CB8AC3E}">
+        <p14:creationId xmlns:p14="http://schemas.microsoft.com/office/powerpoint/2010/main" val="912621750"/>
+      </p:ext>
+    </p:extLst>
+  </p:cSld>
+  <p:clrMapOvr>
+    <a:masterClrMapping/>
+  </p:clrMapOvr>
+  <p:timing>
+    <p:tnLst>
+      <p:par>
+        <p:cTn id="1" dur="indefinite" restart="never" nodeType="tmRoot"/>
+      </p:par>
+    </p:tnLst>
+  </p:timing>
+</p:sld>
+</file>
+
+<file path=ppt/slides/slide86.xml><?xml version="1.0" encoding="utf-8"?>
+<p:sld xmlns:a="http://schemas.openxmlformats.org/drawingml/2006/main" xmlns:r="http://schemas.openxmlformats.org/officeDocument/2006/relationships" xmlns:p="http://schemas.openxmlformats.org/presentationml/2006/main">
+  <p:cSld>
+    <p:spTree>
+      <p:nvGrpSpPr>
+        <p:cNvPr id="1" name=""/>
+        <p:cNvGrpSpPr/>
+        <p:nvPr/>
+      </p:nvGrpSpPr>
+      <p:grpSpPr>
+        <a:xfrm>
+          <a:off x="0" y="0"/>
+          <a:ext cx="0" cy="0"/>
+          <a:chOff x="0" y="0"/>
+          <a:chExt cx="0" cy="0"/>
+        </a:xfrm>
+      </p:grpSpPr>
+      <p:sp>
+        <p:nvSpPr>
           <p:cNvPr id="64514" name="Rectangle 2"/>
           <p:cNvSpPr>
             <a:spLocks noGrp="1" noChangeArrowheads="1"/>
@@ -42866,7 +43030,6 @@
               <a:rPr lang="en-US" sz="2400" dirty="0" smtClean="0"/>
               <a:t>Could the debt ceiling standoff damage the US economy? Why or why not?   </a:t>
             </a:r>
-            <a:endParaRPr lang="en-US" sz="2400" dirty="0" smtClean="0"/>
           </a:p>
           <a:p>
             <a:pPr eaLnBrk="1" hangingPunct="1">
@@ -42901,7 +43064,7 @@
               <a:pPr>
                 <a:defRPr/>
               </a:pPr>
-              <a:t>85</a:t>
+              <a:t>86</a:t>
             </a:fld>
             <a:endParaRPr lang="en-US"/>
           </a:p>

--- a/Slides/slides_growth1_f14.pptx
+++ b/Slides/slides_growth1_f14.pptx
@@ -5,10 +5,10 @@
     <p:sldMasterId id="2147483649" r:id="rId1"/>
   </p:sldMasterIdLst>
   <p:notesMasterIdLst>
-    <p:notesMasterId r:id="rId77"/>
+    <p:notesMasterId r:id="rId79"/>
   </p:notesMasterIdLst>
   <p:handoutMasterIdLst>
-    <p:handoutMasterId r:id="rId78"/>
+    <p:handoutMasterId r:id="rId80"/>
   </p:handoutMasterIdLst>
   <p:sldIdLst>
     <p:sldId id="256" r:id="rId2"/>
@@ -55,37 +55,39 @@
     <p:sldId id="284" r:id="rId43"/>
     <p:sldId id="357" r:id="rId44"/>
     <p:sldId id="289" r:id="rId45"/>
-    <p:sldId id="291" r:id="rId46"/>
-    <p:sldId id="446" r:id="rId47"/>
+    <p:sldId id="446" r:id="rId46"/>
+    <p:sldId id="291" r:id="rId47"/>
     <p:sldId id="331" r:id="rId48"/>
     <p:sldId id="406" r:id="rId49"/>
     <p:sldId id="405" r:id="rId50"/>
     <p:sldId id="421" r:id="rId51"/>
-    <p:sldId id="358" r:id="rId52"/>
-    <p:sldId id="445" r:id="rId53"/>
-    <p:sldId id="360" r:id="rId54"/>
-    <p:sldId id="417" r:id="rId55"/>
-    <p:sldId id="361" r:id="rId56"/>
-    <p:sldId id="362" r:id="rId57"/>
-    <p:sldId id="369" r:id="rId58"/>
-    <p:sldId id="372" r:id="rId59"/>
-    <p:sldId id="371" r:id="rId60"/>
-    <p:sldId id="370" r:id="rId61"/>
-    <p:sldId id="375" r:id="rId62"/>
-    <p:sldId id="374" r:id="rId63"/>
-    <p:sldId id="376" r:id="rId64"/>
-    <p:sldId id="379" r:id="rId65"/>
-    <p:sldId id="368" r:id="rId66"/>
-    <p:sldId id="385" r:id="rId67"/>
-    <p:sldId id="386" r:id="rId68"/>
-    <p:sldId id="390" r:id="rId69"/>
-    <p:sldId id="436" r:id="rId70"/>
-    <p:sldId id="412" r:id="rId71"/>
-    <p:sldId id="300" r:id="rId72"/>
-    <p:sldId id="415" r:id="rId73"/>
-    <p:sldId id="414" r:id="rId74"/>
-    <p:sldId id="413" r:id="rId75"/>
-    <p:sldId id="443" r:id="rId76"/>
+    <p:sldId id="447" r:id="rId52"/>
+    <p:sldId id="358" r:id="rId53"/>
+    <p:sldId id="445" r:id="rId54"/>
+    <p:sldId id="360" r:id="rId55"/>
+    <p:sldId id="417" r:id="rId56"/>
+    <p:sldId id="361" r:id="rId57"/>
+    <p:sldId id="362" r:id="rId58"/>
+    <p:sldId id="369" r:id="rId59"/>
+    <p:sldId id="372" r:id="rId60"/>
+    <p:sldId id="371" r:id="rId61"/>
+    <p:sldId id="370" r:id="rId62"/>
+    <p:sldId id="375" r:id="rId63"/>
+    <p:sldId id="374" r:id="rId64"/>
+    <p:sldId id="376" r:id="rId65"/>
+    <p:sldId id="379" r:id="rId66"/>
+    <p:sldId id="368" r:id="rId67"/>
+    <p:sldId id="385" r:id="rId68"/>
+    <p:sldId id="386" r:id="rId69"/>
+    <p:sldId id="390" r:id="rId70"/>
+    <p:sldId id="436" r:id="rId71"/>
+    <p:sldId id="415" r:id="rId72"/>
+    <p:sldId id="412" r:id="rId73"/>
+    <p:sldId id="300" r:id="rId74"/>
+    <p:sldId id="448" r:id="rId75"/>
+    <p:sldId id="414" r:id="rId76"/>
+    <p:sldId id="413" r:id="rId77"/>
+    <p:sldId id="443" r:id="rId78"/>
   </p:sldIdLst>
   <p:sldSz cx="9144000" cy="6858000" type="screen4x3"/>
   <p:notesSz cx="6881813" cy="9296400"/>
@@ -359,11 +361,11 @@
           <c:showBubbleSize val="0"/>
         </c:dLbls>
         <c:gapWidth val="150"/>
-        <c:axId val="160430344"/>
-        <c:axId val="160428384"/>
+        <c:axId val="197170960"/>
+        <c:axId val="197171352"/>
       </c:barChart>
       <c:catAx>
-        <c:axId val="160430344"/>
+        <c:axId val="197170960"/>
         <c:scaling>
           <c:orientation val="minMax"/>
         </c:scaling>
@@ -398,7 +400,7 @@
             <a:endParaRPr lang="en-US"/>
           </a:p>
         </c:txPr>
-        <c:crossAx val="160428384"/>
+        <c:crossAx val="197171352"/>
         <c:crosses val="autoZero"/>
         <c:auto val="1"/>
         <c:lblAlgn val="ctr"/>
@@ -408,7 +410,7 @@
         <c:noMultiLvlLbl val="0"/>
       </c:catAx>
       <c:valAx>
-        <c:axId val="160428384"/>
+        <c:axId val="197171352"/>
         <c:scaling>
           <c:orientation val="minMax"/>
           <c:max val="50000"/>
@@ -445,7 +447,7 @@
             <a:endParaRPr lang="en-US"/>
           </a:p>
         </c:txPr>
-        <c:crossAx val="160430344"/>
+        <c:crossAx val="197170960"/>
         <c:crosses val="autoZero"/>
         <c:crossBetween val="between"/>
         <c:majorUnit val="10000"/>
@@ -3953,11 +3955,11 @@
           <c:showPercent val="0"/>
           <c:showBubbleSize val="0"/>
         </c:dLbls>
-        <c:axId val="158907008"/>
-        <c:axId val="162445024"/>
+        <c:axId val="197172528"/>
+        <c:axId val="197174096"/>
       </c:scatterChart>
       <c:valAx>
-        <c:axId val="158907008"/>
+        <c:axId val="197172528"/>
         <c:scaling>
           <c:orientation val="minMax"/>
           <c:max val="2000"/>
@@ -3994,12 +3996,12 @@
             <a:endParaRPr lang="en-US"/>
           </a:p>
         </c:txPr>
-        <c:crossAx val="162445024"/>
+        <c:crossAx val="197174096"/>
         <c:crosses val="autoZero"/>
         <c:crossBetween val="midCat"/>
       </c:valAx>
       <c:valAx>
-        <c:axId val="162445024"/>
+        <c:axId val="197174096"/>
         <c:scaling>
           <c:orientation val="minMax"/>
           <c:max val="15"/>
@@ -4083,7 +4085,7 @@
             <a:endParaRPr lang="en-US"/>
           </a:p>
         </c:txPr>
-        <c:crossAx val="158907008"/>
+        <c:crossAx val="197172528"/>
         <c:crosses val="autoZero"/>
         <c:crossBetween val="midCat"/>
       </c:valAx>
@@ -5329,11 +5331,11 @@
         </c:dLbls>
         <c:bubbleScale val="100"/>
         <c:showNegBubbles val="0"/>
-        <c:axId val="160613712"/>
-        <c:axId val="160651120"/>
+        <c:axId val="156657944"/>
+        <c:axId val="157138080"/>
       </c:bubbleChart>
       <c:valAx>
-        <c:axId val="160613712"/>
+        <c:axId val="156657944"/>
         <c:scaling>
           <c:logBase val="10"/>
           <c:orientation val="minMax"/>
@@ -5410,12 +5412,12 @@
             <a:endParaRPr lang="en-US"/>
           </a:p>
         </c:txPr>
-        <c:crossAx val="160651120"/>
+        <c:crossAx val="157138080"/>
         <c:crossesAt val="-4"/>
         <c:crossBetween val="midCat"/>
       </c:valAx>
       <c:valAx>
-        <c:axId val="160651120"/>
+        <c:axId val="157138080"/>
         <c:scaling>
           <c:orientation val="minMax"/>
           <c:max val="10"/>
@@ -5496,7 +5498,7 @@
             <a:endParaRPr lang="en-US"/>
           </a:p>
         </c:txPr>
-        <c:crossAx val="160613712"/>
+        <c:crossAx val="156657944"/>
         <c:crosses val="autoZero"/>
         <c:crossBetween val="midCat"/>
       </c:valAx>
@@ -9578,11 +9580,11 @@
           <c:showPercent val="0"/>
           <c:showBubbleSize val="0"/>
         </c:dLbls>
-        <c:axId val="203194424"/>
-        <c:axId val="203194816"/>
+        <c:axId val="197910512"/>
+        <c:axId val="197912080"/>
       </c:scatterChart>
       <c:valAx>
-        <c:axId val="203194424"/>
+        <c:axId val="197910512"/>
         <c:scaling>
           <c:orientation val="minMax"/>
           <c:max val="400"/>
@@ -9657,12 +9659,12 @@
             <a:endParaRPr lang="en-US"/>
           </a:p>
         </c:txPr>
-        <c:crossAx val="203194816"/>
+        <c:crossAx val="197912080"/>
         <c:crosses val="autoZero"/>
         <c:crossBetween val="midCat"/>
       </c:valAx>
       <c:valAx>
-        <c:axId val="203194816"/>
+        <c:axId val="197912080"/>
         <c:scaling>
           <c:orientation val="minMax"/>
           <c:max val="160"/>
@@ -9738,7 +9740,7 @@
             <a:endParaRPr lang="en-US"/>
           </a:p>
         </c:txPr>
-        <c:crossAx val="203194424"/>
+        <c:crossAx val="197910512"/>
         <c:crosses val="autoZero"/>
         <c:crossBetween val="midCat"/>
         <c:majorUnit val="40"/>
@@ -11416,7 +11418,26 @@
           <a:p>
             <a:r>
               <a:rPr lang="en-US" dirty="0" smtClean="0"/>
-              <a:t>Open website, </a:t>
+              <a:t>Short class,</a:t>
+            </a:r>
+            <a:r>
+              <a:rPr lang="en-US" baseline="0" dirty="0" smtClean="0"/>
+              <a:t> </a:t>
+            </a:r>
+            <a:r>
+              <a:rPr lang="en-US" baseline="0" smtClean="0"/>
+              <a:t>encourage discussion</a:t>
+            </a:r>
+            <a:endParaRPr lang="en-US" dirty="0" smtClean="0"/>
+          </a:p>
+          <a:p>
+            <a:r>
+              <a:rPr lang="en-US" dirty="0" smtClean="0"/>
+              <a:t>Open </a:t>
+            </a:r>
+            <a:r>
+              <a:rPr lang="en-US" dirty="0" smtClean="0"/>
+              <a:t>website, </a:t>
             </a:r>
             <a:r>
               <a:rPr lang="en-US" dirty="0" err="1" smtClean="0"/>
@@ -11438,8 +11459,14 @@
               <a:t>solow</a:t>
             </a:r>
             <a:r>
-              <a:rPr lang="en-US" smtClean="0"/>
+              <a:rPr lang="en-US" dirty="0" smtClean="0"/>
               <a:t>)</a:t>
+            </a:r>
+          </a:p>
+          <a:p>
+            <a:r>
+              <a:rPr lang="en-US" dirty="0" smtClean="0"/>
+              <a:t>Manhood video </a:t>
             </a:r>
             <a:endParaRPr lang="en-US" dirty="0"/>
           </a:p>
@@ -11478,6 +11505,97 @@
     <p:extLst>
       <p:ext uri="{BB962C8B-B14F-4D97-AF65-F5344CB8AC3E}">
         <p14:creationId xmlns:p14="http://schemas.microsoft.com/office/powerpoint/2010/main" val="2499245599"/>
+      </p:ext>
+    </p:extLst>
+  </p:cSld>
+  <p:clrMapOvr>
+    <a:masterClrMapping/>
+  </p:clrMapOvr>
+</p:notes>
+</file>
+
+<file path=ppt/notesSlides/notesSlide10.xml><?xml version="1.0" encoding="utf-8"?>
+<p:notes xmlns:a="http://schemas.openxmlformats.org/drawingml/2006/main" xmlns:r="http://schemas.openxmlformats.org/officeDocument/2006/relationships" xmlns:p="http://schemas.openxmlformats.org/presentationml/2006/main">
+  <p:cSld>
+    <p:spTree>
+      <p:nvGrpSpPr>
+        <p:cNvPr id="1" name=""/>
+        <p:cNvGrpSpPr/>
+        <p:nvPr/>
+      </p:nvGrpSpPr>
+      <p:grpSpPr>
+        <a:xfrm>
+          <a:off x="0" y="0"/>
+          <a:ext cx="0" cy="0"/>
+          <a:chOff x="0" y="0"/>
+          <a:chExt cx="0" cy="0"/>
+        </a:xfrm>
+      </p:grpSpPr>
+      <p:sp>
+        <p:nvSpPr>
+          <p:cNvPr id="142338" name="Rectangle 7"/>
+          <p:cNvSpPr>
+            <a:spLocks noGrp="1" noChangeArrowheads="1"/>
+          </p:cNvSpPr>
+          <p:nvPr>
+            <p:ph type="sldNum" sz="quarter" idx="5"/>
+          </p:nvPr>
+        </p:nvSpPr>
+        <p:spPr/>
+        <p:txBody>
+          <a:bodyPr/>
+          <a:lstStyle/>
+          <a:p>
+            <a:fld id="{F4D9A340-A853-49A2-86A8-DED43F7F5406}" type="slidenum">
+              <a:rPr lang="en-US"/>
+              <a:pPr/>
+              <a:t>77</a:t>
+            </a:fld>
+            <a:endParaRPr lang="en-US"/>
+          </a:p>
+        </p:txBody>
+      </p:sp>
+      <p:sp>
+        <p:nvSpPr>
+          <p:cNvPr id="142339" name="Rectangle 2"/>
+          <p:cNvSpPr>
+            <a:spLocks noGrp="1" noRot="1" noChangeAspect="1" noChangeArrowheads="1" noTextEdit="1"/>
+          </p:cNvSpPr>
+          <p:nvPr>
+            <p:ph type="sldImg"/>
+          </p:nvPr>
+        </p:nvSpPr>
+        <p:spPr>
+          <a:ln/>
+        </p:spPr>
+      </p:sp>
+      <p:sp>
+        <p:nvSpPr>
+          <p:cNvPr id="142340" name="Rectangle 3"/>
+          <p:cNvSpPr>
+            <a:spLocks noGrp="1" noChangeArrowheads="1"/>
+          </p:cNvSpPr>
+          <p:nvPr>
+            <p:ph type="body" idx="1"/>
+          </p:nvPr>
+        </p:nvSpPr>
+        <p:spPr/>
+        <p:txBody>
+          <a:bodyPr/>
+          <a:lstStyle/>
+          <a:p>
+            <a:pPr eaLnBrk="1" hangingPunct="1"/>
+            <a:endParaRPr lang="en-US" smtClean="0">
+              <a:latin typeface="Arial" pitchFamily="34" charset="0"/>
+              <a:cs typeface="Arial" pitchFamily="34" charset="0"/>
+            </a:endParaRPr>
+          </a:p>
+        </p:txBody>
+      </p:sp>
+    </p:spTree>
+    <p:extLst>
+      <p:ext uri="{BB962C8B-B14F-4D97-AF65-F5344CB8AC3E}">
+        <p14:creationId xmlns:p14="http://schemas.microsoft.com/office/powerpoint/2010/main" val="2134768042"/>
       </p:ext>
     </p:extLst>
   </p:cSld>
@@ -11626,6 +11744,20 @@
               <a:rPr lang="en-US" dirty="0" smtClean="0"/>
               <a:t>http://www.vox.com/xpress/2014/8/10/5988295/real-gdp-per-capita-chart</a:t>
             </a:r>
+          </a:p>
+          <a:p>
+            <a:r>
+              <a:rPr lang="en-US" dirty="0" smtClean="0"/>
+              <a:t>Bill</a:t>
+            </a:r>
+            <a:r>
+              <a:rPr lang="en-US" baseline="0" dirty="0" smtClean="0"/>
+              <a:t> Lewis</a:t>
+            </a:r>
+            <a:r>
+              <a:rPr lang="en-US" baseline="0" smtClean="0"/>
+              <a:t>, McKinsey </a:t>
+            </a:r>
             <a:endParaRPr lang="en-US" dirty="0"/>
           </a:p>
         </p:txBody>
@@ -12073,7 +12205,7 @@
           <a:lstStyle/>
           <a:p>
             <a:r>
-              <a:rPr lang="en-US" smtClean="0"/>
+              <a:rPr lang="en-US" dirty="0" smtClean="0"/>
               <a:t>http://youtu.be/ZSHNq79o-gM </a:t>
             </a:r>
             <a:endParaRPr lang="en-US" dirty="0"/>
@@ -12103,7 +12235,7 @@
               <a:pPr>
                 <a:defRPr/>
               </a:pPr>
-              <a:t>46</a:t>
+              <a:t>45</a:t>
             </a:fld>
             <a:endParaRPr lang="en-US"/>
           </a:p>
@@ -12170,12 +12302,6 @@
           <a:p>
             <a:r>
               <a:rPr lang="en-US" dirty="0" smtClean="0"/>
-              <a:t>http://topincomes.parisschoolofeconomics.eu/</a:t>
-            </a:r>
-          </a:p>
-          <a:p>
-            <a:r>
-              <a:rPr lang="en-US" dirty="0" smtClean="0"/>
               <a:t>http://topincomes.parisschoolofeconomics.eu/#Graphic: </a:t>
             </a:r>
             <a:endParaRPr lang="en-US" dirty="0"/>
@@ -12243,47 +12369,21 @@
       </p:grpSpPr>
       <p:sp>
         <p:nvSpPr>
-          <p:cNvPr id="142338" name="Rectangle 7"/>
+          <p:cNvPr id="2" name="Slide Image Placeholder 1"/>
           <p:cNvSpPr>
-            <a:spLocks noGrp="1" noChangeArrowheads="1"/>
-          </p:cNvSpPr>
-          <p:nvPr>
-            <p:ph type="sldNum" sz="quarter" idx="5"/>
-          </p:nvPr>
-        </p:nvSpPr>
-        <p:spPr/>
-        <p:txBody>
-          <a:bodyPr/>
-          <a:lstStyle/>
-          <a:p>
-            <a:fld id="{F4D9A340-A853-49A2-86A8-DED43F7F5406}" type="slidenum">
-              <a:rPr lang="en-US"/>
-              <a:pPr/>
-              <a:t>75</a:t>
-            </a:fld>
-            <a:endParaRPr lang="en-US"/>
-          </a:p>
-        </p:txBody>
-      </p:sp>
-      <p:sp>
-        <p:nvSpPr>
-          <p:cNvPr id="142339" name="Rectangle 2"/>
-          <p:cNvSpPr>
-            <a:spLocks noGrp="1" noRot="1" noChangeAspect="1" noChangeArrowheads="1" noTextEdit="1"/>
+            <a:spLocks noGrp="1" noRot="1" noChangeAspect="1"/>
           </p:cNvSpPr>
           <p:nvPr>
             <p:ph type="sldImg"/>
           </p:nvPr>
         </p:nvSpPr>
-        <p:spPr>
-          <a:ln/>
-        </p:spPr>
+        <p:spPr/>
       </p:sp>
       <p:sp>
         <p:nvSpPr>
-          <p:cNvPr id="142340" name="Rectangle 3"/>
+          <p:cNvPr id="3" name="Notes Placeholder 2"/>
           <p:cNvSpPr>
-            <a:spLocks noGrp="1" noChangeArrowheads="1"/>
+            <a:spLocks noGrp="1"/>
           </p:cNvSpPr>
           <p:nvPr>
             <p:ph type="body" idx="1"/>
@@ -12291,21 +12391,58 @@
         </p:nvSpPr>
         <p:spPr/>
         <p:txBody>
+          <a:bodyPr>
+            <a:normAutofit/>
+          </a:bodyPr>
+          <a:lstStyle/>
+          <a:p>
+            <a:r>
+              <a:rPr lang="en-US" dirty="0" smtClean="0"/>
+              <a:t>http://www.brookings.edu/~/media/Projects/BPEA/Fall%202012/2012b_Meyer.pdf</a:t>
+            </a:r>
+          </a:p>
+          <a:p>
+            <a:r>
+              <a:rPr lang="en-US" smtClean="0"/>
+              <a:t>http://conversableeconomist.blogspot.com/2013/09/the-poverty-rate-income-and-consumption.html</a:t>
+            </a:r>
+            <a:endParaRPr lang="en-US" dirty="0"/>
+          </a:p>
+        </p:txBody>
+      </p:sp>
+      <p:sp>
+        <p:nvSpPr>
+          <p:cNvPr id="4" name="Slide Number Placeholder 3"/>
+          <p:cNvSpPr>
+            <a:spLocks noGrp="1"/>
+          </p:cNvSpPr>
+          <p:nvPr>
+            <p:ph type="sldNum" sz="quarter" idx="10"/>
+          </p:nvPr>
+        </p:nvSpPr>
+        <p:spPr/>
+        <p:txBody>
           <a:bodyPr/>
           <a:lstStyle/>
           <a:p>
-            <a:pPr eaLnBrk="1" hangingPunct="1"/>
-            <a:endParaRPr lang="en-US" smtClean="0">
-              <a:latin typeface="Arial" pitchFamily="34" charset="0"/>
-              <a:cs typeface="Arial" pitchFamily="34" charset="0"/>
-            </a:endParaRPr>
+            <a:pPr>
+              <a:defRPr/>
+            </a:pPr>
+            <a:fld id="{6B74F828-317C-4E05-A324-081E3C3EE56E}" type="slidenum">
+              <a:rPr lang="en-US" smtClean="0"/>
+              <a:pPr>
+                <a:defRPr/>
+              </a:pPr>
+              <a:t>51</a:t>
+            </a:fld>
+            <a:endParaRPr lang="en-US"/>
           </a:p>
         </p:txBody>
       </p:sp>
     </p:spTree>
     <p:extLst>
       <p:ext uri="{BB962C8B-B14F-4D97-AF65-F5344CB8AC3E}">
-        <p14:creationId xmlns:p14="http://schemas.microsoft.com/office/powerpoint/2010/main" val="2134768042"/>
+        <p14:creationId xmlns:p14="http://schemas.microsoft.com/office/powerpoint/2010/main" val="1078608812"/>
       </p:ext>
     </p:extLst>
   </p:cSld>
@@ -16840,13 +16977,18 @@
               </a:spcBef>
             </a:pPr>
             <a:r>
+              <a:rPr lang="en-US" sz="2400" dirty="0" smtClean="0"/>
+              <a:t>Nasty and short on </a:t>
+            </a:r>
+            <a:r>
               <a:rPr lang="en-US" sz="2400" dirty="0" err="1" smtClean="0"/>
               <a:t>Gapminder</a:t>
             </a:r>
             <a:r>
-              <a:rPr lang="en-US" sz="2400" dirty="0" smtClean="0"/>
-              <a:t> again </a:t>
-            </a:r>
+              <a:rPr lang="en-US" sz="2400" smtClean="0"/>
+              <a:t> </a:t>
+            </a:r>
+            <a:endParaRPr lang="en-US" sz="2400" dirty="0" smtClean="0"/>
           </a:p>
           <a:p>
             <a:pPr algn="ctr" eaLnBrk="1" hangingPunct="1">
@@ -23714,72 +23856,6 @@
           </a:p>
         </p:txBody>
       </p:sp>
-      <p:sp>
-        <p:nvSpPr>
-          <p:cNvPr id="4099" name="Rectangle 3"/>
-          <p:cNvSpPr>
-            <a:spLocks noGrp="1" noChangeArrowheads="1"/>
-          </p:cNvSpPr>
-          <p:nvPr>
-            <p:ph type="body" idx="1"/>
-          </p:nvPr>
-        </p:nvSpPr>
-        <p:spPr>
-          <a:xfrm>
-            <a:off x="685800" y="3810000"/>
-            <a:ext cx="8229600" cy="4525963"/>
-          </a:xfrm>
-        </p:spPr>
-        <p:txBody>
-          <a:bodyPr/>
-          <a:lstStyle/>
-          <a:p>
-            <a:pPr eaLnBrk="1" hangingPunct="1">
-              <a:spcBef>
-                <a:spcPct val="50000"/>
-              </a:spcBef>
-            </a:pPr>
-            <a:r>
-              <a:rPr lang="en-US" sz="2400" smtClean="0"/>
-              <a:t>What separates the successes from the others? </a:t>
-            </a:r>
-          </a:p>
-          <a:p>
-            <a:pPr eaLnBrk="1" hangingPunct="1">
-              <a:spcBef>
-                <a:spcPct val="50000"/>
-              </a:spcBef>
-            </a:pPr>
-            <a:r>
-              <a:rPr lang="en-US" sz="2400" smtClean="0"/>
-              <a:t>What roleAlso variation in growth rates </a:t>
-            </a:r>
-          </a:p>
-          <a:p>
-            <a:pPr lvl="1" eaLnBrk="1" hangingPunct="1">
-              <a:spcBef>
-                <a:spcPct val="50000"/>
-              </a:spcBef>
-            </a:pPr>
-            <a:r>
-              <a:rPr lang="en-US" sz="2000" smtClean="0"/>
-              <a:t>Modest variation among rich countries </a:t>
-            </a:r>
-          </a:p>
-          <a:p>
-            <a:pPr lvl="1" eaLnBrk="1" hangingPunct="1">
-              <a:spcBef>
-                <a:spcPct val="50000"/>
-              </a:spcBef>
-            </a:pPr>
-            <a:r>
-              <a:rPr lang="en-US" sz="2000" smtClean="0"/>
-              <a:t>More variation among poor countries</a:t>
-            </a:r>
-            <a:endParaRPr lang="en-US" sz="2000" dirty="0" smtClean="0"/>
-          </a:p>
-        </p:txBody>
-      </p:sp>
       <p:pic>
         <p:nvPicPr>
           <p:cNvPr id="4" name="Picture 3"/>
@@ -25947,7 +26023,7 @@
           <a:graphicData uri="http://schemas.openxmlformats.org/presentationml/2006/ole">
             <mc:AlternateContent xmlns:mc="http://schemas.openxmlformats.org/markup-compatibility/2006">
               <mc:Choice xmlns:v="urn:schemas-microsoft-com:vml" Requires="v">
-                <p:oleObj spid="_x0000_s26784" name="Equation" r:id="rId4" imgW="1117600" imgH="1270000" progId="">
+                <p:oleObj spid="_x0000_s26812" name="Equation" r:id="rId4" imgW="1117600" imgH="1270000" progId="">
                   <p:embed/>
                 </p:oleObj>
               </mc:Choice>
@@ -28980,7 +29056,7 @@
             </a:pPr>
             <a:r>
               <a:rPr lang="en-US" sz="2000" dirty="0" smtClean="0"/>
-              <a:t>Measure output and input, take the ratio </a:t>
+              <a:t>Measure output and labor input, take the ratio </a:t>
             </a:r>
           </a:p>
           <a:p>
@@ -29944,6 +30020,138 @@
       </p:grpSpPr>
       <p:sp>
         <p:nvSpPr>
+          <p:cNvPr id="4098" name="Rectangle 2"/>
+          <p:cNvSpPr>
+            <a:spLocks noGrp="1" noChangeArrowheads="1"/>
+          </p:cNvSpPr>
+          <p:nvPr>
+            <p:ph type="title"/>
+          </p:nvPr>
+        </p:nvSpPr>
+        <p:spPr/>
+        <p:txBody>
+          <a:bodyPr/>
+          <a:lstStyle/>
+          <a:p>
+            <a:pPr algn="l" eaLnBrk="1" hangingPunct="1"/>
+            <a:r>
+              <a:rPr lang="en-US" dirty="0" smtClean="0"/>
+              <a:t>“Guard your manhood” </a:t>
+            </a:r>
+          </a:p>
+        </p:txBody>
+      </p:sp>
+      <p:sp>
+        <p:nvSpPr>
+          <p:cNvPr id="4099" name="Rectangle 3"/>
+          <p:cNvSpPr>
+            <a:spLocks noGrp="1" noChangeArrowheads="1"/>
+          </p:cNvSpPr>
+          <p:nvPr>
+            <p:ph type="body" idx="1"/>
+          </p:nvPr>
+        </p:nvSpPr>
+        <p:spPr>
+          <a:xfrm>
+            <a:off x="457200" y="1501125"/>
+            <a:ext cx="8229600" cy="4114512"/>
+          </a:xfrm>
+        </p:spPr>
+        <p:txBody>
+          <a:bodyPr/>
+          <a:lstStyle/>
+          <a:p>
+            <a:pPr eaLnBrk="1" hangingPunct="1">
+              <a:spcBef>
+                <a:spcPct val="50000"/>
+              </a:spcBef>
+            </a:pPr>
+            <a:r>
+              <a:rPr lang="en-US" sz="2400" dirty="0" smtClean="0"/>
+              <a:t>What is this ad doing?</a:t>
+            </a:r>
+          </a:p>
+          <a:p>
+            <a:pPr eaLnBrk="1" hangingPunct="1">
+              <a:spcBef>
+                <a:spcPct val="50000"/>
+              </a:spcBef>
+            </a:pPr>
+            <a:r>
+              <a:rPr lang="en-US" sz="2400" dirty="0" smtClean="0"/>
+              <a:t>Is it effective?  </a:t>
+            </a:r>
+          </a:p>
+        </p:txBody>
+      </p:sp>
+      <p:sp>
+        <p:nvSpPr>
+          <p:cNvPr id="4" name="Slide Number Placeholder 3"/>
+          <p:cNvSpPr>
+            <a:spLocks noGrp="1"/>
+          </p:cNvSpPr>
+          <p:nvPr>
+            <p:ph type="sldNum" sz="quarter" idx="12"/>
+          </p:nvPr>
+        </p:nvSpPr>
+        <p:spPr/>
+        <p:txBody>
+          <a:bodyPr/>
+          <a:lstStyle/>
+          <a:p>
+            <a:pPr>
+              <a:defRPr/>
+            </a:pPr>
+            <a:fld id="{8617ACB6-EADE-4263-B932-20C3691C3C1F}" type="slidenum">
+              <a:rPr lang="en-US" smtClean="0"/>
+              <a:pPr>
+                <a:defRPr/>
+              </a:pPr>
+              <a:t>45</a:t>
+            </a:fld>
+            <a:endParaRPr lang="en-US"/>
+          </a:p>
+        </p:txBody>
+      </p:sp>
+    </p:spTree>
+    <p:extLst>
+      <p:ext uri="{BB962C8B-B14F-4D97-AF65-F5344CB8AC3E}">
+        <p14:creationId xmlns:p14="http://schemas.microsoft.com/office/powerpoint/2010/main" val="160981552"/>
+      </p:ext>
+    </p:extLst>
+  </p:cSld>
+  <p:clrMapOvr>
+    <a:masterClrMapping/>
+  </p:clrMapOvr>
+  <p:timing>
+    <p:tnLst>
+      <p:par>
+        <p:cTn id="1" dur="indefinite" restart="never" nodeType="tmRoot"/>
+      </p:par>
+    </p:tnLst>
+  </p:timing>
+</p:sld>
+</file>
+
+<file path=ppt/slides/slide46.xml><?xml version="1.0" encoding="utf-8"?>
+<p:sld xmlns:a="http://schemas.openxmlformats.org/drawingml/2006/main" xmlns:r="http://schemas.openxmlformats.org/officeDocument/2006/relationships" xmlns:p="http://schemas.openxmlformats.org/presentationml/2006/main">
+  <p:cSld>
+    <p:spTree>
+      <p:nvGrpSpPr>
+        <p:cNvPr id="1" name=""/>
+        <p:cNvGrpSpPr/>
+        <p:nvPr/>
+      </p:nvGrpSpPr>
+      <p:grpSpPr>
+        <a:xfrm>
+          <a:off x="0" y="0"/>
+          <a:ext cx="0" cy="0"/>
+          <a:chOff x="0" y="0"/>
+          <a:chExt cx="0" cy="0"/>
+        </a:xfrm>
+      </p:grpSpPr>
+      <p:sp>
+        <p:nvSpPr>
           <p:cNvPr id="47106" name="Rectangle 4"/>
           <p:cNvSpPr>
             <a:spLocks noGrp="1" noChangeArrowheads="1"/>
@@ -30017,127 +30225,6 @@
 </p:sld>
 </file>
 
-<file path=ppt/slides/slide46.xml><?xml version="1.0" encoding="utf-8"?>
-<p:sld xmlns:a="http://schemas.openxmlformats.org/drawingml/2006/main" xmlns:r="http://schemas.openxmlformats.org/officeDocument/2006/relationships" xmlns:p="http://schemas.openxmlformats.org/presentationml/2006/main">
-  <p:cSld>
-    <p:spTree>
-      <p:nvGrpSpPr>
-        <p:cNvPr id="1" name=""/>
-        <p:cNvGrpSpPr/>
-        <p:nvPr/>
-      </p:nvGrpSpPr>
-      <p:grpSpPr>
-        <a:xfrm>
-          <a:off x="0" y="0"/>
-          <a:ext cx="0" cy="0"/>
-          <a:chOff x="0" y="0"/>
-          <a:chExt cx="0" cy="0"/>
-        </a:xfrm>
-      </p:grpSpPr>
-      <p:sp>
-        <p:nvSpPr>
-          <p:cNvPr id="4098" name="Rectangle 2"/>
-          <p:cNvSpPr>
-            <a:spLocks noGrp="1" noChangeArrowheads="1"/>
-          </p:cNvSpPr>
-          <p:nvPr>
-            <p:ph type="title"/>
-          </p:nvPr>
-        </p:nvSpPr>
-        <p:spPr/>
-        <p:txBody>
-          <a:bodyPr/>
-          <a:lstStyle/>
-          <a:p>
-            <a:pPr algn="l" eaLnBrk="1" hangingPunct="1"/>
-            <a:r>
-              <a:rPr lang="en-US" dirty="0" smtClean="0"/>
-              <a:t>“Guard your manhood” </a:t>
-            </a:r>
-          </a:p>
-        </p:txBody>
-      </p:sp>
-      <p:sp>
-        <p:nvSpPr>
-          <p:cNvPr id="4099" name="Rectangle 3"/>
-          <p:cNvSpPr>
-            <a:spLocks noGrp="1" noChangeArrowheads="1"/>
-          </p:cNvSpPr>
-          <p:nvPr>
-            <p:ph type="body" idx="1"/>
-          </p:nvPr>
-        </p:nvSpPr>
-        <p:spPr>
-          <a:xfrm>
-            <a:off x="457200" y="1501125"/>
-            <a:ext cx="8229600" cy="4114512"/>
-          </a:xfrm>
-        </p:spPr>
-        <p:txBody>
-          <a:bodyPr/>
-          <a:lstStyle/>
-          <a:p>
-            <a:pPr eaLnBrk="1" hangingPunct="1">
-              <a:spcBef>
-                <a:spcPct val="50000"/>
-              </a:spcBef>
-            </a:pPr>
-            <a:r>
-              <a:rPr lang="en-US" sz="2400" dirty="0" smtClean="0"/>
-              <a:t>Reaction?  </a:t>
-            </a:r>
-          </a:p>
-        </p:txBody>
-      </p:sp>
-      <p:sp>
-        <p:nvSpPr>
-          <p:cNvPr id="4" name="Slide Number Placeholder 3"/>
-          <p:cNvSpPr>
-            <a:spLocks noGrp="1"/>
-          </p:cNvSpPr>
-          <p:nvPr>
-            <p:ph type="sldNum" sz="quarter" idx="12"/>
-          </p:nvPr>
-        </p:nvSpPr>
-        <p:spPr/>
-        <p:txBody>
-          <a:bodyPr/>
-          <a:lstStyle/>
-          <a:p>
-            <a:pPr>
-              <a:defRPr/>
-            </a:pPr>
-            <a:fld id="{8617ACB6-EADE-4263-B932-20C3691C3C1F}" type="slidenum">
-              <a:rPr lang="en-US" smtClean="0"/>
-              <a:pPr>
-                <a:defRPr/>
-              </a:pPr>
-              <a:t>46</a:t>
-            </a:fld>
-            <a:endParaRPr lang="en-US"/>
-          </a:p>
-        </p:txBody>
-      </p:sp>
-    </p:spTree>
-    <p:extLst>
-      <p:ext uri="{BB962C8B-B14F-4D97-AF65-F5344CB8AC3E}">
-        <p14:creationId xmlns:p14="http://schemas.microsoft.com/office/powerpoint/2010/main" val="160981552"/>
-      </p:ext>
-    </p:extLst>
-  </p:cSld>
-  <p:clrMapOvr>
-    <a:masterClrMapping/>
-  </p:clrMapOvr>
-  <p:timing>
-    <p:tnLst>
-      <p:par>
-        <p:cTn id="1" dur="indefinite" restart="never" nodeType="tmRoot"/>
-      </p:par>
-    </p:tnLst>
-  </p:timing>
-</p:sld>
-</file>
-
 <file path=ppt/slides/slide47.xml><?xml version="1.0" encoding="utf-8"?>
 <p:sld xmlns:a="http://schemas.openxmlformats.org/drawingml/2006/main" xmlns:r="http://schemas.openxmlformats.org/officeDocument/2006/relationships" xmlns:p="http://schemas.openxmlformats.org/presentationml/2006/main">
   <p:cSld>
@@ -30227,7 +30314,15 @@
             </a:pPr>
             <a:r>
               <a:rPr lang="en-US" sz="2000" dirty="0" smtClean="0"/>
-              <a:t>GDP, C, and I move up and down together (correlations) </a:t>
+              <a:t>C and I move up and down </a:t>
+            </a:r>
+            <a:r>
+              <a:rPr lang="en-US" sz="2000" smtClean="0"/>
+              <a:t>with GDP (</a:t>
+            </a:r>
+            <a:r>
+              <a:rPr lang="en-US" sz="2000" dirty="0" smtClean="0"/>
+              <a:t>correlations) </a:t>
             </a:r>
           </a:p>
           <a:p>
@@ -30673,7 +30768,7 @@
             </a:pPr>
             <a:r>
               <a:rPr lang="en-US" sz="2000" dirty="0" smtClean="0"/>
-              <a:t>GDP in constant dollars</a:t>
+              <a:t>GDP at 2010 prices </a:t>
             </a:r>
           </a:p>
           <a:p>
@@ -30684,7 +30779,7 @@
             </a:pPr>
             <a:r>
               <a:rPr lang="en-US" sz="2000" dirty="0" smtClean="0"/>
-              <a:t>GDP in 2005 USD</a:t>
+              <a:t>GDP in 2005 USD </a:t>
             </a:r>
           </a:p>
           <a:p>
@@ -30902,14 +30997,44 @@
         </p:blipFill>
         <p:spPr>
           <a:xfrm>
-            <a:off x="1770077" y="1219200"/>
-            <a:ext cx="5519738" cy="4870983"/>
+            <a:off x="1770076" y="1175276"/>
+            <a:ext cx="5621323" cy="4960628"/>
           </a:xfrm>
           <a:prstGeom prst="rect">
             <a:avLst/>
           </a:prstGeom>
         </p:spPr>
       </p:pic>
+      <p:sp>
+        <p:nvSpPr>
+          <p:cNvPr id="5" name="TextBox 4"/>
+          <p:cNvSpPr txBox="1"/>
+          <p:nvPr/>
+        </p:nvSpPr>
+        <p:spPr>
+          <a:xfrm>
+            <a:off x="533400" y="6248400"/>
+            <a:ext cx="4419600" cy="276999"/>
+          </a:xfrm>
+          <a:prstGeom prst="rect">
+            <a:avLst/>
+          </a:prstGeom>
+          <a:noFill/>
+        </p:spPr>
+        <p:txBody>
+          <a:bodyPr wrap="square" rtlCol="0">
+            <a:spAutoFit/>
+          </a:bodyPr>
+          <a:lstStyle/>
+          <a:p>
+            <a:r>
+              <a:rPr lang="en-US" sz="1200" dirty="0" smtClean="0"/>
+              <a:t>Source:  World Top Incomes. </a:t>
+            </a:r>
+            <a:endParaRPr lang="en-US" sz="1200" dirty="0"/>
+          </a:p>
+        </p:txBody>
+      </p:sp>
     </p:spTree>
     <p:extLst>
       <p:ext uri="{BB962C8B-B14F-4D97-AF65-F5344CB8AC3E}">
@@ -30949,7 +31074,7 @@
       </p:grpSpPr>
       <p:sp>
         <p:nvSpPr>
-          <p:cNvPr id="40962" name="Rectangle 2"/>
+          <p:cNvPr id="4098" name="Rectangle 2"/>
           <p:cNvSpPr>
             <a:spLocks noGrp="1" noChangeArrowheads="1"/>
           </p:cNvSpPr>
@@ -30965,133 +31090,14 @@
             <a:pPr algn="l" eaLnBrk="1" hangingPunct="1"/>
             <a:r>
               <a:rPr lang="en-US" dirty="0" smtClean="0"/>
-              <a:t>Roadmap </a:t>
+              <a:t>What’s happening?</a:t>
             </a:r>
           </a:p>
         </p:txBody>
       </p:sp>
       <p:sp>
         <p:nvSpPr>
-          <p:cNvPr id="40963" name="Rectangle 3"/>
-          <p:cNvSpPr>
-            <a:spLocks noGrp="1" noChangeArrowheads="1"/>
-          </p:cNvSpPr>
-          <p:nvPr>
-            <p:ph type="body" idx="1"/>
-          </p:nvPr>
-        </p:nvSpPr>
-        <p:spPr>
-          <a:xfrm>
-            <a:off x="457200" y="1600200"/>
-            <a:ext cx="8229600" cy="3276600"/>
-          </a:xfrm>
-        </p:spPr>
-        <p:txBody>
-          <a:bodyPr/>
-          <a:lstStyle/>
-          <a:p>
-            <a:pPr eaLnBrk="1" hangingPunct="1">
-              <a:lnSpc>
-                <a:spcPct val="90000"/>
-              </a:lnSpc>
-              <a:spcBef>
-                <a:spcPct val="50000"/>
-              </a:spcBef>
-            </a:pPr>
-            <a:r>
-              <a:rPr lang="en-US" sz="2400" dirty="0" smtClean="0"/>
-              <a:t>Problem Set #0  </a:t>
-            </a:r>
-            <a:r>
-              <a:rPr lang="en-US" sz="2400" dirty="0" smtClean="0">
-                <a:sym typeface="Wingdings"/>
-              </a:rPr>
-              <a:t></a:t>
-            </a:r>
-            <a:endParaRPr lang="en-US" sz="2400" dirty="0" smtClean="0"/>
-          </a:p>
-          <a:p>
-            <a:pPr eaLnBrk="1" hangingPunct="1">
-              <a:lnSpc>
-                <a:spcPct val="90000"/>
-              </a:lnSpc>
-              <a:spcBef>
-                <a:spcPct val="50000"/>
-              </a:spcBef>
-            </a:pPr>
-            <a:r>
-              <a:rPr lang="en-US" sz="2400" dirty="0" smtClean="0"/>
-              <a:t>What’s happening?  </a:t>
-            </a:r>
-            <a:r>
-              <a:rPr lang="en-US" sz="2400" dirty="0" smtClean="0">
-                <a:sym typeface="Wingdings"/>
-              </a:rPr>
-              <a:t></a:t>
-            </a:r>
-            <a:endParaRPr lang="en-US" sz="2400" dirty="0" smtClean="0"/>
-          </a:p>
-          <a:p>
-            <a:pPr eaLnBrk="1" hangingPunct="1">
-              <a:lnSpc>
-                <a:spcPct val="90000"/>
-              </a:lnSpc>
-              <a:spcBef>
-                <a:spcPct val="50000"/>
-              </a:spcBef>
-            </a:pPr>
-            <a:r>
-              <a:rPr lang="en-US" sz="2400" dirty="0" smtClean="0"/>
-              <a:t>Saving and growth </a:t>
-            </a:r>
-          </a:p>
-          <a:p>
-            <a:pPr eaLnBrk="1" hangingPunct="1">
-              <a:lnSpc>
-                <a:spcPct val="90000"/>
-              </a:lnSpc>
-              <a:spcBef>
-                <a:spcPct val="50000"/>
-              </a:spcBef>
-            </a:pPr>
-            <a:r>
-              <a:rPr lang="en-US" sz="2400" dirty="0" smtClean="0"/>
-              <a:t>Solow’s model </a:t>
-            </a:r>
-          </a:p>
-          <a:p>
-            <a:pPr eaLnBrk="1" hangingPunct="1">
-              <a:lnSpc>
-                <a:spcPct val="90000"/>
-              </a:lnSpc>
-              <a:spcBef>
-                <a:spcPct val="50000"/>
-              </a:spcBef>
-            </a:pPr>
-            <a:r>
-              <a:rPr lang="en-US" sz="2400" dirty="0" smtClean="0"/>
-              <a:t>Does India need more saving?  </a:t>
-            </a:r>
-          </a:p>
-          <a:p>
-            <a:pPr eaLnBrk="1" hangingPunct="1">
-              <a:lnSpc>
-                <a:spcPct val="90000"/>
-              </a:lnSpc>
-              <a:spcBef>
-                <a:spcPct val="50000"/>
-              </a:spcBef>
-            </a:pPr>
-            <a:r>
-              <a:rPr lang="en-US" sz="2400" dirty="0" smtClean="0"/>
-              <a:t>China less?     </a:t>
-            </a:r>
-          </a:p>
-        </p:txBody>
-      </p:sp>
-      <p:sp>
-        <p:nvSpPr>
-          <p:cNvPr id="6" name="Slide Number Placeholder 5"/>
+          <p:cNvPr id="4" name="Slide Number Placeholder 3"/>
           <p:cNvSpPr>
             <a:spLocks noGrp="1"/>
           </p:cNvSpPr>
@@ -31118,7 +31124,104 @@
           </a:p>
         </p:txBody>
       </p:sp>
+      <p:sp>
+        <p:nvSpPr>
+          <p:cNvPr id="5" name="TextBox 4"/>
+          <p:cNvSpPr txBox="1"/>
+          <p:nvPr/>
+        </p:nvSpPr>
+        <p:spPr>
+          <a:xfrm>
+            <a:off x="533400" y="6248400"/>
+            <a:ext cx="4419600" cy="276999"/>
+          </a:xfrm>
+          <a:prstGeom prst="rect">
+            <a:avLst/>
+          </a:prstGeom>
+          <a:noFill/>
+        </p:spPr>
+        <p:txBody>
+          <a:bodyPr wrap="square" rtlCol="0">
+            <a:spAutoFit/>
+          </a:bodyPr>
+          <a:lstStyle/>
+          <a:p>
+            <a:r>
+              <a:rPr lang="en-US" sz="1200" dirty="0" smtClean="0"/>
+              <a:t>Source:  </a:t>
+            </a:r>
+            <a:r>
+              <a:rPr lang="en-US" dirty="0" smtClean="0"/>
+              <a:t>Meyer and Sullivan, Brookings</a:t>
+            </a:r>
+            <a:r>
+              <a:rPr lang="en-US" sz="1200" dirty="0" smtClean="0"/>
+              <a:t>. </a:t>
+            </a:r>
+            <a:endParaRPr lang="en-US" sz="1200" dirty="0"/>
+          </a:p>
+        </p:txBody>
+      </p:sp>
+      <p:pic>
+        <p:nvPicPr>
+          <p:cNvPr id="71682" name="Picture 2"/>
+          <p:cNvPicPr>
+            <a:picLocks noChangeAspect="1" noChangeArrowheads="1"/>
+          </p:cNvPicPr>
+          <p:nvPr/>
+        </p:nvPicPr>
+        <p:blipFill>
+          <a:blip r:embed="rId3">
+            <a:extLst>
+              <a:ext uri="{28A0092B-C50C-407E-A947-70E740481C1C}">
+                <a14:useLocalDpi xmlns:a14="http://schemas.microsoft.com/office/drawing/2010/main" val="0"/>
+              </a:ext>
+            </a:extLst>
+          </a:blip>
+          <a:srcRect/>
+          <a:stretch>
+            <a:fillRect/>
+          </a:stretch>
+        </p:blipFill>
+        <p:spPr bwMode="auto">
+          <a:xfrm>
+            <a:off x="681186" y="1325878"/>
+            <a:ext cx="7895052" cy="4724399"/>
+          </a:xfrm>
+          <a:prstGeom prst="rect">
+            <a:avLst/>
+          </a:prstGeom>
+          <a:noFill/>
+          <a:ln>
+            <a:noFill/>
+          </a:ln>
+          <a:extLst>
+            <a:ext uri="{909E8E84-426E-40DD-AFC4-6F175D3DCCD1}">
+              <a14:hiddenFill xmlns:a14="http://schemas.microsoft.com/office/drawing/2010/main">
+                <a:solidFill>
+                  <a:schemeClr val="accent1"/>
+                </a:solidFill>
+              </a14:hiddenFill>
+            </a:ext>
+            <a:ext uri="{91240B29-F687-4F45-9708-019B960494DF}">
+              <a14:hiddenLine xmlns:a14="http://schemas.microsoft.com/office/drawing/2010/main" w="9525">
+                <a:solidFill>
+                  <a:schemeClr val="tx1"/>
+                </a:solidFill>
+                <a:miter lim="800000"/>
+                <a:headEnd/>
+                <a:tailEnd/>
+              </a14:hiddenLine>
+            </a:ext>
+          </a:extLst>
+        </p:spPr>
+      </p:pic>
     </p:spTree>
+    <p:extLst>
+      <p:ext uri="{BB962C8B-B14F-4D97-AF65-F5344CB8AC3E}">
+        <p14:creationId xmlns:p14="http://schemas.microsoft.com/office/powerpoint/2010/main" val="4229184388"/>
+      </p:ext>
+    </p:extLst>
   </p:cSld>
   <p:clrMapOvr>
     <a:masterClrMapping/>
@@ -31168,7 +31271,7 @@
             <a:pPr algn="l" eaLnBrk="1" hangingPunct="1"/>
             <a:r>
               <a:rPr lang="en-US" dirty="0" smtClean="0"/>
-              <a:t>Saving and growth </a:t>
+              <a:t>Roadmap </a:t>
             </a:r>
           </a:p>
         </p:txBody>
@@ -31186,7 +31289,7 @@
         <p:spPr>
           <a:xfrm>
             <a:off x="457200" y="1600200"/>
-            <a:ext cx="8229600" cy="4343400"/>
+            <a:ext cx="8229600" cy="3276600"/>
           </a:xfrm>
         </p:spPr>
         <p:txBody>
@@ -31203,36 +31306,15 @@
             </a:pPr>
             <a:r>
               <a:rPr lang="en-US" sz="2400" dirty="0" smtClean="0"/>
-              <a:t>JFK in 1960, height of Cold War </a:t>
-            </a:r>
-          </a:p>
-          <a:p>
-            <a:pPr lvl="1" eaLnBrk="1" hangingPunct="1">
-              <a:lnSpc>
-                <a:spcPct val="90000"/>
-              </a:lnSpc>
-              <a:spcBef>
-                <a:spcPct val="50000"/>
-              </a:spcBef>
-            </a:pPr>
-            <a:r>
-              <a:rPr lang="en-US" sz="2000" dirty="0" smtClean="0"/>
-              <a:t>Rapid growth in USSR, also high saving and investment rates </a:t>
-            </a:r>
-          </a:p>
-          <a:p>
-            <a:pPr lvl="1" eaLnBrk="1" hangingPunct="1">
-              <a:lnSpc>
-                <a:spcPct val="90000"/>
-              </a:lnSpc>
-              <a:spcBef>
-                <a:spcPct val="50000"/>
-              </a:spcBef>
-            </a:pPr>
-            <a:r>
-              <a:rPr lang="en-US" sz="2000" dirty="0" smtClean="0"/>
-              <a:t>Cause and effect?  </a:t>
-            </a:r>
+              <a:t>Problem Set #0  </a:t>
+            </a:r>
+            <a:r>
+              <a:rPr lang="en-US" sz="2400" dirty="0" smtClean="0">
+                <a:sym typeface="Wingdings"/>
+              </a:rPr>
+              <a:t></a:t>
+            </a:r>
+            <a:endParaRPr lang="en-US" sz="2400" dirty="0" smtClean="0"/>
           </a:p>
           <a:p>
             <a:pPr eaLnBrk="1" hangingPunct="1">
@@ -31245,37 +31327,15 @@
             </a:pPr>
             <a:r>
               <a:rPr lang="en-US" sz="2400" dirty="0" smtClean="0"/>
-              <a:t>US analysts in 1985</a:t>
-            </a:r>
-          </a:p>
-          <a:p>
-            <a:pPr lvl="1" eaLnBrk="1" hangingPunct="1">
-              <a:lnSpc>
-                <a:spcPct val="90000"/>
-              </a:lnSpc>
-              <a:spcBef>
-                <a:spcPct val="50000"/>
-              </a:spcBef>
-            </a:pPr>
-            <a:r>
-              <a:rPr lang="en-US" sz="2000" dirty="0" smtClean="0"/>
-              <a:t>Rapid growth in Asian “tigers,” lots of saving  </a:t>
-            </a:r>
-          </a:p>
-          <a:p>
-            <a:pPr lvl="1" eaLnBrk="1" hangingPunct="1">
-              <a:lnSpc>
-                <a:spcPct val="90000"/>
-              </a:lnSpc>
-              <a:spcBef>
-                <a:spcPct val="50000"/>
-              </a:spcBef>
-            </a:pPr>
-            <a:r>
-              <a:rPr lang="en-US" sz="2000" dirty="0" smtClean="0"/>
-              <a:t>Cause and effect?  </a:t>
-            </a:r>
-            <a:endParaRPr lang="en-US" sz="1600" dirty="0" smtClean="0"/>
+              <a:t>What’s happening?  </a:t>
+            </a:r>
+            <a:r>
+              <a:rPr lang="en-US" sz="2400" dirty="0" smtClean="0">
+                <a:sym typeface="Wingdings"/>
+              </a:rPr>
+              <a:t></a:t>
+            </a:r>
+            <a:endParaRPr lang="en-US" sz="2400" dirty="0" smtClean="0"/>
           </a:p>
           <a:p>
             <a:pPr eaLnBrk="1" hangingPunct="1">
@@ -31288,11 +31348,11 @@
             </a:pPr>
             <a:r>
               <a:rPr lang="en-US" sz="2400" dirty="0" smtClean="0"/>
-              <a:t>China in 2010</a:t>
-            </a:r>
-          </a:p>
-          <a:p>
-            <a:pPr lvl="1" eaLnBrk="1" hangingPunct="1">
+              <a:t>Saving and growth </a:t>
+            </a:r>
+          </a:p>
+          <a:p>
+            <a:pPr eaLnBrk="1" hangingPunct="1">
               <a:lnSpc>
                 <a:spcPct val="90000"/>
               </a:lnSpc>
@@ -31301,12 +31361,12 @@
               </a:spcBef>
             </a:pPr>
             <a:r>
-              <a:rPr lang="en-US" sz="2000" dirty="0" smtClean="0"/>
-              <a:t>Rapid growth, saving close to 50% of GDP </a:t>
-            </a:r>
-          </a:p>
-          <a:p>
-            <a:pPr lvl="1" eaLnBrk="1" hangingPunct="1">
+              <a:rPr lang="en-US" sz="2400" dirty="0" smtClean="0"/>
+              <a:t>Solow’s model </a:t>
+            </a:r>
+          </a:p>
+          <a:p>
+            <a:pPr eaLnBrk="1" hangingPunct="1">
               <a:lnSpc>
                 <a:spcPct val="90000"/>
               </a:lnSpc>
@@ -31315,8 +31375,22 @@
               </a:spcBef>
             </a:pPr>
             <a:r>
-              <a:rPr lang="en-US" sz="2000" dirty="0" smtClean="0"/>
-              <a:t>Does India need to do the same?  </a:t>
+              <a:rPr lang="en-US" sz="2400" dirty="0" smtClean="0"/>
+              <a:t>Does India need more saving?  </a:t>
+            </a:r>
+          </a:p>
+          <a:p>
+            <a:pPr eaLnBrk="1" hangingPunct="1">
+              <a:lnSpc>
+                <a:spcPct val="90000"/>
+              </a:lnSpc>
+              <a:spcBef>
+                <a:spcPct val="50000"/>
+              </a:spcBef>
+            </a:pPr>
+            <a:r>
+              <a:rPr lang="en-US" sz="2400" dirty="0" smtClean="0"/>
+              <a:t>China less?     </a:t>
             </a:r>
           </a:p>
         </p:txBody>
@@ -31351,11 +31425,6 @@
         </p:txBody>
       </p:sp>
     </p:spTree>
-    <p:extLst>
-      <p:ext uri="{BB962C8B-B14F-4D97-AF65-F5344CB8AC3E}">
-        <p14:creationId xmlns:p14="http://schemas.microsoft.com/office/powerpoint/2010/main" val="1021238362"/>
-      </p:ext>
-    </p:extLst>
   </p:cSld>
   <p:clrMapOvr>
     <a:masterClrMapping/>
@@ -31423,7 +31492,7 @@
         <p:spPr>
           <a:xfrm>
             <a:off x="457200" y="1600200"/>
-            <a:ext cx="8229600" cy="2743200"/>
+            <a:ext cx="8229600" cy="4343400"/>
           </a:xfrm>
         </p:spPr>
         <p:txBody>
@@ -31440,7 +31509,35 @@
             </a:pPr>
             <a:r>
               <a:rPr lang="en-US" sz="2400" dirty="0" smtClean="0"/>
-              <a:t>How does saving generate growth? </a:t>
+              <a:t>JFK in 1960, height of Cold War </a:t>
+            </a:r>
+          </a:p>
+          <a:p>
+            <a:pPr lvl="1" eaLnBrk="1" hangingPunct="1">
+              <a:lnSpc>
+                <a:spcPct val="90000"/>
+              </a:lnSpc>
+              <a:spcBef>
+                <a:spcPct val="50000"/>
+              </a:spcBef>
+            </a:pPr>
+            <a:r>
+              <a:rPr lang="en-US" sz="2000" dirty="0" smtClean="0"/>
+              <a:t>Rapid growth in USSR, also high saving and investment rates </a:t>
+            </a:r>
+          </a:p>
+          <a:p>
+            <a:pPr lvl="1" eaLnBrk="1" hangingPunct="1">
+              <a:lnSpc>
+                <a:spcPct val="90000"/>
+              </a:lnSpc>
+              <a:spcBef>
+                <a:spcPct val="50000"/>
+              </a:spcBef>
+            </a:pPr>
+            <a:r>
+              <a:rPr lang="en-US" sz="2000" dirty="0" smtClean="0"/>
+              <a:t>Cause and effect?  </a:t>
             </a:r>
           </a:p>
           <a:p>
@@ -31454,7 +31551,78 @@
             </a:pPr>
             <a:r>
               <a:rPr lang="en-US" sz="2400" dirty="0" smtClean="0"/>
-              <a:t>Critical to long-run performance?  </a:t>
+              <a:t>US analysts in 1985</a:t>
+            </a:r>
+          </a:p>
+          <a:p>
+            <a:pPr lvl="1" eaLnBrk="1" hangingPunct="1">
+              <a:lnSpc>
+                <a:spcPct val="90000"/>
+              </a:lnSpc>
+              <a:spcBef>
+                <a:spcPct val="50000"/>
+              </a:spcBef>
+            </a:pPr>
+            <a:r>
+              <a:rPr lang="en-US" sz="2000" dirty="0" smtClean="0"/>
+              <a:t>Rapid growth in Asian “tigers,” lots of saving  </a:t>
+            </a:r>
+          </a:p>
+          <a:p>
+            <a:pPr lvl="1" eaLnBrk="1" hangingPunct="1">
+              <a:lnSpc>
+                <a:spcPct val="90000"/>
+              </a:lnSpc>
+              <a:spcBef>
+                <a:spcPct val="50000"/>
+              </a:spcBef>
+            </a:pPr>
+            <a:r>
+              <a:rPr lang="en-US" sz="2000" dirty="0" smtClean="0"/>
+              <a:t>Cause and effect?  </a:t>
+            </a:r>
+            <a:endParaRPr lang="en-US" sz="1600" dirty="0" smtClean="0"/>
+          </a:p>
+          <a:p>
+            <a:pPr eaLnBrk="1" hangingPunct="1">
+              <a:lnSpc>
+                <a:spcPct val="90000"/>
+              </a:lnSpc>
+              <a:spcBef>
+                <a:spcPct val="50000"/>
+              </a:spcBef>
+            </a:pPr>
+            <a:r>
+              <a:rPr lang="en-US" sz="2400" dirty="0" smtClean="0"/>
+              <a:t>China in 2010</a:t>
+            </a:r>
+          </a:p>
+          <a:p>
+            <a:pPr lvl="1" eaLnBrk="1" hangingPunct="1">
+              <a:lnSpc>
+                <a:spcPct val="90000"/>
+              </a:lnSpc>
+              <a:spcBef>
+                <a:spcPct val="50000"/>
+              </a:spcBef>
+            </a:pPr>
+            <a:r>
+              <a:rPr lang="en-US" sz="2000" dirty="0" smtClean="0"/>
+              <a:t>Rapid growth, saving close to 50% of GDP </a:t>
+            </a:r>
+          </a:p>
+          <a:p>
+            <a:pPr lvl="1" eaLnBrk="1" hangingPunct="1">
+              <a:lnSpc>
+                <a:spcPct val="90000"/>
+              </a:lnSpc>
+              <a:spcBef>
+                <a:spcPct val="50000"/>
+              </a:spcBef>
+            </a:pPr>
+            <a:r>
+              <a:rPr lang="en-US" sz="2000" dirty="0" smtClean="0"/>
+              <a:t>Does India need to do the same?  </a:t>
             </a:r>
           </a:p>
         </p:txBody>
@@ -31483,6 +31651,144 @@
                 <a:defRPr/>
               </a:pPr>
               <a:t>53</a:t>
+            </a:fld>
+            <a:endParaRPr lang="en-US"/>
+          </a:p>
+        </p:txBody>
+      </p:sp>
+    </p:spTree>
+    <p:extLst>
+      <p:ext uri="{BB962C8B-B14F-4D97-AF65-F5344CB8AC3E}">
+        <p14:creationId xmlns:p14="http://schemas.microsoft.com/office/powerpoint/2010/main" val="1021238362"/>
+      </p:ext>
+    </p:extLst>
+  </p:cSld>
+  <p:clrMapOvr>
+    <a:masterClrMapping/>
+  </p:clrMapOvr>
+  <p:timing>
+    <p:tnLst>
+      <p:par>
+        <p:cTn id="1" dur="indefinite" restart="never" nodeType="tmRoot"/>
+      </p:par>
+    </p:tnLst>
+  </p:timing>
+</p:sld>
+</file>
+
+<file path=ppt/slides/slide54.xml><?xml version="1.0" encoding="utf-8"?>
+<p:sld xmlns:a="http://schemas.openxmlformats.org/drawingml/2006/main" xmlns:r="http://schemas.openxmlformats.org/officeDocument/2006/relationships" xmlns:p="http://schemas.openxmlformats.org/presentationml/2006/main">
+  <p:cSld>
+    <p:spTree>
+      <p:nvGrpSpPr>
+        <p:cNvPr id="1" name=""/>
+        <p:cNvGrpSpPr/>
+        <p:nvPr/>
+      </p:nvGrpSpPr>
+      <p:grpSpPr>
+        <a:xfrm>
+          <a:off x="0" y="0"/>
+          <a:ext cx="0" cy="0"/>
+          <a:chOff x="0" y="0"/>
+          <a:chExt cx="0" cy="0"/>
+        </a:xfrm>
+      </p:grpSpPr>
+      <p:sp>
+        <p:nvSpPr>
+          <p:cNvPr id="40962" name="Rectangle 2"/>
+          <p:cNvSpPr>
+            <a:spLocks noGrp="1" noChangeArrowheads="1"/>
+          </p:cNvSpPr>
+          <p:nvPr>
+            <p:ph type="title"/>
+          </p:nvPr>
+        </p:nvSpPr>
+        <p:spPr/>
+        <p:txBody>
+          <a:bodyPr/>
+          <a:lstStyle/>
+          <a:p>
+            <a:pPr algn="l" eaLnBrk="1" hangingPunct="1"/>
+            <a:r>
+              <a:rPr lang="en-US" dirty="0" smtClean="0"/>
+              <a:t>Saving and growth </a:t>
+            </a:r>
+          </a:p>
+        </p:txBody>
+      </p:sp>
+      <p:sp>
+        <p:nvSpPr>
+          <p:cNvPr id="40963" name="Rectangle 3"/>
+          <p:cNvSpPr>
+            <a:spLocks noGrp="1" noChangeArrowheads="1"/>
+          </p:cNvSpPr>
+          <p:nvPr>
+            <p:ph type="body" idx="1"/>
+          </p:nvPr>
+        </p:nvSpPr>
+        <p:spPr>
+          <a:xfrm>
+            <a:off x="457200" y="1600200"/>
+            <a:ext cx="8229600" cy="2743200"/>
+          </a:xfrm>
+        </p:spPr>
+        <p:txBody>
+          <a:bodyPr/>
+          <a:lstStyle/>
+          <a:p>
+            <a:pPr eaLnBrk="1" hangingPunct="1">
+              <a:lnSpc>
+                <a:spcPct val="90000"/>
+              </a:lnSpc>
+              <a:spcBef>
+                <a:spcPct val="50000"/>
+              </a:spcBef>
+            </a:pPr>
+            <a:r>
+              <a:rPr lang="en-US" sz="2400" dirty="0" smtClean="0"/>
+              <a:t>How does saving generate growth? </a:t>
+            </a:r>
+          </a:p>
+          <a:p>
+            <a:pPr eaLnBrk="1" hangingPunct="1">
+              <a:lnSpc>
+                <a:spcPct val="90000"/>
+              </a:lnSpc>
+              <a:spcBef>
+                <a:spcPct val="50000"/>
+              </a:spcBef>
+            </a:pPr>
+            <a:r>
+              <a:rPr lang="en-US" sz="2400" dirty="0" smtClean="0"/>
+              <a:t>Critical to long-run performance?  </a:t>
+            </a:r>
+          </a:p>
+        </p:txBody>
+      </p:sp>
+      <p:sp>
+        <p:nvSpPr>
+          <p:cNvPr id="6" name="Slide Number Placeholder 5"/>
+          <p:cNvSpPr>
+            <a:spLocks noGrp="1"/>
+          </p:cNvSpPr>
+          <p:nvPr>
+            <p:ph type="sldNum" sz="quarter" idx="12"/>
+          </p:nvPr>
+        </p:nvSpPr>
+        <p:spPr/>
+        <p:txBody>
+          <a:bodyPr/>
+          <a:lstStyle/>
+          <a:p>
+            <a:pPr>
+              <a:defRPr/>
+            </a:pPr>
+            <a:fld id="{8617ACB6-EADE-4263-B932-20C3691C3C1F}" type="slidenum">
+              <a:rPr lang="en-US" smtClean="0"/>
+              <a:pPr>
+                <a:defRPr/>
+              </a:pPr>
+              <a:t>54</a:t>
             </a:fld>
             <a:endParaRPr lang="en-US"/>
           </a:p>
@@ -31503,7 +31809,7 @@
 </p:sld>
 </file>
 
-<file path=ppt/slides/slide54.xml><?xml version="1.0" encoding="utf-8"?>
+<file path=ppt/slides/slide55.xml><?xml version="1.0" encoding="utf-8"?>
 <p:sld xmlns:a="http://schemas.openxmlformats.org/drawingml/2006/main" xmlns:r="http://schemas.openxmlformats.org/officeDocument/2006/relationships" xmlns:p="http://schemas.openxmlformats.org/presentationml/2006/main">
   <p:cSld>
     <p:spTree>
@@ -32156,7 +32462,7 @@
               <a:pPr>
                 <a:defRPr/>
               </a:pPr>
-              <a:t>54</a:t>
+              <a:t>55</a:t>
             </a:fld>
             <a:endParaRPr lang="en-US"/>
           </a:p>
@@ -32302,7 +32608,7 @@
 </p:sld>
 </file>
 
-<file path=ppt/slides/slide55.xml><?xml version="1.0" encoding="utf-8"?>
+<file path=ppt/slides/slide56.xml><?xml version="1.0" encoding="utf-8"?>
 <p:sld xmlns:a="http://schemas.openxmlformats.org/drawingml/2006/main" xmlns:r="http://schemas.openxmlformats.org/officeDocument/2006/relationships" xmlns:p="http://schemas.openxmlformats.org/presentationml/2006/main">
   <p:cSld>
     <p:spTree>
@@ -32361,170 +32667,6 @@
               <a:defRPr/>
             </a:pPr>
             <a:fld id="{A0CE64D5-222C-4CFA-AFD3-A2848F192F39}" type="slidenum">
-              <a:rPr lang="en-US" smtClean="0"/>
-              <a:pPr>
-                <a:defRPr/>
-              </a:pPr>
-              <a:t>55</a:t>
-            </a:fld>
-            <a:endParaRPr lang="en-US"/>
-          </a:p>
-        </p:txBody>
-      </p:sp>
-    </p:spTree>
-  </p:cSld>
-  <p:clrMapOvr>
-    <a:masterClrMapping/>
-  </p:clrMapOvr>
-  <p:timing>
-    <p:tnLst>
-      <p:par>
-        <p:cTn id="1" dur="indefinite" restart="never" nodeType="tmRoot"/>
-      </p:par>
-    </p:tnLst>
-  </p:timing>
-</p:sld>
-</file>
-
-<file path=ppt/slides/slide56.xml><?xml version="1.0" encoding="utf-8"?>
-<p:sld xmlns:a="http://schemas.openxmlformats.org/drawingml/2006/main" xmlns:r="http://schemas.openxmlformats.org/officeDocument/2006/relationships" xmlns:p="http://schemas.openxmlformats.org/presentationml/2006/main">
-  <p:cSld>
-    <p:spTree>
-      <p:nvGrpSpPr>
-        <p:cNvPr id="1" name=""/>
-        <p:cNvGrpSpPr/>
-        <p:nvPr/>
-      </p:nvGrpSpPr>
-      <p:grpSpPr>
-        <a:xfrm>
-          <a:off x="0" y="0"/>
-          <a:ext cx="0" cy="0"/>
-          <a:chOff x="0" y="0"/>
-          <a:chExt cx="0" cy="0"/>
-        </a:xfrm>
-      </p:grpSpPr>
-      <p:sp>
-        <p:nvSpPr>
-          <p:cNvPr id="40962" name="Rectangle 2"/>
-          <p:cNvSpPr>
-            <a:spLocks noGrp="1" noChangeArrowheads="1"/>
-          </p:cNvSpPr>
-          <p:nvPr>
-            <p:ph type="title"/>
-          </p:nvPr>
-        </p:nvSpPr>
-        <p:spPr/>
-        <p:txBody>
-          <a:bodyPr/>
-          <a:lstStyle/>
-          <a:p>
-            <a:pPr algn="l" eaLnBrk="1" hangingPunct="1"/>
-            <a:r>
-              <a:rPr lang="en-US" dirty="0" smtClean="0"/>
-              <a:t>Solow model  </a:t>
-            </a:r>
-          </a:p>
-        </p:txBody>
-      </p:sp>
-      <p:sp>
-        <p:nvSpPr>
-          <p:cNvPr id="40963" name="Rectangle 3"/>
-          <p:cNvSpPr>
-            <a:spLocks noGrp="1" noChangeArrowheads="1"/>
-          </p:cNvSpPr>
-          <p:nvPr>
-            <p:ph type="body" idx="1"/>
-          </p:nvPr>
-        </p:nvSpPr>
-        <p:spPr>
-          <a:xfrm>
-            <a:off x="457200" y="1600200"/>
-            <a:ext cx="8229600" cy="2743200"/>
-          </a:xfrm>
-        </p:spPr>
-        <p:txBody>
-          <a:bodyPr/>
-          <a:lstStyle/>
-          <a:p>
-            <a:pPr eaLnBrk="1" hangingPunct="1">
-              <a:lnSpc>
-                <a:spcPct val="90000"/>
-              </a:lnSpc>
-              <a:spcBef>
-                <a:spcPct val="50000"/>
-              </a:spcBef>
-              <a:spcAft>
-                <a:spcPts val="600"/>
-              </a:spcAft>
-            </a:pPr>
-            <a:r>
-              <a:rPr lang="en-US" sz="2400" dirty="0" smtClean="0"/>
-              <a:t>How it works </a:t>
-            </a:r>
-          </a:p>
-          <a:p>
-            <a:pPr lvl="1" eaLnBrk="1" hangingPunct="1">
-              <a:lnSpc>
-                <a:spcPct val="90000"/>
-              </a:lnSpc>
-              <a:spcBef>
-                <a:spcPts val="1200"/>
-              </a:spcBef>
-            </a:pPr>
-            <a:r>
-              <a:rPr lang="en-US" sz="2000" dirty="0" smtClean="0"/>
-              <a:t>Saving finances capital accumulation</a:t>
-            </a:r>
-          </a:p>
-          <a:p>
-            <a:pPr lvl="1" eaLnBrk="1" hangingPunct="1">
-              <a:lnSpc>
-                <a:spcPct val="90000"/>
-              </a:lnSpc>
-              <a:spcBef>
-                <a:spcPts val="1200"/>
-              </a:spcBef>
-            </a:pPr>
-            <a:r>
-              <a:rPr lang="en-US" sz="2000" dirty="0" smtClean="0"/>
-              <a:t>More capital leads to greater output </a:t>
-            </a:r>
-          </a:p>
-          <a:p>
-            <a:pPr lvl="1" eaLnBrk="1" hangingPunct="1">
-              <a:lnSpc>
-                <a:spcPct val="90000"/>
-              </a:lnSpc>
-              <a:spcBef>
-                <a:spcPts val="1200"/>
-              </a:spcBef>
-            </a:pPr>
-            <a:r>
-              <a:rPr lang="en-US" sz="2000" dirty="0" smtClean="0"/>
-              <a:t>Impact eventually tails off:  diminishing marginal product of capital </a:t>
-            </a:r>
-          </a:p>
-        </p:txBody>
-      </p:sp>
-      <p:sp>
-        <p:nvSpPr>
-          <p:cNvPr id="6" name="Slide Number Placeholder 5"/>
-          <p:cNvSpPr>
-            <a:spLocks noGrp="1"/>
-          </p:cNvSpPr>
-          <p:nvPr>
-            <p:ph type="sldNum" sz="quarter" idx="12"/>
-          </p:nvPr>
-        </p:nvSpPr>
-        <p:spPr/>
-        <p:txBody>
-          <a:bodyPr/>
-          <a:lstStyle/>
-          <a:p>
-            <a:pPr>
-              <a:defRPr/>
-            </a:pPr>
-            <a:fld id="{8617ACB6-EADE-4263-B932-20C3691C3C1F}" type="slidenum">
               <a:rPr lang="en-US" smtClean="0"/>
               <a:pPr>
                 <a:defRPr/>
@@ -32585,7 +32727,7 @@
             <a:pPr algn="l" eaLnBrk="1" hangingPunct="1"/>
             <a:r>
               <a:rPr lang="en-US" dirty="0" smtClean="0"/>
-              <a:t>Solow model:  equations 	  </a:t>
+              <a:t>Solow model  </a:t>
             </a:r>
           </a:p>
         </p:txBody>
@@ -32610,222 +32752,62 @@
           <a:bodyPr/>
           <a:lstStyle/>
           <a:p>
-            <a:pPr>
+            <a:pPr eaLnBrk="1" hangingPunct="1">
               <a:lnSpc>
                 <a:spcPct val="90000"/>
               </a:lnSpc>
               <a:spcBef>
                 <a:spcPct val="50000"/>
               </a:spcBef>
+              <a:spcAft>
+                <a:spcPts val="600"/>
+              </a:spcAft>
             </a:pPr>
             <a:r>
               <a:rPr lang="en-US" sz="2400" dirty="0" smtClean="0"/>
-              <a:t>Production function:</a:t>
-            </a:r>
-          </a:p>
-          <a:p>
-            <a:pPr algn="ctr">
+              <a:t>How it works </a:t>
+            </a:r>
+          </a:p>
+          <a:p>
+            <a:pPr lvl="1" eaLnBrk="1" hangingPunct="1">
               <a:lnSpc>
                 <a:spcPct val="90000"/>
               </a:lnSpc>
               <a:spcBef>
-                <a:spcPct val="50000"/>
+                <a:spcPts val="1200"/>
               </a:spcBef>
-              <a:buFontTx/>
-              <a:buNone/>
             </a:pPr>
             <a:r>
-              <a:rPr lang="en-US" sz="2400" dirty="0" smtClean="0"/>
-              <a:t>Y  =  A K</a:t>
-            </a:r>
-            <a:r>
-              <a:rPr lang="el-GR" sz="2400" baseline="30000" dirty="0" smtClean="0">
-                <a:cs typeface="Times New Roman" pitchFamily="18" charset="0"/>
-              </a:rPr>
-              <a:t>α</a:t>
-            </a:r>
-            <a:r>
-              <a:rPr lang="en-US" sz="2400" baseline="30000" dirty="0" smtClean="0">
-                <a:cs typeface="Times New Roman" pitchFamily="18" charset="0"/>
-              </a:rPr>
-              <a:t> </a:t>
-            </a:r>
-            <a:r>
-              <a:rPr lang="en-US" sz="2400" dirty="0" smtClean="0">
-                <a:cs typeface="Times New Roman" pitchFamily="18" charset="0"/>
-              </a:rPr>
-              <a:t>L</a:t>
-            </a:r>
-            <a:r>
-              <a:rPr lang="en-US" sz="2400" baseline="30000" dirty="0" smtClean="0">
-                <a:cs typeface="Times New Roman" pitchFamily="18" charset="0"/>
-              </a:rPr>
-              <a:t>1-</a:t>
-            </a:r>
-            <a:r>
-              <a:rPr lang="el-GR" sz="2400" baseline="30000" dirty="0" smtClean="0">
-                <a:cs typeface="Times New Roman" pitchFamily="18" charset="0"/>
-              </a:rPr>
-              <a:t>α</a:t>
-            </a:r>
-            <a:r>
-              <a:rPr lang="en-US" sz="2400" baseline="30000" dirty="0" smtClean="0">
-                <a:cs typeface="Times New Roman" pitchFamily="18" charset="0"/>
-              </a:rPr>
-              <a:t> </a:t>
-            </a:r>
-            <a:r>
-              <a:rPr lang="en-US" sz="2400" dirty="0" smtClean="0">
-                <a:cs typeface="Times New Roman" pitchFamily="18" charset="0"/>
-              </a:rPr>
-              <a:t> </a:t>
-            </a:r>
-          </a:p>
-          <a:p>
-            <a:pPr>
+              <a:rPr lang="en-US" sz="2000" dirty="0" smtClean="0"/>
+              <a:t>Saving finances capital accumulation</a:t>
+            </a:r>
+          </a:p>
+          <a:p>
+            <a:pPr lvl="1" eaLnBrk="1" hangingPunct="1">
               <a:lnSpc>
                 <a:spcPct val="90000"/>
               </a:lnSpc>
               <a:spcBef>
-                <a:spcPct val="50000"/>
+                <a:spcPts val="1200"/>
               </a:spcBef>
             </a:pPr>
             <a:r>
-              <a:rPr lang="en-US" sz="2400" dirty="0" smtClean="0"/>
-              <a:t>Flow identity:</a:t>
-            </a:r>
-          </a:p>
-          <a:p>
-            <a:pPr algn="ctr">
+              <a:rPr lang="en-US" sz="2000" dirty="0" smtClean="0"/>
+              <a:t>More capital leads to greater output </a:t>
+            </a:r>
+          </a:p>
+          <a:p>
+            <a:pPr lvl="1" eaLnBrk="1" hangingPunct="1">
               <a:lnSpc>
                 <a:spcPct val="90000"/>
               </a:lnSpc>
               <a:spcBef>
-                <a:spcPct val="50000"/>
-              </a:spcBef>
-              <a:buFontTx/>
-              <a:buNone/>
-            </a:pPr>
-            <a:r>
-              <a:rPr lang="en-US" sz="2400" dirty="0" smtClean="0">
-                <a:cs typeface="Times New Roman" pitchFamily="18" charset="0"/>
-              </a:rPr>
-              <a:t>S  =  I</a:t>
-            </a:r>
-            <a:endParaRPr lang="en-US" sz="2400" dirty="0" smtClean="0"/>
-          </a:p>
-          <a:p>
-            <a:pPr>
-              <a:lnSpc>
-                <a:spcPct val="90000"/>
-              </a:lnSpc>
-              <a:spcBef>
-                <a:spcPct val="50000"/>
+                <a:spcPts val="1200"/>
               </a:spcBef>
             </a:pPr>
             <a:r>
-              <a:rPr lang="en-US" sz="2400" dirty="0" smtClean="0"/>
-              <a:t>Saving: </a:t>
-            </a:r>
-          </a:p>
-          <a:p>
-            <a:pPr algn="ctr">
-              <a:lnSpc>
-                <a:spcPct val="90000"/>
-              </a:lnSpc>
-              <a:spcBef>
-                <a:spcPct val="50000"/>
-              </a:spcBef>
-              <a:buFontTx/>
-              <a:buNone/>
-            </a:pPr>
-            <a:r>
-              <a:rPr lang="en-US" sz="2400" dirty="0" smtClean="0"/>
-              <a:t>S  =  </a:t>
-            </a:r>
-            <a:r>
-              <a:rPr lang="en-US" sz="2400" dirty="0" err="1" smtClean="0"/>
-              <a:t>sY</a:t>
-            </a:r>
-            <a:r>
-              <a:rPr lang="en-US" sz="2400" dirty="0" smtClean="0"/>
-              <a:t> </a:t>
-            </a:r>
-          </a:p>
-          <a:p>
-            <a:pPr>
-              <a:lnSpc>
-                <a:spcPct val="90000"/>
-              </a:lnSpc>
-              <a:spcBef>
-                <a:spcPct val="50000"/>
-              </a:spcBef>
-            </a:pPr>
-            <a:r>
-              <a:rPr lang="en-US" sz="2400" dirty="0" smtClean="0"/>
-              <a:t>Capital stock:   </a:t>
-            </a:r>
-          </a:p>
-          <a:p>
-            <a:pPr algn="ctr">
-              <a:lnSpc>
-                <a:spcPct val="90000"/>
-              </a:lnSpc>
-              <a:spcBef>
-                <a:spcPct val="50000"/>
-              </a:spcBef>
-              <a:buFontTx/>
-              <a:buNone/>
-            </a:pPr>
-            <a:r>
-              <a:rPr lang="en-US" sz="2400" dirty="0" smtClean="0">
-                <a:cs typeface="Times New Roman" pitchFamily="18" charset="0"/>
-              </a:rPr>
-              <a:t>K</a:t>
-            </a:r>
-            <a:r>
-              <a:rPr lang="en-US" sz="2400" baseline="-25000" dirty="0" smtClean="0">
-                <a:cs typeface="Times New Roman" pitchFamily="18" charset="0"/>
-              </a:rPr>
-              <a:t>t+1</a:t>
-            </a:r>
-            <a:r>
-              <a:rPr lang="en-US" sz="2400" dirty="0" smtClean="0">
-                <a:cs typeface="Times New Roman" pitchFamily="18" charset="0"/>
-              </a:rPr>
-              <a:t> – K</a:t>
-            </a:r>
-            <a:r>
-              <a:rPr lang="en-US" sz="2400" baseline="-25000" dirty="0" smtClean="0">
-                <a:cs typeface="Times New Roman" pitchFamily="18" charset="0"/>
-              </a:rPr>
-              <a:t>t</a:t>
-            </a:r>
-            <a:r>
-              <a:rPr lang="en-US" sz="2400" dirty="0" smtClean="0">
-                <a:cs typeface="Times New Roman" pitchFamily="18" charset="0"/>
-              </a:rPr>
-              <a:t>  =  </a:t>
-            </a:r>
-            <a:r>
-              <a:rPr lang="el-GR" sz="2400" dirty="0" smtClean="0">
-                <a:cs typeface="Times New Roman" pitchFamily="18" charset="0"/>
-              </a:rPr>
-              <a:t>Δ</a:t>
-            </a:r>
-            <a:r>
-              <a:rPr lang="en-US" sz="2400" dirty="0" smtClean="0"/>
-              <a:t>K  =  I – </a:t>
-            </a:r>
-            <a:r>
-              <a:rPr lang="el-GR" sz="2400" dirty="0" smtClean="0">
-                <a:cs typeface="Times New Roman" pitchFamily="18" charset="0"/>
-              </a:rPr>
-              <a:t>δ</a:t>
-            </a:r>
-            <a:r>
-              <a:rPr lang="en-US" sz="2400" dirty="0" smtClean="0"/>
-              <a:t>K</a:t>
+              <a:rPr lang="en-US" sz="2000" dirty="0" smtClean="0"/>
+              <a:t>Impact eventually tails off:  diminishing marginal product of capital </a:t>
             </a:r>
           </a:p>
         </p:txBody>
@@ -32909,7 +32891,7 @@
             <a:pPr algn="l" eaLnBrk="1" hangingPunct="1"/>
             <a:r>
               <a:rPr lang="en-US" dirty="0" smtClean="0"/>
-              <a:t>Solow model:  analysis	  </a:t>
+              <a:t>Solow model:  equations 	  </a:t>
             </a:r>
           </a:p>
         </p:txBody>
@@ -32927,7 +32909,7 @@
         <p:spPr>
           <a:xfrm>
             <a:off x="457200" y="1600200"/>
-            <a:ext cx="8229600" cy="4038600"/>
+            <a:ext cx="8229600" cy="2743200"/>
           </a:xfrm>
         </p:spPr>
         <p:txBody>
@@ -32944,11 +32926,11 @@
             </a:pPr>
             <a:r>
               <a:rPr lang="en-US" sz="2400" dirty="0" smtClean="0"/>
-              <a:t>“Analysis” here means we substitute like crazy</a:t>
-            </a:r>
-          </a:p>
-          <a:p>
-            <a:pPr>
+              <a:t>Production function:</a:t>
+            </a:r>
+          </a:p>
+          <a:p>
+            <a:pPr algn="ctr">
               <a:lnSpc>
                 <a:spcPct val="90000"/>
               </a:lnSpc>
@@ -32959,57 +32941,8 @@
               <a:buNone/>
             </a:pPr>
             <a:r>
-              <a:rPr lang="en-US" sz="2400" dirty="0" smtClean="0">
-                <a:cs typeface="Times New Roman" pitchFamily="18" charset="0"/>
-              </a:rPr>
-              <a:t>				</a:t>
-            </a:r>
-            <a:r>
-              <a:rPr lang="el-GR" sz="2400" dirty="0" smtClean="0">
-                <a:cs typeface="Times New Roman" pitchFamily="18" charset="0"/>
-              </a:rPr>
-              <a:t>Δ</a:t>
-            </a:r>
-            <a:r>
               <a:rPr lang="en-US" sz="2400" dirty="0" smtClean="0"/>
-              <a:t>K =  </a:t>
-            </a:r>
-            <a:r>
-              <a:rPr lang="en-US" sz="2400" dirty="0" err="1" smtClean="0"/>
-              <a:t>sY</a:t>
-            </a:r>
-            <a:r>
-              <a:rPr lang="en-US" sz="2400" dirty="0" smtClean="0"/>
-              <a:t> – </a:t>
-            </a:r>
-            <a:r>
-              <a:rPr lang="el-GR" sz="2400" dirty="0" smtClean="0">
-                <a:cs typeface="Times New Roman" pitchFamily="18" charset="0"/>
-              </a:rPr>
-              <a:t>δ</a:t>
-            </a:r>
-            <a:r>
-              <a:rPr lang="en-US" sz="2400" dirty="0" smtClean="0"/>
-              <a:t>K </a:t>
-            </a:r>
-          </a:p>
-          <a:p>
-            <a:pPr>
-              <a:lnSpc>
-                <a:spcPct val="90000"/>
-              </a:lnSpc>
-              <a:spcBef>
-                <a:spcPct val="50000"/>
-              </a:spcBef>
-              <a:buNone/>
-            </a:pPr>
-            <a:r>
-              <a:rPr lang="en-US" sz="2400" dirty="0" smtClean="0"/>
-              <a:t>				       =  </a:t>
-            </a:r>
-            <a:r>
-              <a:rPr lang="en-US" sz="2400" dirty="0" err="1" smtClean="0"/>
-              <a:t>sAK</a:t>
+              <a:t>Y  =  A K</a:t>
             </a:r>
             <a:r>
               <a:rPr lang="el-GR" sz="2400" baseline="30000" dirty="0" smtClean="0">
@@ -33053,23 +32986,6 @@
               </a:rPr>
               <a:t> </a:t>
             </a:r>
-            <a:r>
-              <a:rPr lang="en-US" sz="2400" dirty="0" smtClean="0"/>
-              <a:t>– </a:t>
-            </a:r>
-            <a:r>
-              <a:rPr lang="el-GR" sz="2400" dirty="0" smtClean="0">
-                <a:cs typeface="Times New Roman" pitchFamily="18" charset="0"/>
-              </a:rPr>
-              <a:t>δ</a:t>
-            </a:r>
-            <a:r>
-              <a:rPr lang="en-US" sz="2400" dirty="0" smtClean="0"/>
-              <a:t>K </a:t>
-            </a:r>
-            <a:endParaRPr lang="en-US" sz="2400" dirty="0" smtClean="0">
-              <a:cs typeface="Times New Roman" pitchFamily="18" charset="0"/>
-            </a:endParaRPr>
           </a:p>
           <a:p>
             <a:pPr>
@@ -33082,8 +32998,27 @@
             </a:pPr>
             <a:r>
               <a:rPr lang="en-US" sz="2400" dirty="0" smtClean="0"/>
-              <a:t>For the time being, A, L don’t change </a:t>
-            </a:r>
+              <a:t>Flow identity:</a:t>
+            </a:r>
+          </a:p>
+          <a:p>
+            <a:pPr algn="ctr">
+              <a:lnSpc>
+                <a:spcPct val="90000"/>
+              </a:lnSpc>
+              <a:spcBef>
+                <a:spcPct val="50000"/>
+              </a:spcBef>
+              <a:buFontTx/>
+              <a:buNone/>
+            </a:pPr>
+            <a:r>
+              <a:rPr lang="en-US" sz="2400" dirty="0" smtClean="0">
+                <a:cs typeface="Times New Roman" pitchFamily="18" charset="0"/>
+              </a:rPr>
+              <a:t>S  =  I</a:t>
+            </a:r>
+            <a:endParaRPr lang="en-US" sz="2400" dirty="0" smtClean="0"/>
           </a:p>
           <a:p>
             <a:pPr>
@@ -33096,11 +33031,35 @@
             </a:pPr>
             <a:r>
               <a:rPr lang="en-US" sz="2400" dirty="0" smtClean="0"/>
-              <a:t>Two competing forces on K </a:t>
-            </a:r>
-          </a:p>
-          <a:p>
-            <a:pPr lvl="1">
+              <a:t>Saving: </a:t>
+            </a:r>
+          </a:p>
+          <a:p>
+            <a:pPr algn="ctr">
+              <a:lnSpc>
+                <a:spcPct val="90000"/>
+              </a:lnSpc>
+              <a:spcBef>
+                <a:spcPct val="50000"/>
+              </a:spcBef>
+              <a:buFontTx/>
+              <a:buNone/>
+            </a:pPr>
+            <a:r>
+              <a:rPr lang="en-US" sz="2400" dirty="0" smtClean="0"/>
+              <a:t>S  =  </a:t>
+            </a:r>
+            <a:r>
+              <a:rPr lang="en-US" sz="2400" dirty="0" err="1" smtClean="0"/>
+              <a:t>sY</a:t>
+            </a:r>
+            <a:r>
+              <a:rPr lang="en-US" sz="2400" dirty="0" smtClean="0"/>
+              <a:t> </a:t>
+            </a:r>
+          </a:p>
+          <a:p>
+            <a:pPr>
               <a:lnSpc>
                 <a:spcPct val="90000"/>
               </a:lnSpc>
@@ -33109,50 +33068,70 @@
               </a:spcBef>
             </a:pPr>
             <a:r>
-              <a:rPr lang="en-US" sz="2000" dirty="0" smtClean="0"/>
-              <a:t>Depreciation drives K down </a:t>
-            </a:r>
-          </a:p>
-          <a:p>
-            <a:pPr lvl="1">
+              <a:rPr lang="en-US" sz="2400" dirty="0" smtClean="0"/>
+              <a:t>Capital stock:   </a:t>
+            </a:r>
+          </a:p>
+          <a:p>
+            <a:pPr algn="ctr">
               <a:lnSpc>
                 <a:spcPct val="90000"/>
               </a:lnSpc>
               <a:spcBef>
                 <a:spcPct val="50000"/>
               </a:spcBef>
+              <a:buFontTx/>
+              <a:buNone/>
             </a:pPr>
             <a:r>
-              <a:rPr lang="en-US" sz="2000" dirty="0" smtClean="0"/>
-              <a:t>Saving drives K up</a:t>
-            </a:r>
-          </a:p>
-          <a:p>
-            <a:pPr lvl="1">
-              <a:lnSpc>
-                <a:spcPct val="90000"/>
-              </a:lnSpc>
-              <a:spcBef>
-                <a:spcPct val="50000"/>
-              </a:spcBef>
-            </a:pPr>
-            <a:r>
-              <a:rPr lang="en-US" sz="2000" dirty="0" smtClean="0"/>
-              <a:t>Which is stronger? </a:t>
-            </a:r>
-          </a:p>
-          <a:p>
-            <a:pPr lvl="1">
-              <a:lnSpc>
-                <a:spcPct val="90000"/>
-              </a:lnSpc>
-              <a:spcBef>
-                <a:spcPct val="50000"/>
-              </a:spcBef>
-            </a:pPr>
-            <a:r>
-              <a:rPr lang="en-US" sz="2000" dirty="0" smtClean="0"/>
-              <a:t>Where does diminishing returns show up?   </a:t>
+              <a:rPr lang="en-US" sz="2400" dirty="0" smtClean="0">
+                <a:cs typeface="Times New Roman" pitchFamily="18" charset="0"/>
+              </a:rPr>
+              <a:t>K</a:t>
+            </a:r>
+            <a:r>
+              <a:rPr lang="en-US" sz="2400" baseline="-25000" dirty="0" smtClean="0">
+                <a:cs typeface="Times New Roman" pitchFamily="18" charset="0"/>
+              </a:rPr>
+              <a:t>t+1</a:t>
+            </a:r>
+            <a:r>
+              <a:rPr lang="en-US" sz="2400" dirty="0" smtClean="0">
+                <a:cs typeface="Times New Roman" pitchFamily="18" charset="0"/>
+              </a:rPr>
+              <a:t> – K</a:t>
+            </a:r>
+            <a:r>
+              <a:rPr lang="en-US" sz="2400" baseline="-25000" dirty="0" smtClean="0">
+                <a:cs typeface="Times New Roman" pitchFamily="18" charset="0"/>
+              </a:rPr>
+              <a:t>t</a:t>
+            </a:r>
+            <a:r>
+              <a:rPr lang="en-US" sz="2400" dirty="0" smtClean="0">
+                <a:cs typeface="Times New Roman" pitchFamily="18" charset="0"/>
+              </a:rPr>
+              <a:t>  =  </a:t>
+            </a:r>
+            <a:r>
+              <a:rPr lang="el-GR" sz="2400" dirty="0" smtClean="0">
+                <a:cs typeface="Times New Roman" pitchFamily="18" charset="0"/>
+              </a:rPr>
+              <a:t>Δ</a:t>
+            </a:r>
+            <a:r>
+              <a:rPr lang="en-US" sz="2400" dirty="0" smtClean="0"/>
+              <a:t>K  =  I – </a:t>
+            </a:r>
+            <a:r>
+              <a:rPr lang="el-GR" sz="2400" dirty="0" smtClean="0">
+                <a:cs typeface="Times New Roman" pitchFamily="18" charset="0"/>
+              </a:rPr>
+              <a:t>δ</a:t>
+            </a:r>
+            <a:r>
+              <a:rPr lang="en-US" sz="2400" dirty="0" smtClean="0"/>
+              <a:t>K</a:t>
             </a:r>
           </a:p>
         </p:txBody>
@@ -33236,7 +33215,250 @@
             <a:pPr algn="l" eaLnBrk="1" hangingPunct="1"/>
             <a:r>
               <a:rPr lang="en-US" dirty="0" smtClean="0"/>
-              <a:t>Solow model:  dynamics	  </a:t>
+              <a:t>Solow model:  analysis	  </a:t>
+            </a:r>
+          </a:p>
+        </p:txBody>
+      </p:sp>
+      <p:sp>
+        <p:nvSpPr>
+          <p:cNvPr id="40963" name="Rectangle 3"/>
+          <p:cNvSpPr>
+            <a:spLocks noGrp="1" noChangeArrowheads="1"/>
+          </p:cNvSpPr>
+          <p:nvPr>
+            <p:ph type="body" idx="1"/>
+          </p:nvPr>
+        </p:nvSpPr>
+        <p:spPr>
+          <a:xfrm>
+            <a:off x="457200" y="1600200"/>
+            <a:ext cx="8229600" cy="4038600"/>
+          </a:xfrm>
+        </p:spPr>
+        <p:txBody>
+          <a:bodyPr/>
+          <a:lstStyle/>
+          <a:p>
+            <a:pPr>
+              <a:lnSpc>
+                <a:spcPct val="90000"/>
+              </a:lnSpc>
+              <a:spcBef>
+                <a:spcPct val="50000"/>
+              </a:spcBef>
+            </a:pPr>
+            <a:r>
+              <a:rPr lang="en-US" sz="2400" dirty="0" smtClean="0"/>
+              <a:t>“Analysis” here means we substitute like crazy</a:t>
+            </a:r>
+          </a:p>
+          <a:p>
+            <a:pPr>
+              <a:lnSpc>
+                <a:spcPct val="90000"/>
+              </a:lnSpc>
+              <a:spcBef>
+                <a:spcPct val="50000"/>
+              </a:spcBef>
+              <a:buFontTx/>
+              <a:buNone/>
+            </a:pPr>
+            <a:r>
+              <a:rPr lang="en-US" sz="2400" dirty="0" smtClean="0">
+                <a:cs typeface="Times New Roman" pitchFamily="18" charset="0"/>
+              </a:rPr>
+              <a:t>				</a:t>
+            </a:r>
+            <a:r>
+              <a:rPr lang="el-GR" sz="2400" dirty="0" smtClean="0">
+                <a:cs typeface="Times New Roman" pitchFamily="18" charset="0"/>
+              </a:rPr>
+              <a:t>Δ</a:t>
+            </a:r>
+            <a:r>
+              <a:rPr lang="en-US" sz="2400" dirty="0" smtClean="0"/>
+              <a:t>K =  </a:t>
+            </a:r>
+            <a:r>
+              <a:rPr lang="en-US" sz="2400" dirty="0" err="1" smtClean="0"/>
+              <a:t>sY</a:t>
+            </a:r>
+            <a:r>
+              <a:rPr lang="en-US" sz="2400" dirty="0" smtClean="0"/>
+              <a:t> – </a:t>
+            </a:r>
+            <a:r>
+              <a:rPr lang="el-GR" sz="2400" dirty="0" smtClean="0">
+                <a:cs typeface="Times New Roman" pitchFamily="18" charset="0"/>
+              </a:rPr>
+              <a:t>δ</a:t>
+            </a:r>
+            <a:r>
+              <a:rPr lang="en-US" sz="2400" dirty="0" smtClean="0"/>
+              <a:t>K </a:t>
+            </a:r>
+          </a:p>
+          <a:p>
+            <a:pPr>
+              <a:lnSpc>
+                <a:spcPct val="90000"/>
+              </a:lnSpc>
+              <a:spcBef>
+                <a:spcPct val="50000"/>
+              </a:spcBef>
+              <a:buNone/>
+            </a:pPr>
+            <a:r>
+              <a:rPr lang="en-US" sz="2400" dirty="0" smtClean="0"/>
+              <a:t>				       =  </a:t>
+            </a:r>
+            <a:r>
+              <a:rPr lang="en-US" sz="2400" dirty="0" err="1" smtClean="0"/>
+              <a:t>sAK</a:t>
+            </a:r>
+            <a:r>
+              <a:rPr lang="el-GR" sz="2400" baseline="30000" dirty="0" smtClean="0">
+                <a:cs typeface="Times New Roman" pitchFamily="18" charset="0"/>
+              </a:rPr>
+              <a:t>α</a:t>
+            </a:r>
+            <a:r>
+              <a:rPr lang="en-US" sz="2400" baseline="30000" dirty="0" smtClean="0">
+                <a:cs typeface="Times New Roman" pitchFamily="18" charset="0"/>
+              </a:rPr>
+              <a:t> </a:t>
+            </a:r>
+            <a:r>
+              <a:rPr lang="en-US" sz="2400" dirty="0" smtClean="0">
+                <a:cs typeface="Times New Roman" pitchFamily="18" charset="0"/>
+              </a:rPr>
+              <a:t>L</a:t>
+            </a:r>
+            <a:r>
+              <a:rPr lang="en-US" sz="2400" baseline="30000" dirty="0" smtClean="0">
+                <a:cs typeface="Times New Roman" pitchFamily="18" charset="0"/>
+              </a:rPr>
+              <a:t>1-</a:t>
+            </a:r>
+            <a:r>
+              <a:rPr lang="el-GR" sz="2400" baseline="30000" dirty="0" smtClean="0">
+                <a:cs typeface="Times New Roman" pitchFamily="18" charset="0"/>
+              </a:rPr>
+              <a:t>α</a:t>
+            </a:r>
+            <a:r>
+              <a:rPr lang="en-US" sz="2400" baseline="30000" dirty="0" smtClean="0">
+                <a:cs typeface="Times New Roman" pitchFamily="18" charset="0"/>
+              </a:rPr>
+              <a:t> </a:t>
+            </a:r>
+            <a:r>
+              <a:rPr lang="en-US" sz="2400" dirty="0" smtClean="0">
+                <a:cs typeface="Times New Roman" pitchFamily="18" charset="0"/>
+              </a:rPr>
+              <a:t> </a:t>
+            </a:r>
+            <a:r>
+              <a:rPr lang="en-US" sz="2400" dirty="0" smtClean="0"/>
+              <a:t>– </a:t>
+            </a:r>
+            <a:r>
+              <a:rPr lang="el-GR" sz="2400" dirty="0" smtClean="0">
+                <a:cs typeface="Times New Roman" pitchFamily="18" charset="0"/>
+              </a:rPr>
+              <a:t>δ</a:t>
+            </a:r>
+            <a:r>
+              <a:rPr lang="en-US" sz="2400" dirty="0" smtClean="0"/>
+              <a:t>K </a:t>
+            </a:r>
+            <a:endParaRPr lang="en-US" sz="2400" dirty="0" smtClean="0">
+              <a:cs typeface="Times New Roman" pitchFamily="18" charset="0"/>
+            </a:endParaRPr>
+          </a:p>
+          <a:p>
+            <a:pPr>
+              <a:lnSpc>
+                <a:spcPct val="90000"/>
+              </a:lnSpc>
+              <a:spcBef>
+                <a:spcPct val="50000"/>
+              </a:spcBef>
+            </a:pPr>
+            <a:r>
+              <a:rPr lang="en-US" sz="2400" dirty="0" smtClean="0"/>
+              <a:t>For the time being, A, L don’t change </a:t>
+            </a:r>
+          </a:p>
+          <a:p>
+            <a:pPr>
+              <a:lnSpc>
+                <a:spcPct val="90000"/>
+              </a:lnSpc>
+              <a:spcBef>
+                <a:spcPct val="50000"/>
+              </a:spcBef>
+            </a:pPr>
+            <a:r>
+              <a:rPr lang="en-US" sz="2400" dirty="0" smtClean="0"/>
+              <a:t>Two competing forces on K </a:t>
+            </a:r>
+          </a:p>
+          <a:p>
+            <a:pPr lvl="1">
+              <a:lnSpc>
+                <a:spcPct val="90000"/>
+              </a:lnSpc>
+              <a:spcBef>
+                <a:spcPct val="50000"/>
+              </a:spcBef>
+            </a:pPr>
+            <a:r>
+              <a:rPr lang="en-US" sz="2000" dirty="0" smtClean="0"/>
+              <a:t>Depreciation drives K down </a:t>
+            </a:r>
+          </a:p>
+          <a:p>
+            <a:pPr lvl="1">
+              <a:lnSpc>
+                <a:spcPct val="90000"/>
+              </a:lnSpc>
+              <a:spcBef>
+                <a:spcPct val="50000"/>
+              </a:spcBef>
+            </a:pPr>
+            <a:r>
+              <a:rPr lang="en-US" sz="2000" dirty="0" smtClean="0"/>
+              <a:t>Saving drives K up</a:t>
+            </a:r>
+          </a:p>
+          <a:p>
+            <a:pPr lvl="1">
+              <a:lnSpc>
+                <a:spcPct val="90000"/>
+              </a:lnSpc>
+              <a:spcBef>
+                <a:spcPct val="50000"/>
+              </a:spcBef>
+            </a:pPr>
+            <a:r>
+              <a:rPr lang="en-US" sz="2000" dirty="0" smtClean="0"/>
+              <a:t>Which is stronger? </a:t>
+            </a:r>
+          </a:p>
+          <a:p>
+            <a:pPr lvl="1">
+              <a:lnSpc>
+                <a:spcPct val="90000"/>
+              </a:lnSpc>
+              <a:spcBef>
+                <a:spcPct val="50000"/>
+              </a:spcBef>
+            </a:pPr>
+            <a:r>
+              <a:rPr lang="en-US" sz="2000" dirty="0" smtClean="0"/>
+              <a:t>Where does diminishing returns show up?   </a:t>
             </a:r>
           </a:p>
         </p:txBody>
@@ -33265,6 +33487,231 @@
                 <a:defRPr/>
               </a:pPr>
               <a:t>59</a:t>
+            </a:fld>
+            <a:endParaRPr lang="en-US"/>
+          </a:p>
+        </p:txBody>
+      </p:sp>
+    </p:spTree>
+  </p:cSld>
+  <p:clrMapOvr>
+    <a:masterClrMapping/>
+  </p:clrMapOvr>
+  <p:timing>
+    <p:tnLst>
+      <p:par>
+        <p:cTn id="1" dur="indefinite" restart="never" nodeType="tmRoot"/>
+      </p:par>
+    </p:tnLst>
+  </p:timing>
+</p:sld>
+</file>
+
+<file path=ppt/slides/slide6.xml><?xml version="1.0" encoding="utf-8"?>
+<p:sld xmlns:a="http://schemas.openxmlformats.org/drawingml/2006/main" xmlns:r="http://schemas.openxmlformats.org/officeDocument/2006/relationships" xmlns:p="http://schemas.openxmlformats.org/presentationml/2006/main">
+  <p:cSld>
+    <p:spTree>
+      <p:nvGrpSpPr>
+        <p:cNvPr id="1" name=""/>
+        <p:cNvGrpSpPr/>
+        <p:nvPr/>
+      </p:nvGrpSpPr>
+      <p:grpSpPr>
+        <a:xfrm>
+          <a:off x="0" y="0"/>
+          <a:ext cx="0" cy="0"/>
+          <a:chOff x="0" y="0"/>
+          <a:chExt cx="0" cy="0"/>
+        </a:xfrm>
+      </p:grpSpPr>
+      <p:sp>
+        <p:nvSpPr>
+          <p:cNvPr id="95235" name="Rectangle 4"/>
+          <p:cNvSpPr>
+            <a:spLocks noGrp="1" noChangeArrowheads="1"/>
+          </p:cNvSpPr>
+          <p:nvPr>
+            <p:ph type="title"/>
+          </p:nvPr>
+        </p:nvSpPr>
+        <p:spPr/>
+        <p:txBody>
+          <a:bodyPr/>
+          <a:lstStyle/>
+          <a:p>
+            <a:pPr algn="l" eaLnBrk="1" hangingPunct="1"/>
+            <a:r>
+              <a:rPr lang="en-US" dirty="0" smtClean="0"/>
+              <a:t>Reminder:  GDP per capita </a:t>
+            </a:r>
+            <a:r>
+              <a:rPr lang="en-US" sz="2000" dirty="0" smtClean="0"/>
+              <a:t>(USD, PPP </a:t>
+            </a:r>
+            <a:r>
+              <a:rPr lang="en-US" sz="2000" dirty="0" err="1" smtClean="0"/>
+              <a:t>adj</a:t>
+            </a:r>
+            <a:r>
+              <a:rPr lang="en-US" sz="2000" dirty="0" smtClean="0"/>
+              <a:t>)</a:t>
+            </a:r>
+          </a:p>
+        </p:txBody>
+      </p:sp>
+      <p:graphicFrame>
+        <p:nvGraphicFramePr>
+          <p:cNvPr id="5" name="Object 2"/>
+          <p:cNvGraphicFramePr>
+            <a:graphicFrameLocks noGrp="1" noChangeAspect="1"/>
+          </p:cNvGraphicFramePr>
+          <p:nvPr>
+            <p:ph idx="1"/>
+          </p:nvPr>
+        </p:nvGraphicFramePr>
+        <p:xfrm>
+          <a:off x="508000" y="1651000"/>
+          <a:ext cx="8104188" cy="4424363"/>
+        </p:xfrm>
+        <a:graphic>
+          <a:graphicData uri="http://schemas.openxmlformats.org/drawingml/2006/chart">
+            <c:chart xmlns:c="http://schemas.openxmlformats.org/drawingml/2006/chart" xmlns:r="http://schemas.openxmlformats.org/officeDocument/2006/relationships" r:id="rId3"/>
+          </a:graphicData>
+        </a:graphic>
+      </p:graphicFrame>
+      <p:sp>
+        <p:nvSpPr>
+          <p:cNvPr id="6" name="Slide Number Placeholder 5"/>
+          <p:cNvSpPr>
+            <a:spLocks noGrp="1"/>
+          </p:cNvSpPr>
+          <p:nvPr>
+            <p:ph type="sldNum" sz="quarter" idx="12"/>
+          </p:nvPr>
+        </p:nvSpPr>
+        <p:spPr/>
+        <p:txBody>
+          <a:bodyPr/>
+          <a:lstStyle/>
+          <a:p>
+            <a:fld id="{F6FB92B7-FF3F-48F1-A050-FBDAAD6C6217}" type="slidenum">
+              <a:rPr lang="en-US" smtClean="0"/>
+              <a:pPr/>
+              <a:t>6</a:t>
+            </a:fld>
+            <a:endParaRPr lang="en-US"/>
+          </a:p>
+        </p:txBody>
+      </p:sp>
+      <p:sp>
+        <p:nvSpPr>
+          <p:cNvPr id="7" name="TextBox 6"/>
+          <p:cNvSpPr txBox="1"/>
+          <p:nvPr/>
+        </p:nvSpPr>
+        <p:spPr>
+          <a:xfrm>
+            <a:off x="533400" y="6248400"/>
+            <a:ext cx="4419600" cy="276999"/>
+          </a:xfrm>
+          <a:prstGeom prst="rect">
+            <a:avLst/>
+          </a:prstGeom>
+          <a:noFill/>
+        </p:spPr>
+        <p:txBody>
+          <a:bodyPr wrap="square" rtlCol="0">
+            <a:spAutoFit/>
+          </a:bodyPr>
+          <a:lstStyle/>
+          <a:p>
+            <a:r>
+              <a:rPr lang="en-US" sz="1200" dirty="0" smtClean="0"/>
+              <a:t>Source:  World Bank, World Development Indicators</a:t>
+            </a:r>
+            <a:endParaRPr lang="en-US" sz="1200" dirty="0"/>
+          </a:p>
+        </p:txBody>
+      </p:sp>
+    </p:spTree>
+  </p:cSld>
+  <p:clrMapOvr>
+    <a:masterClrMapping/>
+  </p:clrMapOvr>
+  <p:timing>
+    <p:tnLst>
+      <p:par>
+        <p:cTn id="1" dur="indefinite" restart="never" nodeType="tmRoot"/>
+      </p:par>
+    </p:tnLst>
+  </p:timing>
+</p:sld>
+</file>
+
+<file path=ppt/slides/slide60.xml><?xml version="1.0" encoding="utf-8"?>
+<p:sld xmlns:a="http://schemas.openxmlformats.org/drawingml/2006/main" xmlns:r="http://schemas.openxmlformats.org/officeDocument/2006/relationships" xmlns:p="http://schemas.openxmlformats.org/presentationml/2006/main">
+  <p:cSld>
+    <p:spTree>
+      <p:nvGrpSpPr>
+        <p:cNvPr id="1" name=""/>
+        <p:cNvGrpSpPr/>
+        <p:nvPr/>
+      </p:nvGrpSpPr>
+      <p:grpSpPr>
+        <a:xfrm>
+          <a:off x="0" y="0"/>
+          <a:ext cx="0" cy="0"/>
+          <a:chOff x="0" y="0"/>
+          <a:chExt cx="0" cy="0"/>
+        </a:xfrm>
+      </p:grpSpPr>
+      <p:sp>
+        <p:nvSpPr>
+          <p:cNvPr id="40962" name="Rectangle 2"/>
+          <p:cNvSpPr>
+            <a:spLocks noGrp="1" noChangeArrowheads="1"/>
+          </p:cNvSpPr>
+          <p:nvPr>
+            <p:ph type="title"/>
+          </p:nvPr>
+        </p:nvSpPr>
+        <p:spPr/>
+        <p:txBody>
+          <a:bodyPr/>
+          <a:lstStyle/>
+          <a:p>
+            <a:pPr algn="l" eaLnBrk="1" hangingPunct="1"/>
+            <a:r>
+              <a:rPr lang="en-US" dirty="0" smtClean="0"/>
+              <a:t>Solow model:  dynamics	  </a:t>
+            </a:r>
+          </a:p>
+        </p:txBody>
+      </p:sp>
+      <p:sp>
+        <p:nvSpPr>
+          <p:cNvPr id="6" name="Slide Number Placeholder 5"/>
+          <p:cNvSpPr>
+            <a:spLocks noGrp="1"/>
+          </p:cNvSpPr>
+          <p:nvPr>
+            <p:ph type="sldNum" sz="quarter" idx="12"/>
+          </p:nvPr>
+        </p:nvSpPr>
+        <p:spPr/>
+        <p:txBody>
+          <a:bodyPr/>
+          <a:lstStyle/>
+          <a:p>
+            <a:pPr>
+              <a:defRPr/>
+            </a:pPr>
+            <a:fld id="{8617ACB6-EADE-4263-B932-20C3691C3C1F}" type="slidenum">
+              <a:rPr lang="en-US" smtClean="0"/>
+              <a:pPr>
+                <a:defRPr/>
+              </a:pPr>
+              <a:t>60</a:t>
             </a:fld>
             <a:endParaRPr lang="en-US"/>
           </a:p>
@@ -33286,7 +33733,7 @@
           <a:graphicData uri="http://schemas.openxmlformats.org/presentationml/2006/ole">
             <mc:AlternateContent xmlns:mc="http://schemas.openxmlformats.org/markup-compatibility/2006">
               <mc:Choice xmlns:v="urn:schemas-microsoft-com:vml" Requires="v">
-                <p:oleObj spid="_x0000_s70815" name="Chart" r:id="rId3" imgW="8220042" imgH="4533967" progId="MSGraph.Chart.8">
+                <p:oleObj spid="_x0000_s70843" name="Chart" r:id="rId3" imgW="8220042" imgH="4533967" progId="MSGraph.Chart.8">
                   <p:embed followColorScheme="full"/>
                 </p:oleObj>
               </mc:Choice>
@@ -33468,148 +33915,7 @@
 </p:sld>
 </file>
 
-<file path=ppt/slides/slide6.xml><?xml version="1.0" encoding="utf-8"?>
-<p:sld xmlns:a="http://schemas.openxmlformats.org/drawingml/2006/main" xmlns:r="http://schemas.openxmlformats.org/officeDocument/2006/relationships" xmlns:p="http://schemas.openxmlformats.org/presentationml/2006/main">
-  <p:cSld>
-    <p:spTree>
-      <p:nvGrpSpPr>
-        <p:cNvPr id="1" name=""/>
-        <p:cNvGrpSpPr/>
-        <p:nvPr/>
-      </p:nvGrpSpPr>
-      <p:grpSpPr>
-        <a:xfrm>
-          <a:off x="0" y="0"/>
-          <a:ext cx="0" cy="0"/>
-          <a:chOff x="0" y="0"/>
-          <a:chExt cx="0" cy="0"/>
-        </a:xfrm>
-      </p:grpSpPr>
-      <p:sp>
-        <p:nvSpPr>
-          <p:cNvPr id="95235" name="Rectangle 4"/>
-          <p:cNvSpPr>
-            <a:spLocks noGrp="1" noChangeArrowheads="1"/>
-          </p:cNvSpPr>
-          <p:nvPr>
-            <p:ph type="title"/>
-          </p:nvPr>
-        </p:nvSpPr>
-        <p:spPr/>
-        <p:txBody>
-          <a:bodyPr/>
-          <a:lstStyle/>
-          <a:p>
-            <a:pPr algn="l" eaLnBrk="1" hangingPunct="1"/>
-            <a:r>
-              <a:rPr lang="en-US" dirty="0" smtClean="0"/>
-              <a:t>Reminder:  GDP per capita </a:t>
-            </a:r>
-            <a:r>
-              <a:rPr lang="en-US" sz="2000" dirty="0" smtClean="0"/>
-              <a:t>(USD, PPP </a:t>
-            </a:r>
-            <a:r>
-              <a:rPr lang="en-US" sz="2000" dirty="0" err="1" smtClean="0"/>
-              <a:t>adj</a:t>
-            </a:r>
-            <a:r>
-              <a:rPr lang="en-US" sz="2000" dirty="0" smtClean="0"/>
-              <a:t>)</a:t>
-            </a:r>
-          </a:p>
-        </p:txBody>
-      </p:sp>
-      <p:graphicFrame>
-        <p:nvGraphicFramePr>
-          <p:cNvPr id="5" name="Object 2"/>
-          <p:cNvGraphicFramePr>
-            <a:graphicFrameLocks noGrp="1" noChangeAspect="1"/>
-          </p:cNvGraphicFramePr>
-          <p:nvPr>
-            <p:ph idx="1"/>
-          </p:nvPr>
-        </p:nvGraphicFramePr>
-        <p:xfrm>
-          <a:off x="508000" y="1651000"/>
-          <a:ext cx="8104188" cy="4424363"/>
-        </p:xfrm>
-        <a:graphic>
-          <a:graphicData uri="http://schemas.openxmlformats.org/drawingml/2006/chart">
-            <c:chart xmlns:c="http://schemas.openxmlformats.org/drawingml/2006/chart" xmlns:r="http://schemas.openxmlformats.org/officeDocument/2006/relationships" r:id="rId3"/>
-          </a:graphicData>
-        </a:graphic>
-      </p:graphicFrame>
-      <p:sp>
-        <p:nvSpPr>
-          <p:cNvPr id="6" name="Slide Number Placeholder 5"/>
-          <p:cNvSpPr>
-            <a:spLocks noGrp="1"/>
-          </p:cNvSpPr>
-          <p:nvPr>
-            <p:ph type="sldNum" sz="quarter" idx="12"/>
-          </p:nvPr>
-        </p:nvSpPr>
-        <p:spPr/>
-        <p:txBody>
-          <a:bodyPr/>
-          <a:lstStyle/>
-          <a:p>
-            <a:fld id="{F6FB92B7-FF3F-48F1-A050-FBDAAD6C6217}" type="slidenum">
-              <a:rPr lang="en-US" smtClean="0"/>
-              <a:pPr/>
-              <a:t>6</a:t>
-            </a:fld>
-            <a:endParaRPr lang="en-US"/>
-          </a:p>
-        </p:txBody>
-      </p:sp>
-      <p:sp>
-        <p:nvSpPr>
-          <p:cNvPr id="7" name="TextBox 6"/>
-          <p:cNvSpPr txBox="1"/>
-          <p:nvPr/>
-        </p:nvSpPr>
-        <p:spPr>
-          <a:xfrm>
-            <a:off x="533400" y="6248400"/>
-            <a:ext cx="4419600" cy="276999"/>
-          </a:xfrm>
-          <a:prstGeom prst="rect">
-            <a:avLst/>
-          </a:prstGeom>
-          <a:noFill/>
-        </p:spPr>
-        <p:txBody>
-          <a:bodyPr wrap="square" rtlCol="0">
-            <a:spAutoFit/>
-          </a:bodyPr>
-          <a:lstStyle/>
-          <a:p>
-            <a:r>
-              <a:rPr lang="en-US" sz="1200" dirty="0" smtClean="0"/>
-              <a:t>Source:  World Bank, World Development Indicators</a:t>
-            </a:r>
-            <a:endParaRPr lang="en-US" sz="1200" dirty="0"/>
-          </a:p>
-        </p:txBody>
-      </p:sp>
-    </p:spTree>
-  </p:cSld>
-  <p:clrMapOvr>
-    <a:masterClrMapping/>
-  </p:clrMapOvr>
-  <p:timing>
-    <p:tnLst>
-      <p:par>
-        <p:cTn id="1" dur="indefinite" restart="never" nodeType="tmRoot"/>
-      </p:par>
-    </p:tnLst>
-  </p:timing>
-</p:sld>
-</file>
-
-<file path=ppt/slides/slide60.xml><?xml version="1.0" encoding="utf-8"?>
+<file path=ppt/slides/slide61.xml><?xml version="1.0" encoding="utf-8"?>
 <p:sld xmlns:a="http://schemas.openxmlformats.org/drawingml/2006/main" xmlns:r="http://schemas.openxmlformats.org/officeDocument/2006/relationships" xmlns:p="http://schemas.openxmlformats.org/presentationml/2006/main">
   <p:cSld>
     <p:spTree>
@@ -33773,90 +34079,6 @@
               <a:defRPr/>
             </a:pPr>
             <a:fld id="{8617ACB6-EADE-4263-B932-20C3691C3C1F}" type="slidenum">
-              <a:rPr lang="en-US" smtClean="0"/>
-              <a:pPr>
-                <a:defRPr/>
-              </a:pPr>
-              <a:t>60</a:t>
-            </a:fld>
-            <a:endParaRPr lang="en-US"/>
-          </a:p>
-        </p:txBody>
-      </p:sp>
-    </p:spTree>
-  </p:cSld>
-  <p:clrMapOvr>
-    <a:masterClrMapping/>
-  </p:clrMapOvr>
-  <p:timing>
-    <p:tnLst>
-      <p:par>
-        <p:cTn id="1" dur="indefinite" restart="never" nodeType="tmRoot"/>
-      </p:par>
-    </p:tnLst>
-  </p:timing>
-</p:sld>
-</file>
-
-<file path=ppt/slides/slide61.xml><?xml version="1.0" encoding="utf-8"?>
-<p:sld xmlns:a="http://schemas.openxmlformats.org/drawingml/2006/main" xmlns:r="http://schemas.openxmlformats.org/officeDocument/2006/relationships" xmlns:p="http://schemas.openxmlformats.org/presentationml/2006/main">
-  <p:cSld>
-    <p:spTree>
-      <p:nvGrpSpPr>
-        <p:cNvPr id="1" name=""/>
-        <p:cNvGrpSpPr/>
-        <p:nvPr/>
-      </p:nvGrpSpPr>
-      <p:grpSpPr>
-        <a:xfrm>
-          <a:off x="0" y="0"/>
-          <a:ext cx="0" cy="0"/>
-          <a:chOff x="0" y="0"/>
-          <a:chExt cx="0" cy="0"/>
-        </a:xfrm>
-      </p:grpSpPr>
-      <p:sp>
-        <p:nvSpPr>
-          <p:cNvPr id="21506" name="Rectangle 4"/>
-          <p:cNvSpPr>
-            <a:spLocks noGrp="1" noChangeArrowheads="1"/>
-          </p:cNvSpPr>
-          <p:nvPr>
-            <p:ph type="ctrTitle"/>
-          </p:nvPr>
-        </p:nvSpPr>
-        <p:spPr/>
-        <p:txBody>
-          <a:bodyPr/>
-          <a:lstStyle/>
-          <a:p>
-            <a:pPr eaLnBrk="1" hangingPunct="1"/>
-            <a:r>
-              <a:rPr lang="en-US" dirty="0" smtClean="0"/>
-              <a:t>India</a:t>
-            </a:r>
-          </a:p>
-        </p:txBody>
-      </p:sp>
-      <p:sp>
-        <p:nvSpPr>
-          <p:cNvPr id="3" name="Slide Number Placeholder 2"/>
-          <p:cNvSpPr>
-            <a:spLocks noGrp="1"/>
-          </p:cNvSpPr>
-          <p:nvPr>
-            <p:ph type="sldNum" sz="quarter" idx="12"/>
-          </p:nvPr>
-        </p:nvSpPr>
-        <p:spPr/>
-        <p:txBody>
-          <a:bodyPr/>
-          <a:lstStyle/>
-          <a:p>
-            <a:pPr>
-              <a:defRPr/>
-            </a:pPr>
-            <a:fld id="{A0CE64D5-222C-4CFA-AFD3-A2848F192F39}" type="slidenum">
               <a:rPr lang="en-US" smtClean="0"/>
               <a:pPr>
                 <a:defRPr/>
@@ -33901,12 +34123,12 @@
       </p:grpSpPr>
       <p:sp>
         <p:nvSpPr>
-          <p:cNvPr id="40962" name="Rectangle 2"/>
+          <p:cNvPr id="21506" name="Rectangle 4"/>
           <p:cNvSpPr>
             <a:spLocks noGrp="1" noChangeArrowheads="1"/>
           </p:cNvSpPr>
           <p:nvPr>
-            <p:ph type="title"/>
+            <p:ph type="ctrTitle"/>
           </p:nvPr>
         </p:nvSpPr>
         <p:spPr/>
@@ -33914,7 +34136,7 @@
           <a:bodyPr/>
           <a:lstStyle/>
           <a:p>
-            <a:pPr algn="l" eaLnBrk="1" hangingPunct="1"/>
+            <a:pPr eaLnBrk="1" hangingPunct="1"/>
             <a:r>
               <a:rPr lang="en-US" dirty="0" smtClean="0"/>
               <a:t>India</a:t>
@@ -33924,56 +34146,7 @@
       </p:sp>
       <p:sp>
         <p:nvSpPr>
-          <p:cNvPr id="40963" name="Rectangle 3"/>
-          <p:cNvSpPr>
-            <a:spLocks noGrp="1" noChangeArrowheads="1"/>
-          </p:cNvSpPr>
-          <p:nvPr>
-            <p:ph type="body" idx="1"/>
-          </p:nvPr>
-        </p:nvSpPr>
-        <p:spPr>
-          <a:xfrm>
-            <a:off x="457200" y="1600200"/>
-            <a:ext cx="8229600" cy="3200400"/>
-          </a:xfrm>
-        </p:spPr>
-        <p:txBody>
-          <a:bodyPr/>
-          <a:lstStyle/>
-          <a:p>
-            <a:pPr>
-              <a:lnSpc>
-                <a:spcPct val="90000"/>
-              </a:lnSpc>
-              <a:spcBef>
-                <a:spcPct val="50000"/>
-              </a:spcBef>
-            </a:pPr>
-            <a:r>
-              <a:rPr lang="en-US" sz="2400" dirty="0" smtClean="0"/>
-              <a:t>Saving and investment rates well below China’s </a:t>
-            </a:r>
-          </a:p>
-          <a:p>
-            <a:pPr>
-              <a:lnSpc>
-                <a:spcPct val="90000"/>
-              </a:lnSpc>
-              <a:spcBef>
-                <a:spcPct val="50000"/>
-              </a:spcBef>
-            </a:pPr>
-            <a:r>
-              <a:rPr lang="en-US" sz="2400" dirty="0" smtClean="0"/>
-              <a:t>How important is this to India’s future? </a:t>
-            </a:r>
-          </a:p>
-        </p:txBody>
-      </p:sp>
-      <p:sp>
-        <p:nvSpPr>
-          <p:cNvPr id="6" name="Slide Number Placeholder 5"/>
+          <p:cNvPr id="3" name="Slide Number Placeholder 2"/>
           <p:cNvSpPr>
             <a:spLocks noGrp="1"/>
           </p:cNvSpPr>
@@ -33989,7 +34162,7 @@
             <a:pPr>
               <a:defRPr/>
             </a:pPr>
-            <a:fld id="{8617ACB6-EADE-4263-B932-20C3691C3C1F}" type="slidenum">
+            <a:fld id="{A0CE64D5-222C-4CFA-AFD3-A2848F192F39}" type="slidenum">
               <a:rPr lang="en-US" smtClean="0"/>
               <a:pPr>
                 <a:defRPr/>
@@ -34050,7 +34223,56 @@
             <a:pPr algn="l" eaLnBrk="1" hangingPunct="1"/>
             <a:r>
               <a:rPr lang="en-US" dirty="0" smtClean="0"/>
-              <a:t>Investment rates </a:t>
+              <a:t>India</a:t>
+            </a:r>
+          </a:p>
+        </p:txBody>
+      </p:sp>
+      <p:sp>
+        <p:nvSpPr>
+          <p:cNvPr id="40963" name="Rectangle 3"/>
+          <p:cNvSpPr>
+            <a:spLocks noGrp="1" noChangeArrowheads="1"/>
+          </p:cNvSpPr>
+          <p:nvPr>
+            <p:ph type="body" idx="1"/>
+          </p:nvPr>
+        </p:nvSpPr>
+        <p:spPr>
+          <a:xfrm>
+            <a:off x="457200" y="1600200"/>
+            <a:ext cx="8229600" cy="3200400"/>
+          </a:xfrm>
+        </p:spPr>
+        <p:txBody>
+          <a:bodyPr/>
+          <a:lstStyle/>
+          <a:p>
+            <a:pPr>
+              <a:lnSpc>
+                <a:spcPct val="90000"/>
+              </a:lnSpc>
+              <a:spcBef>
+                <a:spcPct val="50000"/>
+              </a:spcBef>
+            </a:pPr>
+            <a:r>
+              <a:rPr lang="en-US" sz="2400" dirty="0" smtClean="0"/>
+              <a:t>Saving and investment rates well below China’s </a:t>
+            </a:r>
+          </a:p>
+          <a:p>
+            <a:pPr>
+              <a:lnSpc>
+                <a:spcPct val="90000"/>
+              </a:lnSpc>
+              <a:spcBef>
+                <a:spcPct val="50000"/>
+              </a:spcBef>
+            </a:pPr>
+            <a:r>
+              <a:rPr lang="en-US" sz="2400" dirty="0" smtClean="0"/>
+              <a:t>How important is this to India’s future? </a:t>
             </a:r>
           </a:p>
         </p:txBody>
@@ -34079,6 +34301,90 @@
                 <a:defRPr/>
               </a:pPr>
               <a:t>63</a:t>
+            </a:fld>
+            <a:endParaRPr lang="en-US"/>
+          </a:p>
+        </p:txBody>
+      </p:sp>
+    </p:spTree>
+  </p:cSld>
+  <p:clrMapOvr>
+    <a:masterClrMapping/>
+  </p:clrMapOvr>
+  <p:timing>
+    <p:tnLst>
+      <p:par>
+        <p:cTn id="1" dur="indefinite" restart="never" nodeType="tmRoot"/>
+      </p:par>
+    </p:tnLst>
+  </p:timing>
+</p:sld>
+</file>
+
+<file path=ppt/slides/slide64.xml><?xml version="1.0" encoding="utf-8"?>
+<p:sld xmlns:a="http://schemas.openxmlformats.org/drawingml/2006/main" xmlns:r="http://schemas.openxmlformats.org/officeDocument/2006/relationships" xmlns:p="http://schemas.openxmlformats.org/presentationml/2006/main">
+  <p:cSld>
+    <p:spTree>
+      <p:nvGrpSpPr>
+        <p:cNvPr id="1" name=""/>
+        <p:cNvGrpSpPr/>
+        <p:nvPr/>
+      </p:nvGrpSpPr>
+      <p:grpSpPr>
+        <a:xfrm>
+          <a:off x="0" y="0"/>
+          <a:ext cx="0" cy="0"/>
+          <a:chOff x="0" y="0"/>
+          <a:chExt cx="0" cy="0"/>
+        </a:xfrm>
+      </p:grpSpPr>
+      <p:sp>
+        <p:nvSpPr>
+          <p:cNvPr id="40962" name="Rectangle 2"/>
+          <p:cNvSpPr>
+            <a:spLocks noGrp="1" noChangeArrowheads="1"/>
+          </p:cNvSpPr>
+          <p:nvPr>
+            <p:ph type="title"/>
+          </p:nvPr>
+        </p:nvSpPr>
+        <p:spPr/>
+        <p:txBody>
+          <a:bodyPr/>
+          <a:lstStyle/>
+          <a:p>
+            <a:pPr algn="l" eaLnBrk="1" hangingPunct="1"/>
+            <a:r>
+              <a:rPr lang="en-US" dirty="0" smtClean="0"/>
+              <a:t>Investment rates </a:t>
+            </a:r>
+          </a:p>
+        </p:txBody>
+      </p:sp>
+      <p:sp>
+        <p:nvSpPr>
+          <p:cNvPr id="6" name="Slide Number Placeholder 5"/>
+          <p:cNvSpPr>
+            <a:spLocks noGrp="1"/>
+          </p:cNvSpPr>
+          <p:nvPr>
+            <p:ph type="sldNum" sz="quarter" idx="12"/>
+          </p:nvPr>
+        </p:nvSpPr>
+        <p:spPr/>
+        <p:txBody>
+          <a:bodyPr/>
+          <a:lstStyle/>
+          <a:p>
+            <a:pPr>
+              <a:defRPr/>
+            </a:pPr>
+            <a:fld id="{8617ACB6-EADE-4263-B932-20C3691C3C1F}" type="slidenum">
+              <a:rPr lang="en-US" smtClean="0"/>
+              <a:pPr>
+                <a:defRPr/>
+              </a:pPr>
+              <a:t>64</a:t>
             </a:fld>
             <a:endParaRPr lang="en-US"/>
           </a:p>
@@ -34131,181 +34437,6 @@
 </p:sld>
 </file>
 
-<file path=ppt/slides/slide64.xml><?xml version="1.0" encoding="utf-8"?>
-<p:sld xmlns:a="http://schemas.openxmlformats.org/drawingml/2006/main" xmlns:r="http://schemas.openxmlformats.org/officeDocument/2006/relationships" xmlns:p="http://schemas.openxmlformats.org/presentationml/2006/main">
-  <p:cSld>
-    <p:spTree>
-      <p:nvGrpSpPr>
-        <p:cNvPr id="1" name=""/>
-        <p:cNvGrpSpPr/>
-        <p:nvPr/>
-      </p:nvGrpSpPr>
-      <p:grpSpPr>
-        <a:xfrm>
-          <a:off x="0" y="0"/>
-          <a:ext cx="0" cy="0"/>
-          <a:chOff x="0" y="0"/>
-          <a:chExt cx="0" cy="0"/>
-        </a:xfrm>
-      </p:grpSpPr>
-      <p:sp>
-        <p:nvSpPr>
-          <p:cNvPr id="40962" name="Rectangle 2"/>
-          <p:cNvSpPr>
-            <a:spLocks noGrp="1" noChangeArrowheads="1"/>
-          </p:cNvSpPr>
-          <p:nvPr>
-            <p:ph type="title"/>
-          </p:nvPr>
-        </p:nvSpPr>
-        <p:spPr/>
-        <p:txBody>
-          <a:bodyPr/>
-          <a:lstStyle/>
-          <a:p>
-            <a:pPr algn="l" eaLnBrk="1" hangingPunct="1"/>
-            <a:r>
-              <a:rPr lang="en-US" dirty="0" smtClean="0"/>
-              <a:t>India</a:t>
-            </a:r>
-          </a:p>
-        </p:txBody>
-      </p:sp>
-      <p:sp>
-        <p:nvSpPr>
-          <p:cNvPr id="40963" name="Rectangle 3"/>
-          <p:cNvSpPr>
-            <a:spLocks noGrp="1" noChangeArrowheads="1"/>
-          </p:cNvSpPr>
-          <p:nvPr>
-            <p:ph type="body" idx="1"/>
-          </p:nvPr>
-        </p:nvSpPr>
-        <p:spPr>
-          <a:xfrm>
-            <a:off x="457200" y="1600200"/>
-            <a:ext cx="8229600" cy="3200400"/>
-          </a:xfrm>
-        </p:spPr>
-        <p:txBody>
-          <a:bodyPr/>
-          <a:lstStyle/>
-          <a:p>
-            <a:pPr>
-              <a:lnSpc>
-                <a:spcPct val="90000"/>
-              </a:lnSpc>
-              <a:spcBef>
-                <a:spcPct val="50000"/>
-              </a:spcBef>
-            </a:pPr>
-            <a:r>
-              <a:rPr lang="en-US" sz="2400" dirty="0" smtClean="0"/>
-              <a:t>Experiments with Solow model  </a:t>
-            </a:r>
-          </a:p>
-          <a:p>
-            <a:pPr lvl="1">
-              <a:lnSpc>
-                <a:spcPct val="90000"/>
-              </a:lnSpc>
-              <a:spcBef>
-                <a:spcPct val="50000"/>
-              </a:spcBef>
-            </a:pPr>
-            <a:r>
-              <a:rPr lang="en-US" sz="2000" dirty="0" smtClean="0"/>
-              <a:t>Benchmark:  start model in 2010 and see what happens</a:t>
-            </a:r>
-          </a:p>
-          <a:p>
-            <a:pPr lvl="1">
-              <a:lnSpc>
-                <a:spcPct val="90000"/>
-              </a:lnSpc>
-              <a:spcBef>
-                <a:spcPct val="50000"/>
-              </a:spcBef>
-            </a:pPr>
-            <a:r>
-              <a:rPr lang="en-US" sz="2000" dirty="0" smtClean="0"/>
-              <a:t>Raise saving rate </a:t>
-            </a:r>
-          </a:p>
-          <a:p>
-            <a:pPr lvl="1">
-              <a:lnSpc>
-                <a:spcPct val="90000"/>
-              </a:lnSpc>
-              <a:spcBef>
-                <a:spcPct val="50000"/>
-              </a:spcBef>
-            </a:pPr>
-            <a:r>
-              <a:rPr lang="en-US" sz="2000" dirty="0" smtClean="0"/>
-              <a:t>Introduce productivity growth </a:t>
-            </a:r>
-          </a:p>
-          <a:p>
-            <a:pPr>
-              <a:lnSpc>
-                <a:spcPct val="90000"/>
-              </a:lnSpc>
-              <a:spcBef>
-                <a:spcPct val="50000"/>
-              </a:spcBef>
-            </a:pPr>
-            <a:r>
-              <a:rPr lang="en-US" sz="2400" dirty="0" smtClean="0"/>
-              <a:t>What has the biggest impact? </a:t>
-            </a:r>
-          </a:p>
-        </p:txBody>
-      </p:sp>
-      <p:sp>
-        <p:nvSpPr>
-          <p:cNvPr id="6" name="Slide Number Placeholder 5"/>
-          <p:cNvSpPr>
-            <a:spLocks noGrp="1"/>
-          </p:cNvSpPr>
-          <p:nvPr>
-            <p:ph type="sldNum" sz="quarter" idx="12"/>
-          </p:nvPr>
-        </p:nvSpPr>
-        <p:spPr/>
-        <p:txBody>
-          <a:bodyPr/>
-          <a:lstStyle/>
-          <a:p>
-            <a:pPr>
-              <a:defRPr/>
-            </a:pPr>
-            <a:fld id="{8617ACB6-EADE-4263-B932-20C3691C3C1F}" type="slidenum">
-              <a:rPr lang="en-US" smtClean="0"/>
-              <a:pPr>
-                <a:defRPr/>
-              </a:pPr>
-              <a:t>64</a:t>
-            </a:fld>
-            <a:endParaRPr lang="en-US"/>
-          </a:p>
-        </p:txBody>
-      </p:sp>
-    </p:spTree>
-  </p:cSld>
-  <p:clrMapOvr>
-    <a:masterClrMapping/>
-  </p:clrMapOvr>
-  <p:timing>
-    <p:tnLst>
-      <p:par>
-        <p:cTn id="1" dur="indefinite" restart="never" nodeType="tmRoot"/>
-      </p:par>
-    </p:tnLst>
-  </p:timing>
-</p:sld>
-</file>
-
 <file path=ppt/slides/slide65.xml><?xml version="1.0" encoding="utf-8"?>
 <p:sld xmlns:a="http://schemas.openxmlformats.org/drawingml/2006/main" xmlns:r="http://schemas.openxmlformats.org/officeDocument/2006/relationships" xmlns:p="http://schemas.openxmlformats.org/presentationml/2006/main">
   <p:cSld>
@@ -34358,7 +34489,7 @@
         </p:nvSpPr>
         <p:spPr>
           <a:xfrm>
-            <a:off x="457200" y="1447800"/>
+            <a:off x="457200" y="1600200"/>
             <a:ext cx="8229600" cy="3200400"/>
           </a:xfrm>
         </p:spPr>
@@ -34373,13 +34504,10 @@
               <a:spcBef>
                 <a:spcPct val="50000"/>
               </a:spcBef>
-              <a:spcAft>
-                <a:spcPts val="600"/>
-              </a:spcAft>
             </a:pPr>
             <a:r>
               <a:rPr lang="en-US" sz="2400" dirty="0" smtClean="0"/>
-              <a:t>Solow model inputs (estimates for 2010) </a:t>
+              <a:t>Experiments with Solow model  </a:t>
             </a:r>
           </a:p>
           <a:p>
@@ -34388,12 +34516,12 @@
                 <a:spcPct val="90000"/>
               </a:lnSpc>
               <a:spcBef>
-                <a:spcPts val="600"/>
+                <a:spcPct val="50000"/>
               </a:spcBef>
             </a:pPr>
             <a:r>
               <a:rPr lang="en-US" sz="2000" dirty="0" smtClean="0"/>
-              <a:t>Output Y=GDP:  4.08 trillion USD </a:t>
+              <a:t>Benchmark:  start model in 2010 and see what happens</a:t>
             </a:r>
           </a:p>
           <a:p>
@@ -34402,12 +34530,12 @@
                 <a:spcPct val="90000"/>
               </a:lnSpc>
               <a:spcBef>
-                <a:spcPts val="600"/>
+                <a:spcPct val="50000"/>
               </a:spcBef>
             </a:pPr>
             <a:r>
               <a:rPr lang="en-US" sz="2000" dirty="0" smtClean="0"/>
-              <a:t>Capital K:  8.23 trillion USD </a:t>
+              <a:t>Raise saving rate </a:t>
             </a:r>
           </a:p>
           <a:p>
@@ -34416,78 +34544,12 @@
                 <a:spcPct val="90000"/>
               </a:lnSpc>
               <a:spcBef>
-                <a:spcPts val="600"/>
+                <a:spcPct val="50000"/>
               </a:spcBef>
             </a:pPr>
             <a:r>
               <a:rPr lang="en-US" sz="2000" dirty="0" smtClean="0"/>
-              <a:t>Labor L:  0.452 billion people </a:t>
-            </a:r>
-          </a:p>
-          <a:p>
-            <a:pPr lvl="1">
-              <a:lnSpc>
-                <a:spcPct val="90000"/>
-              </a:lnSpc>
-              <a:spcBef>
-                <a:spcPts val="600"/>
-              </a:spcBef>
-            </a:pPr>
-            <a:r>
-              <a:rPr lang="en-US" sz="2000" dirty="0" smtClean="0"/>
-              <a:t>Source:  Penn World Table </a:t>
-            </a:r>
-          </a:p>
-          <a:p>
-            <a:pPr lvl="1">
-              <a:lnSpc>
-                <a:spcPct val="90000"/>
-              </a:lnSpc>
-              <a:spcBef>
-                <a:spcPts val="600"/>
-              </a:spcBef>
-            </a:pPr>
-            <a:r>
-              <a:rPr lang="en-US" sz="2000" dirty="0" smtClean="0"/>
-              <a:t>Productivity A:  how do we compute this? </a:t>
-            </a:r>
-          </a:p>
-          <a:p>
-            <a:pPr lvl="1">
-              <a:lnSpc>
-                <a:spcPct val="90000"/>
-              </a:lnSpc>
-              <a:spcBef>
-                <a:spcPts val="600"/>
-              </a:spcBef>
-            </a:pPr>
-            <a:r>
-              <a:rPr lang="en-US" sz="2000" dirty="0" smtClean="0"/>
-              <a:t>Saving/investment rate s:  0.25 </a:t>
-            </a:r>
-          </a:p>
-          <a:p>
-            <a:pPr lvl="1">
-              <a:lnSpc>
-                <a:spcPct val="90000"/>
-              </a:lnSpc>
-              <a:spcBef>
-                <a:spcPts val="600"/>
-              </a:spcBef>
-            </a:pPr>
-            <a:r>
-              <a:rPr lang="en-US" sz="2000" dirty="0" smtClean="0"/>
-              <a:t>Depreciation rate </a:t>
-            </a:r>
-            <a:r>
-              <a:rPr lang="en-US" sz="2000" dirty="0" smtClean="0">
-                <a:latin typeface="Palatino Linotype"/>
-              </a:rPr>
-              <a:t>δ</a:t>
-            </a:r>
-            <a:r>
-              <a:rPr lang="en-US" sz="2000" dirty="0" smtClean="0"/>
-              <a:t>:  0.06 </a:t>
+              <a:t>Introduce productivity growth </a:t>
             </a:r>
           </a:p>
           <a:p>
@@ -34496,49 +34558,12 @@
                 <a:spcPct val="90000"/>
               </a:lnSpc>
               <a:spcBef>
-                <a:spcPts val="1200"/>
+                <a:spcPct val="50000"/>
               </a:spcBef>
-              <a:spcAft>
-                <a:spcPts val="600"/>
-              </a:spcAft>
             </a:pPr>
             <a:r>
               <a:rPr lang="en-US" sz="2400" dirty="0" smtClean="0"/>
-              <a:t>Experiments </a:t>
-            </a:r>
-          </a:p>
-          <a:p>
-            <a:pPr lvl="1">
-              <a:lnSpc>
-                <a:spcPct val="90000"/>
-              </a:lnSpc>
-              <a:spcBef>
-                <a:spcPts val="600"/>
-              </a:spcBef>
-              <a:spcAft>
-                <a:spcPts val="0"/>
-              </a:spcAft>
-            </a:pPr>
-            <a:r>
-              <a:rPr lang="en-US" sz="2000" dirty="0" smtClean="0"/>
-              <a:t>Raise saving rate </a:t>
-            </a:r>
-          </a:p>
-          <a:p>
-            <a:pPr lvl="1">
-              <a:lnSpc>
-                <a:spcPct val="90000"/>
-              </a:lnSpc>
-              <a:spcBef>
-                <a:spcPts val="600"/>
-              </a:spcBef>
-              <a:spcAft>
-                <a:spcPts val="0"/>
-              </a:spcAft>
-            </a:pPr>
-            <a:r>
-              <a:rPr lang="en-US" sz="2000" dirty="0" smtClean="0"/>
-              <a:t>Add productivity growth </a:t>
+              <a:t>What has the biggest impact? </a:t>
             </a:r>
           </a:p>
         </p:txBody>
@@ -34654,10 +34679,13 @@
               <a:spcBef>
                 <a:spcPct val="50000"/>
               </a:spcBef>
+              <a:spcAft>
+                <a:spcPts val="600"/>
+              </a:spcAft>
             </a:pPr>
             <a:r>
               <a:rPr lang="en-US" sz="2400" dirty="0" smtClean="0"/>
-              <a:t>Solow model experiments</a:t>
+              <a:t>Solow model inputs (estimates for 2010) </a:t>
             </a:r>
           </a:p>
           <a:p>
@@ -34666,12 +34694,12 @@
                 <a:spcPct val="90000"/>
               </a:lnSpc>
               <a:spcBef>
-                <a:spcPct val="50000"/>
+                <a:spcPts val="600"/>
               </a:spcBef>
             </a:pPr>
             <a:r>
               <a:rPr lang="en-US" sz="2000" dirty="0" smtClean="0"/>
-              <a:t>Raise saving rate </a:t>
+              <a:t>Output Y=GDP:  4.08 trillion USD </a:t>
             </a:r>
           </a:p>
           <a:p>
@@ -34680,12 +34708,12 @@
                 <a:spcPct val="90000"/>
               </a:lnSpc>
               <a:spcBef>
-                <a:spcPct val="50000"/>
+                <a:spcPts val="600"/>
               </a:spcBef>
             </a:pPr>
             <a:r>
               <a:rPr lang="en-US" sz="2000" dirty="0" smtClean="0"/>
-              <a:t>Add labor force growth </a:t>
+              <a:t>Capital K:  8.23 trillion USD </a:t>
             </a:r>
           </a:p>
           <a:p>
@@ -34694,12 +34722,12 @@
                 <a:spcPct val="90000"/>
               </a:lnSpc>
               <a:spcBef>
-                <a:spcPct val="50000"/>
+                <a:spcPts val="600"/>
               </a:spcBef>
             </a:pPr>
             <a:r>
               <a:rPr lang="en-US" sz="2000" dirty="0" smtClean="0"/>
-              <a:t>Add productivity growth </a:t>
+              <a:t>Labor L:  0.452 billion people </a:t>
             </a:r>
           </a:p>
           <a:p>
@@ -34708,12 +34736,115 @@
                 <a:spcPct val="90000"/>
               </a:lnSpc>
               <a:spcBef>
-                <a:spcPct val="50000"/>
+                <a:spcPts val="600"/>
               </a:spcBef>
             </a:pPr>
             <a:r>
               <a:rPr lang="en-US" sz="2000" dirty="0" smtClean="0"/>
-              <a:t>Increase productivity growth </a:t>
+              <a:t>Source:  Penn World Table </a:t>
+            </a:r>
+          </a:p>
+          <a:p>
+            <a:pPr lvl="1">
+              <a:lnSpc>
+                <a:spcPct val="90000"/>
+              </a:lnSpc>
+              <a:spcBef>
+                <a:spcPts val="600"/>
+              </a:spcBef>
+            </a:pPr>
+            <a:r>
+              <a:rPr lang="en-US" sz="2000" dirty="0" smtClean="0"/>
+              <a:t>Productivity A:  how do we compute this? </a:t>
+            </a:r>
+          </a:p>
+          <a:p>
+            <a:pPr lvl="1">
+              <a:lnSpc>
+                <a:spcPct val="90000"/>
+              </a:lnSpc>
+              <a:spcBef>
+                <a:spcPts val="600"/>
+              </a:spcBef>
+            </a:pPr>
+            <a:r>
+              <a:rPr lang="en-US" sz="2000" dirty="0" smtClean="0"/>
+              <a:t>Saving/investment rate s:  0.25 </a:t>
+            </a:r>
+          </a:p>
+          <a:p>
+            <a:pPr lvl="1">
+              <a:lnSpc>
+                <a:spcPct val="90000"/>
+              </a:lnSpc>
+              <a:spcBef>
+                <a:spcPts val="600"/>
+              </a:spcBef>
+            </a:pPr>
+            <a:r>
+              <a:rPr lang="en-US" sz="2000" dirty="0" smtClean="0"/>
+              <a:t>Depreciation rate </a:t>
+            </a:r>
+            <a:r>
+              <a:rPr lang="en-US" sz="2000" dirty="0" smtClean="0">
+                <a:latin typeface="Palatino Linotype"/>
+              </a:rPr>
+              <a:t>δ</a:t>
+            </a:r>
+            <a:r>
+              <a:rPr lang="en-US" sz="2000" dirty="0" smtClean="0"/>
+              <a:t>:  0.06 </a:t>
+            </a:r>
+          </a:p>
+          <a:p>
+            <a:pPr>
+              <a:lnSpc>
+                <a:spcPct val="90000"/>
+              </a:lnSpc>
+              <a:spcBef>
+                <a:spcPts val="1200"/>
+              </a:spcBef>
+              <a:spcAft>
+                <a:spcPts val="600"/>
+              </a:spcAft>
+            </a:pPr>
+            <a:r>
+              <a:rPr lang="en-US" sz="2400" dirty="0" smtClean="0"/>
+              <a:t>Experiments </a:t>
+            </a:r>
+          </a:p>
+          <a:p>
+            <a:pPr lvl="1">
+              <a:lnSpc>
+                <a:spcPct val="90000"/>
+              </a:lnSpc>
+              <a:spcBef>
+                <a:spcPts val="600"/>
+              </a:spcBef>
+              <a:spcAft>
+                <a:spcPts val="0"/>
+              </a:spcAft>
+            </a:pPr>
+            <a:r>
+              <a:rPr lang="en-US" sz="2000" dirty="0" smtClean="0"/>
+              <a:t>Raise saving rate </a:t>
+            </a:r>
+          </a:p>
+          <a:p>
+            <a:pPr lvl="1">
+              <a:lnSpc>
+                <a:spcPct val="90000"/>
+              </a:lnSpc>
+              <a:spcBef>
+                <a:spcPts val="600"/>
+              </a:spcBef>
+              <a:spcAft>
+                <a:spcPts val="0"/>
+              </a:spcAft>
+            </a:pPr>
+            <a:r>
+              <a:rPr lang="en-US" sz="2000" dirty="0" smtClean="0"/>
+              <a:t>Add productivity growth </a:t>
             </a:r>
           </a:p>
         </p:txBody>
@@ -34804,6 +34935,97 @@
       </p:sp>
       <p:sp>
         <p:nvSpPr>
+          <p:cNvPr id="40963" name="Rectangle 3"/>
+          <p:cNvSpPr>
+            <a:spLocks noGrp="1" noChangeArrowheads="1"/>
+          </p:cNvSpPr>
+          <p:nvPr>
+            <p:ph type="body" idx="1"/>
+          </p:nvPr>
+        </p:nvSpPr>
+        <p:spPr>
+          <a:xfrm>
+            <a:off x="457200" y="1447800"/>
+            <a:ext cx="8229600" cy="3200400"/>
+          </a:xfrm>
+        </p:spPr>
+        <p:txBody>
+          <a:bodyPr/>
+          <a:lstStyle/>
+          <a:p>
+            <a:pPr>
+              <a:lnSpc>
+                <a:spcPct val="90000"/>
+              </a:lnSpc>
+              <a:spcBef>
+                <a:spcPct val="50000"/>
+              </a:spcBef>
+            </a:pPr>
+            <a:r>
+              <a:rPr lang="en-US" sz="2400" dirty="0" smtClean="0"/>
+              <a:t>Solow model experiments</a:t>
+            </a:r>
+          </a:p>
+          <a:p>
+            <a:pPr lvl="1">
+              <a:lnSpc>
+                <a:spcPct val="90000"/>
+              </a:lnSpc>
+              <a:spcBef>
+                <a:spcPct val="50000"/>
+              </a:spcBef>
+            </a:pPr>
+            <a:r>
+              <a:rPr lang="en-US" sz="2000" dirty="0" smtClean="0"/>
+              <a:t>Raise saving rate </a:t>
+            </a:r>
+          </a:p>
+          <a:p>
+            <a:pPr lvl="1">
+              <a:lnSpc>
+                <a:spcPct val="90000"/>
+              </a:lnSpc>
+              <a:spcBef>
+                <a:spcPct val="50000"/>
+              </a:spcBef>
+            </a:pPr>
+            <a:r>
+              <a:rPr lang="en-US" sz="2000" dirty="0" smtClean="0"/>
+              <a:t>Add labor force growth </a:t>
+            </a:r>
+          </a:p>
+          <a:p>
+            <a:pPr lvl="1">
+              <a:lnSpc>
+                <a:spcPct val="90000"/>
+              </a:lnSpc>
+              <a:spcBef>
+                <a:spcPct val="50000"/>
+              </a:spcBef>
+            </a:pPr>
+            <a:r>
+              <a:rPr lang="en-US" sz="2000" dirty="0" smtClean="0"/>
+              <a:t>Add productivity growth </a:t>
+            </a:r>
+          </a:p>
+          <a:p>
+            <a:pPr lvl="1">
+              <a:lnSpc>
+                <a:spcPct val="90000"/>
+              </a:lnSpc>
+              <a:spcBef>
+                <a:spcPct val="50000"/>
+              </a:spcBef>
+            </a:pPr>
+            <a:r>
+              <a:rPr lang="en-US" sz="2000" dirty="0" smtClean="0"/>
+              <a:t>Increase productivity growth </a:t>
+            </a:r>
+          </a:p>
+        </p:txBody>
+      </p:sp>
+      <p:sp>
+        <p:nvSpPr>
           <p:cNvPr id="6" name="Slide Number Placeholder 5"/>
           <p:cNvSpPr>
             <a:spLocks noGrp="1"/>
@@ -34826,6 +35048,90 @@
                 <a:defRPr/>
               </a:pPr>
               <a:t>67</a:t>
+            </a:fld>
+            <a:endParaRPr lang="en-US"/>
+          </a:p>
+        </p:txBody>
+      </p:sp>
+    </p:spTree>
+  </p:cSld>
+  <p:clrMapOvr>
+    <a:masterClrMapping/>
+  </p:clrMapOvr>
+  <p:timing>
+    <p:tnLst>
+      <p:par>
+        <p:cTn id="1" dur="indefinite" restart="never" nodeType="tmRoot"/>
+      </p:par>
+    </p:tnLst>
+  </p:timing>
+</p:sld>
+</file>
+
+<file path=ppt/slides/slide68.xml><?xml version="1.0" encoding="utf-8"?>
+<p:sld xmlns:a="http://schemas.openxmlformats.org/drawingml/2006/main" xmlns:r="http://schemas.openxmlformats.org/officeDocument/2006/relationships" xmlns:p="http://schemas.openxmlformats.org/presentationml/2006/main">
+  <p:cSld>
+    <p:spTree>
+      <p:nvGrpSpPr>
+        <p:cNvPr id="1" name=""/>
+        <p:cNvGrpSpPr/>
+        <p:nvPr/>
+      </p:nvGrpSpPr>
+      <p:grpSpPr>
+        <a:xfrm>
+          <a:off x="0" y="0"/>
+          <a:ext cx="0" cy="0"/>
+          <a:chOff x="0" y="0"/>
+          <a:chExt cx="0" cy="0"/>
+        </a:xfrm>
+      </p:grpSpPr>
+      <p:sp>
+        <p:nvSpPr>
+          <p:cNvPr id="40962" name="Rectangle 2"/>
+          <p:cNvSpPr>
+            <a:spLocks noGrp="1" noChangeArrowheads="1"/>
+          </p:cNvSpPr>
+          <p:nvPr>
+            <p:ph type="title"/>
+          </p:nvPr>
+        </p:nvSpPr>
+        <p:spPr/>
+        <p:txBody>
+          <a:bodyPr/>
+          <a:lstStyle/>
+          <a:p>
+            <a:pPr algn="l" eaLnBrk="1" hangingPunct="1"/>
+            <a:r>
+              <a:rPr lang="en-US" dirty="0" smtClean="0"/>
+              <a:t>India</a:t>
+            </a:r>
+          </a:p>
+        </p:txBody>
+      </p:sp>
+      <p:sp>
+        <p:nvSpPr>
+          <p:cNvPr id="6" name="Slide Number Placeholder 5"/>
+          <p:cNvSpPr>
+            <a:spLocks noGrp="1"/>
+          </p:cNvSpPr>
+          <p:nvPr>
+            <p:ph type="sldNum" sz="quarter" idx="12"/>
+          </p:nvPr>
+        </p:nvSpPr>
+        <p:spPr/>
+        <p:txBody>
+          <a:bodyPr/>
+          <a:lstStyle/>
+          <a:p>
+            <a:pPr>
+              <a:defRPr/>
+            </a:pPr>
+            <a:fld id="{8617ACB6-EADE-4263-B932-20C3691C3C1F}" type="slidenum">
+              <a:rPr lang="en-US" smtClean="0"/>
+              <a:pPr>
+                <a:defRPr/>
+              </a:pPr>
+              <a:t>68</a:t>
             </a:fld>
             <a:endParaRPr lang="en-US"/>
           </a:p>
@@ -36017,7 +36323,7 @@
 </p:sld>
 </file>
 
-<file path=ppt/slides/slide68.xml><?xml version="1.0" encoding="utf-8"?>
+<file path=ppt/slides/slide69.xml><?xml version="1.0" encoding="utf-8"?>
 <p:sld xmlns:a="http://schemas.openxmlformats.org/drawingml/2006/main" xmlns:r="http://schemas.openxmlformats.org/officeDocument/2006/relationships" xmlns:p="http://schemas.openxmlformats.org/presentationml/2006/main">
   <p:cSld>
     <p:spTree>
@@ -36080,7 +36386,7 @@
               <a:pPr>
                 <a:defRPr/>
               </a:pPr>
-              <a:t>68</a:t>
+              <a:t>69</a:t>
             </a:fld>
             <a:endParaRPr lang="en-US"/>
           </a:p>
@@ -37287,90 +37593,6 @@
 </p:sld>
 </file>
 
-<file path=ppt/slides/slide69.xml><?xml version="1.0" encoding="utf-8"?>
-<p:sld xmlns:a="http://schemas.openxmlformats.org/drawingml/2006/main" xmlns:r="http://schemas.openxmlformats.org/officeDocument/2006/relationships" xmlns:p="http://schemas.openxmlformats.org/presentationml/2006/main">
-  <p:cSld>
-    <p:spTree>
-      <p:nvGrpSpPr>
-        <p:cNvPr id="1" name=""/>
-        <p:cNvGrpSpPr/>
-        <p:nvPr/>
-      </p:nvGrpSpPr>
-      <p:grpSpPr>
-        <a:xfrm>
-          <a:off x="0" y="0"/>
-          <a:ext cx="0" cy="0"/>
-          <a:chOff x="0" y="0"/>
-          <a:chExt cx="0" cy="0"/>
-        </a:xfrm>
-      </p:grpSpPr>
-      <p:sp>
-        <p:nvSpPr>
-          <p:cNvPr id="21506" name="Rectangle 4"/>
-          <p:cNvSpPr>
-            <a:spLocks noGrp="1" noChangeArrowheads="1"/>
-          </p:cNvSpPr>
-          <p:nvPr>
-            <p:ph type="ctrTitle"/>
-          </p:nvPr>
-        </p:nvSpPr>
-        <p:spPr/>
-        <p:txBody>
-          <a:bodyPr/>
-          <a:lstStyle/>
-          <a:p>
-            <a:pPr eaLnBrk="1" hangingPunct="1"/>
-            <a:r>
-              <a:rPr lang="en-US" dirty="0" smtClean="0"/>
-              <a:t>China</a:t>
-            </a:r>
-          </a:p>
-        </p:txBody>
-      </p:sp>
-      <p:sp>
-        <p:nvSpPr>
-          <p:cNvPr id="3" name="Slide Number Placeholder 2"/>
-          <p:cNvSpPr>
-            <a:spLocks noGrp="1"/>
-          </p:cNvSpPr>
-          <p:nvPr>
-            <p:ph type="sldNum" sz="quarter" idx="12"/>
-          </p:nvPr>
-        </p:nvSpPr>
-        <p:spPr/>
-        <p:txBody>
-          <a:bodyPr/>
-          <a:lstStyle/>
-          <a:p>
-            <a:pPr>
-              <a:defRPr/>
-            </a:pPr>
-            <a:fld id="{A0CE64D5-222C-4CFA-AFD3-A2848F192F39}" type="slidenum">
-              <a:rPr lang="en-US" smtClean="0"/>
-              <a:pPr>
-                <a:defRPr/>
-              </a:pPr>
-              <a:t>69</a:t>
-            </a:fld>
-            <a:endParaRPr lang="en-US"/>
-          </a:p>
-        </p:txBody>
-      </p:sp>
-    </p:spTree>
-  </p:cSld>
-  <p:clrMapOvr>
-    <a:masterClrMapping/>
-  </p:clrMapOvr>
-  <p:timing>
-    <p:tnLst>
-      <p:par>
-        <p:cTn id="1" dur="indefinite" restart="never" nodeType="tmRoot"/>
-      </p:par>
-    </p:tnLst>
-  </p:timing>
-</p:sld>
-</file>
-
 <file path=ppt/slides/slide7.xml><?xml version="1.0" encoding="utf-8"?>
 <p:sld xmlns:a="http://schemas.openxmlformats.org/drawingml/2006/main" xmlns:r="http://schemas.openxmlformats.org/officeDocument/2006/relationships" xmlns:p="http://schemas.openxmlformats.org/presentationml/2006/main">
   <p:cSld>
@@ -37505,7 +37727,7 @@
           <a:p>
             <a:r>
               <a:rPr lang="en-US" sz="1200" dirty="0" smtClean="0"/>
-              <a:t>Source:  World Bank, International comparisons Project, report.  </a:t>
+              <a:t>Source:  World Bank, International Comparisons Project, report.  </a:t>
             </a:r>
             <a:endParaRPr lang="en-US" sz="1200" dirty="0"/>
           </a:p>
@@ -37545,6 +37767,218 @@
       </p:grpSpPr>
       <p:sp>
         <p:nvSpPr>
+          <p:cNvPr id="21506" name="Rectangle 4"/>
+          <p:cNvSpPr>
+            <a:spLocks noGrp="1" noChangeArrowheads="1"/>
+          </p:cNvSpPr>
+          <p:nvPr>
+            <p:ph type="ctrTitle"/>
+          </p:nvPr>
+        </p:nvSpPr>
+        <p:spPr/>
+        <p:txBody>
+          <a:bodyPr/>
+          <a:lstStyle/>
+          <a:p>
+            <a:pPr eaLnBrk="1" hangingPunct="1"/>
+            <a:r>
+              <a:rPr lang="en-US" dirty="0" smtClean="0"/>
+              <a:t>China</a:t>
+            </a:r>
+          </a:p>
+        </p:txBody>
+      </p:sp>
+      <p:sp>
+        <p:nvSpPr>
+          <p:cNvPr id="3" name="Slide Number Placeholder 2"/>
+          <p:cNvSpPr>
+            <a:spLocks noGrp="1"/>
+          </p:cNvSpPr>
+          <p:nvPr>
+            <p:ph type="sldNum" sz="quarter" idx="12"/>
+          </p:nvPr>
+        </p:nvSpPr>
+        <p:spPr/>
+        <p:txBody>
+          <a:bodyPr/>
+          <a:lstStyle/>
+          <a:p>
+            <a:pPr>
+              <a:defRPr/>
+            </a:pPr>
+            <a:fld id="{A0CE64D5-222C-4CFA-AFD3-A2848F192F39}" type="slidenum">
+              <a:rPr lang="en-US" smtClean="0"/>
+              <a:pPr>
+                <a:defRPr/>
+              </a:pPr>
+              <a:t>70</a:t>
+            </a:fld>
+            <a:endParaRPr lang="en-US"/>
+          </a:p>
+        </p:txBody>
+      </p:sp>
+    </p:spTree>
+  </p:cSld>
+  <p:clrMapOvr>
+    <a:masterClrMapping/>
+  </p:clrMapOvr>
+  <p:timing>
+    <p:tnLst>
+      <p:par>
+        <p:cTn id="1" dur="indefinite" restart="never" nodeType="tmRoot"/>
+      </p:par>
+    </p:tnLst>
+  </p:timing>
+</p:sld>
+</file>
+
+<file path=ppt/slides/slide71.xml><?xml version="1.0" encoding="utf-8"?>
+<p:sld xmlns:a="http://schemas.openxmlformats.org/drawingml/2006/main" xmlns:r="http://schemas.openxmlformats.org/officeDocument/2006/relationships" xmlns:p="http://schemas.openxmlformats.org/presentationml/2006/main">
+  <p:cSld>
+    <p:spTree>
+      <p:nvGrpSpPr>
+        <p:cNvPr id="1" name=""/>
+        <p:cNvGrpSpPr/>
+        <p:nvPr/>
+      </p:nvGrpSpPr>
+      <p:grpSpPr>
+        <a:xfrm>
+          <a:off x="0" y="0"/>
+          <a:ext cx="0" cy="0"/>
+          <a:chOff x="0" y="0"/>
+          <a:chExt cx="0" cy="0"/>
+        </a:xfrm>
+      </p:grpSpPr>
+      <p:sp>
+        <p:nvSpPr>
+          <p:cNvPr id="64514" name="Rectangle 2"/>
+          <p:cNvSpPr>
+            <a:spLocks noGrp="1" noChangeArrowheads="1"/>
+          </p:cNvSpPr>
+          <p:nvPr>
+            <p:ph type="title"/>
+          </p:nvPr>
+        </p:nvSpPr>
+        <p:spPr/>
+        <p:txBody>
+          <a:bodyPr/>
+          <a:lstStyle/>
+          <a:p>
+            <a:pPr algn="l" eaLnBrk="1" hangingPunct="1"/>
+            <a:r>
+              <a:rPr lang="en-US" dirty="0" smtClean="0"/>
+              <a:t>China </a:t>
+            </a:r>
+          </a:p>
+        </p:txBody>
+      </p:sp>
+      <p:sp>
+        <p:nvSpPr>
+          <p:cNvPr id="64515" name="Rectangle 3"/>
+          <p:cNvSpPr>
+            <a:spLocks noGrp="1" noChangeArrowheads="1"/>
+          </p:cNvSpPr>
+          <p:nvPr>
+            <p:ph type="body" idx="1"/>
+          </p:nvPr>
+        </p:nvSpPr>
+        <p:spPr>
+          <a:xfrm>
+            <a:off x="457200" y="1524000"/>
+            <a:ext cx="8229600" cy="4525963"/>
+          </a:xfrm>
+        </p:spPr>
+        <p:txBody>
+          <a:bodyPr/>
+          <a:lstStyle/>
+          <a:p>
+            <a:pPr eaLnBrk="1" hangingPunct="1">
+              <a:spcBef>
+                <a:spcPct val="50000"/>
+              </a:spcBef>
+            </a:pPr>
+            <a:r>
+              <a:rPr lang="en-US" sz="2400" dirty="0" smtClean="0"/>
+              <a:t>Saving and investment are 40-50% of GDP?</a:t>
+            </a:r>
+          </a:p>
+          <a:p>
+            <a:pPr eaLnBrk="1" hangingPunct="1">
+              <a:spcBef>
+                <a:spcPct val="50000"/>
+              </a:spcBef>
+            </a:pPr>
+            <a:r>
+              <a:rPr lang="en-US" sz="2400" dirty="0" smtClean="0"/>
+              <a:t>Is that too much?  </a:t>
+            </a:r>
+            <a:endParaRPr lang="en-US" sz="2000" dirty="0" smtClean="0"/>
+          </a:p>
+        </p:txBody>
+      </p:sp>
+      <p:sp>
+        <p:nvSpPr>
+          <p:cNvPr id="4" name="Slide Number Placeholder 3"/>
+          <p:cNvSpPr>
+            <a:spLocks noGrp="1"/>
+          </p:cNvSpPr>
+          <p:nvPr>
+            <p:ph type="sldNum" sz="quarter" idx="12"/>
+          </p:nvPr>
+        </p:nvSpPr>
+        <p:spPr/>
+        <p:txBody>
+          <a:bodyPr/>
+          <a:lstStyle/>
+          <a:p>
+            <a:pPr>
+              <a:defRPr/>
+            </a:pPr>
+            <a:fld id="{8617ACB6-EADE-4263-B932-20C3691C3C1F}" type="slidenum">
+              <a:rPr lang="en-US" smtClean="0"/>
+              <a:pPr>
+                <a:defRPr/>
+              </a:pPr>
+              <a:t>71</a:t>
+            </a:fld>
+            <a:endParaRPr lang="en-US"/>
+          </a:p>
+        </p:txBody>
+      </p:sp>
+    </p:spTree>
+  </p:cSld>
+  <p:clrMapOvr>
+    <a:masterClrMapping/>
+  </p:clrMapOvr>
+  <p:timing>
+    <p:tnLst>
+      <p:par>
+        <p:cTn id="1" dur="indefinite" restart="never" nodeType="tmRoot"/>
+      </p:par>
+    </p:tnLst>
+  </p:timing>
+</p:sld>
+</file>
+
+<file path=ppt/slides/slide72.xml><?xml version="1.0" encoding="utf-8"?>
+<p:sld xmlns:a="http://schemas.openxmlformats.org/drawingml/2006/main" xmlns:r="http://schemas.openxmlformats.org/officeDocument/2006/relationships" xmlns:p="http://schemas.openxmlformats.org/presentationml/2006/main">
+  <p:cSld>
+    <p:spTree>
+      <p:nvGrpSpPr>
+        <p:cNvPr id="1" name=""/>
+        <p:cNvGrpSpPr/>
+        <p:nvPr/>
+      </p:nvGrpSpPr>
+      <p:grpSpPr>
+        <a:xfrm>
+          <a:off x="0" y="0"/>
+          <a:ext cx="0" cy="0"/>
+          <a:chOff x="0" y="0"/>
+          <a:chExt cx="0" cy="0"/>
+        </a:xfrm>
+      </p:grpSpPr>
+      <p:sp>
+        <p:nvSpPr>
           <p:cNvPr id="40962" name="Rectangle 2"/>
           <p:cNvSpPr>
             <a:spLocks noGrp="1" noChangeArrowheads="1"/>
@@ -37589,7 +38023,7 @@
               <a:pPr>
                 <a:defRPr/>
               </a:pPr>
-              <a:t>70</a:t>
+              <a:t>72</a:t>
             </a:fld>
             <a:endParaRPr lang="en-US"/>
           </a:p>
@@ -37642,7 +38076,7 @@
 </p:sld>
 </file>
 
-<file path=ppt/slides/slide71.xml><?xml version="1.0" encoding="utf-8"?>
+<file path=ppt/slides/slide73.xml><?xml version="1.0" encoding="utf-8"?>
 <p:sld xmlns:a="http://schemas.openxmlformats.org/drawingml/2006/main" xmlns:r="http://schemas.openxmlformats.org/officeDocument/2006/relationships" xmlns:p="http://schemas.openxmlformats.org/presentationml/2006/main">
   <p:cSld>
     <p:spTree>
@@ -37705,7 +38139,7 @@
               <a:pPr>
                 <a:defRPr/>
               </a:pPr>
-              <a:t>71</a:t>
+              <a:t>73</a:t>
             </a:fld>
             <a:endParaRPr lang="en-US"/>
           </a:p>
@@ -37758,284 +38192,6 @@
 </p:sld>
 </file>
 
-<file path=ppt/slides/slide72.xml><?xml version="1.0" encoding="utf-8"?>
-<p:sld xmlns:a="http://schemas.openxmlformats.org/drawingml/2006/main" xmlns:r="http://schemas.openxmlformats.org/officeDocument/2006/relationships" xmlns:p="http://schemas.openxmlformats.org/presentationml/2006/main">
-  <p:cSld>
-    <p:spTree>
-      <p:nvGrpSpPr>
-        <p:cNvPr id="1" name=""/>
-        <p:cNvGrpSpPr/>
-        <p:nvPr/>
-      </p:nvGrpSpPr>
-      <p:grpSpPr>
-        <a:xfrm>
-          <a:off x="0" y="0"/>
-          <a:ext cx="0" cy="0"/>
-          <a:chOff x="0" y="0"/>
-          <a:chExt cx="0" cy="0"/>
-        </a:xfrm>
-      </p:grpSpPr>
-      <p:sp>
-        <p:nvSpPr>
-          <p:cNvPr id="64514" name="Rectangle 2"/>
-          <p:cNvSpPr>
-            <a:spLocks noGrp="1" noChangeArrowheads="1"/>
-          </p:cNvSpPr>
-          <p:nvPr>
-            <p:ph type="title"/>
-          </p:nvPr>
-        </p:nvSpPr>
-        <p:spPr/>
-        <p:txBody>
-          <a:bodyPr/>
-          <a:lstStyle/>
-          <a:p>
-            <a:pPr algn="l" eaLnBrk="1" hangingPunct="1"/>
-            <a:r>
-              <a:rPr lang="en-US" dirty="0" smtClean="0"/>
-              <a:t>China summary</a:t>
-            </a:r>
-          </a:p>
-        </p:txBody>
-      </p:sp>
-      <p:sp>
-        <p:nvSpPr>
-          <p:cNvPr id="64515" name="Rectangle 3"/>
-          <p:cNvSpPr>
-            <a:spLocks noGrp="1" noChangeArrowheads="1"/>
-          </p:cNvSpPr>
-          <p:nvPr>
-            <p:ph type="body" idx="1"/>
-          </p:nvPr>
-        </p:nvSpPr>
-        <p:spPr>
-          <a:xfrm>
-            <a:off x="457200" y="1524000"/>
-            <a:ext cx="8229600" cy="4525963"/>
-          </a:xfrm>
-        </p:spPr>
-        <p:txBody>
-          <a:bodyPr/>
-          <a:lstStyle/>
-          <a:p>
-            <a:pPr eaLnBrk="1" hangingPunct="1">
-              <a:spcBef>
-                <a:spcPct val="50000"/>
-              </a:spcBef>
-            </a:pPr>
-            <a:r>
-              <a:rPr lang="en-US" sz="2400" dirty="0" smtClean="0"/>
-              <a:t>Quantity of capital not unusual</a:t>
-            </a:r>
-            <a:endParaRPr lang="en-US" sz="2000" dirty="0" smtClean="0"/>
-          </a:p>
-          <a:p>
-            <a:pPr lvl="1" eaLnBrk="1" hangingPunct="1">
-              <a:spcBef>
-                <a:spcPct val="50000"/>
-              </a:spcBef>
-            </a:pPr>
-            <a:r>
-              <a:rPr lang="en-US" sz="2000" dirty="0" smtClean="0"/>
-              <a:t>K/Y not much different from US </a:t>
-            </a:r>
-          </a:p>
-          <a:p>
-            <a:pPr lvl="1" eaLnBrk="1" hangingPunct="1">
-              <a:spcBef>
-                <a:spcPct val="50000"/>
-              </a:spcBef>
-            </a:pPr>
-            <a:r>
-              <a:rPr lang="en-US" sz="2000" dirty="0" smtClean="0"/>
-              <a:t>How can that be?  </a:t>
-            </a:r>
-          </a:p>
-          <a:p>
-            <a:pPr lvl="1" eaLnBrk="1" hangingPunct="1">
-              <a:spcBef>
-                <a:spcPct val="50000"/>
-              </a:spcBef>
-            </a:pPr>
-            <a:r>
-              <a:rPr lang="en-US" sz="2000" dirty="0" smtClean="0"/>
-              <a:t>When you growth this fast, you need a lot of investment </a:t>
-            </a:r>
-          </a:p>
-          <a:p>
-            <a:pPr eaLnBrk="1" hangingPunct="1">
-              <a:spcBef>
-                <a:spcPct val="50000"/>
-              </a:spcBef>
-            </a:pPr>
-            <a:r>
-              <a:rPr lang="en-US" sz="2400" dirty="0" smtClean="0"/>
-              <a:t>“Quality” of capital raises some questions</a:t>
-            </a:r>
-          </a:p>
-          <a:p>
-            <a:pPr lvl="1" eaLnBrk="1" hangingPunct="1">
-              <a:spcBef>
-                <a:spcPct val="50000"/>
-              </a:spcBef>
-            </a:pPr>
-            <a:r>
-              <a:rPr lang="en-US" sz="2000" dirty="0" smtClean="0"/>
-              <a:t>Has public infrastructure been overdone?</a:t>
-            </a:r>
-          </a:p>
-          <a:p>
-            <a:pPr lvl="1" eaLnBrk="1" hangingPunct="1">
-              <a:spcBef>
-                <a:spcPct val="50000"/>
-              </a:spcBef>
-            </a:pPr>
-            <a:r>
-              <a:rPr lang="en-US" sz="2000" dirty="0" smtClean="0"/>
-              <a:t>Are productive firms starved for resources?  </a:t>
-            </a:r>
-          </a:p>
-          <a:p>
-            <a:pPr lvl="1" eaLnBrk="1" hangingPunct="1">
-              <a:spcBef>
-                <a:spcPct val="50000"/>
-              </a:spcBef>
-            </a:pPr>
-            <a:r>
-              <a:rPr lang="en-US" sz="2000" dirty="0" smtClean="0"/>
-              <a:t>Is the financial system a hindrance to future growth?  </a:t>
-            </a:r>
-          </a:p>
-        </p:txBody>
-      </p:sp>
-      <p:sp>
-        <p:nvSpPr>
-          <p:cNvPr id="4" name="Slide Number Placeholder 3"/>
-          <p:cNvSpPr>
-            <a:spLocks noGrp="1"/>
-          </p:cNvSpPr>
-          <p:nvPr>
-            <p:ph type="sldNum" sz="quarter" idx="12"/>
-          </p:nvPr>
-        </p:nvSpPr>
-        <p:spPr/>
-        <p:txBody>
-          <a:bodyPr/>
-          <a:lstStyle/>
-          <a:p>
-            <a:pPr>
-              <a:defRPr/>
-            </a:pPr>
-            <a:fld id="{8617ACB6-EADE-4263-B932-20C3691C3C1F}" type="slidenum">
-              <a:rPr lang="en-US" smtClean="0"/>
-              <a:pPr>
-                <a:defRPr/>
-              </a:pPr>
-              <a:t>72</a:t>
-            </a:fld>
-            <a:endParaRPr lang="en-US"/>
-          </a:p>
-        </p:txBody>
-      </p:sp>
-    </p:spTree>
-  </p:cSld>
-  <p:clrMapOvr>
-    <a:masterClrMapping/>
-  </p:clrMapOvr>
-  <p:timing>
-    <p:tnLst>
-      <p:par>
-        <p:cTn id="1" dur="indefinite" restart="never" nodeType="tmRoot"/>
-      </p:par>
-    </p:tnLst>
-  </p:timing>
-</p:sld>
-</file>
-
-<file path=ppt/slides/slide73.xml><?xml version="1.0" encoding="utf-8"?>
-<p:sld xmlns:a="http://schemas.openxmlformats.org/drawingml/2006/main" xmlns:r="http://schemas.openxmlformats.org/officeDocument/2006/relationships" xmlns:p="http://schemas.openxmlformats.org/presentationml/2006/main">
-  <p:cSld>
-    <p:spTree>
-      <p:nvGrpSpPr>
-        <p:cNvPr id="1" name=""/>
-        <p:cNvGrpSpPr/>
-        <p:nvPr/>
-      </p:nvGrpSpPr>
-      <p:grpSpPr>
-        <a:xfrm>
-          <a:off x="0" y="0"/>
-          <a:ext cx="0" cy="0"/>
-          <a:chOff x="0" y="0"/>
-          <a:chExt cx="0" cy="0"/>
-        </a:xfrm>
-      </p:grpSpPr>
-      <p:sp>
-        <p:nvSpPr>
-          <p:cNvPr id="21506" name="Rectangle 4"/>
-          <p:cNvSpPr>
-            <a:spLocks noGrp="1" noChangeArrowheads="1"/>
-          </p:cNvSpPr>
-          <p:nvPr>
-            <p:ph type="ctrTitle"/>
-          </p:nvPr>
-        </p:nvSpPr>
-        <p:spPr/>
-        <p:txBody>
-          <a:bodyPr/>
-          <a:lstStyle/>
-          <a:p>
-            <a:pPr eaLnBrk="1" hangingPunct="1"/>
-            <a:r>
-              <a:rPr lang="en-US" dirty="0" smtClean="0"/>
-              <a:t>Almost done</a:t>
-            </a:r>
-          </a:p>
-        </p:txBody>
-      </p:sp>
-      <p:sp>
-        <p:nvSpPr>
-          <p:cNvPr id="3" name="Slide Number Placeholder 2"/>
-          <p:cNvSpPr>
-            <a:spLocks noGrp="1"/>
-          </p:cNvSpPr>
-          <p:nvPr>
-            <p:ph type="sldNum" sz="quarter" idx="12"/>
-          </p:nvPr>
-        </p:nvSpPr>
-        <p:spPr/>
-        <p:txBody>
-          <a:bodyPr/>
-          <a:lstStyle/>
-          <a:p>
-            <a:pPr>
-              <a:defRPr/>
-            </a:pPr>
-            <a:fld id="{A0CE64D5-222C-4CFA-AFD3-A2848F192F39}" type="slidenum">
-              <a:rPr lang="en-US" smtClean="0"/>
-              <a:pPr>
-                <a:defRPr/>
-              </a:pPr>
-              <a:t>73</a:t>
-            </a:fld>
-            <a:endParaRPr lang="en-US"/>
-          </a:p>
-        </p:txBody>
-      </p:sp>
-    </p:spTree>
-  </p:cSld>
-  <p:clrMapOvr>
-    <a:masterClrMapping/>
-  </p:clrMapOvr>
-  <p:timing>
-    <p:tnLst>
-      <p:par>
-        <p:cTn id="1" dur="indefinite" restart="never" nodeType="tmRoot"/>
-      </p:par>
-    </p:tnLst>
-  </p:timing>
-</p:sld>
-</file>
-
 <file path=ppt/slides/slide74.xml><?xml version="1.0" encoding="utf-8"?>
 <p:sld xmlns:a="http://schemas.openxmlformats.org/drawingml/2006/main" xmlns:r="http://schemas.openxmlformats.org/officeDocument/2006/relationships" xmlns:p="http://schemas.openxmlformats.org/presentationml/2006/main">
   <p:cSld>
@@ -38071,7 +38227,7 @@
             <a:pPr algn="l" eaLnBrk="1" hangingPunct="1"/>
             <a:r>
               <a:rPr lang="en-US" dirty="0" smtClean="0"/>
-              <a:t>What have we learned?</a:t>
+              <a:t>China summary</a:t>
             </a:r>
           </a:p>
         </p:txBody>
@@ -38103,8 +38259,9 @@
             </a:pPr>
             <a:r>
               <a:rPr lang="en-US" sz="2400" dirty="0" smtClean="0"/>
-              <a:t>Solow model </a:t>
-            </a:r>
+              <a:t>Quantity of capital not unusual</a:t>
+            </a:r>
+            <a:endParaRPr lang="en-US" sz="2000" dirty="0" smtClean="0"/>
           </a:p>
           <a:p>
             <a:pPr lvl="1" eaLnBrk="1" hangingPunct="1">
@@ -38114,7 +38271,7 @@
             </a:pPr>
             <a:r>
               <a:rPr lang="en-US" sz="2000" dirty="0" smtClean="0"/>
-              <a:t>Saving and capital accumulation generate growth </a:t>
+              <a:t>K/Y not much different from US </a:t>
             </a:r>
           </a:p>
           <a:p>
@@ -38125,7 +38282,7 @@
             </a:pPr>
             <a:r>
               <a:rPr lang="en-US" sz="2000" dirty="0" smtClean="0"/>
-              <a:t>But diminishing returns kills this off quickly</a:t>
+              <a:t>How can that be?  </a:t>
             </a:r>
           </a:p>
           <a:p>
@@ -38136,7 +38293,18 @@
             </a:pPr>
             <a:r>
               <a:rPr lang="en-US" sz="2000" dirty="0" smtClean="0"/>
-              <a:t>Conclusion:  saving and capital formation can’t be the keys to prosperity (in the US, in China, in India, etc) </a:t>
+              <a:t>When you growth this fast, you need a lot of investment </a:t>
+            </a:r>
+          </a:p>
+          <a:p>
+            <a:pPr eaLnBrk="1" hangingPunct="1">
+              <a:spcBef>
+                <a:spcPct val="50000"/>
+              </a:spcBef>
+            </a:pPr>
+            <a:r>
+              <a:rPr lang="en-US" sz="2400" dirty="0" smtClean="0"/>
+              <a:t>“Quality” of capital raises some questions</a:t>
             </a:r>
           </a:p>
           <a:p>
@@ -38147,18 +38315,7 @@
             </a:pPr>
             <a:r>
               <a:rPr lang="en-US" sz="2000" dirty="0" smtClean="0"/>
-              <a:t>Solow model still a useful forecasting tool </a:t>
-            </a:r>
-          </a:p>
-          <a:p>
-            <a:pPr eaLnBrk="1" hangingPunct="1">
-              <a:spcBef>
-                <a:spcPct val="50000"/>
-              </a:spcBef>
-            </a:pPr>
-            <a:r>
-              <a:rPr lang="en-US" sz="2400" dirty="0" smtClean="0"/>
-              <a:t>If not capital, what? </a:t>
+              <a:t>Has public infrastructure been overdone?</a:t>
             </a:r>
           </a:p>
           <a:p>
@@ -38168,12 +38325,19 @@
               </a:spcBef>
             </a:pPr>
             <a:r>
-              <a:rPr lang="en-US" sz="2000" smtClean="0"/>
-              <a:t>Productivity </a:t>
-            </a:r>
-            <a:r>
               <a:rPr lang="en-US" sz="2000" dirty="0" smtClean="0"/>
-              <a:t>growth </a:t>
+              <a:t>Are productive firms starved for resources?  </a:t>
+            </a:r>
+          </a:p>
+          <a:p>
+            <a:pPr lvl="1" eaLnBrk="1" hangingPunct="1">
+              <a:spcBef>
+                <a:spcPct val="50000"/>
+              </a:spcBef>
+            </a:pPr>
+            <a:r>
+              <a:rPr lang="en-US" sz="2000" dirty="0" smtClean="0"/>
+              <a:t>Is the financial system a hindrance to future growth?  </a:t>
             </a:r>
           </a:p>
         </p:txBody>
@@ -38208,6 +38372,11 @@
         </p:txBody>
       </p:sp>
     </p:spTree>
+    <p:extLst>
+      <p:ext uri="{BB962C8B-B14F-4D97-AF65-F5344CB8AC3E}">
+        <p14:creationId xmlns:p14="http://schemas.microsoft.com/office/powerpoint/2010/main" val="3519775483"/>
+      </p:ext>
+    </p:extLst>
   </p:cSld>
   <p:clrMapOvr>
     <a:masterClrMapping/>
@@ -38241,6 +38410,276 @@
       </p:grpSpPr>
       <p:sp>
         <p:nvSpPr>
+          <p:cNvPr id="21506" name="Rectangle 4"/>
+          <p:cNvSpPr>
+            <a:spLocks noGrp="1" noChangeArrowheads="1"/>
+          </p:cNvSpPr>
+          <p:nvPr>
+            <p:ph type="ctrTitle"/>
+          </p:nvPr>
+        </p:nvSpPr>
+        <p:spPr/>
+        <p:txBody>
+          <a:bodyPr/>
+          <a:lstStyle/>
+          <a:p>
+            <a:pPr eaLnBrk="1" hangingPunct="1"/>
+            <a:r>
+              <a:rPr lang="en-US" dirty="0" smtClean="0"/>
+              <a:t>Almost done</a:t>
+            </a:r>
+          </a:p>
+        </p:txBody>
+      </p:sp>
+      <p:sp>
+        <p:nvSpPr>
+          <p:cNvPr id="3" name="Slide Number Placeholder 2"/>
+          <p:cNvSpPr>
+            <a:spLocks noGrp="1"/>
+          </p:cNvSpPr>
+          <p:nvPr>
+            <p:ph type="sldNum" sz="quarter" idx="12"/>
+          </p:nvPr>
+        </p:nvSpPr>
+        <p:spPr/>
+        <p:txBody>
+          <a:bodyPr/>
+          <a:lstStyle/>
+          <a:p>
+            <a:pPr>
+              <a:defRPr/>
+            </a:pPr>
+            <a:fld id="{A0CE64D5-222C-4CFA-AFD3-A2848F192F39}" type="slidenum">
+              <a:rPr lang="en-US" smtClean="0"/>
+              <a:pPr>
+                <a:defRPr/>
+              </a:pPr>
+              <a:t>75</a:t>
+            </a:fld>
+            <a:endParaRPr lang="en-US"/>
+          </a:p>
+        </p:txBody>
+      </p:sp>
+    </p:spTree>
+  </p:cSld>
+  <p:clrMapOvr>
+    <a:masterClrMapping/>
+  </p:clrMapOvr>
+  <p:timing>
+    <p:tnLst>
+      <p:par>
+        <p:cTn id="1" dur="indefinite" restart="never" nodeType="tmRoot"/>
+      </p:par>
+    </p:tnLst>
+  </p:timing>
+</p:sld>
+</file>
+
+<file path=ppt/slides/slide76.xml><?xml version="1.0" encoding="utf-8"?>
+<p:sld xmlns:a="http://schemas.openxmlformats.org/drawingml/2006/main" xmlns:r="http://schemas.openxmlformats.org/officeDocument/2006/relationships" xmlns:p="http://schemas.openxmlformats.org/presentationml/2006/main">
+  <p:cSld>
+    <p:spTree>
+      <p:nvGrpSpPr>
+        <p:cNvPr id="1" name=""/>
+        <p:cNvGrpSpPr/>
+        <p:nvPr/>
+      </p:nvGrpSpPr>
+      <p:grpSpPr>
+        <a:xfrm>
+          <a:off x="0" y="0"/>
+          <a:ext cx="0" cy="0"/>
+          <a:chOff x="0" y="0"/>
+          <a:chExt cx="0" cy="0"/>
+        </a:xfrm>
+      </p:grpSpPr>
+      <p:sp>
+        <p:nvSpPr>
+          <p:cNvPr id="64514" name="Rectangle 2"/>
+          <p:cNvSpPr>
+            <a:spLocks noGrp="1" noChangeArrowheads="1"/>
+          </p:cNvSpPr>
+          <p:nvPr>
+            <p:ph type="title"/>
+          </p:nvPr>
+        </p:nvSpPr>
+        <p:spPr/>
+        <p:txBody>
+          <a:bodyPr/>
+          <a:lstStyle/>
+          <a:p>
+            <a:pPr algn="l" eaLnBrk="1" hangingPunct="1"/>
+            <a:r>
+              <a:rPr lang="en-US" dirty="0" smtClean="0"/>
+              <a:t>What have we learned?</a:t>
+            </a:r>
+          </a:p>
+        </p:txBody>
+      </p:sp>
+      <p:sp>
+        <p:nvSpPr>
+          <p:cNvPr id="64515" name="Rectangle 3"/>
+          <p:cNvSpPr>
+            <a:spLocks noGrp="1" noChangeArrowheads="1"/>
+          </p:cNvSpPr>
+          <p:nvPr>
+            <p:ph type="body" idx="1"/>
+          </p:nvPr>
+        </p:nvSpPr>
+        <p:spPr>
+          <a:xfrm>
+            <a:off x="457200" y="1524000"/>
+            <a:ext cx="8229600" cy="4525963"/>
+          </a:xfrm>
+        </p:spPr>
+        <p:txBody>
+          <a:bodyPr/>
+          <a:lstStyle/>
+          <a:p>
+            <a:pPr eaLnBrk="1" hangingPunct="1">
+              <a:spcBef>
+                <a:spcPct val="50000"/>
+              </a:spcBef>
+            </a:pPr>
+            <a:r>
+              <a:rPr lang="en-US" sz="2400" dirty="0" smtClean="0"/>
+              <a:t>Solow model </a:t>
+            </a:r>
+          </a:p>
+          <a:p>
+            <a:pPr lvl="1" eaLnBrk="1" hangingPunct="1">
+              <a:spcBef>
+                <a:spcPct val="50000"/>
+              </a:spcBef>
+            </a:pPr>
+            <a:r>
+              <a:rPr lang="en-US" sz="2000" dirty="0" smtClean="0"/>
+              <a:t>Saving and capital accumulation generate growth </a:t>
+            </a:r>
+          </a:p>
+          <a:p>
+            <a:pPr lvl="1" eaLnBrk="1" hangingPunct="1">
+              <a:spcBef>
+                <a:spcPct val="50000"/>
+              </a:spcBef>
+            </a:pPr>
+            <a:r>
+              <a:rPr lang="en-US" sz="2000" dirty="0" smtClean="0"/>
+              <a:t>But diminishing returns kills this off quickly</a:t>
+            </a:r>
+          </a:p>
+          <a:p>
+            <a:pPr lvl="1" eaLnBrk="1" hangingPunct="1">
+              <a:spcBef>
+                <a:spcPct val="50000"/>
+              </a:spcBef>
+            </a:pPr>
+            <a:r>
+              <a:rPr lang="en-US" sz="2000" dirty="0" smtClean="0"/>
+              <a:t>Conclusion:  saving and capital formation can’t be the keys to prosperity (in the US, in China, in India, etc) </a:t>
+            </a:r>
+          </a:p>
+          <a:p>
+            <a:pPr lvl="1" eaLnBrk="1" hangingPunct="1">
+              <a:spcBef>
+                <a:spcPct val="50000"/>
+              </a:spcBef>
+            </a:pPr>
+            <a:r>
+              <a:rPr lang="en-US" sz="2000" dirty="0" smtClean="0"/>
+              <a:t>Solow model still a useful forecasting tool </a:t>
+            </a:r>
+          </a:p>
+          <a:p>
+            <a:pPr eaLnBrk="1" hangingPunct="1">
+              <a:spcBef>
+                <a:spcPct val="50000"/>
+              </a:spcBef>
+            </a:pPr>
+            <a:r>
+              <a:rPr lang="en-US" sz="2400" dirty="0" smtClean="0"/>
+              <a:t>If not capital, what? </a:t>
+            </a:r>
+          </a:p>
+          <a:p>
+            <a:pPr lvl="1" eaLnBrk="1" hangingPunct="1">
+              <a:spcBef>
+                <a:spcPct val="50000"/>
+              </a:spcBef>
+            </a:pPr>
+            <a:r>
+              <a:rPr lang="en-US" sz="2000" smtClean="0"/>
+              <a:t>Productivity </a:t>
+            </a:r>
+            <a:r>
+              <a:rPr lang="en-US" sz="2000" dirty="0" smtClean="0"/>
+              <a:t>growth </a:t>
+            </a:r>
+          </a:p>
+        </p:txBody>
+      </p:sp>
+      <p:sp>
+        <p:nvSpPr>
+          <p:cNvPr id="4" name="Slide Number Placeholder 3"/>
+          <p:cNvSpPr>
+            <a:spLocks noGrp="1"/>
+          </p:cNvSpPr>
+          <p:nvPr>
+            <p:ph type="sldNum" sz="quarter" idx="12"/>
+          </p:nvPr>
+        </p:nvSpPr>
+        <p:spPr/>
+        <p:txBody>
+          <a:bodyPr/>
+          <a:lstStyle/>
+          <a:p>
+            <a:pPr>
+              <a:defRPr/>
+            </a:pPr>
+            <a:fld id="{8617ACB6-EADE-4263-B932-20C3691C3C1F}" type="slidenum">
+              <a:rPr lang="en-US" smtClean="0"/>
+              <a:pPr>
+                <a:defRPr/>
+              </a:pPr>
+              <a:t>76</a:t>
+            </a:fld>
+            <a:endParaRPr lang="en-US"/>
+          </a:p>
+        </p:txBody>
+      </p:sp>
+    </p:spTree>
+  </p:cSld>
+  <p:clrMapOvr>
+    <a:masterClrMapping/>
+  </p:clrMapOvr>
+  <p:timing>
+    <p:tnLst>
+      <p:par>
+        <p:cTn id="1" dur="indefinite" restart="never" nodeType="tmRoot"/>
+      </p:par>
+    </p:tnLst>
+  </p:timing>
+</p:sld>
+</file>
+
+<file path=ppt/slides/slide77.xml><?xml version="1.0" encoding="utf-8"?>
+<p:sld xmlns:a="http://schemas.openxmlformats.org/drawingml/2006/main" xmlns:r="http://schemas.openxmlformats.org/officeDocument/2006/relationships" xmlns:p="http://schemas.openxmlformats.org/presentationml/2006/main">
+  <p:cSld>
+    <p:spTree>
+      <p:nvGrpSpPr>
+        <p:cNvPr id="1" name=""/>
+        <p:cNvGrpSpPr/>
+        <p:nvPr/>
+      </p:nvGrpSpPr>
+      <p:grpSpPr>
+        <a:xfrm>
+          <a:off x="0" y="0"/>
+          <a:ext cx="0" cy="0"/>
+          <a:chOff x="0" y="0"/>
+          <a:chExt cx="0" cy="0"/>
+        </a:xfrm>
+      </p:grpSpPr>
+      <p:sp>
+        <p:nvSpPr>
           <p:cNvPr id="141314" name="Rectangle 2"/>
           <p:cNvSpPr>
             <a:spLocks noGrp="1" noChangeArrowheads="1"/>
@@ -38295,7 +38734,7 @@
             </a:pPr>
             <a:r>
               <a:rPr lang="en-US" sz="2400" dirty="0" smtClean="0"/>
-              <a:t>Why?  Or why not?  </a:t>
+              <a:t>Do countries that have a lot of them tend to do well?</a:t>
             </a:r>
           </a:p>
           <a:p>
@@ -38305,10 +38744,9 @@
               </a:spcBef>
             </a:pPr>
             <a:r>
-              <a:rPr lang="en-US" sz="2400" dirty="0" smtClean="0"/>
+              <a:rPr lang="en-US" sz="2400" dirty="0"/>
               <a:t>Examples?  </a:t>
             </a:r>
-            <a:endParaRPr lang="en-US" sz="2400" dirty="0"/>
           </a:p>
           <a:p>
             <a:pPr eaLnBrk="1" hangingPunct="1">
@@ -38318,7 +38756,18 @@
             </a:pPr>
             <a:r>
               <a:rPr lang="en-US" sz="2400" dirty="0" smtClean="0"/>
-              <a:t>Add your thoughts on the discussion page</a:t>
+              <a:t>Why?  Or why not?  </a:t>
+            </a:r>
+          </a:p>
+          <a:p>
+            <a:pPr eaLnBrk="1" hangingPunct="1">
+              <a:spcBef>
+                <a:spcPts val="1200"/>
+              </a:spcBef>
+            </a:pPr>
+            <a:r>
+              <a:rPr lang="en-US" sz="2400" dirty="0" smtClean="0"/>
+              <a:t>Add your thoughts on the discussion page </a:t>
             </a:r>
           </a:p>
         </p:txBody>
@@ -38341,7 +38790,7 @@
             <a:fld id="{F6FB92B7-FF3F-48F1-A050-FBDAAD6C6217}" type="slidenum">
               <a:rPr lang="en-US" smtClean="0"/>
               <a:pPr/>
-              <a:t>75</a:t>
+              <a:t>77</a:t>
             </a:fld>
             <a:endParaRPr lang="en-US"/>
           </a:p>

--- a/Slides/slides_growth1_f14.pptx
+++ b/Slides/slides_growth1_f14.pptx
@@ -5,10 +5,10 @@
     <p:sldMasterId id="2147483649" r:id="rId1"/>
   </p:sldMasterIdLst>
   <p:notesMasterIdLst>
-    <p:notesMasterId r:id="rId79"/>
+    <p:notesMasterId r:id="rId81"/>
   </p:notesMasterIdLst>
   <p:handoutMasterIdLst>
-    <p:handoutMasterId r:id="rId80"/>
+    <p:handoutMasterId r:id="rId82"/>
   </p:handoutMasterIdLst>
   <p:sldIdLst>
     <p:sldId id="256" r:id="rId2"/>
@@ -59,35 +59,37 @@
     <p:sldId id="291" r:id="rId47"/>
     <p:sldId id="331" r:id="rId48"/>
     <p:sldId id="406" r:id="rId49"/>
-    <p:sldId id="405" r:id="rId50"/>
-    <p:sldId id="421" r:id="rId51"/>
-    <p:sldId id="447" r:id="rId52"/>
-    <p:sldId id="358" r:id="rId53"/>
-    <p:sldId id="445" r:id="rId54"/>
-    <p:sldId id="360" r:id="rId55"/>
-    <p:sldId id="417" r:id="rId56"/>
-    <p:sldId id="361" r:id="rId57"/>
-    <p:sldId id="362" r:id="rId58"/>
-    <p:sldId id="369" r:id="rId59"/>
-    <p:sldId id="372" r:id="rId60"/>
-    <p:sldId id="371" r:id="rId61"/>
-    <p:sldId id="370" r:id="rId62"/>
-    <p:sldId id="375" r:id="rId63"/>
-    <p:sldId id="374" r:id="rId64"/>
-    <p:sldId id="376" r:id="rId65"/>
-    <p:sldId id="379" r:id="rId66"/>
-    <p:sldId id="368" r:id="rId67"/>
-    <p:sldId id="385" r:id="rId68"/>
-    <p:sldId id="386" r:id="rId69"/>
-    <p:sldId id="390" r:id="rId70"/>
-    <p:sldId id="436" r:id="rId71"/>
-    <p:sldId id="415" r:id="rId72"/>
-    <p:sldId id="412" r:id="rId73"/>
-    <p:sldId id="300" r:id="rId74"/>
-    <p:sldId id="448" r:id="rId75"/>
-    <p:sldId id="414" r:id="rId76"/>
-    <p:sldId id="413" r:id="rId77"/>
-    <p:sldId id="443" r:id="rId78"/>
+    <p:sldId id="449" r:id="rId50"/>
+    <p:sldId id="405" r:id="rId51"/>
+    <p:sldId id="450" r:id="rId52"/>
+    <p:sldId id="421" r:id="rId53"/>
+    <p:sldId id="447" r:id="rId54"/>
+    <p:sldId id="358" r:id="rId55"/>
+    <p:sldId id="445" r:id="rId56"/>
+    <p:sldId id="360" r:id="rId57"/>
+    <p:sldId id="417" r:id="rId58"/>
+    <p:sldId id="361" r:id="rId59"/>
+    <p:sldId id="362" r:id="rId60"/>
+    <p:sldId id="369" r:id="rId61"/>
+    <p:sldId id="372" r:id="rId62"/>
+    <p:sldId id="371" r:id="rId63"/>
+    <p:sldId id="370" r:id="rId64"/>
+    <p:sldId id="375" r:id="rId65"/>
+    <p:sldId id="374" r:id="rId66"/>
+    <p:sldId id="376" r:id="rId67"/>
+    <p:sldId id="379" r:id="rId68"/>
+    <p:sldId id="368" r:id="rId69"/>
+    <p:sldId id="385" r:id="rId70"/>
+    <p:sldId id="386" r:id="rId71"/>
+    <p:sldId id="390" r:id="rId72"/>
+    <p:sldId id="436" r:id="rId73"/>
+    <p:sldId id="415" r:id="rId74"/>
+    <p:sldId id="412" r:id="rId75"/>
+    <p:sldId id="300" r:id="rId76"/>
+    <p:sldId id="448" r:id="rId77"/>
+    <p:sldId id="414" r:id="rId78"/>
+    <p:sldId id="413" r:id="rId79"/>
+    <p:sldId id="443" r:id="rId80"/>
   </p:sldIdLst>
   <p:sldSz cx="9144000" cy="6858000" type="screen4x3"/>
   <p:notesSz cx="6881813" cy="9296400"/>
@@ -361,11 +363,11 @@
           <c:showBubbleSize val="0"/>
         </c:dLbls>
         <c:gapWidth val="150"/>
-        <c:axId val="197170960"/>
-        <c:axId val="197171352"/>
+        <c:axId val="202937288"/>
+        <c:axId val="204226920"/>
       </c:barChart>
       <c:catAx>
-        <c:axId val="197170960"/>
+        <c:axId val="202937288"/>
         <c:scaling>
           <c:orientation val="minMax"/>
         </c:scaling>
@@ -400,7 +402,7 @@
             <a:endParaRPr lang="en-US"/>
           </a:p>
         </c:txPr>
-        <c:crossAx val="197171352"/>
+        <c:crossAx val="204226920"/>
         <c:crosses val="autoZero"/>
         <c:auto val="1"/>
         <c:lblAlgn val="ctr"/>
@@ -410,7 +412,7 @@
         <c:noMultiLvlLbl val="0"/>
       </c:catAx>
       <c:valAx>
-        <c:axId val="197171352"/>
+        <c:axId val="204226920"/>
         <c:scaling>
           <c:orientation val="minMax"/>
           <c:max val="50000"/>
@@ -447,7 +449,7 @@
             <a:endParaRPr lang="en-US"/>
           </a:p>
         </c:txPr>
-        <c:crossAx val="197170960"/>
+        <c:crossAx val="202937288"/>
         <c:crosses val="autoZero"/>
         <c:crossBetween val="between"/>
         <c:majorUnit val="10000"/>
@@ -3955,11 +3957,11 @@
           <c:showPercent val="0"/>
           <c:showBubbleSize val="0"/>
         </c:dLbls>
-        <c:axId val="197172528"/>
-        <c:axId val="197174096"/>
+        <c:axId val="133399760"/>
+        <c:axId val="133400152"/>
       </c:scatterChart>
       <c:valAx>
-        <c:axId val="197172528"/>
+        <c:axId val="133399760"/>
         <c:scaling>
           <c:orientation val="minMax"/>
           <c:max val="2000"/>
@@ -3996,12 +3998,12 @@
             <a:endParaRPr lang="en-US"/>
           </a:p>
         </c:txPr>
-        <c:crossAx val="197174096"/>
+        <c:crossAx val="133400152"/>
         <c:crosses val="autoZero"/>
         <c:crossBetween val="midCat"/>
       </c:valAx>
       <c:valAx>
-        <c:axId val="197174096"/>
+        <c:axId val="133400152"/>
         <c:scaling>
           <c:orientation val="minMax"/>
           <c:max val="15"/>
@@ -4085,7 +4087,7 @@
             <a:endParaRPr lang="en-US"/>
           </a:p>
         </c:txPr>
-        <c:crossAx val="197172528"/>
+        <c:crossAx val="133399760"/>
         <c:crosses val="autoZero"/>
         <c:crossBetween val="midCat"/>
       </c:valAx>
@@ -5331,11 +5333,11 @@
         </c:dLbls>
         <c:bubbleScale val="100"/>
         <c:showNegBubbles val="0"/>
-        <c:axId val="156657944"/>
-        <c:axId val="157138080"/>
+        <c:axId val="134341672"/>
+        <c:axId val="134342064"/>
       </c:bubbleChart>
       <c:valAx>
-        <c:axId val="156657944"/>
+        <c:axId val="134341672"/>
         <c:scaling>
           <c:logBase val="10"/>
           <c:orientation val="minMax"/>
@@ -5412,12 +5414,12 @@
             <a:endParaRPr lang="en-US"/>
           </a:p>
         </c:txPr>
-        <c:crossAx val="157138080"/>
+        <c:crossAx val="134342064"/>
         <c:crossesAt val="-4"/>
         <c:crossBetween val="midCat"/>
       </c:valAx>
       <c:valAx>
-        <c:axId val="157138080"/>
+        <c:axId val="134342064"/>
         <c:scaling>
           <c:orientation val="minMax"/>
           <c:max val="10"/>
@@ -5498,7 +5500,7 @@
             <a:endParaRPr lang="en-US"/>
           </a:p>
         </c:txPr>
-        <c:crossAx val="156657944"/>
+        <c:crossAx val="134341672"/>
         <c:crosses val="autoZero"/>
         <c:crossBetween val="midCat"/>
       </c:valAx>
@@ -9580,11 +9582,11 @@
           <c:showPercent val="0"/>
           <c:showBubbleSize val="0"/>
         </c:dLbls>
-        <c:axId val="197910512"/>
-        <c:axId val="197912080"/>
+        <c:axId val="204066464"/>
+        <c:axId val="204066856"/>
       </c:scatterChart>
       <c:valAx>
-        <c:axId val="197910512"/>
+        <c:axId val="204066464"/>
         <c:scaling>
           <c:orientation val="minMax"/>
           <c:max val="400"/>
@@ -9659,12 +9661,12 @@
             <a:endParaRPr lang="en-US"/>
           </a:p>
         </c:txPr>
-        <c:crossAx val="197912080"/>
+        <c:crossAx val="204066856"/>
         <c:crosses val="autoZero"/>
         <c:crossBetween val="midCat"/>
       </c:valAx>
       <c:valAx>
-        <c:axId val="197912080"/>
+        <c:axId val="204066856"/>
         <c:scaling>
           <c:orientation val="minMax"/>
           <c:max val="160"/>
@@ -9740,7 +9742,7 @@
             <a:endParaRPr lang="en-US"/>
           </a:p>
         </c:txPr>
-        <c:crossAx val="197910512"/>
+        <c:crossAx val="204066464"/>
         <c:crosses val="autoZero"/>
         <c:crossBetween val="midCat"/>
         <c:majorUnit val="40"/>
@@ -11422,22 +11424,14 @@
             </a:r>
             <a:r>
               <a:rPr lang="en-US" baseline="0" dirty="0" smtClean="0"/>
-              <a:t> </a:t>
-            </a:r>
-            <a:r>
-              <a:rPr lang="en-US" baseline="0" smtClean="0"/>
-              <a:t>encourage discussion</a:t>
+              <a:t> encourage discussion</a:t>
             </a:r>
             <a:endParaRPr lang="en-US" dirty="0" smtClean="0"/>
           </a:p>
           <a:p>
             <a:r>
               <a:rPr lang="en-US" dirty="0" smtClean="0"/>
-              <a:t>Open </a:t>
-            </a:r>
-            <a:r>
-              <a:rPr lang="en-US" dirty="0" smtClean="0"/>
-              <a:t>website, </a:t>
+              <a:t>Open website, </a:t>
             </a:r>
             <a:r>
               <a:rPr lang="en-US" dirty="0" err="1" smtClean="0"/>
@@ -11549,7 +11543,7 @@
             <a:fld id="{F4D9A340-A853-49A2-86A8-DED43F7F5406}" type="slidenum">
               <a:rPr lang="en-US"/>
               <a:pPr/>
-              <a:t>77</a:t>
+              <a:t>79</a:t>
             </a:fld>
             <a:endParaRPr lang="en-US"/>
           </a:p>
@@ -12331,7 +12325,7 @@
               <a:pPr>
                 <a:defRPr/>
               </a:pPr>
-              <a:t>50</a:t>
+              <a:t>52</a:t>
             </a:fld>
             <a:endParaRPr lang="en-US"/>
           </a:p>
@@ -12433,7 +12427,7 @@
               <a:pPr>
                 <a:defRPr/>
               </a:pPr>
-              <a:t>51</a:t>
+              <a:t>53</a:t>
             </a:fld>
             <a:endParaRPr lang="en-US"/>
           </a:p>
@@ -26023,7 +26017,7 @@
           <a:graphicData uri="http://schemas.openxmlformats.org/presentationml/2006/ole">
             <mc:AlternateContent xmlns:mc="http://schemas.openxmlformats.org/markup-compatibility/2006">
               <mc:Choice xmlns:v="urn:schemas-microsoft-com:vml" Requires="v">
-                <p:oleObj spid="_x0000_s26812" name="Equation" r:id="rId4" imgW="1117600" imgH="1270000" progId="">
+                <p:oleObj spid="_x0000_s26818" name="Equation" r:id="rId4" imgW="1117600" imgH="1270000" progId="">
                   <p:embed/>
                 </p:oleObj>
               </mc:Choice>
@@ -30292,7 +30286,7 @@
             </a:pPr>
             <a:r>
               <a:rPr lang="en-US" sz="2400" dirty="0" smtClean="0"/>
-              <a:t>Answers attached </a:t>
+              <a:t>Answers will be posted </a:t>
             </a:r>
           </a:p>
           <a:p>
@@ -30303,7 +30297,11 @@
             </a:pPr>
             <a:r>
               <a:rPr lang="en-US" sz="2400" dirty="0" smtClean="0"/>
-              <a:t>Question 3 makes two points that will come up later </a:t>
+              <a:t>Question </a:t>
+            </a:r>
+            <a:r>
+              <a:rPr lang="en-US" sz="2400" dirty="0" smtClean="0"/>
+              <a:t>3 makes two points that will come up later </a:t>
             </a:r>
           </a:p>
           <a:p>
@@ -30314,15 +30312,7 @@
             </a:pPr>
             <a:r>
               <a:rPr lang="en-US" sz="2000" dirty="0" smtClean="0"/>
-              <a:t>C and I move up and down </a:t>
-            </a:r>
-            <a:r>
-              <a:rPr lang="en-US" sz="2000" smtClean="0"/>
-              <a:t>with GDP (</a:t>
-            </a:r>
-            <a:r>
-              <a:rPr lang="en-US" sz="2000" dirty="0" smtClean="0"/>
-              <a:t>correlations) </a:t>
+              <a:t>C and I move up and down with GDP (correlations) </a:t>
             </a:r>
           </a:p>
           <a:p>
@@ -30544,7 +30534,7 @@
             <a:pPr algn="l" eaLnBrk="1" hangingPunct="1"/>
             <a:r>
               <a:rPr lang="en-US" dirty="0" smtClean="0"/>
-              <a:t>Problem Set #1</a:t>
+              <a:t>Problem Set #0</a:t>
             </a:r>
           </a:p>
         </p:txBody>
@@ -30562,7 +30552,7 @@
         <p:spPr>
           <a:xfrm>
             <a:off x="457200" y="1501125"/>
-            <a:ext cx="8305800" cy="4114512"/>
+            <a:ext cx="8229600" cy="4114512"/>
           </a:xfrm>
         </p:spPr>
         <p:txBody>
@@ -30576,60 +30566,38 @@
             </a:pPr>
             <a:r>
               <a:rPr lang="en-US" sz="2400" dirty="0" smtClean="0"/>
-              <a:t>Due at start of next class </a:t>
-            </a:r>
-          </a:p>
-          <a:p>
-            <a:pPr eaLnBrk="1" hangingPunct="1">
+              <a:t>Question 4</a:t>
+            </a:r>
+            <a:endParaRPr lang="en-US" sz="2400" dirty="0" smtClean="0"/>
+          </a:p>
+          <a:p>
+            <a:pPr lvl="1" eaLnBrk="1" hangingPunct="1">
               <a:spcBef>
                 <a:spcPct val="50000"/>
               </a:spcBef>
             </a:pPr>
             <a:r>
-              <a:rPr lang="en-US" sz="2400" dirty="0" smtClean="0"/>
-              <a:t>Do in groups, learn from each other  </a:t>
-            </a:r>
-          </a:p>
-          <a:p>
-            <a:pPr eaLnBrk="1" hangingPunct="1">
+              <a:rPr lang="en-US" sz="2000" dirty="0" smtClean="0"/>
+              <a:t>How do the periods 1950-84, 1985-2007, and 2008-present compare?  </a:t>
+            </a:r>
+            <a:endParaRPr lang="en-US" sz="2000" dirty="0" smtClean="0"/>
+          </a:p>
+          <a:p>
+            <a:pPr lvl="1" eaLnBrk="1" hangingPunct="1">
               <a:spcBef>
                 <a:spcPct val="50000"/>
               </a:spcBef>
             </a:pPr>
-            <a:r>
-              <a:rPr lang="en-US" sz="2400" dirty="0" smtClean="0"/>
-              <a:t>Post questions on Discussion &amp; Announcements	      (or email me and I’ll do it) </a:t>
-            </a:r>
-          </a:p>
-          <a:p>
-            <a:pPr eaLnBrk="1" hangingPunct="1">
+            <a:endParaRPr lang="en-US" sz="2000" dirty="0"/>
+          </a:p>
+          <a:p>
+            <a:pPr marL="57150" indent="0" algn="ctr" eaLnBrk="1" hangingPunct="1">
               <a:spcBef>
                 <a:spcPct val="50000"/>
               </a:spcBef>
+              <a:buNone/>
             </a:pPr>
-            <a:r>
-              <a:rPr lang="en-US" sz="2400" dirty="0" smtClean="0"/>
-              <a:t>Note data link for Question 3 (also embedded in </a:t>
-            </a:r>
-            <a:r>
-              <a:rPr lang="en-US" sz="2400" dirty="0" err="1" smtClean="0"/>
-              <a:t>pdf</a:t>
-            </a:r>
-            <a:r>
-              <a:rPr lang="en-US" sz="2400" dirty="0" smtClean="0"/>
-              <a:t>) </a:t>
-            </a:r>
-          </a:p>
-          <a:p>
-            <a:pPr eaLnBrk="1" hangingPunct="1">
-              <a:spcBef>
-                <a:spcPct val="50000"/>
-              </a:spcBef>
-            </a:pPr>
-            <a:r>
-              <a:rPr lang="en-US" sz="2400" b="1" dirty="0" smtClean="0"/>
-              <a:t>Anyone need group members?  </a:t>
-            </a:r>
+            <a:endParaRPr lang="en-US" sz="2400" dirty="0" smtClean="0"/>
           </a:p>
         </p:txBody>
       </p:sp>
@@ -30665,7 +30633,7 @@
     </p:spTree>
     <p:extLst>
       <p:ext uri="{BB962C8B-B14F-4D97-AF65-F5344CB8AC3E}">
-        <p14:creationId xmlns:p14="http://schemas.microsoft.com/office/powerpoint/2010/main" val="3869634718"/>
+        <p14:creationId xmlns:p14="http://schemas.microsoft.com/office/powerpoint/2010/main" val="1562496376"/>
       </p:ext>
     </p:extLst>
   </p:cSld>
@@ -30947,7 +30915,96 @@
             <a:pPr algn="l" eaLnBrk="1" hangingPunct="1"/>
             <a:r>
               <a:rPr lang="en-US" dirty="0" smtClean="0"/>
-              <a:t>What’s happening?</a:t>
+              <a:t>Problem Set #1</a:t>
+            </a:r>
+          </a:p>
+        </p:txBody>
+      </p:sp>
+      <p:sp>
+        <p:nvSpPr>
+          <p:cNvPr id="4099" name="Rectangle 3"/>
+          <p:cNvSpPr>
+            <a:spLocks noGrp="1" noChangeArrowheads="1"/>
+          </p:cNvSpPr>
+          <p:nvPr>
+            <p:ph type="body" idx="1"/>
+          </p:nvPr>
+        </p:nvSpPr>
+        <p:spPr>
+          <a:xfrm>
+            <a:off x="457200" y="1501125"/>
+            <a:ext cx="8305800" cy="4114512"/>
+          </a:xfrm>
+        </p:spPr>
+        <p:txBody>
+          <a:bodyPr/>
+          <a:lstStyle/>
+          <a:p>
+            <a:pPr eaLnBrk="1" hangingPunct="1">
+              <a:spcBef>
+                <a:spcPct val="50000"/>
+              </a:spcBef>
+            </a:pPr>
+            <a:r>
+              <a:rPr lang="en-US" sz="2400" dirty="0" smtClean="0"/>
+              <a:t>Due </a:t>
+            </a:r>
+            <a:r>
+              <a:rPr lang="en-US" sz="2400" dirty="0" smtClean="0"/>
+              <a:t>in two weeks </a:t>
+            </a:r>
+            <a:endParaRPr lang="en-US" sz="2400" dirty="0" smtClean="0"/>
+          </a:p>
+          <a:p>
+            <a:pPr eaLnBrk="1" hangingPunct="1">
+              <a:spcBef>
+                <a:spcPct val="50000"/>
+              </a:spcBef>
+            </a:pPr>
+            <a:r>
+              <a:rPr lang="en-US" sz="2400" dirty="0" smtClean="0"/>
+              <a:t>Do in groups, learn from each other  </a:t>
+            </a:r>
+          </a:p>
+          <a:p>
+            <a:pPr eaLnBrk="1" hangingPunct="1">
+              <a:spcBef>
+                <a:spcPct val="50000"/>
+              </a:spcBef>
+            </a:pPr>
+            <a:r>
+              <a:rPr lang="en-US" sz="2400" dirty="0" smtClean="0"/>
+              <a:t>Post questions on Discussion &amp; Announcements	      (or email me and I’ll do it) </a:t>
+            </a:r>
+          </a:p>
+          <a:p>
+            <a:pPr eaLnBrk="1" hangingPunct="1">
+              <a:spcBef>
+                <a:spcPct val="50000"/>
+              </a:spcBef>
+            </a:pPr>
+            <a:r>
+              <a:rPr lang="en-US" sz="2400" dirty="0" smtClean="0"/>
+              <a:t>Note data link for Question 3 (also embedded in </a:t>
+            </a:r>
+            <a:r>
+              <a:rPr lang="en-US" sz="2400" dirty="0" err="1" smtClean="0"/>
+              <a:t>pdf</a:t>
+            </a:r>
+            <a:r>
+              <a:rPr lang="en-US" sz="2400" dirty="0" smtClean="0"/>
+              <a:t>) </a:t>
+            </a:r>
+          </a:p>
+          <a:p>
+            <a:pPr eaLnBrk="1" hangingPunct="1">
+              <a:spcBef>
+                <a:spcPct val="50000"/>
+              </a:spcBef>
+            </a:pPr>
+            <a:r>
+              <a:rPr lang="en-US" sz="2400" b="1" dirty="0" smtClean="0"/>
+              <a:t>Anyone need group members?  </a:t>
             </a:r>
           </a:p>
         </p:txBody>
@@ -30976,6 +31033,253 @@
                 <a:defRPr/>
               </a:pPr>
               <a:t>50</a:t>
+            </a:fld>
+            <a:endParaRPr lang="en-US"/>
+          </a:p>
+        </p:txBody>
+      </p:sp>
+    </p:spTree>
+    <p:extLst>
+      <p:ext uri="{BB962C8B-B14F-4D97-AF65-F5344CB8AC3E}">
+        <p14:creationId xmlns:p14="http://schemas.microsoft.com/office/powerpoint/2010/main" val="3869634718"/>
+      </p:ext>
+    </p:extLst>
+  </p:cSld>
+  <p:clrMapOvr>
+    <a:masterClrMapping/>
+  </p:clrMapOvr>
+  <p:timing>
+    <p:tnLst>
+      <p:par>
+        <p:cTn id="1" dur="indefinite" restart="never" nodeType="tmRoot"/>
+      </p:par>
+    </p:tnLst>
+  </p:timing>
+</p:sld>
+</file>
+
+<file path=ppt/slides/slide51.xml><?xml version="1.0" encoding="utf-8"?>
+<p:sld xmlns:a="http://schemas.openxmlformats.org/drawingml/2006/main" xmlns:r="http://schemas.openxmlformats.org/officeDocument/2006/relationships" xmlns:p="http://schemas.openxmlformats.org/presentationml/2006/main">
+  <p:cSld>
+    <p:spTree>
+      <p:nvGrpSpPr>
+        <p:cNvPr id="1" name=""/>
+        <p:cNvGrpSpPr/>
+        <p:nvPr/>
+      </p:nvGrpSpPr>
+      <p:grpSpPr>
+        <a:xfrm>
+          <a:off x="0" y="0"/>
+          <a:ext cx="0" cy="0"/>
+          <a:chOff x="0" y="0"/>
+          <a:chExt cx="0" cy="0"/>
+        </a:xfrm>
+      </p:grpSpPr>
+      <p:sp>
+        <p:nvSpPr>
+          <p:cNvPr id="4098" name="Rectangle 2"/>
+          <p:cNvSpPr>
+            <a:spLocks noGrp="1" noChangeArrowheads="1"/>
+          </p:cNvSpPr>
+          <p:nvPr>
+            <p:ph type="title"/>
+          </p:nvPr>
+        </p:nvSpPr>
+        <p:spPr/>
+        <p:txBody>
+          <a:bodyPr/>
+          <a:lstStyle/>
+          <a:p>
+            <a:pPr algn="l" eaLnBrk="1" hangingPunct="1"/>
+            <a:r>
+              <a:rPr lang="en-US" dirty="0" smtClean="0"/>
+              <a:t>What’s happening?</a:t>
+            </a:r>
+            <a:endParaRPr lang="en-US" dirty="0" smtClean="0"/>
+          </a:p>
+        </p:txBody>
+      </p:sp>
+      <p:sp>
+        <p:nvSpPr>
+          <p:cNvPr id="4099" name="Rectangle 3"/>
+          <p:cNvSpPr>
+            <a:spLocks noGrp="1" noChangeArrowheads="1"/>
+          </p:cNvSpPr>
+          <p:nvPr>
+            <p:ph type="body" idx="1"/>
+          </p:nvPr>
+        </p:nvSpPr>
+        <p:spPr>
+          <a:xfrm>
+            <a:off x="457200" y="1501125"/>
+            <a:ext cx="8229600" cy="4114512"/>
+          </a:xfrm>
+        </p:spPr>
+        <p:txBody>
+          <a:bodyPr/>
+          <a:lstStyle/>
+          <a:p>
+            <a:pPr eaLnBrk="1" hangingPunct="1">
+              <a:spcBef>
+                <a:spcPct val="50000"/>
+              </a:spcBef>
+            </a:pPr>
+            <a:r>
+              <a:rPr lang="en-US" sz="2400" dirty="0" smtClean="0"/>
+              <a:t>What’s going on in Greece? </a:t>
+            </a:r>
+          </a:p>
+          <a:p>
+            <a:pPr eaLnBrk="1" hangingPunct="1">
+              <a:spcBef>
+                <a:spcPct val="50000"/>
+              </a:spcBef>
+            </a:pPr>
+            <a:r>
+              <a:rPr lang="en-US" sz="2400" dirty="0" smtClean="0"/>
+              <a:t>Who’s right?  </a:t>
+            </a:r>
+          </a:p>
+          <a:p>
+            <a:pPr eaLnBrk="1" hangingPunct="1">
+              <a:spcBef>
+                <a:spcPct val="50000"/>
+              </a:spcBef>
+            </a:pPr>
+            <a:r>
+              <a:rPr lang="en-US" sz="2400" dirty="0" smtClean="0"/>
+              <a:t>Why is this </a:t>
+            </a:r>
+            <a:r>
+              <a:rPr lang="en-US" sz="2400" smtClean="0"/>
+              <a:t>so complicated?  </a:t>
+            </a:r>
+            <a:endParaRPr lang="en-US" sz="2000" dirty="0"/>
+          </a:p>
+          <a:p>
+            <a:pPr marL="57150" indent="0" algn="ctr" eaLnBrk="1" hangingPunct="1">
+              <a:spcBef>
+                <a:spcPct val="50000"/>
+              </a:spcBef>
+              <a:buNone/>
+            </a:pPr>
+            <a:endParaRPr lang="en-US" sz="2400" dirty="0" smtClean="0"/>
+          </a:p>
+        </p:txBody>
+      </p:sp>
+      <p:sp>
+        <p:nvSpPr>
+          <p:cNvPr id="4" name="Slide Number Placeholder 3"/>
+          <p:cNvSpPr>
+            <a:spLocks noGrp="1"/>
+          </p:cNvSpPr>
+          <p:nvPr>
+            <p:ph type="sldNum" sz="quarter" idx="12"/>
+          </p:nvPr>
+        </p:nvSpPr>
+        <p:spPr/>
+        <p:txBody>
+          <a:bodyPr/>
+          <a:lstStyle/>
+          <a:p>
+            <a:pPr>
+              <a:defRPr/>
+            </a:pPr>
+            <a:fld id="{8617ACB6-EADE-4263-B932-20C3691C3C1F}" type="slidenum">
+              <a:rPr lang="en-US" smtClean="0"/>
+              <a:pPr>
+                <a:defRPr/>
+              </a:pPr>
+              <a:t>51</a:t>
+            </a:fld>
+            <a:endParaRPr lang="en-US"/>
+          </a:p>
+        </p:txBody>
+      </p:sp>
+    </p:spTree>
+    <p:extLst>
+      <p:ext uri="{BB962C8B-B14F-4D97-AF65-F5344CB8AC3E}">
+        <p14:creationId xmlns:p14="http://schemas.microsoft.com/office/powerpoint/2010/main" val="2150405525"/>
+      </p:ext>
+    </p:extLst>
+  </p:cSld>
+  <p:clrMapOvr>
+    <a:masterClrMapping/>
+  </p:clrMapOvr>
+  <p:timing>
+    <p:tnLst>
+      <p:par>
+        <p:cTn id="1" dur="indefinite" restart="never" nodeType="tmRoot"/>
+      </p:par>
+    </p:tnLst>
+  </p:timing>
+</p:sld>
+</file>
+
+<file path=ppt/slides/slide52.xml><?xml version="1.0" encoding="utf-8"?>
+<p:sld xmlns:a="http://schemas.openxmlformats.org/drawingml/2006/main" xmlns:r="http://schemas.openxmlformats.org/officeDocument/2006/relationships" xmlns:p="http://schemas.openxmlformats.org/presentationml/2006/main">
+  <p:cSld>
+    <p:spTree>
+      <p:nvGrpSpPr>
+        <p:cNvPr id="1" name=""/>
+        <p:cNvGrpSpPr/>
+        <p:nvPr/>
+      </p:nvGrpSpPr>
+      <p:grpSpPr>
+        <a:xfrm>
+          <a:off x="0" y="0"/>
+          <a:ext cx="0" cy="0"/>
+          <a:chOff x="0" y="0"/>
+          <a:chExt cx="0" cy="0"/>
+        </a:xfrm>
+      </p:grpSpPr>
+      <p:sp>
+        <p:nvSpPr>
+          <p:cNvPr id="4098" name="Rectangle 2"/>
+          <p:cNvSpPr>
+            <a:spLocks noGrp="1" noChangeArrowheads="1"/>
+          </p:cNvSpPr>
+          <p:nvPr>
+            <p:ph type="title"/>
+          </p:nvPr>
+        </p:nvSpPr>
+        <p:spPr/>
+        <p:txBody>
+          <a:bodyPr/>
+          <a:lstStyle/>
+          <a:p>
+            <a:pPr algn="l" eaLnBrk="1" hangingPunct="1"/>
+            <a:r>
+              <a:rPr lang="en-US" dirty="0" smtClean="0"/>
+              <a:t>What’s happening?</a:t>
+            </a:r>
+          </a:p>
+        </p:txBody>
+      </p:sp>
+      <p:sp>
+        <p:nvSpPr>
+          <p:cNvPr id="4" name="Slide Number Placeholder 3"/>
+          <p:cNvSpPr>
+            <a:spLocks noGrp="1"/>
+          </p:cNvSpPr>
+          <p:nvPr>
+            <p:ph type="sldNum" sz="quarter" idx="12"/>
+          </p:nvPr>
+        </p:nvSpPr>
+        <p:spPr/>
+        <p:txBody>
+          <a:bodyPr/>
+          <a:lstStyle/>
+          <a:p>
+            <a:pPr>
+              <a:defRPr/>
+            </a:pPr>
+            <a:fld id="{8617ACB6-EADE-4263-B932-20C3691C3C1F}" type="slidenum">
+              <a:rPr lang="en-US" smtClean="0"/>
+              <a:pPr>
+                <a:defRPr/>
+              </a:pPr>
+              <a:t>52</a:t>
             </a:fld>
             <a:endParaRPr lang="en-US"/>
           </a:p>
@@ -31055,7 +31359,7 @@
 </p:sld>
 </file>
 
-<file path=ppt/slides/slide51.xml><?xml version="1.0" encoding="utf-8"?>
+<file path=ppt/slides/slide53.xml><?xml version="1.0" encoding="utf-8"?>
 <p:sld xmlns:a="http://schemas.openxmlformats.org/drawingml/2006/main" xmlns:r="http://schemas.openxmlformats.org/officeDocument/2006/relationships" xmlns:p="http://schemas.openxmlformats.org/presentationml/2006/main">
   <p:cSld>
     <p:spTree>
@@ -31118,7 +31422,7 @@
               <a:pPr>
                 <a:defRPr/>
               </a:pPr>
-              <a:t>51</a:t>
+              <a:t>53</a:t>
             </a:fld>
             <a:endParaRPr lang="en-US"/>
           </a:p>
@@ -31236,446 +31540,6 @@
 </p:sld>
 </file>
 
-<file path=ppt/slides/slide52.xml><?xml version="1.0" encoding="utf-8"?>
-<p:sld xmlns:a="http://schemas.openxmlformats.org/drawingml/2006/main" xmlns:r="http://schemas.openxmlformats.org/officeDocument/2006/relationships" xmlns:p="http://schemas.openxmlformats.org/presentationml/2006/main">
-  <p:cSld>
-    <p:spTree>
-      <p:nvGrpSpPr>
-        <p:cNvPr id="1" name=""/>
-        <p:cNvGrpSpPr/>
-        <p:nvPr/>
-      </p:nvGrpSpPr>
-      <p:grpSpPr>
-        <a:xfrm>
-          <a:off x="0" y="0"/>
-          <a:ext cx="0" cy="0"/>
-          <a:chOff x="0" y="0"/>
-          <a:chExt cx="0" cy="0"/>
-        </a:xfrm>
-      </p:grpSpPr>
-      <p:sp>
-        <p:nvSpPr>
-          <p:cNvPr id="40962" name="Rectangle 2"/>
-          <p:cNvSpPr>
-            <a:spLocks noGrp="1" noChangeArrowheads="1"/>
-          </p:cNvSpPr>
-          <p:nvPr>
-            <p:ph type="title"/>
-          </p:nvPr>
-        </p:nvSpPr>
-        <p:spPr/>
-        <p:txBody>
-          <a:bodyPr/>
-          <a:lstStyle/>
-          <a:p>
-            <a:pPr algn="l" eaLnBrk="1" hangingPunct="1"/>
-            <a:r>
-              <a:rPr lang="en-US" dirty="0" smtClean="0"/>
-              <a:t>Roadmap </a:t>
-            </a:r>
-          </a:p>
-        </p:txBody>
-      </p:sp>
-      <p:sp>
-        <p:nvSpPr>
-          <p:cNvPr id="40963" name="Rectangle 3"/>
-          <p:cNvSpPr>
-            <a:spLocks noGrp="1" noChangeArrowheads="1"/>
-          </p:cNvSpPr>
-          <p:nvPr>
-            <p:ph type="body" idx="1"/>
-          </p:nvPr>
-        </p:nvSpPr>
-        <p:spPr>
-          <a:xfrm>
-            <a:off x="457200" y="1600200"/>
-            <a:ext cx="8229600" cy="3276600"/>
-          </a:xfrm>
-        </p:spPr>
-        <p:txBody>
-          <a:bodyPr/>
-          <a:lstStyle/>
-          <a:p>
-            <a:pPr eaLnBrk="1" hangingPunct="1">
-              <a:lnSpc>
-                <a:spcPct val="90000"/>
-              </a:lnSpc>
-              <a:spcBef>
-                <a:spcPct val="50000"/>
-              </a:spcBef>
-            </a:pPr>
-            <a:r>
-              <a:rPr lang="en-US" sz="2400" dirty="0" smtClean="0"/>
-              <a:t>Problem Set #0  </a:t>
-            </a:r>
-            <a:r>
-              <a:rPr lang="en-US" sz="2400" dirty="0" smtClean="0">
-                <a:sym typeface="Wingdings"/>
-              </a:rPr>
-              <a:t></a:t>
-            </a:r>
-            <a:endParaRPr lang="en-US" sz="2400" dirty="0" smtClean="0"/>
-          </a:p>
-          <a:p>
-            <a:pPr eaLnBrk="1" hangingPunct="1">
-              <a:lnSpc>
-                <a:spcPct val="90000"/>
-              </a:lnSpc>
-              <a:spcBef>
-                <a:spcPct val="50000"/>
-              </a:spcBef>
-            </a:pPr>
-            <a:r>
-              <a:rPr lang="en-US" sz="2400" dirty="0" smtClean="0"/>
-              <a:t>What’s happening?  </a:t>
-            </a:r>
-            <a:r>
-              <a:rPr lang="en-US" sz="2400" dirty="0" smtClean="0">
-                <a:sym typeface="Wingdings"/>
-              </a:rPr>
-              <a:t></a:t>
-            </a:r>
-            <a:endParaRPr lang="en-US" sz="2400" dirty="0" smtClean="0"/>
-          </a:p>
-          <a:p>
-            <a:pPr eaLnBrk="1" hangingPunct="1">
-              <a:lnSpc>
-                <a:spcPct val="90000"/>
-              </a:lnSpc>
-              <a:spcBef>
-                <a:spcPct val="50000"/>
-              </a:spcBef>
-            </a:pPr>
-            <a:r>
-              <a:rPr lang="en-US" sz="2400" dirty="0" smtClean="0"/>
-              <a:t>Saving and growth </a:t>
-            </a:r>
-          </a:p>
-          <a:p>
-            <a:pPr eaLnBrk="1" hangingPunct="1">
-              <a:lnSpc>
-                <a:spcPct val="90000"/>
-              </a:lnSpc>
-              <a:spcBef>
-                <a:spcPct val="50000"/>
-              </a:spcBef>
-            </a:pPr>
-            <a:r>
-              <a:rPr lang="en-US" sz="2400" dirty="0" smtClean="0"/>
-              <a:t>Solow’s model </a:t>
-            </a:r>
-          </a:p>
-          <a:p>
-            <a:pPr eaLnBrk="1" hangingPunct="1">
-              <a:lnSpc>
-                <a:spcPct val="90000"/>
-              </a:lnSpc>
-              <a:spcBef>
-                <a:spcPct val="50000"/>
-              </a:spcBef>
-            </a:pPr>
-            <a:r>
-              <a:rPr lang="en-US" sz="2400" dirty="0" smtClean="0"/>
-              <a:t>Does India need more saving?  </a:t>
-            </a:r>
-          </a:p>
-          <a:p>
-            <a:pPr eaLnBrk="1" hangingPunct="1">
-              <a:lnSpc>
-                <a:spcPct val="90000"/>
-              </a:lnSpc>
-              <a:spcBef>
-                <a:spcPct val="50000"/>
-              </a:spcBef>
-            </a:pPr>
-            <a:r>
-              <a:rPr lang="en-US" sz="2400" dirty="0" smtClean="0"/>
-              <a:t>China less?     </a:t>
-            </a:r>
-          </a:p>
-        </p:txBody>
-      </p:sp>
-      <p:sp>
-        <p:nvSpPr>
-          <p:cNvPr id="6" name="Slide Number Placeholder 5"/>
-          <p:cNvSpPr>
-            <a:spLocks noGrp="1"/>
-          </p:cNvSpPr>
-          <p:nvPr>
-            <p:ph type="sldNum" sz="quarter" idx="12"/>
-          </p:nvPr>
-        </p:nvSpPr>
-        <p:spPr/>
-        <p:txBody>
-          <a:bodyPr/>
-          <a:lstStyle/>
-          <a:p>
-            <a:pPr>
-              <a:defRPr/>
-            </a:pPr>
-            <a:fld id="{8617ACB6-EADE-4263-B932-20C3691C3C1F}" type="slidenum">
-              <a:rPr lang="en-US" smtClean="0"/>
-              <a:pPr>
-                <a:defRPr/>
-              </a:pPr>
-              <a:t>52</a:t>
-            </a:fld>
-            <a:endParaRPr lang="en-US"/>
-          </a:p>
-        </p:txBody>
-      </p:sp>
-    </p:spTree>
-  </p:cSld>
-  <p:clrMapOvr>
-    <a:masterClrMapping/>
-  </p:clrMapOvr>
-  <p:timing>
-    <p:tnLst>
-      <p:par>
-        <p:cTn id="1" dur="indefinite" restart="never" nodeType="tmRoot"/>
-      </p:par>
-    </p:tnLst>
-  </p:timing>
-</p:sld>
-</file>
-
-<file path=ppt/slides/slide53.xml><?xml version="1.0" encoding="utf-8"?>
-<p:sld xmlns:a="http://schemas.openxmlformats.org/drawingml/2006/main" xmlns:r="http://schemas.openxmlformats.org/officeDocument/2006/relationships" xmlns:p="http://schemas.openxmlformats.org/presentationml/2006/main">
-  <p:cSld>
-    <p:spTree>
-      <p:nvGrpSpPr>
-        <p:cNvPr id="1" name=""/>
-        <p:cNvGrpSpPr/>
-        <p:nvPr/>
-      </p:nvGrpSpPr>
-      <p:grpSpPr>
-        <a:xfrm>
-          <a:off x="0" y="0"/>
-          <a:ext cx="0" cy="0"/>
-          <a:chOff x="0" y="0"/>
-          <a:chExt cx="0" cy="0"/>
-        </a:xfrm>
-      </p:grpSpPr>
-      <p:sp>
-        <p:nvSpPr>
-          <p:cNvPr id="40962" name="Rectangle 2"/>
-          <p:cNvSpPr>
-            <a:spLocks noGrp="1" noChangeArrowheads="1"/>
-          </p:cNvSpPr>
-          <p:nvPr>
-            <p:ph type="title"/>
-          </p:nvPr>
-        </p:nvSpPr>
-        <p:spPr/>
-        <p:txBody>
-          <a:bodyPr/>
-          <a:lstStyle/>
-          <a:p>
-            <a:pPr algn="l" eaLnBrk="1" hangingPunct="1"/>
-            <a:r>
-              <a:rPr lang="en-US" dirty="0" smtClean="0"/>
-              <a:t>Saving and growth </a:t>
-            </a:r>
-          </a:p>
-        </p:txBody>
-      </p:sp>
-      <p:sp>
-        <p:nvSpPr>
-          <p:cNvPr id="40963" name="Rectangle 3"/>
-          <p:cNvSpPr>
-            <a:spLocks noGrp="1" noChangeArrowheads="1"/>
-          </p:cNvSpPr>
-          <p:nvPr>
-            <p:ph type="body" idx="1"/>
-          </p:nvPr>
-        </p:nvSpPr>
-        <p:spPr>
-          <a:xfrm>
-            <a:off x="457200" y="1600200"/>
-            <a:ext cx="8229600" cy="4343400"/>
-          </a:xfrm>
-        </p:spPr>
-        <p:txBody>
-          <a:bodyPr/>
-          <a:lstStyle/>
-          <a:p>
-            <a:pPr eaLnBrk="1" hangingPunct="1">
-              <a:lnSpc>
-                <a:spcPct val="90000"/>
-              </a:lnSpc>
-              <a:spcBef>
-                <a:spcPct val="50000"/>
-              </a:spcBef>
-            </a:pPr>
-            <a:r>
-              <a:rPr lang="en-US" sz="2400" dirty="0" smtClean="0"/>
-              <a:t>JFK in 1960, height of Cold War </a:t>
-            </a:r>
-          </a:p>
-          <a:p>
-            <a:pPr lvl="1" eaLnBrk="1" hangingPunct="1">
-              <a:lnSpc>
-                <a:spcPct val="90000"/>
-              </a:lnSpc>
-              <a:spcBef>
-                <a:spcPct val="50000"/>
-              </a:spcBef>
-            </a:pPr>
-            <a:r>
-              <a:rPr lang="en-US" sz="2000" dirty="0" smtClean="0"/>
-              <a:t>Rapid growth in USSR, also high saving and investment rates </a:t>
-            </a:r>
-          </a:p>
-          <a:p>
-            <a:pPr lvl="1" eaLnBrk="1" hangingPunct="1">
-              <a:lnSpc>
-                <a:spcPct val="90000"/>
-              </a:lnSpc>
-              <a:spcBef>
-                <a:spcPct val="50000"/>
-              </a:spcBef>
-            </a:pPr>
-            <a:r>
-              <a:rPr lang="en-US" sz="2000" dirty="0" smtClean="0"/>
-              <a:t>Cause and effect?  </a:t>
-            </a:r>
-          </a:p>
-          <a:p>
-            <a:pPr eaLnBrk="1" hangingPunct="1">
-              <a:lnSpc>
-                <a:spcPct val="90000"/>
-              </a:lnSpc>
-              <a:spcBef>
-                <a:spcPct val="50000"/>
-              </a:spcBef>
-            </a:pPr>
-            <a:r>
-              <a:rPr lang="en-US" sz="2400" dirty="0" smtClean="0"/>
-              <a:t>US analysts in 1985</a:t>
-            </a:r>
-          </a:p>
-          <a:p>
-            <a:pPr lvl="1" eaLnBrk="1" hangingPunct="1">
-              <a:lnSpc>
-                <a:spcPct val="90000"/>
-              </a:lnSpc>
-              <a:spcBef>
-                <a:spcPct val="50000"/>
-              </a:spcBef>
-            </a:pPr>
-            <a:r>
-              <a:rPr lang="en-US" sz="2000" dirty="0" smtClean="0"/>
-              <a:t>Rapid growth in Asian “tigers,” lots of saving  </a:t>
-            </a:r>
-          </a:p>
-          <a:p>
-            <a:pPr lvl="1" eaLnBrk="1" hangingPunct="1">
-              <a:lnSpc>
-                <a:spcPct val="90000"/>
-              </a:lnSpc>
-              <a:spcBef>
-                <a:spcPct val="50000"/>
-              </a:spcBef>
-            </a:pPr>
-            <a:r>
-              <a:rPr lang="en-US" sz="2000" dirty="0" smtClean="0"/>
-              <a:t>Cause and effect?  </a:t>
-            </a:r>
-            <a:endParaRPr lang="en-US" sz="1600" dirty="0" smtClean="0"/>
-          </a:p>
-          <a:p>
-            <a:pPr eaLnBrk="1" hangingPunct="1">
-              <a:lnSpc>
-                <a:spcPct val="90000"/>
-              </a:lnSpc>
-              <a:spcBef>
-                <a:spcPct val="50000"/>
-              </a:spcBef>
-            </a:pPr>
-            <a:r>
-              <a:rPr lang="en-US" sz="2400" dirty="0" smtClean="0"/>
-              <a:t>China in 2010</a:t>
-            </a:r>
-          </a:p>
-          <a:p>
-            <a:pPr lvl="1" eaLnBrk="1" hangingPunct="1">
-              <a:lnSpc>
-                <a:spcPct val="90000"/>
-              </a:lnSpc>
-              <a:spcBef>
-                <a:spcPct val="50000"/>
-              </a:spcBef>
-            </a:pPr>
-            <a:r>
-              <a:rPr lang="en-US" sz="2000" dirty="0" smtClean="0"/>
-              <a:t>Rapid growth, saving close to 50% of GDP </a:t>
-            </a:r>
-          </a:p>
-          <a:p>
-            <a:pPr lvl="1" eaLnBrk="1" hangingPunct="1">
-              <a:lnSpc>
-                <a:spcPct val="90000"/>
-              </a:lnSpc>
-              <a:spcBef>
-                <a:spcPct val="50000"/>
-              </a:spcBef>
-            </a:pPr>
-            <a:r>
-              <a:rPr lang="en-US" sz="2000" dirty="0" smtClean="0"/>
-              <a:t>Does India need to do the same?  </a:t>
-            </a:r>
-          </a:p>
-        </p:txBody>
-      </p:sp>
-      <p:sp>
-        <p:nvSpPr>
-          <p:cNvPr id="6" name="Slide Number Placeholder 5"/>
-          <p:cNvSpPr>
-            <a:spLocks noGrp="1"/>
-          </p:cNvSpPr>
-          <p:nvPr>
-            <p:ph type="sldNum" sz="quarter" idx="12"/>
-          </p:nvPr>
-        </p:nvSpPr>
-        <p:spPr/>
-        <p:txBody>
-          <a:bodyPr/>
-          <a:lstStyle/>
-          <a:p>
-            <a:pPr>
-              <a:defRPr/>
-            </a:pPr>
-            <a:fld id="{8617ACB6-EADE-4263-B932-20C3691C3C1F}" type="slidenum">
-              <a:rPr lang="en-US" smtClean="0"/>
-              <a:pPr>
-                <a:defRPr/>
-              </a:pPr>
-              <a:t>53</a:t>
-            </a:fld>
-            <a:endParaRPr lang="en-US"/>
-          </a:p>
-        </p:txBody>
-      </p:sp>
-    </p:spTree>
-    <p:extLst>
-      <p:ext uri="{BB962C8B-B14F-4D97-AF65-F5344CB8AC3E}">
-        <p14:creationId xmlns:p14="http://schemas.microsoft.com/office/powerpoint/2010/main" val="1021238362"/>
-      </p:ext>
-    </p:extLst>
-  </p:cSld>
-  <p:clrMapOvr>
-    <a:masterClrMapping/>
-  </p:clrMapOvr>
-  <p:timing>
-    <p:tnLst>
-      <p:par>
-        <p:cTn id="1" dur="indefinite" restart="never" nodeType="tmRoot"/>
-      </p:par>
-    </p:tnLst>
-  </p:timing>
-</p:sld>
-</file>
-
 <file path=ppt/slides/slide54.xml><?xml version="1.0" encoding="utf-8"?>
 <p:sld xmlns:a="http://schemas.openxmlformats.org/drawingml/2006/main" xmlns:r="http://schemas.openxmlformats.org/officeDocument/2006/relationships" xmlns:p="http://schemas.openxmlformats.org/presentationml/2006/main">
   <p:cSld>
@@ -31711,6 +31575,446 @@
             <a:pPr algn="l" eaLnBrk="1" hangingPunct="1"/>
             <a:r>
               <a:rPr lang="en-US" dirty="0" smtClean="0"/>
+              <a:t>Roadmap </a:t>
+            </a:r>
+          </a:p>
+        </p:txBody>
+      </p:sp>
+      <p:sp>
+        <p:nvSpPr>
+          <p:cNvPr id="40963" name="Rectangle 3"/>
+          <p:cNvSpPr>
+            <a:spLocks noGrp="1" noChangeArrowheads="1"/>
+          </p:cNvSpPr>
+          <p:nvPr>
+            <p:ph type="body" idx="1"/>
+          </p:nvPr>
+        </p:nvSpPr>
+        <p:spPr>
+          <a:xfrm>
+            <a:off x="457200" y="1600200"/>
+            <a:ext cx="8229600" cy="3276600"/>
+          </a:xfrm>
+        </p:spPr>
+        <p:txBody>
+          <a:bodyPr/>
+          <a:lstStyle/>
+          <a:p>
+            <a:pPr eaLnBrk="1" hangingPunct="1">
+              <a:lnSpc>
+                <a:spcPct val="90000"/>
+              </a:lnSpc>
+              <a:spcBef>
+                <a:spcPct val="50000"/>
+              </a:spcBef>
+            </a:pPr>
+            <a:r>
+              <a:rPr lang="en-US" sz="2400" dirty="0" smtClean="0"/>
+              <a:t>Problem Set #0  </a:t>
+            </a:r>
+            <a:r>
+              <a:rPr lang="en-US" sz="2400" dirty="0" smtClean="0">
+                <a:sym typeface="Wingdings"/>
+              </a:rPr>
+              <a:t></a:t>
+            </a:r>
+            <a:endParaRPr lang="en-US" sz="2400" dirty="0" smtClean="0"/>
+          </a:p>
+          <a:p>
+            <a:pPr eaLnBrk="1" hangingPunct="1">
+              <a:lnSpc>
+                <a:spcPct val="90000"/>
+              </a:lnSpc>
+              <a:spcBef>
+                <a:spcPct val="50000"/>
+              </a:spcBef>
+            </a:pPr>
+            <a:r>
+              <a:rPr lang="en-US" sz="2400" dirty="0" smtClean="0"/>
+              <a:t>What’s happening?  </a:t>
+            </a:r>
+            <a:r>
+              <a:rPr lang="en-US" sz="2400" dirty="0" smtClean="0">
+                <a:sym typeface="Wingdings"/>
+              </a:rPr>
+              <a:t></a:t>
+            </a:r>
+            <a:endParaRPr lang="en-US" sz="2400" dirty="0" smtClean="0"/>
+          </a:p>
+          <a:p>
+            <a:pPr eaLnBrk="1" hangingPunct="1">
+              <a:lnSpc>
+                <a:spcPct val="90000"/>
+              </a:lnSpc>
+              <a:spcBef>
+                <a:spcPct val="50000"/>
+              </a:spcBef>
+            </a:pPr>
+            <a:r>
+              <a:rPr lang="en-US" sz="2400" dirty="0" smtClean="0"/>
+              <a:t>Saving and growth </a:t>
+            </a:r>
+          </a:p>
+          <a:p>
+            <a:pPr eaLnBrk="1" hangingPunct="1">
+              <a:lnSpc>
+                <a:spcPct val="90000"/>
+              </a:lnSpc>
+              <a:spcBef>
+                <a:spcPct val="50000"/>
+              </a:spcBef>
+            </a:pPr>
+            <a:r>
+              <a:rPr lang="en-US" sz="2400" dirty="0" smtClean="0"/>
+              <a:t>Solow’s model </a:t>
+            </a:r>
+          </a:p>
+          <a:p>
+            <a:pPr eaLnBrk="1" hangingPunct="1">
+              <a:lnSpc>
+                <a:spcPct val="90000"/>
+              </a:lnSpc>
+              <a:spcBef>
+                <a:spcPct val="50000"/>
+              </a:spcBef>
+            </a:pPr>
+            <a:r>
+              <a:rPr lang="en-US" sz="2400" dirty="0" smtClean="0"/>
+              <a:t>Does India need more saving?  </a:t>
+            </a:r>
+          </a:p>
+          <a:p>
+            <a:pPr eaLnBrk="1" hangingPunct="1">
+              <a:lnSpc>
+                <a:spcPct val="90000"/>
+              </a:lnSpc>
+              <a:spcBef>
+                <a:spcPct val="50000"/>
+              </a:spcBef>
+            </a:pPr>
+            <a:r>
+              <a:rPr lang="en-US" sz="2400" dirty="0" smtClean="0"/>
+              <a:t>China less?     </a:t>
+            </a:r>
+          </a:p>
+        </p:txBody>
+      </p:sp>
+      <p:sp>
+        <p:nvSpPr>
+          <p:cNvPr id="6" name="Slide Number Placeholder 5"/>
+          <p:cNvSpPr>
+            <a:spLocks noGrp="1"/>
+          </p:cNvSpPr>
+          <p:nvPr>
+            <p:ph type="sldNum" sz="quarter" idx="12"/>
+          </p:nvPr>
+        </p:nvSpPr>
+        <p:spPr/>
+        <p:txBody>
+          <a:bodyPr/>
+          <a:lstStyle/>
+          <a:p>
+            <a:pPr>
+              <a:defRPr/>
+            </a:pPr>
+            <a:fld id="{8617ACB6-EADE-4263-B932-20C3691C3C1F}" type="slidenum">
+              <a:rPr lang="en-US" smtClean="0"/>
+              <a:pPr>
+                <a:defRPr/>
+              </a:pPr>
+              <a:t>54</a:t>
+            </a:fld>
+            <a:endParaRPr lang="en-US"/>
+          </a:p>
+        </p:txBody>
+      </p:sp>
+    </p:spTree>
+  </p:cSld>
+  <p:clrMapOvr>
+    <a:masterClrMapping/>
+  </p:clrMapOvr>
+  <p:timing>
+    <p:tnLst>
+      <p:par>
+        <p:cTn id="1" dur="indefinite" restart="never" nodeType="tmRoot"/>
+      </p:par>
+    </p:tnLst>
+  </p:timing>
+</p:sld>
+</file>
+
+<file path=ppt/slides/slide55.xml><?xml version="1.0" encoding="utf-8"?>
+<p:sld xmlns:a="http://schemas.openxmlformats.org/drawingml/2006/main" xmlns:r="http://schemas.openxmlformats.org/officeDocument/2006/relationships" xmlns:p="http://schemas.openxmlformats.org/presentationml/2006/main">
+  <p:cSld>
+    <p:spTree>
+      <p:nvGrpSpPr>
+        <p:cNvPr id="1" name=""/>
+        <p:cNvGrpSpPr/>
+        <p:nvPr/>
+      </p:nvGrpSpPr>
+      <p:grpSpPr>
+        <a:xfrm>
+          <a:off x="0" y="0"/>
+          <a:ext cx="0" cy="0"/>
+          <a:chOff x="0" y="0"/>
+          <a:chExt cx="0" cy="0"/>
+        </a:xfrm>
+      </p:grpSpPr>
+      <p:sp>
+        <p:nvSpPr>
+          <p:cNvPr id="40962" name="Rectangle 2"/>
+          <p:cNvSpPr>
+            <a:spLocks noGrp="1" noChangeArrowheads="1"/>
+          </p:cNvSpPr>
+          <p:nvPr>
+            <p:ph type="title"/>
+          </p:nvPr>
+        </p:nvSpPr>
+        <p:spPr/>
+        <p:txBody>
+          <a:bodyPr/>
+          <a:lstStyle/>
+          <a:p>
+            <a:pPr algn="l" eaLnBrk="1" hangingPunct="1"/>
+            <a:r>
+              <a:rPr lang="en-US" dirty="0" smtClean="0"/>
+              <a:t>Saving and growth </a:t>
+            </a:r>
+          </a:p>
+        </p:txBody>
+      </p:sp>
+      <p:sp>
+        <p:nvSpPr>
+          <p:cNvPr id="40963" name="Rectangle 3"/>
+          <p:cNvSpPr>
+            <a:spLocks noGrp="1" noChangeArrowheads="1"/>
+          </p:cNvSpPr>
+          <p:nvPr>
+            <p:ph type="body" idx="1"/>
+          </p:nvPr>
+        </p:nvSpPr>
+        <p:spPr>
+          <a:xfrm>
+            <a:off x="457200" y="1600200"/>
+            <a:ext cx="8229600" cy="4343400"/>
+          </a:xfrm>
+        </p:spPr>
+        <p:txBody>
+          <a:bodyPr/>
+          <a:lstStyle/>
+          <a:p>
+            <a:pPr eaLnBrk="1" hangingPunct="1">
+              <a:lnSpc>
+                <a:spcPct val="90000"/>
+              </a:lnSpc>
+              <a:spcBef>
+                <a:spcPct val="50000"/>
+              </a:spcBef>
+            </a:pPr>
+            <a:r>
+              <a:rPr lang="en-US" sz="2400" dirty="0" smtClean="0"/>
+              <a:t>JFK in 1960, height of Cold War </a:t>
+            </a:r>
+          </a:p>
+          <a:p>
+            <a:pPr lvl="1" eaLnBrk="1" hangingPunct="1">
+              <a:lnSpc>
+                <a:spcPct val="90000"/>
+              </a:lnSpc>
+              <a:spcBef>
+                <a:spcPct val="50000"/>
+              </a:spcBef>
+            </a:pPr>
+            <a:r>
+              <a:rPr lang="en-US" sz="2000" dirty="0" smtClean="0"/>
+              <a:t>Rapid growth in USSR, also high saving and investment rates </a:t>
+            </a:r>
+          </a:p>
+          <a:p>
+            <a:pPr lvl="1" eaLnBrk="1" hangingPunct="1">
+              <a:lnSpc>
+                <a:spcPct val="90000"/>
+              </a:lnSpc>
+              <a:spcBef>
+                <a:spcPct val="50000"/>
+              </a:spcBef>
+            </a:pPr>
+            <a:r>
+              <a:rPr lang="en-US" sz="2000" dirty="0" smtClean="0"/>
+              <a:t>Cause and effect?  </a:t>
+            </a:r>
+          </a:p>
+          <a:p>
+            <a:pPr eaLnBrk="1" hangingPunct="1">
+              <a:lnSpc>
+                <a:spcPct val="90000"/>
+              </a:lnSpc>
+              <a:spcBef>
+                <a:spcPct val="50000"/>
+              </a:spcBef>
+            </a:pPr>
+            <a:r>
+              <a:rPr lang="en-US" sz="2400" dirty="0" smtClean="0"/>
+              <a:t>US analysts in 1985</a:t>
+            </a:r>
+          </a:p>
+          <a:p>
+            <a:pPr lvl="1" eaLnBrk="1" hangingPunct="1">
+              <a:lnSpc>
+                <a:spcPct val="90000"/>
+              </a:lnSpc>
+              <a:spcBef>
+                <a:spcPct val="50000"/>
+              </a:spcBef>
+            </a:pPr>
+            <a:r>
+              <a:rPr lang="en-US" sz="2000" dirty="0" smtClean="0"/>
+              <a:t>Rapid growth in Asian “tigers,” lots of saving  </a:t>
+            </a:r>
+          </a:p>
+          <a:p>
+            <a:pPr lvl="1" eaLnBrk="1" hangingPunct="1">
+              <a:lnSpc>
+                <a:spcPct val="90000"/>
+              </a:lnSpc>
+              <a:spcBef>
+                <a:spcPct val="50000"/>
+              </a:spcBef>
+            </a:pPr>
+            <a:r>
+              <a:rPr lang="en-US" sz="2000" dirty="0" smtClean="0"/>
+              <a:t>Cause and effect?  </a:t>
+            </a:r>
+            <a:endParaRPr lang="en-US" sz="1600" dirty="0" smtClean="0"/>
+          </a:p>
+          <a:p>
+            <a:pPr eaLnBrk="1" hangingPunct="1">
+              <a:lnSpc>
+                <a:spcPct val="90000"/>
+              </a:lnSpc>
+              <a:spcBef>
+                <a:spcPct val="50000"/>
+              </a:spcBef>
+            </a:pPr>
+            <a:r>
+              <a:rPr lang="en-US" sz="2400" dirty="0" smtClean="0"/>
+              <a:t>China in 2010</a:t>
+            </a:r>
+          </a:p>
+          <a:p>
+            <a:pPr lvl="1" eaLnBrk="1" hangingPunct="1">
+              <a:lnSpc>
+                <a:spcPct val="90000"/>
+              </a:lnSpc>
+              <a:spcBef>
+                <a:spcPct val="50000"/>
+              </a:spcBef>
+            </a:pPr>
+            <a:r>
+              <a:rPr lang="en-US" sz="2000" dirty="0" smtClean="0"/>
+              <a:t>Rapid growth, saving close to 50% of GDP </a:t>
+            </a:r>
+          </a:p>
+          <a:p>
+            <a:pPr lvl="1" eaLnBrk="1" hangingPunct="1">
+              <a:lnSpc>
+                <a:spcPct val="90000"/>
+              </a:lnSpc>
+              <a:spcBef>
+                <a:spcPct val="50000"/>
+              </a:spcBef>
+            </a:pPr>
+            <a:r>
+              <a:rPr lang="en-US" sz="2000" dirty="0" smtClean="0"/>
+              <a:t>Does India need to do the same?  </a:t>
+            </a:r>
+          </a:p>
+        </p:txBody>
+      </p:sp>
+      <p:sp>
+        <p:nvSpPr>
+          <p:cNvPr id="6" name="Slide Number Placeholder 5"/>
+          <p:cNvSpPr>
+            <a:spLocks noGrp="1"/>
+          </p:cNvSpPr>
+          <p:nvPr>
+            <p:ph type="sldNum" sz="quarter" idx="12"/>
+          </p:nvPr>
+        </p:nvSpPr>
+        <p:spPr/>
+        <p:txBody>
+          <a:bodyPr/>
+          <a:lstStyle/>
+          <a:p>
+            <a:pPr>
+              <a:defRPr/>
+            </a:pPr>
+            <a:fld id="{8617ACB6-EADE-4263-B932-20C3691C3C1F}" type="slidenum">
+              <a:rPr lang="en-US" smtClean="0"/>
+              <a:pPr>
+                <a:defRPr/>
+              </a:pPr>
+              <a:t>55</a:t>
+            </a:fld>
+            <a:endParaRPr lang="en-US"/>
+          </a:p>
+        </p:txBody>
+      </p:sp>
+    </p:spTree>
+    <p:extLst>
+      <p:ext uri="{BB962C8B-B14F-4D97-AF65-F5344CB8AC3E}">
+        <p14:creationId xmlns:p14="http://schemas.microsoft.com/office/powerpoint/2010/main" val="1021238362"/>
+      </p:ext>
+    </p:extLst>
+  </p:cSld>
+  <p:clrMapOvr>
+    <a:masterClrMapping/>
+  </p:clrMapOvr>
+  <p:timing>
+    <p:tnLst>
+      <p:par>
+        <p:cTn id="1" dur="indefinite" restart="never" nodeType="tmRoot"/>
+      </p:par>
+    </p:tnLst>
+  </p:timing>
+</p:sld>
+</file>
+
+<file path=ppt/slides/slide56.xml><?xml version="1.0" encoding="utf-8"?>
+<p:sld xmlns:a="http://schemas.openxmlformats.org/drawingml/2006/main" xmlns:r="http://schemas.openxmlformats.org/officeDocument/2006/relationships" xmlns:p="http://schemas.openxmlformats.org/presentationml/2006/main">
+  <p:cSld>
+    <p:spTree>
+      <p:nvGrpSpPr>
+        <p:cNvPr id="1" name=""/>
+        <p:cNvGrpSpPr/>
+        <p:nvPr/>
+      </p:nvGrpSpPr>
+      <p:grpSpPr>
+        <a:xfrm>
+          <a:off x="0" y="0"/>
+          <a:ext cx="0" cy="0"/>
+          <a:chOff x="0" y="0"/>
+          <a:chExt cx="0" cy="0"/>
+        </a:xfrm>
+      </p:grpSpPr>
+      <p:sp>
+        <p:nvSpPr>
+          <p:cNvPr id="40962" name="Rectangle 2"/>
+          <p:cNvSpPr>
+            <a:spLocks noGrp="1" noChangeArrowheads="1"/>
+          </p:cNvSpPr>
+          <p:nvPr>
+            <p:ph type="title"/>
+          </p:nvPr>
+        </p:nvSpPr>
+        <p:spPr/>
+        <p:txBody>
+          <a:bodyPr/>
+          <a:lstStyle/>
+          <a:p>
+            <a:pPr algn="l" eaLnBrk="1" hangingPunct="1"/>
+            <a:r>
+              <a:rPr lang="en-US" dirty="0" smtClean="0"/>
               <a:t>Saving and growth </a:t>
             </a:r>
           </a:p>
@@ -31788,7 +32092,7 @@
               <a:pPr>
                 <a:defRPr/>
               </a:pPr>
-              <a:t>54</a:t>
+              <a:t>56</a:t>
             </a:fld>
             <a:endParaRPr lang="en-US"/>
           </a:p>
@@ -31809,7 +32113,7 @@
 </p:sld>
 </file>
 
-<file path=ppt/slides/slide55.xml><?xml version="1.0" encoding="utf-8"?>
+<file path=ppt/slides/slide57.xml><?xml version="1.0" encoding="utf-8"?>
 <p:sld xmlns:a="http://schemas.openxmlformats.org/drawingml/2006/main" xmlns:r="http://schemas.openxmlformats.org/officeDocument/2006/relationships" xmlns:p="http://schemas.openxmlformats.org/presentationml/2006/main">
   <p:cSld>
     <p:spTree>
@@ -32462,7 +32766,7 @@
               <a:pPr>
                 <a:defRPr/>
               </a:pPr>
-              <a:t>55</a:t>
+              <a:t>57</a:t>
             </a:fld>
             <a:endParaRPr lang="en-US"/>
           </a:p>
@@ -32608,7 +32912,7 @@
 </p:sld>
 </file>
 
-<file path=ppt/slides/slide56.xml><?xml version="1.0" encoding="utf-8"?>
+<file path=ppt/slides/slide58.xml><?xml version="1.0" encoding="utf-8"?>
 <p:sld xmlns:a="http://schemas.openxmlformats.org/drawingml/2006/main" xmlns:r="http://schemas.openxmlformats.org/officeDocument/2006/relationships" xmlns:p="http://schemas.openxmlformats.org/presentationml/2006/main">
   <p:cSld>
     <p:spTree>
@@ -32667,494 +32971,6 @@
               <a:defRPr/>
             </a:pPr>
             <a:fld id="{A0CE64D5-222C-4CFA-AFD3-A2848F192F39}" type="slidenum">
-              <a:rPr lang="en-US" smtClean="0"/>
-              <a:pPr>
-                <a:defRPr/>
-              </a:pPr>
-              <a:t>56</a:t>
-            </a:fld>
-            <a:endParaRPr lang="en-US"/>
-          </a:p>
-        </p:txBody>
-      </p:sp>
-    </p:spTree>
-  </p:cSld>
-  <p:clrMapOvr>
-    <a:masterClrMapping/>
-  </p:clrMapOvr>
-  <p:timing>
-    <p:tnLst>
-      <p:par>
-        <p:cTn id="1" dur="indefinite" restart="never" nodeType="tmRoot"/>
-      </p:par>
-    </p:tnLst>
-  </p:timing>
-</p:sld>
-</file>
-
-<file path=ppt/slides/slide57.xml><?xml version="1.0" encoding="utf-8"?>
-<p:sld xmlns:a="http://schemas.openxmlformats.org/drawingml/2006/main" xmlns:r="http://schemas.openxmlformats.org/officeDocument/2006/relationships" xmlns:p="http://schemas.openxmlformats.org/presentationml/2006/main">
-  <p:cSld>
-    <p:spTree>
-      <p:nvGrpSpPr>
-        <p:cNvPr id="1" name=""/>
-        <p:cNvGrpSpPr/>
-        <p:nvPr/>
-      </p:nvGrpSpPr>
-      <p:grpSpPr>
-        <a:xfrm>
-          <a:off x="0" y="0"/>
-          <a:ext cx="0" cy="0"/>
-          <a:chOff x="0" y="0"/>
-          <a:chExt cx="0" cy="0"/>
-        </a:xfrm>
-      </p:grpSpPr>
-      <p:sp>
-        <p:nvSpPr>
-          <p:cNvPr id="40962" name="Rectangle 2"/>
-          <p:cNvSpPr>
-            <a:spLocks noGrp="1" noChangeArrowheads="1"/>
-          </p:cNvSpPr>
-          <p:nvPr>
-            <p:ph type="title"/>
-          </p:nvPr>
-        </p:nvSpPr>
-        <p:spPr/>
-        <p:txBody>
-          <a:bodyPr/>
-          <a:lstStyle/>
-          <a:p>
-            <a:pPr algn="l" eaLnBrk="1" hangingPunct="1"/>
-            <a:r>
-              <a:rPr lang="en-US" dirty="0" smtClean="0"/>
-              <a:t>Solow model  </a:t>
-            </a:r>
-          </a:p>
-        </p:txBody>
-      </p:sp>
-      <p:sp>
-        <p:nvSpPr>
-          <p:cNvPr id="40963" name="Rectangle 3"/>
-          <p:cNvSpPr>
-            <a:spLocks noGrp="1" noChangeArrowheads="1"/>
-          </p:cNvSpPr>
-          <p:nvPr>
-            <p:ph type="body" idx="1"/>
-          </p:nvPr>
-        </p:nvSpPr>
-        <p:spPr>
-          <a:xfrm>
-            <a:off x="457200" y="1600200"/>
-            <a:ext cx="8229600" cy="2743200"/>
-          </a:xfrm>
-        </p:spPr>
-        <p:txBody>
-          <a:bodyPr/>
-          <a:lstStyle/>
-          <a:p>
-            <a:pPr eaLnBrk="1" hangingPunct="1">
-              <a:lnSpc>
-                <a:spcPct val="90000"/>
-              </a:lnSpc>
-              <a:spcBef>
-                <a:spcPct val="50000"/>
-              </a:spcBef>
-              <a:spcAft>
-                <a:spcPts val="600"/>
-              </a:spcAft>
-            </a:pPr>
-            <a:r>
-              <a:rPr lang="en-US" sz="2400" dirty="0" smtClean="0"/>
-              <a:t>How it works </a:t>
-            </a:r>
-          </a:p>
-          <a:p>
-            <a:pPr lvl="1" eaLnBrk="1" hangingPunct="1">
-              <a:lnSpc>
-                <a:spcPct val="90000"/>
-              </a:lnSpc>
-              <a:spcBef>
-                <a:spcPts val="1200"/>
-              </a:spcBef>
-            </a:pPr>
-            <a:r>
-              <a:rPr lang="en-US" sz="2000" dirty="0" smtClean="0"/>
-              <a:t>Saving finances capital accumulation</a:t>
-            </a:r>
-          </a:p>
-          <a:p>
-            <a:pPr lvl="1" eaLnBrk="1" hangingPunct="1">
-              <a:lnSpc>
-                <a:spcPct val="90000"/>
-              </a:lnSpc>
-              <a:spcBef>
-                <a:spcPts val="1200"/>
-              </a:spcBef>
-            </a:pPr>
-            <a:r>
-              <a:rPr lang="en-US" sz="2000" dirty="0" smtClean="0"/>
-              <a:t>More capital leads to greater output </a:t>
-            </a:r>
-          </a:p>
-          <a:p>
-            <a:pPr lvl="1" eaLnBrk="1" hangingPunct="1">
-              <a:lnSpc>
-                <a:spcPct val="90000"/>
-              </a:lnSpc>
-              <a:spcBef>
-                <a:spcPts val="1200"/>
-              </a:spcBef>
-            </a:pPr>
-            <a:r>
-              <a:rPr lang="en-US" sz="2000" dirty="0" smtClean="0"/>
-              <a:t>Impact eventually tails off:  diminishing marginal product of capital </a:t>
-            </a:r>
-          </a:p>
-        </p:txBody>
-      </p:sp>
-      <p:sp>
-        <p:nvSpPr>
-          <p:cNvPr id="6" name="Slide Number Placeholder 5"/>
-          <p:cNvSpPr>
-            <a:spLocks noGrp="1"/>
-          </p:cNvSpPr>
-          <p:nvPr>
-            <p:ph type="sldNum" sz="quarter" idx="12"/>
-          </p:nvPr>
-        </p:nvSpPr>
-        <p:spPr/>
-        <p:txBody>
-          <a:bodyPr/>
-          <a:lstStyle/>
-          <a:p>
-            <a:pPr>
-              <a:defRPr/>
-            </a:pPr>
-            <a:fld id="{8617ACB6-EADE-4263-B932-20C3691C3C1F}" type="slidenum">
-              <a:rPr lang="en-US" smtClean="0"/>
-              <a:pPr>
-                <a:defRPr/>
-              </a:pPr>
-              <a:t>57</a:t>
-            </a:fld>
-            <a:endParaRPr lang="en-US"/>
-          </a:p>
-        </p:txBody>
-      </p:sp>
-    </p:spTree>
-  </p:cSld>
-  <p:clrMapOvr>
-    <a:masterClrMapping/>
-  </p:clrMapOvr>
-  <p:timing>
-    <p:tnLst>
-      <p:par>
-        <p:cTn id="1" dur="indefinite" restart="never" nodeType="tmRoot"/>
-      </p:par>
-    </p:tnLst>
-  </p:timing>
-</p:sld>
-</file>
-
-<file path=ppt/slides/slide58.xml><?xml version="1.0" encoding="utf-8"?>
-<p:sld xmlns:a="http://schemas.openxmlformats.org/drawingml/2006/main" xmlns:r="http://schemas.openxmlformats.org/officeDocument/2006/relationships" xmlns:p="http://schemas.openxmlformats.org/presentationml/2006/main">
-  <p:cSld>
-    <p:spTree>
-      <p:nvGrpSpPr>
-        <p:cNvPr id="1" name=""/>
-        <p:cNvGrpSpPr/>
-        <p:nvPr/>
-      </p:nvGrpSpPr>
-      <p:grpSpPr>
-        <a:xfrm>
-          <a:off x="0" y="0"/>
-          <a:ext cx="0" cy="0"/>
-          <a:chOff x="0" y="0"/>
-          <a:chExt cx="0" cy="0"/>
-        </a:xfrm>
-      </p:grpSpPr>
-      <p:sp>
-        <p:nvSpPr>
-          <p:cNvPr id="40962" name="Rectangle 2"/>
-          <p:cNvSpPr>
-            <a:spLocks noGrp="1" noChangeArrowheads="1"/>
-          </p:cNvSpPr>
-          <p:nvPr>
-            <p:ph type="title"/>
-          </p:nvPr>
-        </p:nvSpPr>
-        <p:spPr/>
-        <p:txBody>
-          <a:bodyPr/>
-          <a:lstStyle/>
-          <a:p>
-            <a:pPr algn="l" eaLnBrk="1" hangingPunct="1"/>
-            <a:r>
-              <a:rPr lang="en-US" dirty="0" smtClean="0"/>
-              <a:t>Solow model:  equations 	  </a:t>
-            </a:r>
-          </a:p>
-        </p:txBody>
-      </p:sp>
-      <p:sp>
-        <p:nvSpPr>
-          <p:cNvPr id="40963" name="Rectangle 3"/>
-          <p:cNvSpPr>
-            <a:spLocks noGrp="1" noChangeArrowheads="1"/>
-          </p:cNvSpPr>
-          <p:nvPr>
-            <p:ph type="body" idx="1"/>
-          </p:nvPr>
-        </p:nvSpPr>
-        <p:spPr>
-          <a:xfrm>
-            <a:off x="457200" y="1600200"/>
-            <a:ext cx="8229600" cy="2743200"/>
-          </a:xfrm>
-        </p:spPr>
-        <p:txBody>
-          <a:bodyPr/>
-          <a:lstStyle/>
-          <a:p>
-            <a:pPr>
-              <a:lnSpc>
-                <a:spcPct val="90000"/>
-              </a:lnSpc>
-              <a:spcBef>
-                <a:spcPct val="50000"/>
-              </a:spcBef>
-            </a:pPr>
-            <a:r>
-              <a:rPr lang="en-US" sz="2400" dirty="0" smtClean="0"/>
-              <a:t>Production function:</a:t>
-            </a:r>
-          </a:p>
-          <a:p>
-            <a:pPr algn="ctr">
-              <a:lnSpc>
-                <a:spcPct val="90000"/>
-              </a:lnSpc>
-              <a:spcBef>
-                <a:spcPct val="50000"/>
-              </a:spcBef>
-              <a:buFontTx/>
-              <a:buNone/>
-            </a:pPr>
-            <a:r>
-              <a:rPr lang="en-US" sz="2400" dirty="0" smtClean="0"/>
-              <a:t>Y  =  A K</a:t>
-            </a:r>
-            <a:r>
-              <a:rPr lang="el-GR" sz="2400" baseline="30000" dirty="0" smtClean="0">
-                <a:cs typeface="Times New Roman" pitchFamily="18" charset="0"/>
-              </a:rPr>
-              <a:t>α</a:t>
-            </a:r>
-            <a:r>
-              <a:rPr lang="en-US" sz="2400" baseline="30000" dirty="0" smtClean="0">
-                <a:cs typeface="Times New Roman" pitchFamily="18" charset="0"/>
-              </a:rPr>
-              <a:t> </a:t>
-            </a:r>
-            <a:r>
-              <a:rPr lang="en-US" sz="2400" dirty="0" smtClean="0">
-                <a:cs typeface="Times New Roman" pitchFamily="18" charset="0"/>
-              </a:rPr>
-              <a:t>L</a:t>
-            </a:r>
-            <a:r>
-              <a:rPr lang="en-US" sz="2400" baseline="30000" dirty="0" smtClean="0">
-                <a:cs typeface="Times New Roman" pitchFamily="18" charset="0"/>
-              </a:rPr>
-              <a:t>1-</a:t>
-            </a:r>
-            <a:r>
-              <a:rPr lang="el-GR" sz="2400" baseline="30000" dirty="0" smtClean="0">
-                <a:cs typeface="Times New Roman" pitchFamily="18" charset="0"/>
-              </a:rPr>
-              <a:t>α</a:t>
-            </a:r>
-            <a:r>
-              <a:rPr lang="en-US" sz="2400" baseline="30000" dirty="0" smtClean="0">
-                <a:cs typeface="Times New Roman" pitchFamily="18" charset="0"/>
-              </a:rPr>
-              <a:t> </a:t>
-            </a:r>
-            <a:r>
-              <a:rPr lang="en-US" sz="2400" dirty="0" smtClean="0">
-                <a:cs typeface="Times New Roman" pitchFamily="18" charset="0"/>
-              </a:rPr>
-              <a:t> </a:t>
-            </a:r>
-          </a:p>
-          <a:p>
-            <a:pPr>
-              <a:lnSpc>
-                <a:spcPct val="90000"/>
-              </a:lnSpc>
-              <a:spcBef>
-                <a:spcPct val="50000"/>
-              </a:spcBef>
-            </a:pPr>
-            <a:r>
-              <a:rPr lang="en-US" sz="2400" dirty="0" smtClean="0"/>
-              <a:t>Flow identity:</a:t>
-            </a:r>
-          </a:p>
-          <a:p>
-            <a:pPr algn="ctr">
-              <a:lnSpc>
-                <a:spcPct val="90000"/>
-              </a:lnSpc>
-              <a:spcBef>
-                <a:spcPct val="50000"/>
-              </a:spcBef>
-              <a:buFontTx/>
-              <a:buNone/>
-            </a:pPr>
-            <a:r>
-              <a:rPr lang="en-US" sz="2400" dirty="0" smtClean="0">
-                <a:cs typeface="Times New Roman" pitchFamily="18" charset="0"/>
-              </a:rPr>
-              <a:t>S  =  I</a:t>
-            </a:r>
-            <a:endParaRPr lang="en-US" sz="2400" dirty="0" smtClean="0"/>
-          </a:p>
-          <a:p>
-            <a:pPr>
-              <a:lnSpc>
-                <a:spcPct val="90000"/>
-              </a:lnSpc>
-              <a:spcBef>
-                <a:spcPct val="50000"/>
-              </a:spcBef>
-            </a:pPr>
-            <a:r>
-              <a:rPr lang="en-US" sz="2400" dirty="0" smtClean="0"/>
-              <a:t>Saving: </a:t>
-            </a:r>
-          </a:p>
-          <a:p>
-            <a:pPr algn="ctr">
-              <a:lnSpc>
-                <a:spcPct val="90000"/>
-              </a:lnSpc>
-              <a:spcBef>
-                <a:spcPct val="50000"/>
-              </a:spcBef>
-              <a:buFontTx/>
-              <a:buNone/>
-            </a:pPr>
-            <a:r>
-              <a:rPr lang="en-US" sz="2400" dirty="0" smtClean="0"/>
-              <a:t>S  =  </a:t>
-            </a:r>
-            <a:r>
-              <a:rPr lang="en-US" sz="2400" dirty="0" err="1" smtClean="0"/>
-              <a:t>sY</a:t>
-            </a:r>
-            <a:r>
-              <a:rPr lang="en-US" sz="2400" dirty="0" smtClean="0"/>
-              <a:t> </a:t>
-            </a:r>
-          </a:p>
-          <a:p>
-            <a:pPr>
-              <a:lnSpc>
-                <a:spcPct val="90000"/>
-              </a:lnSpc>
-              <a:spcBef>
-                <a:spcPct val="50000"/>
-              </a:spcBef>
-            </a:pPr>
-            <a:r>
-              <a:rPr lang="en-US" sz="2400" dirty="0" smtClean="0"/>
-              <a:t>Capital stock:   </a:t>
-            </a:r>
-          </a:p>
-          <a:p>
-            <a:pPr algn="ctr">
-              <a:lnSpc>
-                <a:spcPct val="90000"/>
-              </a:lnSpc>
-              <a:spcBef>
-                <a:spcPct val="50000"/>
-              </a:spcBef>
-              <a:buFontTx/>
-              <a:buNone/>
-            </a:pPr>
-            <a:r>
-              <a:rPr lang="en-US" sz="2400" dirty="0" smtClean="0">
-                <a:cs typeface="Times New Roman" pitchFamily="18" charset="0"/>
-              </a:rPr>
-              <a:t>K</a:t>
-            </a:r>
-            <a:r>
-              <a:rPr lang="en-US" sz="2400" baseline="-25000" dirty="0" smtClean="0">
-                <a:cs typeface="Times New Roman" pitchFamily="18" charset="0"/>
-              </a:rPr>
-              <a:t>t+1</a:t>
-            </a:r>
-            <a:r>
-              <a:rPr lang="en-US" sz="2400" dirty="0" smtClean="0">
-                <a:cs typeface="Times New Roman" pitchFamily="18" charset="0"/>
-              </a:rPr>
-              <a:t> – K</a:t>
-            </a:r>
-            <a:r>
-              <a:rPr lang="en-US" sz="2400" baseline="-25000" dirty="0" smtClean="0">
-                <a:cs typeface="Times New Roman" pitchFamily="18" charset="0"/>
-              </a:rPr>
-              <a:t>t</a:t>
-            </a:r>
-            <a:r>
-              <a:rPr lang="en-US" sz="2400" dirty="0" smtClean="0">
-                <a:cs typeface="Times New Roman" pitchFamily="18" charset="0"/>
-              </a:rPr>
-              <a:t>  =  </a:t>
-            </a:r>
-            <a:r>
-              <a:rPr lang="el-GR" sz="2400" dirty="0" smtClean="0">
-                <a:cs typeface="Times New Roman" pitchFamily="18" charset="0"/>
-              </a:rPr>
-              <a:t>Δ</a:t>
-            </a:r>
-            <a:r>
-              <a:rPr lang="en-US" sz="2400" dirty="0" smtClean="0"/>
-              <a:t>K  =  I – </a:t>
-            </a:r>
-            <a:r>
-              <a:rPr lang="el-GR" sz="2400" dirty="0" smtClean="0">
-                <a:cs typeface="Times New Roman" pitchFamily="18" charset="0"/>
-              </a:rPr>
-              <a:t>δ</a:t>
-            </a:r>
-            <a:r>
-              <a:rPr lang="en-US" sz="2400" dirty="0" smtClean="0"/>
-              <a:t>K</a:t>
-            </a:r>
-          </a:p>
-        </p:txBody>
-      </p:sp>
-      <p:sp>
-        <p:nvSpPr>
-          <p:cNvPr id="6" name="Slide Number Placeholder 5"/>
-          <p:cNvSpPr>
-            <a:spLocks noGrp="1"/>
-          </p:cNvSpPr>
-          <p:nvPr>
-            <p:ph type="sldNum" sz="quarter" idx="12"/>
-          </p:nvPr>
-        </p:nvSpPr>
-        <p:spPr/>
-        <p:txBody>
-          <a:bodyPr/>
-          <a:lstStyle/>
-          <a:p>
-            <a:pPr>
-              <a:defRPr/>
-            </a:pPr>
-            <a:fld id="{8617ACB6-EADE-4263-B932-20C3691C3C1F}" type="slidenum">
               <a:rPr lang="en-US" smtClean="0"/>
               <a:pPr>
                 <a:defRPr/>
@@ -33215,7 +33031,7 @@
             <a:pPr algn="l" eaLnBrk="1" hangingPunct="1"/>
             <a:r>
               <a:rPr lang="en-US" dirty="0" smtClean="0"/>
-              <a:t>Solow model:  analysis	  </a:t>
+              <a:t>Solow model  </a:t>
             </a:r>
           </a:p>
         </p:txBody>
@@ -33233,232 +33049,69 @@
         <p:spPr>
           <a:xfrm>
             <a:off x="457200" y="1600200"/>
-            <a:ext cx="8229600" cy="4038600"/>
+            <a:ext cx="8229600" cy="2743200"/>
           </a:xfrm>
         </p:spPr>
         <p:txBody>
           <a:bodyPr/>
           <a:lstStyle/>
           <a:p>
-            <a:pPr>
+            <a:pPr eaLnBrk="1" hangingPunct="1">
               <a:lnSpc>
                 <a:spcPct val="90000"/>
               </a:lnSpc>
               <a:spcBef>
                 <a:spcPct val="50000"/>
               </a:spcBef>
+              <a:spcAft>
+                <a:spcPts val="600"/>
+              </a:spcAft>
             </a:pPr>
             <a:r>
               <a:rPr lang="en-US" sz="2400" dirty="0" smtClean="0"/>
-              <a:t>“Analysis” here means we substitute like crazy</a:t>
-            </a:r>
-          </a:p>
-          <a:p>
-            <a:pPr>
+              <a:t>How it works </a:t>
+            </a:r>
+          </a:p>
+          <a:p>
+            <a:pPr lvl="1" eaLnBrk="1" hangingPunct="1">
               <a:lnSpc>
                 <a:spcPct val="90000"/>
               </a:lnSpc>
               <a:spcBef>
-                <a:spcPct val="50000"/>
+                <a:spcPts val="1200"/>
               </a:spcBef>
-              <a:buFontTx/>
-              <a:buNone/>
             </a:pPr>
             <a:r>
-              <a:rPr lang="en-US" sz="2400" dirty="0" smtClean="0">
-                <a:cs typeface="Times New Roman" pitchFamily="18" charset="0"/>
-              </a:rPr>
-              <a:t>				</a:t>
-            </a:r>
-            <a:r>
-              <a:rPr lang="el-GR" sz="2400" dirty="0" smtClean="0">
-                <a:cs typeface="Times New Roman" pitchFamily="18" charset="0"/>
-              </a:rPr>
-              <a:t>Δ</a:t>
-            </a:r>
-            <a:r>
-              <a:rPr lang="en-US" sz="2400" dirty="0" smtClean="0"/>
-              <a:t>K =  </a:t>
-            </a:r>
-            <a:r>
-              <a:rPr lang="en-US" sz="2400" dirty="0" err="1" smtClean="0"/>
-              <a:t>sY</a:t>
-            </a:r>
-            <a:r>
-              <a:rPr lang="en-US" sz="2400" dirty="0" smtClean="0"/>
-              <a:t> – </a:t>
-            </a:r>
-            <a:r>
-              <a:rPr lang="el-GR" sz="2400" dirty="0" smtClean="0">
-                <a:cs typeface="Times New Roman" pitchFamily="18" charset="0"/>
-              </a:rPr>
-              <a:t>δ</a:t>
-            </a:r>
-            <a:r>
-              <a:rPr lang="en-US" sz="2400" dirty="0" smtClean="0"/>
-              <a:t>K </a:t>
-            </a:r>
-          </a:p>
-          <a:p>
-            <a:pPr>
+              <a:rPr lang="en-US" sz="2000" dirty="0" smtClean="0"/>
+              <a:t>Saving finances capital accumulation</a:t>
+            </a:r>
+          </a:p>
+          <a:p>
+            <a:pPr lvl="1" eaLnBrk="1" hangingPunct="1">
               <a:lnSpc>
                 <a:spcPct val="90000"/>
               </a:lnSpc>
               <a:spcBef>
-                <a:spcPct val="50000"/>
+                <a:spcPts val="1200"/>
               </a:spcBef>
-              <a:buNone/>
             </a:pPr>
             <a:r>
-              <a:rPr lang="en-US" sz="2400" dirty="0" smtClean="0"/>
-              <a:t>				       =  </a:t>
-            </a:r>
-            <a:r>
-              <a:rPr lang="en-US" sz="2400" dirty="0" err="1" smtClean="0"/>
-              <a:t>sAK</a:t>
-            </a:r>
-            <a:r>
-              <a:rPr lang="el-GR" sz="2400" baseline="30000" dirty="0" smtClean="0">
-                <a:cs typeface="Times New Roman" pitchFamily="18" charset="0"/>
-              </a:rPr>
-              <a:t>α</a:t>
-            </a:r>
-            <a:r>
-              <a:rPr lang="en-US" sz="2400" baseline="30000" dirty="0" smtClean="0">
-                <a:cs typeface="Times New Roman" pitchFamily="18" charset="0"/>
-              </a:rPr>
-              <a:t> </a:t>
-            </a:r>
-            <a:r>
-              <a:rPr lang="en-US" sz="2400" dirty="0" smtClean="0">
-                <a:cs typeface="Times New Roman" pitchFamily="18" charset="0"/>
-              </a:rPr>
-              <a:t>L</a:t>
-            </a:r>
-            <a:r>
-              <a:rPr lang="en-US" sz="2400" baseline="30000" dirty="0" smtClean="0">
-                <a:cs typeface="Times New Roman" pitchFamily="18" charset="0"/>
-              </a:rPr>
-              <a:t>1-</a:t>
-            </a:r>
-            <a:r>
-              <a:rPr lang="el-GR" sz="2400" baseline="30000" dirty="0" smtClean="0">
-                <a:cs typeface="Times New Roman" pitchFamily="18" charset="0"/>
-              </a:rPr>
-              <a:t>α</a:t>
-            </a:r>
-            <a:r>
-              <a:rPr lang="en-US" sz="2400" baseline="30000" dirty="0" smtClean="0">
-                <a:cs typeface="Times New Roman" pitchFamily="18" charset="0"/>
-              </a:rPr>
-              <a:t> </a:t>
-            </a:r>
-            <a:r>
-              <a:rPr lang="en-US" sz="2400" dirty="0" smtClean="0">
-                <a:cs typeface="Times New Roman" pitchFamily="18" charset="0"/>
-              </a:rPr>
-              <a:t> </a:t>
-            </a:r>
-            <a:r>
-              <a:rPr lang="en-US" sz="2400" dirty="0" smtClean="0"/>
-              <a:t>– </a:t>
-            </a:r>
-            <a:r>
-              <a:rPr lang="el-GR" sz="2400" dirty="0" smtClean="0">
-                <a:cs typeface="Times New Roman" pitchFamily="18" charset="0"/>
-              </a:rPr>
-              <a:t>δ</a:t>
-            </a:r>
-            <a:r>
-              <a:rPr lang="en-US" sz="2400" dirty="0" smtClean="0"/>
-              <a:t>K </a:t>
-            </a:r>
-            <a:endParaRPr lang="en-US" sz="2400" dirty="0" smtClean="0">
-              <a:cs typeface="Times New Roman" pitchFamily="18" charset="0"/>
-            </a:endParaRPr>
-          </a:p>
-          <a:p>
-            <a:pPr>
+              <a:rPr lang="en-US" sz="2000" dirty="0" smtClean="0"/>
+              <a:t>More capital leads to greater output </a:t>
+            </a:r>
+          </a:p>
+          <a:p>
+            <a:pPr lvl="1" eaLnBrk="1" hangingPunct="1">
               <a:lnSpc>
                 <a:spcPct val="90000"/>
               </a:lnSpc>
               <a:spcBef>
-                <a:spcPct val="50000"/>
+                <a:spcPts val="1200"/>
               </a:spcBef>
             </a:pPr>
             <a:r>
-              <a:rPr lang="en-US" sz="2400" dirty="0" smtClean="0"/>
-              <a:t>For the time being, A, L don’t change </a:t>
-            </a:r>
-          </a:p>
-          <a:p>
-            <a:pPr>
-              <a:lnSpc>
-                <a:spcPct val="90000"/>
-              </a:lnSpc>
-              <a:spcBef>
-                <a:spcPct val="50000"/>
-              </a:spcBef>
-            </a:pPr>
-            <a:r>
-              <a:rPr lang="en-US" sz="2400" dirty="0" smtClean="0"/>
-              <a:t>Two competing forces on K </a:t>
-            </a:r>
-          </a:p>
-          <a:p>
-            <a:pPr lvl="1">
-              <a:lnSpc>
-                <a:spcPct val="90000"/>
-              </a:lnSpc>
-              <a:spcBef>
-                <a:spcPct val="50000"/>
-              </a:spcBef>
-            </a:pPr>
-            <a:r>
               <a:rPr lang="en-US" sz="2000" dirty="0" smtClean="0"/>
-              <a:t>Depreciation drives K down </a:t>
-            </a:r>
-          </a:p>
-          <a:p>
-            <a:pPr lvl="1">
-              <a:lnSpc>
-                <a:spcPct val="90000"/>
-              </a:lnSpc>
-              <a:spcBef>
-                <a:spcPct val="50000"/>
-              </a:spcBef>
-            </a:pPr>
-            <a:r>
-              <a:rPr lang="en-US" sz="2000" dirty="0" smtClean="0"/>
-              <a:t>Saving drives K up</a:t>
-            </a:r>
-          </a:p>
-          <a:p>
-            <a:pPr lvl="1">
-              <a:lnSpc>
-                <a:spcPct val="90000"/>
-              </a:lnSpc>
-              <a:spcBef>
-                <a:spcPct val="50000"/>
-              </a:spcBef>
-            </a:pPr>
-            <a:r>
-              <a:rPr lang="en-US" sz="2000" dirty="0" smtClean="0"/>
-              <a:t>Which is stronger? </a:t>
-            </a:r>
-          </a:p>
-          <a:p>
-            <a:pPr lvl="1">
-              <a:lnSpc>
-                <a:spcPct val="90000"/>
-              </a:lnSpc>
-              <a:spcBef>
-                <a:spcPct val="50000"/>
-              </a:spcBef>
-            </a:pPr>
-            <a:r>
-              <a:rPr lang="en-US" sz="2000" dirty="0" smtClean="0"/>
-              <a:t>Where does diminishing returns show up?   </a:t>
+              <a:t>Impact eventually tails off:  diminishing marginal product of capital </a:t>
             </a:r>
           </a:p>
         </p:txBody>
@@ -33683,7 +33336,247 @@
             <a:pPr algn="l" eaLnBrk="1" hangingPunct="1"/>
             <a:r>
               <a:rPr lang="en-US" dirty="0" smtClean="0"/>
-              <a:t>Solow model:  dynamics	  </a:t>
+              <a:t>Solow model:  equations 	  </a:t>
+            </a:r>
+          </a:p>
+        </p:txBody>
+      </p:sp>
+      <p:sp>
+        <p:nvSpPr>
+          <p:cNvPr id="40963" name="Rectangle 3"/>
+          <p:cNvSpPr>
+            <a:spLocks noGrp="1" noChangeArrowheads="1"/>
+          </p:cNvSpPr>
+          <p:nvPr>
+            <p:ph type="body" idx="1"/>
+          </p:nvPr>
+        </p:nvSpPr>
+        <p:spPr>
+          <a:xfrm>
+            <a:off x="457200" y="1600200"/>
+            <a:ext cx="8229600" cy="2743200"/>
+          </a:xfrm>
+        </p:spPr>
+        <p:txBody>
+          <a:bodyPr/>
+          <a:lstStyle/>
+          <a:p>
+            <a:pPr>
+              <a:lnSpc>
+                <a:spcPct val="90000"/>
+              </a:lnSpc>
+              <a:spcBef>
+                <a:spcPct val="50000"/>
+              </a:spcBef>
+            </a:pPr>
+            <a:r>
+              <a:rPr lang="en-US" sz="2400" dirty="0" smtClean="0"/>
+              <a:t>Production function:</a:t>
+            </a:r>
+          </a:p>
+          <a:p>
+            <a:pPr algn="ctr">
+              <a:lnSpc>
+                <a:spcPct val="90000"/>
+              </a:lnSpc>
+              <a:spcBef>
+                <a:spcPct val="50000"/>
+              </a:spcBef>
+              <a:buFontTx/>
+              <a:buNone/>
+            </a:pPr>
+            <a:r>
+              <a:rPr lang="en-US" sz="2400" dirty="0" smtClean="0"/>
+              <a:t>Y  =  A K</a:t>
+            </a:r>
+            <a:r>
+              <a:rPr lang="el-GR" sz="2400" baseline="30000" dirty="0" smtClean="0">
+                <a:cs typeface="Times New Roman" pitchFamily="18" charset="0"/>
+              </a:rPr>
+              <a:t>α</a:t>
+            </a:r>
+            <a:r>
+              <a:rPr lang="en-US" sz="2400" baseline="30000" dirty="0" smtClean="0">
+                <a:cs typeface="Times New Roman" pitchFamily="18" charset="0"/>
+              </a:rPr>
+              <a:t> </a:t>
+            </a:r>
+            <a:r>
+              <a:rPr lang="en-US" sz="2400" dirty="0" smtClean="0">
+                <a:cs typeface="Times New Roman" pitchFamily="18" charset="0"/>
+              </a:rPr>
+              <a:t>L</a:t>
+            </a:r>
+            <a:r>
+              <a:rPr lang="en-US" sz="2400" baseline="30000" dirty="0" smtClean="0">
+                <a:cs typeface="Times New Roman" pitchFamily="18" charset="0"/>
+              </a:rPr>
+              <a:t>1-</a:t>
+            </a:r>
+            <a:r>
+              <a:rPr lang="el-GR" sz="2400" baseline="30000" dirty="0" smtClean="0">
+                <a:cs typeface="Times New Roman" pitchFamily="18" charset="0"/>
+              </a:rPr>
+              <a:t>α</a:t>
+            </a:r>
+            <a:r>
+              <a:rPr lang="en-US" sz="2400" baseline="30000" dirty="0" smtClean="0">
+                <a:cs typeface="Times New Roman" pitchFamily="18" charset="0"/>
+              </a:rPr>
+              <a:t> </a:t>
+            </a:r>
+            <a:r>
+              <a:rPr lang="en-US" sz="2400" dirty="0" smtClean="0">
+                <a:cs typeface="Times New Roman" pitchFamily="18" charset="0"/>
+              </a:rPr>
+              <a:t> </a:t>
+            </a:r>
+          </a:p>
+          <a:p>
+            <a:pPr>
+              <a:lnSpc>
+                <a:spcPct val="90000"/>
+              </a:lnSpc>
+              <a:spcBef>
+                <a:spcPct val="50000"/>
+              </a:spcBef>
+            </a:pPr>
+            <a:r>
+              <a:rPr lang="en-US" sz="2400" dirty="0" smtClean="0"/>
+              <a:t>Flow identity:</a:t>
+            </a:r>
+          </a:p>
+          <a:p>
+            <a:pPr algn="ctr">
+              <a:lnSpc>
+                <a:spcPct val="90000"/>
+              </a:lnSpc>
+              <a:spcBef>
+                <a:spcPct val="50000"/>
+              </a:spcBef>
+              <a:buFontTx/>
+              <a:buNone/>
+            </a:pPr>
+            <a:r>
+              <a:rPr lang="en-US" sz="2400" dirty="0" smtClean="0">
+                <a:cs typeface="Times New Roman" pitchFamily="18" charset="0"/>
+              </a:rPr>
+              <a:t>S  =  I</a:t>
+            </a:r>
+            <a:endParaRPr lang="en-US" sz="2400" dirty="0" smtClean="0"/>
+          </a:p>
+          <a:p>
+            <a:pPr>
+              <a:lnSpc>
+                <a:spcPct val="90000"/>
+              </a:lnSpc>
+              <a:spcBef>
+                <a:spcPct val="50000"/>
+              </a:spcBef>
+            </a:pPr>
+            <a:r>
+              <a:rPr lang="en-US" sz="2400" dirty="0" smtClean="0"/>
+              <a:t>Saving: </a:t>
+            </a:r>
+          </a:p>
+          <a:p>
+            <a:pPr algn="ctr">
+              <a:lnSpc>
+                <a:spcPct val="90000"/>
+              </a:lnSpc>
+              <a:spcBef>
+                <a:spcPct val="50000"/>
+              </a:spcBef>
+              <a:buFontTx/>
+              <a:buNone/>
+            </a:pPr>
+            <a:r>
+              <a:rPr lang="en-US" sz="2400" dirty="0" smtClean="0"/>
+              <a:t>S  =  </a:t>
+            </a:r>
+            <a:r>
+              <a:rPr lang="en-US" sz="2400" dirty="0" err="1" smtClean="0"/>
+              <a:t>sY</a:t>
+            </a:r>
+            <a:r>
+              <a:rPr lang="en-US" sz="2400" dirty="0" smtClean="0"/>
+              <a:t> </a:t>
+            </a:r>
+          </a:p>
+          <a:p>
+            <a:pPr>
+              <a:lnSpc>
+                <a:spcPct val="90000"/>
+              </a:lnSpc>
+              <a:spcBef>
+                <a:spcPct val="50000"/>
+              </a:spcBef>
+            </a:pPr>
+            <a:r>
+              <a:rPr lang="en-US" sz="2400" dirty="0" smtClean="0"/>
+              <a:t>Capital stock:   </a:t>
+            </a:r>
+          </a:p>
+          <a:p>
+            <a:pPr algn="ctr">
+              <a:lnSpc>
+                <a:spcPct val="90000"/>
+              </a:lnSpc>
+              <a:spcBef>
+                <a:spcPct val="50000"/>
+              </a:spcBef>
+              <a:buFontTx/>
+              <a:buNone/>
+            </a:pPr>
+            <a:r>
+              <a:rPr lang="en-US" sz="2400" dirty="0" smtClean="0">
+                <a:cs typeface="Times New Roman" pitchFamily="18" charset="0"/>
+              </a:rPr>
+              <a:t>K</a:t>
+            </a:r>
+            <a:r>
+              <a:rPr lang="en-US" sz="2400" baseline="-25000" dirty="0" smtClean="0">
+                <a:cs typeface="Times New Roman" pitchFamily="18" charset="0"/>
+              </a:rPr>
+              <a:t>t+1</a:t>
+            </a:r>
+            <a:r>
+              <a:rPr lang="en-US" sz="2400" dirty="0" smtClean="0">
+                <a:cs typeface="Times New Roman" pitchFamily="18" charset="0"/>
+              </a:rPr>
+              <a:t> – K</a:t>
+            </a:r>
+            <a:r>
+              <a:rPr lang="en-US" sz="2400" baseline="-25000" dirty="0" smtClean="0">
+                <a:cs typeface="Times New Roman" pitchFamily="18" charset="0"/>
+              </a:rPr>
+              <a:t>t</a:t>
+            </a:r>
+            <a:r>
+              <a:rPr lang="en-US" sz="2400" dirty="0" smtClean="0">
+                <a:cs typeface="Times New Roman" pitchFamily="18" charset="0"/>
+              </a:rPr>
+              <a:t>  =  </a:t>
+            </a:r>
+            <a:r>
+              <a:rPr lang="el-GR" sz="2400" dirty="0" smtClean="0">
+                <a:cs typeface="Times New Roman" pitchFamily="18" charset="0"/>
+              </a:rPr>
+              <a:t>Δ</a:t>
+            </a:r>
+            <a:r>
+              <a:rPr lang="en-US" sz="2400" dirty="0" smtClean="0"/>
+              <a:t>K  =  I – </a:t>
+            </a:r>
+            <a:r>
+              <a:rPr lang="el-GR" sz="2400" dirty="0" smtClean="0">
+                <a:cs typeface="Times New Roman" pitchFamily="18" charset="0"/>
+              </a:rPr>
+              <a:t>δ</a:t>
+            </a:r>
+            <a:r>
+              <a:rPr lang="en-US" sz="2400" dirty="0" smtClean="0"/>
+              <a:t>K</a:t>
             </a:r>
           </a:p>
         </p:txBody>
@@ -33712,6 +33605,417 @@
                 <a:defRPr/>
               </a:pPr>
               <a:t>60</a:t>
+            </a:fld>
+            <a:endParaRPr lang="en-US"/>
+          </a:p>
+        </p:txBody>
+      </p:sp>
+    </p:spTree>
+  </p:cSld>
+  <p:clrMapOvr>
+    <a:masterClrMapping/>
+  </p:clrMapOvr>
+  <p:timing>
+    <p:tnLst>
+      <p:par>
+        <p:cTn id="1" dur="indefinite" restart="never" nodeType="tmRoot"/>
+      </p:par>
+    </p:tnLst>
+  </p:timing>
+</p:sld>
+</file>
+
+<file path=ppt/slides/slide61.xml><?xml version="1.0" encoding="utf-8"?>
+<p:sld xmlns:a="http://schemas.openxmlformats.org/drawingml/2006/main" xmlns:r="http://schemas.openxmlformats.org/officeDocument/2006/relationships" xmlns:p="http://schemas.openxmlformats.org/presentationml/2006/main">
+  <p:cSld>
+    <p:spTree>
+      <p:nvGrpSpPr>
+        <p:cNvPr id="1" name=""/>
+        <p:cNvGrpSpPr/>
+        <p:nvPr/>
+      </p:nvGrpSpPr>
+      <p:grpSpPr>
+        <a:xfrm>
+          <a:off x="0" y="0"/>
+          <a:ext cx="0" cy="0"/>
+          <a:chOff x="0" y="0"/>
+          <a:chExt cx="0" cy="0"/>
+        </a:xfrm>
+      </p:grpSpPr>
+      <p:sp>
+        <p:nvSpPr>
+          <p:cNvPr id="40962" name="Rectangle 2"/>
+          <p:cNvSpPr>
+            <a:spLocks noGrp="1" noChangeArrowheads="1"/>
+          </p:cNvSpPr>
+          <p:nvPr>
+            <p:ph type="title"/>
+          </p:nvPr>
+        </p:nvSpPr>
+        <p:spPr/>
+        <p:txBody>
+          <a:bodyPr/>
+          <a:lstStyle/>
+          <a:p>
+            <a:pPr algn="l" eaLnBrk="1" hangingPunct="1"/>
+            <a:r>
+              <a:rPr lang="en-US" dirty="0" smtClean="0"/>
+              <a:t>Solow model:  analysis	  </a:t>
+            </a:r>
+          </a:p>
+        </p:txBody>
+      </p:sp>
+      <p:sp>
+        <p:nvSpPr>
+          <p:cNvPr id="40963" name="Rectangle 3"/>
+          <p:cNvSpPr>
+            <a:spLocks noGrp="1" noChangeArrowheads="1"/>
+          </p:cNvSpPr>
+          <p:nvPr>
+            <p:ph type="body" idx="1"/>
+          </p:nvPr>
+        </p:nvSpPr>
+        <p:spPr>
+          <a:xfrm>
+            <a:off x="457200" y="1600200"/>
+            <a:ext cx="8229600" cy="4038600"/>
+          </a:xfrm>
+        </p:spPr>
+        <p:txBody>
+          <a:bodyPr/>
+          <a:lstStyle/>
+          <a:p>
+            <a:pPr>
+              <a:lnSpc>
+                <a:spcPct val="90000"/>
+              </a:lnSpc>
+              <a:spcBef>
+                <a:spcPct val="50000"/>
+              </a:spcBef>
+            </a:pPr>
+            <a:r>
+              <a:rPr lang="en-US" sz="2400" dirty="0" smtClean="0"/>
+              <a:t>“Analysis” here means we substitute like crazy</a:t>
+            </a:r>
+          </a:p>
+          <a:p>
+            <a:pPr>
+              <a:lnSpc>
+                <a:spcPct val="90000"/>
+              </a:lnSpc>
+              <a:spcBef>
+                <a:spcPct val="50000"/>
+              </a:spcBef>
+              <a:buFontTx/>
+              <a:buNone/>
+            </a:pPr>
+            <a:r>
+              <a:rPr lang="en-US" sz="2400" dirty="0" smtClean="0">
+                <a:cs typeface="Times New Roman" pitchFamily="18" charset="0"/>
+              </a:rPr>
+              <a:t>				</a:t>
+            </a:r>
+            <a:r>
+              <a:rPr lang="el-GR" sz="2400" dirty="0" smtClean="0">
+                <a:cs typeface="Times New Roman" pitchFamily="18" charset="0"/>
+              </a:rPr>
+              <a:t>Δ</a:t>
+            </a:r>
+            <a:r>
+              <a:rPr lang="en-US" sz="2400" dirty="0" smtClean="0"/>
+              <a:t>K =  </a:t>
+            </a:r>
+            <a:r>
+              <a:rPr lang="en-US" sz="2400" dirty="0" err="1" smtClean="0"/>
+              <a:t>sY</a:t>
+            </a:r>
+            <a:r>
+              <a:rPr lang="en-US" sz="2400" dirty="0" smtClean="0"/>
+              <a:t> – </a:t>
+            </a:r>
+            <a:r>
+              <a:rPr lang="el-GR" sz="2400" dirty="0" smtClean="0">
+                <a:cs typeface="Times New Roman" pitchFamily="18" charset="0"/>
+              </a:rPr>
+              <a:t>δ</a:t>
+            </a:r>
+            <a:r>
+              <a:rPr lang="en-US" sz="2400" dirty="0" smtClean="0"/>
+              <a:t>K </a:t>
+            </a:r>
+          </a:p>
+          <a:p>
+            <a:pPr>
+              <a:lnSpc>
+                <a:spcPct val="90000"/>
+              </a:lnSpc>
+              <a:spcBef>
+                <a:spcPct val="50000"/>
+              </a:spcBef>
+              <a:buNone/>
+            </a:pPr>
+            <a:r>
+              <a:rPr lang="en-US" sz="2400" dirty="0" smtClean="0"/>
+              <a:t>				       =  </a:t>
+            </a:r>
+            <a:r>
+              <a:rPr lang="en-US" sz="2400" dirty="0" err="1" smtClean="0"/>
+              <a:t>sAK</a:t>
+            </a:r>
+            <a:r>
+              <a:rPr lang="el-GR" sz="2400" baseline="30000" dirty="0" smtClean="0">
+                <a:cs typeface="Times New Roman" pitchFamily="18" charset="0"/>
+              </a:rPr>
+              <a:t>α</a:t>
+            </a:r>
+            <a:r>
+              <a:rPr lang="en-US" sz="2400" baseline="30000" dirty="0" smtClean="0">
+                <a:cs typeface="Times New Roman" pitchFamily="18" charset="0"/>
+              </a:rPr>
+              <a:t> </a:t>
+            </a:r>
+            <a:r>
+              <a:rPr lang="en-US" sz="2400" dirty="0" smtClean="0">
+                <a:cs typeface="Times New Roman" pitchFamily="18" charset="0"/>
+              </a:rPr>
+              <a:t>L</a:t>
+            </a:r>
+            <a:r>
+              <a:rPr lang="en-US" sz="2400" baseline="30000" dirty="0" smtClean="0">
+                <a:cs typeface="Times New Roman" pitchFamily="18" charset="0"/>
+              </a:rPr>
+              <a:t>1-</a:t>
+            </a:r>
+            <a:r>
+              <a:rPr lang="el-GR" sz="2400" baseline="30000" dirty="0" smtClean="0">
+                <a:cs typeface="Times New Roman" pitchFamily="18" charset="0"/>
+              </a:rPr>
+              <a:t>α</a:t>
+            </a:r>
+            <a:r>
+              <a:rPr lang="en-US" sz="2400" baseline="30000" dirty="0" smtClean="0">
+                <a:cs typeface="Times New Roman" pitchFamily="18" charset="0"/>
+              </a:rPr>
+              <a:t> </a:t>
+            </a:r>
+            <a:r>
+              <a:rPr lang="en-US" sz="2400" dirty="0" smtClean="0">
+                <a:cs typeface="Times New Roman" pitchFamily="18" charset="0"/>
+              </a:rPr>
+              <a:t> </a:t>
+            </a:r>
+            <a:r>
+              <a:rPr lang="en-US" sz="2400" dirty="0" smtClean="0"/>
+              <a:t>– </a:t>
+            </a:r>
+            <a:r>
+              <a:rPr lang="el-GR" sz="2400" dirty="0" smtClean="0">
+                <a:cs typeface="Times New Roman" pitchFamily="18" charset="0"/>
+              </a:rPr>
+              <a:t>δ</a:t>
+            </a:r>
+            <a:r>
+              <a:rPr lang="en-US" sz="2400" dirty="0" smtClean="0"/>
+              <a:t>K </a:t>
+            </a:r>
+            <a:endParaRPr lang="en-US" sz="2400" dirty="0" smtClean="0">
+              <a:cs typeface="Times New Roman" pitchFamily="18" charset="0"/>
+            </a:endParaRPr>
+          </a:p>
+          <a:p>
+            <a:pPr>
+              <a:lnSpc>
+                <a:spcPct val="90000"/>
+              </a:lnSpc>
+              <a:spcBef>
+                <a:spcPct val="50000"/>
+              </a:spcBef>
+            </a:pPr>
+            <a:r>
+              <a:rPr lang="en-US" sz="2400" dirty="0" smtClean="0"/>
+              <a:t>For the time being, A, L don’t change </a:t>
+            </a:r>
+          </a:p>
+          <a:p>
+            <a:pPr>
+              <a:lnSpc>
+                <a:spcPct val="90000"/>
+              </a:lnSpc>
+              <a:spcBef>
+                <a:spcPct val="50000"/>
+              </a:spcBef>
+            </a:pPr>
+            <a:r>
+              <a:rPr lang="en-US" sz="2400" dirty="0" smtClean="0"/>
+              <a:t>Two competing forces on K </a:t>
+            </a:r>
+          </a:p>
+          <a:p>
+            <a:pPr lvl="1">
+              <a:lnSpc>
+                <a:spcPct val="90000"/>
+              </a:lnSpc>
+              <a:spcBef>
+                <a:spcPct val="50000"/>
+              </a:spcBef>
+            </a:pPr>
+            <a:r>
+              <a:rPr lang="en-US" sz="2000" dirty="0" smtClean="0"/>
+              <a:t>Depreciation drives K down </a:t>
+            </a:r>
+          </a:p>
+          <a:p>
+            <a:pPr lvl="1">
+              <a:lnSpc>
+                <a:spcPct val="90000"/>
+              </a:lnSpc>
+              <a:spcBef>
+                <a:spcPct val="50000"/>
+              </a:spcBef>
+            </a:pPr>
+            <a:r>
+              <a:rPr lang="en-US" sz="2000" dirty="0" smtClean="0"/>
+              <a:t>Saving drives K up</a:t>
+            </a:r>
+          </a:p>
+          <a:p>
+            <a:pPr lvl="1">
+              <a:lnSpc>
+                <a:spcPct val="90000"/>
+              </a:lnSpc>
+              <a:spcBef>
+                <a:spcPct val="50000"/>
+              </a:spcBef>
+            </a:pPr>
+            <a:r>
+              <a:rPr lang="en-US" sz="2000" dirty="0" smtClean="0"/>
+              <a:t>Which is stronger? </a:t>
+            </a:r>
+          </a:p>
+          <a:p>
+            <a:pPr lvl="1">
+              <a:lnSpc>
+                <a:spcPct val="90000"/>
+              </a:lnSpc>
+              <a:spcBef>
+                <a:spcPct val="50000"/>
+              </a:spcBef>
+            </a:pPr>
+            <a:r>
+              <a:rPr lang="en-US" sz="2000" dirty="0" smtClean="0"/>
+              <a:t>Where does diminishing returns show up?   </a:t>
+            </a:r>
+          </a:p>
+        </p:txBody>
+      </p:sp>
+      <p:sp>
+        <p:nvSpPr>
+          <p:cNvPr id="6" name="Slide Number Placeholder 5"/>
+          <p:cNvSpPr>
+            <a:spLocks noGrp="1"/>
+          </p:cNvSpPr>
+          <p:nvPr>
+            <p:ph type="sldNum" sz="quarter" idx="12"/>
+          </p:nvPr>
+        </p:nvSpPr>
+        <p:spPr/>
+        <p:txBody>
+          <a:bodyPr/>
+          <a:lstStyle/>
+          <a:p>
+            <a:pPr>
+              <a:defRPr/>
+            </a:pPr>
+            <a:fld id="{8617ACB6-EADE-4263-B932-20C3691C3C1F}" type="slidenum">
+              <a:rPr lang="en-US" smtClean="0"/>
+              <a:pPr>
+                <a:defRPr/>
+              </a:pPr>
+              <a:t>61</a:t>
+            </a:fld>
+            <a:endParaRPr lang="en-US"/>
+          </a:p>
+        </p:txBody>
+      </p:sp>
+    </p:spTree>
+  </p:cSld>
+  <p:clrMapOvr>
+    <a:masterClrMapping/>
+  </p:clrMapOvr>
+  <p:timing>
+    <p:tnLst>
+      <p:par>
+        <p:cTn id="1" dur="indefinite" restart="never" nodeType="tmRoot"/>
+      </p:par>
+    </p:tnLst>
+  </p:timing>
+</p:sld>
+</file>
+
+<file path=ppt/slides/slide62.xml><?xml version="1.0" encoding="utf-8"?>
+<p:sld xmlns:a="http://schemas.openxmlformats.org/drawingml/2006/main" xmlns:r="http://schemas.openxmlformats.org/officeDocument/2006/relationships" xmlns:p="http://schemas.openxmlformats.org/presentationml/2006/main">
+  <p:cSld>
+    <p:spTree>
+      <p:nvGrpSpPr>
+        <p:cNvPr id="1" name=""/>
+        <p:cNvGrpSpPr/>
+        <p:nvPr/>
+      </p:nvGrpSpPr>
+      <p:grpSpPr>
+        <a:xfrm>
+          <a:off x="0" y="0"/>
+          <a:ext cx="0" cy="0"/>
+          <a:chOff x="0" y="0"/>
+          <a:chExt cx="0" cy="0"/>
+        </a:xfrm>
+      </p:grpSpPr>
+      <p:sp>
+        <p:nvSpPr>
+          <p:cNvPr id="40962" name="Rectangle 2"/>
+          <p:cNvSpPr>
+            <a:spLocks noGrp="1" noChangeArrowheads="1"/>
+          </p:cNvSpPr>
+          <p:nvPr>
+            <p:ph type="title"/>
+          </p:nvPr>
+        </p:nvSpPr>
+        <p:spPr/>
+        <p:txBody>
+          <a:bodyPr/>
+          <a:lstStyle/>
+          <a:p>
+            <a:pPr algn="l" eaLnBrk="1" hangingPunct="1"/>
+            <a:r>
+              <a:rPr lang="en-US" dirty="0" smtClean="0"/>
+              <a:t>Solow model:  dynamics	  </a:t>
+            </a:r>
+          </a:p>
+        </p:txBody>
+      </p:sp>
+      <p:sp>
+        <p:nvSpPr>
+          <p:cNvPr id="6" name="Slide Number Placeholder 5"/>
+          <p:cNvSpPr>
+            <a:spLocks noGrp="1"/>
+          </p:cNvSpPr>
+          <p:nvPr>
+            <p:ph type="sldNum" sz="quarter" idx="12"/>
+          </p:nvPr>
+        </p:nvSpPr>
+        <p:spPr/>
+        <p:txBody>
+          <a:bodyPr/>
+          <a:lstStyle/>
+          <a:p>
+            <a:pPr>
+              <a:defRPr/>
+            </a:pPr>
+            <a:fld id="{8617ACB6-EADE-4263-B932-20C3691C3C1F}" type="slidenum">
+              <a:rPr lang="en-US" smtClean="0"/>
+              <a:pPr>
+                <a:defRPr/>
+              </a:pPr>
+              <a:t>62</a:t>
             </a:fld>
             <a:endParaRPr lang="en-US"/>
           </a:p>
@@ -33733,7 +34037,7 @@
           <a:graphicData uri="http://schemas.openxmlformats.org/presentationml/2006/ole">
             <mc:AlternateContent xmlns:mc="http://schemas.openxmlformats.org/markup-compatibility/2006">
               <mc:Choice xmlns:v="urn:schemas-microsoft-com:vml" Requires="v">
-                <p:oleObj spid="_x0000_s70843" name="Chart" r:id="rId3" imgW="8220042" imgH="4533967" progId="MSGraph.Chart.8">
+                <p:oleObj spid="_x0000_s70849" name="Chart" r:id="rId3" imgW="8220042" imgH="4533967" progId="MSGraph.Chart.8">
                   <p:embed followColorScheme="full"/>
                 </p:oleObj>
               </mc:Choice>
@@ -33915,279 +34219,6 @@
 </p:sld>
 </file>
 
-<file path=ppt/slides/slide61.xml><?xml version="1.0" encoding="utf-8"?>
-<p:sld xmlns:a="http://schemas.openxmlformats.org/drawingml/2006/main" xmlns:r="http://schemas.openxmlformats.org/officeDocument/2006/relationships" xmlns:p="http://schemas.openxmlformats.org/presentationml/2006/main">
-  <p:cSld>
-    <p:spTree>
-      <p:nvGrpSpPr>
-        <p:cNvPr id="1" name=""/>
-        <p:cNvGrpSpPr/>
-        <p:nvPr/>
-      </p:nvGrpSpPr>
-      <p:grpSpPr>
-        <a:xfrm>
-          <a:off x="0" y="0"/>
-          <a:ext cx="0" cy="0"/>
-          <a:chOff x="0" y="0"/>
-          <a:chExt cx="0" cy="0"/>
-        </a:xfrm>
-      </p:grpSpPr>
-      <p:sp>
-        <p:nvSpPr>
-          <p:cNvPr id="40962" name="Rectangle 2"/>
-          <p:cNvSpPr>
-            <a:spLocks noGrp="1" noChangeArrowheads="1"/>
-          </p:cNvSpPr>
-          <p:nvPr>
-            <p:ph type="title"/>
-          </p:nvPr>
-        </p:nvSpPr>
-        <p:spPr/>
-        <p:txBody>
-          <a:bodyPr/>
-          <a:lstStyle/>
-          <a:p>
-            <a:pPr algn="l" eaLnBrk="1" hangingPunct="1"/>
-            <a:r>
-              <a:rPr lang="en-US" dirty="0" smtClean="0"/>
-              <a:t>Solow model:  convergence 	  </a:t>
-            </a:r>
-          </a:p>
-        </p:txBody>
-      </p:sp>
-      <p:sp>
-        <p:nvSpPr>
-          <p:cNvPr id="40963" name="Rectangle 3"/>
-          <p:cNvSpPr>
-            <a:spLocks noGrp="1" noChangeArrowheads="1"/>
-          </p:cNvSpPr>
-          <p:nvPr>
-            <p:ph type="body" idx="1"/>
-          </p:nvPr>
-        </p:nvSpPr>
-        <p:spPr>
-          <a:xfrm>
-            <a:off x="457200" y="1600200"/>
-            <a:ext cx="8229600" cy="2743200"/>
-          </a:xfrm>
-        </p:spPr>
-        <p:txBody>
-          <a:bodyPr/>
-          <a:lstStyle/>
-          <a:p>
-            <a:pPr>
-              <a:lnSpc>
-                <a:spcPct val="90000"/>
-              </a:lnSpc>
-              <a:spcBef>
-                <a:spcPct val="50000"/>
-              </a:spcBef>
-            </a:pPr>
-            <a:r>
-              <a:rPr lang="en-US" sz="2400" dirty="0" smtClean="0"/>
-              <a:t>Eventually the two forces balance </a:t>
-            </a:r>
-          </a:p>
-          <a:p>
-            <a:pPr lvl="1">
-              <a:lnSpc>
-                <a:spcPct val="90000"/>
-              </a:lnSpc>
-              <a:spcBef>
-                <a:spcPct val="50000"/>
-              </a:spcBef>
-            </a:pPr>
-            <a:r>
-              <a:rPr lang="en-US" sz="2000" dirty="0" smtClean="0"/>
-              <a:t>Capital stock eventually stops changing  </a:t>
-            </a:r>
-          </a:p>
-          <a:p>
-            <a:pPr lvl="1">
-              <a:lnSpc>
-                <a:spcPct val="90000"/>
-              </a:lnSpc>
-              <a:spcBef>
-                <a:spcPct val="50000"/>
-              </a:spcBef>
-            </a:pPr>
-            <a:r>
-              <a:rPr lang="en-US" sz="2000" dirty="0" smtClean="0"/>
-              <a:t>Output does, too </a:t>
-            </a:r>
-          </a:p>
-          <a:p>
-            <a:pPr>
-              <a:lnSpc>
-                <a:spcPct val="90000"/>
-              </a:lnSpc>
-              <a:spcBef>
-                <a:spcPct val="50000"/>
-              </a:spcBef>
-            </a:pPr>
-            <a:r>
-              <a:rPr lang="en-US" sz="2400" dirty="0" smtClean="0"/>
-              <a:t>Solow’s answer to JFK</a:t>
-            </a:r>
-          </a:p>
-          <a:p>
-            <a:pPr lvl="1">
-              <a:lnSpc>
-                <a:spcPct val="90000"/>
-              </a:lnSpc>
-              <a:spcBef>
-                <a:spcPct val="50000"/>
-              </a:spcBef>
-            </a:pPr>
-            <a:r>
-              <a:rPr lang="en-US" sz="2000" dirty="0" smtClean="0"/>
-              <a:t>USSR won’t catch up through saving alone </a:t>
-            </a:r>
-          </a:p>
-          <a:p>
-            <a:pPr lvl="1">
-              <a:lnSpc>
-                <a:spcPct val="90000"/>
-              </a:lnSpc>
-              <a:spcBef>
-                <a:spcPct val="50000"/>
-              </a:spcBef>
-            </a:pPr>
-            <a:r>
-              <a:rPr lang="en-US" sz="2000" dirty="0" smtClean="0"/>
-              <a:t>Eventually the effects of higher saving/investment peter out </a:t>
-            </a:r>
-          </a:p>
-        </p:txBody>
-      </p:sp>
-      <p:sp>
-        <p:nvSpPr>
-          <p:cNvPr id="6" name="Slide Number Placeholder 5"/>
-          <p:cNvSpPr>
-            <a:spLocks noGrp="1"/>
-          </p:cNvSpPr>
-          <p:nvPr>
-            <p:ph type="sldNum" sz="quarter" idx="12"/>
-          </p:nvPr>
-        </p:nvSpPr>
-        <p:spPr/>
-        <p:txBody>
-          <a:bodyPr/>
-          <a:lstStyle/>
-          <a:p>
-            <a:pPr>
-              <a:defRPr/>
-            </a:pPr>
-            <a:fld id="{8617ACB6-EADE-4263-B932-20C3691C3C1F}" type="slidenum">
-              <a:rPr lang="en-US" smtClean="0"/>
-              <a:pPr>
-                <a:defRPr/>
-              </a:pPr>
-              <a:t>61</a:t>
-            </a:fld>
-            <a:endParaRPr lang="en-US"/>
-          </a:p>
-        </p:txBody>
-      </p:sp>
-    </p:spTree>
-  </p:cSld>
-  <p:clrMapOvr>
-    <a:masterClrMapping/>
-  </p:clrMapOvr>
-  <p:timing>
-    <p:tnLst>
-      <p:par>
-        <p:cTn id="1" dur="indefinite" restart="never" nodeType="tmRoot"/>
-      </p:par>
-    </p:tnLst>
-  </p:timing>
-</p:sld>
-</file>
-
-<file path=ppt/slides/slide62.xml><?xml version="1.0" encoding="utf-8"?>
-<p:sld xmlns:a="http://schemas.openxmlformats.org/drawingml/2006/main" xmlns:r="http://schemas.openxmlformats.org/officeDocument/2006/relationships" xmlns:p="http://schemas.openxmlformats.org/presentationml/2006/main">
-  <p:cSld>
-    <p:spTree>
-      <p:nvGrpSpPr>
-        <p:cNvPr id="1" name=""/>
-        <p:cNvGrpSpPr/>
-        <p:nvPr/>
-      </p:nvGrpSpPr>
-      <p:grpSpPr>
-        <a:xfrm>
-          <a:off x="0" y="0"/>
-          <a:ext cx="0" cy="0"/>
-          <a:chOff x="0" y="0"/>
-          <a:chExt cx="0" cy="0"/>
-        </a:xfrm>
-      </p:grpSpPr>
-      <p:sp>
-        <p:nvSpPr>
-          <p:cNvPr id="21506" name="Rectangle 4"/>
-          <p:cNvSpPr>
-            <a:spLocks noGrp="1" noChangeArrowheads="1"/>
-          </p:cNvSpPr>
-          <p:nvPr>
-            <p:ph type="ctrTitle"/>
-          </p:nvPr>
-        </p:nvSpPr>
-        <p:spPr/>
-        <p:txBody>
-          <a:bodyPr/>
-          <a:lstStyle/>
-          <a:p>
-            <a:pPr eaLnBrk="1" hangingPunct="1"/>
-            <a:r>
-              <a:rPr lang="en-US" dirty="0" smtClean="0"/>
-              <a:t>India</a:t>
-            </a:r>
-          </a:p>
-        </p:txBody>
-      </p:sp>
-      <p:sp>
-        <p:nvSpPr>
-          <p:cNvPr id="3" name="Slide Number Placeholder 2"/>
-          <p:cNvSpPr>
-            <a:spLocks noGrp="1"/>
-          </p:cNvSpPr>
-          <p:nvPr>
-            <p:ph type="sldNum" sz="quarter" idx="12"/>
-          </p:nvPr>
-        </p:nvSpPr>
-        <p:spPr/>
-        <p:txBody>
-          <a:bodyPr/>
-          <a:lstStyle/>
-          <a:p>
-            <a:pPr>
-              <a:defRPr/>
-            </a:pPr>
-            <a:fld id="{A0CE64D5-222C-4CFA-AFD3-A2848F192F39}" type="slidenum">
-              <a:rPr lang="en-US" smtClean="0"/>
-              <a:pPr>
-                <a:defRPr/>
-              </a:pPr>
-              <a:t>62</a:t>
-            </a:fld>
-            <a:endParaRPr lang="en-US"/>
-          </a:p>
-        </p:txBody>
-      </p:sp>
-    </p:spTree>
-  </p:cSld>
-  <p:clrMapOvr>
-    <a:masterClrMapping/>
-  </p:clrMapOvr>
-  <p:timing>
-    <p:tnLst>
-      <p:par>
-        <p:cTn id="1" dur="indefinite" restart="never" nodeType="tmRoot"/>
-      </p:par>
-    </p:tnLst>
-  </p:timing>
-</p:sld>
-</file>
-
 <file path=ppt/slides/slide63.xml><?xml version="1.0" encoding="utf-8"?>
 <p:sld xmlns:a="http://schemas.openxmlformats.org/drawingml/2006/main" xmlns:r="http://schemas.openxmlformats.org/officeDocument/2006/relationships" xmlns:p="http://schemas.openxmlformats.org/presentationml/2006/main">
   <p:cSld>
@@ -34223,7 +34254,7 @@
             <a:pPr algn="l" eaLnBrk="1" hangingPunct="1"/>
             <a:r>
               <a:rPr lang="en-US" dirty="0" smtClean="0"/>
-              <a:t>India</a:t>
+              <a:t>Solow model:  convergence 	  </a:t>
             </a:r>
           </a:p>
         </p:txBody>
@@ -34241,7 +34272,7 @@
         <p:spPr>
           <a:xfrm>
             <a:off x="457200" y="1600200"/>
-            <a:ext cx="8229600" cy="3200400"/>
+            <a:ext cx="8229600" cy="2743200"/>
           </a:xfrm>
         </p:spPr>
         <p:txBody>
@@ -34258,7 +34289,35 @@
             </a:pPr>
             <a:r>
               <a:rPr lang="en-US" sz="2400" dirty="0" smtClean="0"/>
-              <a:t>Saving and investment rates well below China’s </a:t>
+              <a:t>Eventually the two forces balance </a:t>
+            </a:r>
+          </a:p>
+          <a:p>
+            <a:pPr lvl="1">
+              <a:lnSpc>
+                <a:spcPct val="90000"/>
+              </a:lnSpc>
+              <a:spcBef>
+                <a:spcPct val="50000"/>
+              </a:spcBef>
+            </a:pPr>
+            <a:r>
+              <a:rPr lang="en-US" sz="2000" dirty="0" smtClean="0"/>
+              <a:t>Capital stock eventually stops changing  </a:t>
+            </a:r>
+          </a:p>
+          <a:p>
+            <a:pPr lvl="1">
+              <a:lnSpc>
+                <a:spcPct val="90000"/>
+              </a:lnSpc>
+              <a:spcBef>
+                <a:spcPct val="50000"/>
+              </a:spcBef>
+            </a:pPr>
+            <a:r>
+              <a:rPr lang="en-US" sz="2000" dirty="0" smtClean="0"/>
+              <a:t>Output does, too </a:t>
             </a:r>
           </a:p>
           <a:p>
@@ -34272,7 +34331,35 @@
             </a:pPr>
             <a:r>
               <a:rPr lang="en-US" sz="2400" dirty="0" smtClean="0"/>
-              <a:t>How important is this to India’s future? </a:t>
+              <a:t>Solow’s answer to JFK</a:t>
+            </a:r>
+          </a:p>
+          <a:p>
+            <a:pPr lvl="1">
+              <a:lnSpc>
+                <a:spcPct val="90000"/>
+              </a:lnSpc>
+              <a:spcBef>
+                <a:spcPct val="50000"/>
+              </a:spcBef>
+            </a:pPr>
+            <a:r>
+              <a:rPr lang="en-US" sz="2000" dirty="0" smtClean="0"/>
+              <a:t>USSR won’t catch up through saving alone </a:t>
+            </a:r>
+          </a:p>
+          <a:p>
+            <a:pPr lvl="1">
+              <a:lnSpc>
+                <a:spcPct val="90000"/>
+              </a:lnSpc>
+              <a:spcBef>
+                <a:spcPct val="50000"/>
+              </a:spcBef>
+            </a:pPr>
+            <a:r>
+              <a:rPr lang="en-US" sz="2000" dirty="0" smtClean="0"/>
+              <a:t>Eventually the effects of higher saving/investment peter out </a:t>
             </a:r>
           </a:p>
         </p:txBody>
@@ -34340,6 +34427,90 @@
       </p:grpSpPr>
       <p:sp>
         <p:nvSpPr>
+          <p:cNvPr id="21506" name="Rectangle 4"/>
+          <p:cNvSpPr>
+            <a:spLocks noGrp="1" noChangeArrowheads="1"/>
+          </p:cNvSpPr>
+          <p:nvPr>
+            <p:ph type="ctrTitle"/>
+          </p:nvPr>
+        </p:nvSpPr>
+        <p:spPr/>
+        <p:txBody>
+          <a:bodyPr/>
+          <a:lstStyle/>
+          <a:p>
+            <a:pPr eaLnBrk="1" hangingPunct="1"/>
+            <a:r>
+              <a:rPr lang="en-US" dirty="0" smtClean="0"/>
+              <a:t>India</a:t>
+            </a:r>
+          </a:p>
+        </p:txBody>
+      </p:sp>
+      <p:sp>
+        <p:nvSpPr>
+          <p:cNvPr id="3" name="Slide Number Placeholder 2"/>
+          <p:cNvSpPr>
+            <a:spLocks noGrp="1"/>
+          </p:cNvSpPr>
+          <p:nvPr>
+            <p:ph type="sldNum" sz="quarter" idx="12"/>
+          </p:nvPr>
+        </p:nvSpPr>
+        <p:spPr/>
+        <p:txBody>
+          <a:bodyPr/>
+          <a:lstStyle/>
+          <a:p>
+            <a:pPr>
+              <a:defRPr/>
+            </a:pPr>
+            <a:fld id="{A0CE64D5-222C-4CFA-AFD3-A2848F192F39}" type="slidenum">
+              <a:rPr lang="en-US" smtClean="0"/>
+              <a:pPr>
+                <a:defRPr/>
+              </a:pPr>
+              <a:t>64</a:t>
+            </a:fld>
+            <a:endParaRPr lang="en-US"/>
+          </a:p>
+        </p:txBody>
+      </p:sp>
+    </p:spTree>
+  </p:cSld>
+  <p:clrMapOvr>
+    <a:masterClrMapping/>
+  </p:clrMapOvr>
+  <p:timing>
+    <p:tnLst>
+      <p:par>
+        <p:cTn id="1" dur="indefinite" restart="never" nodeType="tmRoot"/>
+      </p:par>
+    </p:tnLst>
+  </p:timing>
+</p:sld>
+</file>
+
+<file path=ppt/slides/slide65.xml><?xml version="1.0" encoding="utf-8"?>
+<p:sld xmlns:a="http://schemas.openxmlformats.org/drawingml/2006/main" xmlns:r="http://schemas.openxmlformats.org/officeDocument/2006/relationships" xmlns:p="http://schemas.openxmlformats.org/presentationml/2006/main">
+  <p:cSld>
+    <p:spTree>
+      <p:nvGrpSpPr>
+        <p:cNvPr id="1" name=""/>
+        <p:cNvGrpSpPr/>
+        <p:nvPr/>
+      </p:nvGrpSpPr>
+      <p:grpSpPr>
+        <a:xfrm>
+          <a:off x="0" y="0"/>
+          <a:ext cx="0" cy="0"/>
+          <a:chOff x="0" y="0"/>
+          <a:chExt cx="0" cy="0"/>
+        </a:xfrm>
+      </p:grpSpPr>
+      <p:sp>
+        <p:nvSpPr>
           <p:cNvPr id="40962" name="Rectangle 2"/>
           <p:cNvSpPr>
             <a:spLocks noGrp="1" noChangeArrowheads="1"/>
@@ -34356,7 +34527,56 @@
             <a:pPr algn="l" eaLnBrk="1" hangingPunct="1"/>
             <a:r>
               <a:rPr lang="en-US" dirty="0" smtClean="0"/>
-              <a:t>Investment rates </a:t>
+              <a:t>India</a:t>
+            </a:r>
+          </a:p>
+        </p:txBody>
+      </p:sp>
+      <p:sp>
+        <p:nvSpPr>
+          <p:cNvPr id="40963" name="Rectangle 3"/>
+          <p:cNvSpPr>
+            <a:spLocks noGrp="1" noChangeArrowheads="1"/>
+          </p:cNvSpPr>
+          <p:nvPr>
+            <p:ph type="body" idx="1"/>
+          </p:nvPr>
+        </p:nvSpPr>
+        <p:spPr>
+          <a:xfrm>
+            <a:off x="457200" y="1600200"/>
+            <a:ext cx="8229600" cy="3200400"/>
+          </a:xfrm>
+        </p:spPr>
+        <p:txBody>
+          <a:bodyPr/>
+          <a:lstStyle/>
+          <a:p>
+            <a:pPr>
+              <a:lnSpc>
+                <a:spcPct val="90000"/>
+              </a:lnSpc>
+              <a:spcBef>
+                <a:spcPct val="50000"/>
+              </a:spcBef>
+            </a:pPr>
+            <a:r>
+              <a:rPr lang="en-US" sz="2400" dirty="0" smtClean="0"/>
+              <a:t>Saving and investment rates well below China’s </a:t>
+            </a:r>
+          </a:p>
+          <a:p>
+            <a:pPr>
+              <a:lnSpc>
+                <a:spcPct val="90000"/>
+              </a:lnSpc>
+              <a:spcBef>
+                <a:spcPct val="50000"/>
+              </a:spcBef>
+            </a:pPr>
+            <a:r>
+              <a:rPr lang="en-US" sz="2400" dirty="0" smtClean="0"/>
+              <a:t>How important is this to India’s future? </a:t>
             </a:r>
           </a:p>
         </p:txBody>
@@ -34384,7 +34604,91 @@
               <a:pPr>
                 <a:defRPr/>
               </a:pPr>
-              <a:t>64</a:t>
+              <a:t>65</a:t>
+            </a:fld>
+            <a:endParaRPr lang="en-US"/>
+          </a:p>
+        </p:txBody>
+      </p:sp>
+    </p:spTree>
+  </p:cSld>
+  <p:clrMapOvr>
+    <a:masterClrMapping/>
+  </p:clrMapOvr>
+  <p:timing>
+    <p:tnLst>
+      <p:par>
+        <p:cTn id="1" dur="indefinite" restart="never" nodeType="tmRoot"/>
+      </p:par>
+    </p:tnLst>
+  </p:timing>
+</p:sld>
+</file>
+
+<file path=ppt/slides/slide66.xml><?xml version="1.0" encoding="utf-8"?>
+<p:sld xmlns:a="http://schemas.openxmlformats.org/drawingml/2006/main" xmlns:r="http://schemas.openxmlformats.org/officeDocument/2006/relationships" xmlns:p="http://schemas.openxmlformats.org/presentationml/2006/main">
+  <p:cSld>
+    <p:spTree>
+      <p:nvGrpSpPr>
+        <p:cNvPr id="1" name=""/>
+        <p:cNvGrpSpPr/>
+        <p:nvPr/>
+      </p:nvGrpSpPr>
+      <p:grpSpPr>
+        <a:xfrm>
+          <a:off x="0" y="0"/>
+          <a:ext cx="0" cy="0"/>
+          <a:chOff x="0" y="0"/>
+          <a:chExt cx="0" cy="0"/>
+        </a:xfrm>
+      </p:grpSpPr>
+      <p:sp>
+        <p:nvSpPr>
+          <p:cNvPr id="40962" name="Rectangle 2"/>
+          <p:cNvSpPr>
+            <a:spLocks noGrp="1" noChangeArrowheads="1"/>
+          </p:cNvSpPr>
+          <p:nvPr>
+            <p:ph type="title"/>
+          </p:nvPr>
+        </p:nvSpPr>
+        <p:spPr/>
+        <p:txBody>
+          <a:bodyPr/>
+          <a:lstStyle/>
+          <a:p>
+            <a:pPr algn="l" eaLnBrk="1" hangingPunct="1"/>
+            <a:r>
+              <a:rPr lang="en-US" dirty="0" smtClean="0"/>
+              <a:t>Investment rates </a:t>
+            </a:r>
+          </a:p>
+        </p:txBody>
+      </p:sp>
+      <p:sp>
+        <p:nvSpPr>
+          <p:cNvPr id="6" name="Slide Number Placeholder 5"/>
+          <p:cNvSpPr>
+            <a:spLocks noGrp="1"/>
+          </p:cNvSpPr>
+          <p:nvPr>
+            <p:ph type="sldNum" sz="quarter" idx="12"/>
+          </p:nvPr>
+        </p:nvSpPr>
+        <p:spPr/>
+        <p:txBody>
+          <a:bodyPr/>
+          <a:lstStyle/>
+          <a:p>
+            <a:pPr>
+              <a:defRPr/>
+            </a:pPr>
+            <a:fld id="{8617ACB6-EADE-4263-B932-20C3691C3C1F}" type="slidenum">
+              <a:rPr lang="en-US" smtClean="0"/>
+              <a:pPr>
+                <a:defRPr/>
+              </a:pPr>
+              <a:t>66</a:t>
             </a:fld>
             <a:endParaRPr lang="en-US"/>
           </a:p>
@@ -34437,462 +34741,6 @@
 </p:sld>
 </file>
 
-<file path=ppt/slides/slide65.xml><?xml version="1.0" encoding="utf-8"?>
-<p:sld xmlns:a="http://schemas.openxmlformats.org/drawingml/2006/main" xmlns:r="http://schemas.openxmlformats.org/officeDocument/2006/relationships" xmlns:p="http://schemas.openxmlformats.org/presentationml/2006/main">
-  <p:cSld>
-    <p:spTree>
-      <p:nvGrpSpPr>
-        <p:cNvPr id="1" name=""/>
-        <p:cNvGrpSpPr/>
-        <p:nvPr/>
-      </p:nvGrpSpPr>
-      <p:grpSpPr>
-        <a:xfrm>
-          <a:off x="0" y="0"/>
-          <a:ext cx="0" cy="0"/>
-          <a:chOff x="0" y="0"/>
-          <a:chExt cx="0" cy="0"/>
-        </a:xfrm>
-      </p:grpSpPr>
-      <p:sp>
-        <p:nvSpPr>
-          <p:cNvPr id="40962" name="Rectangle 2"/>
-          <p:cNvSpPr>
-            <a:spLocks noGrp="1" noChangeArrowheads="1"/>
-          </p:cNvSpPr>
-          <p:nvPr>
-            <p:ph type="title"/>
-          </p:nvPr>
-        </p:nvSpPr>
-        <p:spPr/>
-        <p:txBody>
-          <a:bodyPr/>
-          <a:lstStyle/>
-          <a:p>
-            <a:pPr algn="l" eaLnBrk="1" hangingPunct="1"/>
-            <a:r>
-              <a:rPr lang="en-US" dirty="0" smtClean="0"/>
-              <a:t>India</a:t>
-            </a:r>
-          </a:p>
-        </p:txBody>
-      </p:sp>
-      <p:sp>
-        <p:nvSpPr>
-          <p:cNvPr id="40963" name="Rectangle 3"/>
-          <p:cNvSpPr>
-            <a:spLocks noGrp="1" noChangeArrowheads="1"/>
-          </p:cNvSpPr>
-          <p:nvPr>
-            <p:ph type="body" idx="1"/>
-          </p:nvPr>
-        </p:nvSpPr>
-        <p:spPr>
-          <a:xfrm>
-            <a:off x="457200" y="1600200"/>
-            <a:ext cx="8229600" cy="3200400"/>
-          </a:xfrm>
-        </p:spPr>
-        <p:txBody>
-          <a:bodyPr/>
-          <a:lstStyle/>
-          <a:p>
-            <a:pPr>
-              <a:lnSpc>
-                <a:spcPct val="90000"/>
-              </a:lnSpc>
-              <a:spcBef>
-                <a:spcPct val="50000"/>
-              </a:spcBef>
-            </a:pPr>
-            <a:r>
-              <a:rPr lang="en-US" sz="2400" dirty="0" smtClean="0"/>
-              <a:t>Experiments with Solow model  </a:t>
-            </a:r>
-          </a:p>
-          <a:p>
-            <a:pPr lvl="1">
-              <a:lnSpc>
-                <a:spcPct val="90000"/>
-              </a:lnSpc>
-              <a:spcBef>
-                <a:spcPct val="50000"/>
-              </a:spcBef>
-            </a:pPr>
-            <a:r>
-              <a:rPr lang="en-US" sz="2000" dirty="0" smtClean="0"/>
-              <a:t>Benchmark:  start model in 2010 and see what happens</a:t>
-            </a:r>
-          </a:p>
-          <a:p>
-            <a:pPr lvl="1">
-              <a:lnSpc>
-                <a:spcPct val="90000"/>
-              </a:lnSpc>
-              <a:spcBef>
-                <a:spcPct val="50000"/>
-              </a:spcBef>
-            </a:pPr>
-            <a:r>
-              <a:rPr lang="en-US" sz="2000" dirty="0" smtClean="0"/>
-              <a:t>Raise saving rate </a:t>
-            </a:r>
-          </a:p>
-          <a:p>
-            <a:pPr lvl="1">
-              <a:lnSpc>
-                <a:spcPct val="90000"/>
-              </a:lnSpc>
-              <a:spcBef>
-                <a:spcPct val="50000"/>
-              </a:spcBef>
-            </a:pPr>
-            <a:r>
-              <a:rPr lang="en-US" sz="2000" dirty="0" smtClean="0"/>
-              <a:t>Introduce productivity growth </a:t>
-            </a:r>
-          </a:p>
-          <a:p>
-            <a:pPr>
-              <a:lnSpc>
-                <a:spcPct val="90000"/>
-              </a:lnSpc>
-              <a:spcBef>
-                <a:spcPct val="50000"/>
-              </a:spcBef>
-            </a:pPr>
-            <a:r>
-              <a:rPr lang="en-US" sz="2400" dirty="0" smtClean="0"/>
-              <a:t>What has the biggest impact? </a:t>
-            </a:r>
-          </a:p>
-        </p:txBody>
-      </p:sp>
-      <p:sp>
-        <p:nvSpPr>
-          <p:cNvPr id="6" name="Slide Number Placeholder 5"/>
-          <p:cNvSpPr>
-            <a:spLocks noGrp="1"/>
-          </p:cNvSpPr>
-          <p:nvPr>
-            <p:ph type="sldNum" sz="quarter" idx="12"/>
-          </p:nvPr>
-        </p:nvSpPr>
-        <p:spPr/>
-        <p:txBody>
-          <a:bodyPr/>
-          <a:lstStyle/>
-          <a:p>
-            <a:pPr>
-              <a:defRPr/>
-            </a:pPr>
-            <a:fld id="{8617ACB6-EADE-4263-B932-20C3691C3C1F}" type="slidenum">
-              <a:rPr lang="en-US" smtClean="0"/>
-              <a:pPr>
-                <a:defRPr/>
-              </a:pPr>
-              <a:t>65</a:t>
-            </a:fld>
-            <a:endParaRPr lang="en-US"/>
-          </a:p>
-        </p:txBody>
-      </p:sp>
-    </p:spTree>
-  </p:cSld>
-  <p:clrMapOvr>
-    <a:masterClrMapping/>
-  </p:clrMapOvr>
-  <p:timing>
-    <p:tnLst>
-      <p:par>
-        <p:cTn id="1" dur="indefinite" restart="never" nodeType="tmRoot"/>
-      </p:par>
-    </p:tnLst>
-  </p:timing>
-</p:sld>
-</file>
-
-<file path=ppt/slides/slide66.xml><?xml version="1.0" encoding="utf-8"?>
-<p:sld xmlns:a="http://schemas.openxmlformats.org/drawingml/2006/main" xmlns:r="http://schemas.openxmlformats.org/officeDocument/2006/relationships" xmlns:p="http://schemas.openxmlformats.org/presentationml/2006/main">
-  <p:cSld>
-    <p:spTree>
-      <p:nvGrpSpPr>
-        <p:cNvPr id="1" name=""/>
-        <p:cNvGrpSpPr/>
-        <p:nvPr/>
-      </p:nvGrpSpPr>
-      <p:grpSpPr>
-        <a:xfrm>
-          <a:off x="0" y="0"/>
-          <a:ext cx="0" cy="0"/>
-          <a:chOff x="0" y="0"/>
-          <a:chExt cx="0" cy="0"/>
-        </a:xfrm>
-      </p:grpSpPr>
-      <p:sp>
-        <p:nvSpPr>
-          <p:cNvPr id="40962" name="Rectangle 2"/>
-          <p:cNvSpPr>
-            <a:spLocks noGrp="1" noChangeArrowheads="1"/>
-          </p:cNvSpPr>
-          <p:nvPr>
-            <p:ph type="title"/>
-          </p:nvPr>
-        </p:nvSpPr>
-        <p:spPr/>
-        <p:txBody>
-          <a:bodyPr/>
-          <a:lstStyle/>
-          <a:p>
-            <a:pPr algn="l" eaLnBrk="1" hangingPunct="1"/>
-            <a:r>
-              <a:rPr lang="en-US" dirty="0" smtClean="0"/>
-              <a:t>India</a:t>
-            </a:r>
-          </a:p>
-        </p:txBody>
-      </p:sp>
-      <p:sp>
-        <p:nvSpPr>
-          <p:cNvPr id="40963" name="Rectangle 3"/>
-          <p:cNvSpPr>
-            <a:spLocks noGrp="1" noChangeArrowheads="1"/>
-          </p:cNvSpPr>
-          <p:nvPr>
-            <p:ph type="body" idx="1"/>
-          </p:nvPr>
-        </p:nvSpPr>
-        <p:spPr>
-          <a:xfrm>
-            <a:off x="457200" y="1447800"/>
-            <a:ext cx="8229600" cy="3200400"/>
-          </a:xfrm>
-        </p:spPr>
-        <p:txBody>
-          <a:bodyPr/>
-          <a:lstStyle/>
-          <a:p>
-            <a:pPr>
-              <a:lnSpc>
-                <a:spcPct val="90000"/>
-              </a:lnSpc>
-              <a:spcBef>
-                <a:spcPct val="50000"/>
-              </a:spcBef>
-              <a:spcAft>
-                <a:spcPts val="600"/>
-              </a:spcAft>
-            </a:pPr>
-            <a:r>
-              <a:rPr lang="en-US" sz="2400" dirty="0" smtClean="0"/>
-              <a:t>Solow model inputs (estimates for 2010) </a:t>
-            </a:r>
-          </a:p>
-          <a:p>
-            <a:pPr lvl="1">
-              <a:lnSpc>
-                <a:spcPct val="90000"/>
-              </a:lnSpc>
-              <a:spcBef>
-                <a:spcPts val="600"/>
-              </a:spcBef>
-            </a:pPr>
-            <a:r>
-              <a:rPr lang="en-US" sz="2000" dirty="0" smtClean="0"/>
-              <a:t>Output Y=GDP:  4.08 trillion USD </a:t>
-            </a:r>
-          </a:p>
-          <a:p>
-            <a:pPr lvl="1">
-              <a:lnSpc>
-                <a:spcPct val="90000"/>
-              </a:lnSpc>
-              <a:spcBef>
-                <a:spcPts val="600"/>
-              </a:spcBef>
-            </a:pPr>
-            <a:r>
-              <a:rPr lang="en-US" sz="2000" dirty="0" smtClean="0"/>
-              <a:t>Capital K:  8.23 trillion USD </a:t>
-            </a:r>
-          </a:p>
-          <a:p>
-            <a:pPr lvl="1">
-              <a:lnSpc>
-                <a:spcPct val="90000"/>
-              </a:lnSpc>
-              <a:spcBef>
-                <a:spcPts val="600"/>
-              </a:spcBef>
-            </a:pPr>
-            <a:r>
-              <a:rPr lang="en-US" sz="2000" dirty="0" smtClean="0"/>
-              <a:t>Labor L:  0.452 billion people </a:t>
-            </a:r>
-          </a:p>
-          <a:p>
-            <a:pPr lvl="1">
-              <a:lnSpc>
-                <a:spcPct val="90000"/>
-              </a:lnSpc>
-              <a:spcBef>
-                <a:spcPts val="600"/>
-              </a:spcBef>
-            </a:pPr>
-            <a:r>
-              <a:rPr lang="en-US" sz="2000" dirty="0" smtClean="0"/>
-              <a:t>Source:  Penn World Table </a:t>
-            </a:r>
-          </a:p>
-          <a:p>
-            <a:pPr lvl="1">
-              <a:lnSpc>
-                <a:spcPct val="90000"/>
-              </a:lnSpc>
-              <a:spcBef>
-                <a:spcPts val="600"/>
-              </a:spcBef>
-            </a:pPr>
-            <a:r>
-              <a:rPr lang="en-US" sz="2000" dirty="0" smtClean="0"/>
-              <a:t>Productivity A:  how do we compute this? </a:t>
-            </a:r>
-          </a:p>
-          <a:p>
-            <a:pPr lvl="1">
-              <a:lnSpc>
-                <a:spcPct val="90000"/>
-              </a:lnSpc>
-              <a:spcBef>
-                <a:spcPts val="600"/>
-              </a:spcBef>
-            </a:pPr>
-            <a:r>
-              <a:rPr lang="en-US" sz="2000" dirty="0" smtClean="0"/>
-              <a:t>Saving/investment rate s:  0.25 </a:t>
-            </a:r>
-          </a:p>
-          <a:p>
-            <a:pPr lvl="1">
-              <a:lnSpc>
-                <a:spcPct val="90000"/>
-              </a:lnSpc>
-              <a:spcBef>
-                <a:spcPts val="600"/>
-              </a:spcBef>
-            </a:pPr>
-            <a:r>
-              <a:rPr lang="en-US" sz="2000" dirty="0" smtClean="0"/>
-              <a:t>Depreciation rate </a:t>
-            </a:r>
-            <a:r>
-              <a:rPr lang="en-US" sz="2000" dirty="0" smtClean="0">
-                <a:latin typeface="Palatino Linotype"/>
-              </a:rPr>
-              <a:t>δ</a:t>
-            </a:r>
-            <a:r>
-              <a:rPr lang="en-US" sz="2000" dirty="0" smtClean="0"/>
-              <a:t>:  0.06 </a:t>
-            </a:r>
-          </a:p>
-          <a:p>
-            <a:pPr>
-              <a:lnSpc>
-                <a:spcPct val="90000"/>
-              </a:lnSpc>
-              <a:spcBef>
-                <a:spcPts val="1200"/>
-              </a:spcBef>
-              <a:spcAft>
-                <a:spcPts val="600"/>
-              </a:spcAft>
-            </a:pPr>
-            <a:r>
-              <a:rPr lang="en-US" sz="2400" dirty="0" smtClean="0"/>
-              <a:t>Experiments </a:t>
-            </a:r>
-          </a:p>
-          <a:p>
-            <a:pPr lvl="1">
-              <a:lnSpc>
-                <a:spcPct val="90000"/>
-              </a:lnSpc>
-              <a:spcBef>
-                <a:spcPts val="600"/>
-              </a:spcBef>
-              <a:spcAft>
-                <a:spcPts val="0"/>
-              </a:spcAft>
-            </a:pPr>
-            <a:r>
-              <a:rPr lang="en-US" sz="2000" dirty="0" smtClean="0"/>
-              <a:t>Raise saving rate </a:t>
-            </a:r>
-          </a:p>
-          <a:p>
-            <a:pPr lvl="1">
-              <a:lnSpc>
-                <a:spcPct val="90000"/>
-              </a:lnSpc>
-              <a:spcBef>
-                <a:spcPts val="600"/>
-              </a:spcBef>
-              <a:spcAft>
-                <a:spcPts val="0"/>
-              </a:spcAft>
-            </a:pPr>
-            <a:r>
-              <a:rPr lang="en-US" sz="2000" dirty="0" smtClean="0"/>
-              <a:t>Add productivity growth </a:t>
-            </a:r>
-          </a:p>
-        </p:txBody>
-      </p:sp>
-      <p:sp>
-        <p:nvSpPr>
-          <p:cNvPr id="6" name="Slide Number Placeholder 5"/>
-          <p:cNvSpPr>
-            <a:spLocks noGrp="1"/>
-          </p:cNvSpPr>
-          <p:nvPr>
-            <p:ph type="sldNum" sz="quarter" idx="12"/>
-          </p:nvPr>
-        </p:nvSpPr>
-        <p:spPr/>
-        <p:txBody>
-          <a:bodyPr/>
-          <a:lstStyle/>
-          <a:p>
-            <a:pPr>
-              <a:defRPr/>
-            </a:pPr>
-            <a:fld id="{8617ACB6-EADE-4263-B932-20C3691C3C1F}" type="slidenum">
-              <a:rPr lang="en-US" smtClean="0"/>
-              <a:pPr>
-                <a:defRPr/>
-              </a:pPr>
-              <a:t>66</a:t>
-            </a:fld>
-            <a:endParaRPr lang="en-US"/>
-          </a:p>
-        </p:txBody>
-      </p:sp>
-    </p:spTree>
-  </p:cSld>
-  <p:clrMapOvr>
-    <a:masterClrMapping/>
-  </p:clrMapOvr>
-  <p:timing>
-    <p:tnLst>
-      <p:par>
-        <p:cTn id="1" dur="indefinite" restart="never" nodeType="tmRoot"/>
-      </p:par>
-    </p:tnLst>
-  </p:timing>
-</p:sld>
-</file>
-
 <file path=ppt/slides/slide67.xml><?xml version="1.0" encoding="utf-8"?>
 <p:sld xmlns:a="http://schemas.openxmlformats.org/drawingml/2006/main" xmlns:r="http://schemas.openxmlformats.org/officeDocument/2006/relationships" xmlns:p="http://schemas.openxmlformats.org/presentationml/2006/main">
   <p:cSld>
@@ -34945,7 +34793,7 @@
         </p:nvSpPr>
         <p:spPr>
           <a:xfrm>
-            <a:off x="457200" y="1447800"/>
+            <a:off x="457200" y="1600200"/>
             <a:ext cx="8229600" cy="3200400"/>
           </a:xfrm>
         </p:spPr>
@@ -34963,7 +34811,7 @@
             </a:pPr>
             <a:r>
               <a:rPr lang="en-US" sz="2400" dirty="0" smtClean="0"/>
-              <a:t>Solow model experiments</a:t>
+              <a:t>Experiments with Solow model  </a:t>
             </a:r>
           </a:p>
           <a:p>
@@ -34977,7 +34825,7 @@
             </a:pPr>
             <a:r>
               <a:rPr lang="en-US" sz="2000" dirty="0" smtClean="0"/>
-              <a:t>Raise saving rate </a:t>
+              <a:t>Benchmark:  start model in 2010 and see what happens</a:t>
             </a:r>
           </a:p>
           <a:p>
@@ -34991,7 +34839,7 @@
             </a:pPr>
             <a:r>
               <a:rPr lang="en-US" sz="2000" dirty="0" smtClean="0"/>
-              <a:t>Add labor force growth </a:t>
+              <a:t>Raise saving rate </a:t>
             </a:r>
           </a:p>
           <a:p>
@@ -35005,11 +34853,11 @@
             </a:pPr>
             <a:r>
               <a:rPr lang="en-US" sz="2000" dirty="0" smtClean="0"/>
-              <a:t>Add productivity growth </a:t>
-            </a:r>
-          </a:p>
-          <a:p>
-            <a:pPr lvl="1">
+              <a:t>Introduce productivity growth </a:t>
+            </a:r>
+          </a:p>
+          <a:p>
+            <a:pPr>
               <a:lnSpc>
                 <a:spcPct val="90000"/>
               </a:lnSpc>
@@ -35018,8 +34866,8 @@
               </a:spcBef>
             </a:pPr>
             <a:r>
-              <a:rPr lang="en-US" sz="2000" dirty="0" smtClean="0"/>
-              <a:t>Increase productivity growth </a:t>
+              <a:rPr lang="en-US" sz="2400" dirty="0" smtClean="0"/>
+              <a:t>What has the biggest impact? </a:t>
             </a:r>
           </a:p>
         </p:txBody>
@@ -35110,6 +34958,203 @@
       </p:sp>
       <p:sp>
         <p:nvSpPr>
+          <p:cNvPr id="40963" name="Rectangle 3"/>
+          <p:cNvSpPr>
+            <a:spLocks noGrp="1" noChangeArrowheads="1"/>
+          </p:cNvSpPr>
+          <p:nvPr>
+            <p:ph type="body" idx="1"/>
+          </p:nvPr>
+        </p:nvSpPr>
+        <p:spPr>
+          <a:xfrm>
+            <a:off x="457200" y="1447800"/>
+            <a:ext cx="8229600" cy="3200400"/>
+          </a:xfrm>
+        </p:spPr>
+        <p:txBody>
+          <a:bodyPr/>
+          <a:lstStyle/>
+          <a:p>
+            <a:pPr>
+              <a:lnSpc>
+                <a:spcPct val="90000"/>
+              </a:lnSpc>
+              <a:spcBef>
+                <a:spcPct val="50000"/>
+              </a:spcBef>
+              <a:spcAft>
+                <a:spcPts val="600"/>
+              </a:spcAft>
+            </a:pPr>
+            <a:r>
+              <a:rPr lang="en-US" sz="2400" dirty="0" smtClean="0"/>
+              <a:t>Solow model inputs (estimates for 2010) </a:t>
+            </a:r>
+          </a:p>
+          <a:p>
+            <a:pPr lvl="1">
+              <a:lnSpc>
+                <a:spcPct val="90000"/>
+              </a:lnSpc>
+              <a:spcBef>
+                <a:spcPts val="600"/>
+              </a:spcBef>
+            </a:pPr>
+            <a:r>
+              <a:rPr lang="en-US" sz="2000" dirty="0" smtClean="0"/>
+              <a:t>Output Y=GDP:  4.08 trillion USD </a:t>
+            </a:r>
+          </a:p>
+          <a:p>
+            <a:pPr lvl="1">
+              <a:lnSpc>
+                <a:spcPct val="90000"/>
+              </a:lnSpc>
+              <a:spcBef>
+                <a:spcPts val="600"/>
+              </a:spcBef>
+            </a:pPr>
+            <a:r>
+              <a:rPr lang="en-US" sz="2000" dirty="0" smtClean="0"/>
+              <a:t>Capital K:  8.23 trillion USD </a:t>
+            </a:r>
+          </a:p>
+          <a:p>
+            <a:pPr lvl="1">
+              <a:lnSpc>
+                <a:spcPct val="90000"/>
+              </a:lnSpc>
+              <a:spcBef>
+                <a:spcPts val="600"/>
+              </a:spcBef>
+            </a:pPr>
+            <a:r>
+              <a:rPr lang="en-US" sz="2000" dirty="0" smtClean="0"/>
+              <a:t>Labor L:  0.452 billion people </a:t>
+            </a:r>
+          </a:p>
+          <a:p>
+            <a:pPr lvl="1">
+              <a:lnSpc>
+                <a:spcPct val="90000"/>
+              </a:lnSpc>
+              <a:spcBef>
+                <a:spcPts val="600"/>
+              </a:spcBef>
+            </a:pPr>
+            <a:r>
+              <a:rPr lang="en-US" sz="2000" dirty="0" smtClean="0"/>
+              <a:t>Source:  Penn World Table </a:t>
+            </a:r>
+          </a:p>
+          <a:p>
+            <a:pPr lvl="1">
+              <a:lnSpc>
+                <a:spcPct val="90000"/>
+              </a:lnSpc>
+              <a:spcBef>
+                <a:spcPts val="600"/>
+              </a:spcBef>
+            </a:pPr>
+            <a:r>
+              <a:rPr lang="en-US" sz="2000" dirty="0" smtClean="0"/>
+              <a:t>Productivity A:  how do we compute this? </a:t>
+            </a:r>
+          </a:p>
+          <a:p>
+            <a:pPr lvl="1">
+              <a:lnSpc>
+                <a:spcPct val="90000"/>
+              </a:lnSpc>
+              <a:spcBef>
+                <a:spcPts val="600"/>
+              </a:spcBef>
+            </a:pPr>
+            <a:r>
+              <a:rPr lang="en-US" sz="2000" dirty="0" smtClean="0"/>
+              <a:t>Saving/investment rate s:  0.25 </a:t>
+            </a:r>
+          </a:p>
+          <a:p>
+            <a:pPr lvl="1">
+              <a:lnSpc>
+                <a:spcPct val="90000"/>
+              </a:lnSpc>
+              <a:spcBef>
+                <a:spcPts val="600"/>
+              </a:spcBef>
+            </a:pPr>
+            <a:r>
+              <a:rPr lang="en-US" sz="2000" dirty="0" smtClean="0"/>
+              <a:t>Depreciation rate </a:t>
+            </a:r>
+            <a:r>
+              <a:rPr lang="en-US" sz="2000" dirty="0" smtClean="0">
+                <a:latin typeface="Palatino Linotype"/>
+              </a:rPr>
+              <a:t>δ</a:t>
+            </a:r>
+            <a:r>
+              <a:rPr lang="en-US" sz="2000" dirty="0" smtClean="0"/>
+              <a:t>:  0.06 </a:t>
+            </a:r>
+          </a:p>
+          <a:p>
+            <a:pPr>
+              <a:lnSpc>
+                <a:spcPct val="90000"/>
+              </a:lnSpc>
+              <a:spcBef>
+                <a:spcPts val="1200"/>
+              </a:spcBef>
+              <a:spcAft>
+                <a:spcPts val="600"/>
+              </a:spcAft>
+            </a:pPr>
+            <a:r>
+              <a:rPr lang="en-US" sz="2400" dirty="0" smtClean="0"/>
+              <a:t>Experiments </a:t>
+            </a:r>
+          </a:p>
+          <a:p>
+            <a:pPr lvl="1">
+              <a:lnSpc>
+                <a:spcPct val="90000"/>
+              </a:lnSpc>
+              <a:spcBef>
+                <a:spcPts val="600"/>
+              </a:spcBef>
+              <a:spcAft>
+                <a:spcPts val="0"/>
+              </a:spcAft>
+            </a:pPr>
+            <a:r>
+              <a:rPr lang="en-US" sz="2000" dirty="0" smtClean="0"/>
+              <a:t>Raise saving rate </a:t>
+            </a:r>
+          </a:p>
+          <a:p>
+            <a:pPr lvl="1">
+              <a:lnSpc>
+                <a:spcPct val="90000"/>
+              </a:lnSpc>
+              <a:spcBef>
+                <a:spcPts val="600"/>
+              </a:spcBef>
+              <a:spcAft>
+                <a:spcPts val="0"/>
+              </a:spcAft>
+            </a:pPr>
+            <a:r>
+              <a:rPr lang="en-US" sz="2000" dirty="0" smtClean="0"/>
+              <a:t>Add productivity growth </a:t>
+            </a:r>
+          </a:p>
+        </p:txBody>
+      </p:sp>
+      <p:sp>
+        <p:nvSpPr>
           <p:cNvPr id="6" name="Slide Number Placeholder 5"/>
           <p:cNvSpPr>
             <a:spLocks noGrp="1"/>
@@ -35132,6 +35177,420 @@
                 <a:defRPr/>
               </a:pPr>
               <a:t>68</a:t>
+            </a:fld>
+            <a:endParaRPr lang="en-US"/>
+          </a:p>
+        </p:txBody>
+      </p:sp>
+    </p:spTree>
+  </p:cSld>
+  <p:clrMapOvr>
+    <a:masterClrMapping/>
+  </p:clrMapOvr>
+  <p:timing>
+    <p:tnLst>
+      <p:par>
+        <p:cTn id="1" dur="indefinite" restart="never" nodeType="tmRoot"/>
+      </p:par>
+    </p:tnLst>
+  </p:timing>
+</p:sld>
+</file>
+
+<file path=ppt/slides/slide69.xml><?xml version="1.0" encoding="utf-8"?>
+<p:sld xmlns:a="http://schemas.openxmlformats.org/drawingml/2006/main" xmlns:r="http://schemas.openxmlformats.org/officeDocument/2006/relationships" xmlns:p="http://schemas.openxmlformats.org/presentationml/2006/main">
+  <p:cSld>
+    <p:spTree>
+      <p:nvGrpSpPr>
+        <p:cNvPr id="1" name=""/>
+        <p:cNvGrpSpPr/>
+        <p:nvPr/>
+      </p:nvGrpSpPr>
+      <p:grpSpPr>
+        <a:xfrm>
+          <a:off x="0" y="0"/>
+          <a:ext cx="0" cy="0"/>
+          <a:chOff x="0" y="0"/>
+          <a:chExt cx="0" cy="0"/>
+        </a:xfrm>
+      </p:grpSpPr>
+      <p:sp>
+        <p:nvSpPr>
+          <p:cNvPr id="40962" name="Rectangle 2"/>
+          <p:cNvSpPr>
+            <a:spLocks noGrp="1" noChangeArrowheads="1"/>
+          </p:cNvSpPr>
+          <p:nvPr>
+            <p:ph type="title"/>
+          </p:nvPr>
+        </p:nvSpPr>
+        <p:spPr/>
+        <p:txBody>
+          <a:bodyPr/>
+          <a:lstStyle/>
+          <a:p>
+            <a:pPr algn="l" eaLnBrk="1" hangingPunct="1"/>
+            <a:r>
+              <a:rPr lang="en-US" dirty="0" smtClean="0"/>
+              <a:t>India</a:t>
+            </a:r>
+          </a:p>
+        </p:txBody>
+      </p:sp>
+      <p:sp>
+        <p:nvSpPr>
+          <p:cNvPr id="40963" name="Rectangle 3"/>
+          <p:cNvSpPr>
+            <a:spLocks noGrp="1" noChangeArrowheads="1"/>
+          </p:cNvSpPr>
+          <p:nvPr>
+            <p:ph type="body" idx="1"/>
+          </p:nvPr>
+        </p:nvSpPr>
+        <p:spPr>
+          <a:xfrm>
+            <a:off x="457200" y="1447800"/>
+            <a:ext cx="8229600" cy="3200400"/>
+          </a:xfrm>
+        </p:spPr>
+        <p:txBody>
+          <a:bodyPr/>
+          <a:lstStyle/>
+          <a:p>
+            <a:pPr>
+              <a:lnSpc>
+                <a:spcPct val="90000"/>
+              </a:lnSpc>
+              <a:spcBef>
+                <a:spcPct val="50000"/>
+              </a:spcBef>
+            </a:pPr>
+            <a:r>
+              <a:rPr lang="en-US" sz="2400" dirty="0" smtClean="0"/>
+              <a:t>Solow model experiments</a:t>
+            </a:r>
+          </a:p>
+          <a:p>
+            <a:pPr lvl="1">
+              <a:lnSpc>
+                <a:spcPct val="90000"/>
+              </a:lnSpc>
+              <a:spcBef>
+                <a:spcPct val="50000"/>
+              </a:spcBef>
+            </a:pPr>
+            <a:r>
+              <a:rPr lang="en-US" sz="2000" dirty="0" smtClean="0"/>
+              <a:t>Raise saving rate </a:t>
+            </a:r>
+          </a:p>
+          <a:p>
+            <a:pPr lvl="1">
+              <a:lnSpc>
+                <a:spcPct val="90000"/>
+              </a:lnSpc>
+              <a:spcBef>
+                <a:spcPct val="50000"/>
+              </a:spcBef>
+            </a:pPr>
+            <a:r>
+              <a:rPr lang="en-US" sz="2000" dirty="0" smtClean="0"/>
+              <a:t>Add labor force growth </a:t>
+            </a:r>
+          </a:p>
+          <a:p>
+            <a:pPr lvl="1">
+              <a:lnSpc>
+                <a:spcPct val="90000"/>
+              </a:lnSpc>
+              <a:spcBef>
+                <a:spcPct val="50000"/>
+              </a:spcBef>
+            </a:pPr>
+            <a:r>
+              <a:rPr lang="en-US" sz="2000" dirty="0" smtClean="0"/>
+              <a:t>Add productivity growth </a:t>
+            </a:r>
+          </a:p>
+          <a:p>
+            <a:pPr lvl="1">
+              <a:lnSpc>
+                <a:spcPct val="90000"/>
+              </a:lnSpc>
+              <a:spcBef>
+                <a:spcPct val="50000"/>
+              </a:spcBef>
+            </a:pPr>
+            <a:r>
+              <a:rPr lang="en-US" sz="2000" dirty="0" smtClean="0"/>
+              <a:t>Increase productivity growth </a:t>
+            </a:r>
+          </a:p>
+        </p:txBody>
+      </p:sp>
+      <p:sp>
+        <p:nvSpPr>
+          <p:cNvPr id="6" name="Slide Number Placeholder 5"/>
+          <p:cNvSpPr>
+            <a:spLocks noGrp="1"/>
+          </p:cNvSpPr>
+          <p:nvPr>
+            <p:ph type="sldNum" sz="quarter" idx="12"/>
+          </p:nvPr>
+        </p:nvSpPr>
+        <p:spPr/>
+        <p:txBody>
+          <a:bodyPr/>
+          <a:lstStyle/>
+          <a:p>
+            <a:pPr>
+              <a:defRPr/>
+            </a:pPr>
+            <a:fld id="{8617ACB6-EADE-4263-B932-20C3691C3C1F}" type="slidenum">
+              <a:rPr lang="en-US" smtClean="0"/>
+              <a:pPr>
+                <a:defRPr/>
+              </a:pPr>
+              <a:t>69</a:t>
+            </a:fld>
+            <a:endParaRPr lang="en-US"/>
+          </a:p>
+        </p:txBody>
+      </p:sp>
+    </p:spTree>
+  </p:cSld>
+  <p:clrMapOvr>
+    <a:masterClrMapping/>
+  </p:clrMapOvr>
+  <p:timing>
+    <p:tnLst>
+      <p:par>
+        <p:cTn id="1" dur="indefinite" restart="never" nodeType="tmRoot"/>
+      </p:par>
+    </p:tnLst>
+  </p:timing>
+</p:sld>
+</file>
+
+<file path=ppt/slides/slide7.xml><?xml version="1.0" encoding="utf-8"?>
+<p:sld xmlns:a="http://schemas.openxmlformats.org/drawingml/2006/main" xmlns:r="http://schemas.openxmlformats.org/officeDocument/2006/relationships" xmlns:p="http://schemas.openxmlformats.org/presentationml/2006/main">
+  <p:cSld>
+    <p:spTree>
+      <p:nvGrpSpPr>
+        <p:cNvPr id="1" name=""/>
+        <p:cNvGrpSpPr/>
+        <p:nvPr/>
+      </p:nvGrpSpPr>
+      <p:grpSpPr>
+        <a:xfrm>
+          <a:off x="0" y="0"/>
+          <a:ext cx="0" cy="0"/>
+          <a:chOff x="0" y="0"/>
+          <a:chExt cx="0" cy="0"/>
+        </a:xfrm>
+      </p:grpSpPr>
+      <p:sp>
+        <p:nvSpPr>
+          <p:cNvPr id="4098" name="Rectangle 2"/>
+          <p:cNvSpPr>
+            <a:spLocks noGrp="1" noChangeArrowheads="1"/>
+          </p:cNvSpPr>
+          <p:nvPr>
+            <p:ph type="title"/>
+          </p:nvPr>
+        </p:nvSpPr>
+        <p:spPr/>
+        <p:txBody>
+          <a:bodyPr/>
+          <a:lstStyle/>
+          <a:p>
+            <a:pPr algn="l" eaLnBrk="1" hangingPunct="1"/>
+            <a:r>
+              <a:rPr lang="en-US" dirty="0" smtClean="0"/>
+              <a:t>Reminder:  GDP </a:t>
+            </a:r>
+          </a:p>
+        </p:txBody>
+      </p:sp>
+      <p:sp>
+        <p:nvSpPr>
+          <p:cNvPr id="4" name="Slide Number Placeholder 3"/>
+          <p:cNvSpPr>
+            <a:spLocks noGrp="1"/>
+          </p:cNvSpPr>
+          <p:nvPr>
+            <p:ph type="sldNum" sz="quarter" idx="12"/>
+          </p:nvPr>
+        </p:nvSpPr>
+        <p:spPr/>
+        <p:txBody>
+          <a:bodyPr/>
+          <a:lstStyle/>
+          <a:p>
+            <a:pPr>
+              <a:defRPr/>
+            </a:pPr>
+            <a:fld id="{8617ACB6-EADE-4263-B932-20C3691C3C1F}" type="slidenum">
+              <a:rPr lang="en-US" smtClean="0"/>
+              <a:pPr>
+                <a:defRPr/>
+              </a:pPr>
+              <a:t>7</a:t>
+            </a:fld>
+            <a:endParaRPr lang="en-US"/>
+          </a:p>
+        </p:txBody>
+      </p:sp>
+      <p:pic>
+        <p:nvPicPr>
+          <p:cNvPr id="71682" name="Picture 2" descr="Imfchart"/>
+          <p:cNvPicPr>
+            <a:picLocks noChangeAspect="1" noChangeArrowheads="1"/>
+          </p:cNvPicPr>
+          <p:nvPr/>
+        </p:nvPicPr>
+        <p:blipFill>
+          <a:blip r:embed="rId3">
+            <a:extLst>
+              <a:ext uri="{28A0092B-C50C-407E-A947-70E740481C1C}">
+                <a14:useLocalDpi xmlns:a14="http://schemas.microsoft.com/office/drawing/2010/main" val="0"/>
+              </a:ext>
+            </a:extLst>
+          </a:blip>
+          <a:srcRect/>
+          <a:stretch>
+            <a:fillRect/>
+          </a:stretch>
+        </p:blipFill>
+        <p:spPr bwMode="auto">
+          <a:xfrm>
+            <a:off x="1183192" y="1229248"/>
+            <a:ext cx="6843247" cy="4878185"/>
+          </a:xfrm>
+          <a:prstGeom prst="rect">
+            <a:avLst/>
+          </a:prstGeom>
+          <a:noFill/>
+          <a:extLst>
+            <a:ext uri="{909E8E84-426E-40DD-AFC4-6F175D3DCCD1}">
+              <a14:hiddenFill xmlns:a14="http://schemas.microsoft.com/office/drawing/2010/main">
+                <a:solidFill>
+                  <a:srgbClr val="FFFFFF"/>
+                </a:solidFill>
+              </a14:hiddenFill>
+            </a:ext>
+          </a:extLst>
+        </p:spPr>
+      </p:pic>
+      <p:sp>
+        <p:nvSpPr>
+          <p:cNvPr id="7" name="TextBox 6"/>
+          <p:cNvSpPr txBox="1"/>
+          <p:nvPr/>
+        </p:nvSpPr>
+        <p:spPr>
+          <a:xfrm>
+            <a:off x="533400" y="6248400"/>
+            <a:ext cx="4724400" cy="276999"/>
+          </a:xfrm>
+          <a:prstGeom prst="rect">
+            <a:avLst/>
+          </a:prstGeom>
+          <a:noFill/>
+        </p:spPr>
+        <p:txBody>
+          <a:bodyPr wrap="square" rtlCol="0">
+            <a:spAutoFit/>
+          </a:bodyPr>
+          <a:lstStyle/>
+          <a:p>
+            <a:r>
+              <a:rPr lang="en-US" sz="1200" dirty="0" smtClean="0"/>
+              <a:t>Source:  World Bank, International Comparisons Project, report.  </a:t>
+            </a:r>
+            <a:endParaRPr lang="en-US" sz="1200" dirty="0"/>
+          </a:p>
+        </p:txBody>
+      </p:sp>
+    </p:spTree>
+  </p:cSld>
+  <p:clrMapOvr>
+    <a:masterClrMapping/>
+  </p:clrMapOvr>
+  <p:timing>
+    <p:tnLst>
+      <p:par>
+        <p:cTn id="1" dur="indefinite" restart="never" nodeType="tmRoot"/>
+      </p:par>
+    </p:tnLst>
+  </p:timing>
+</p:sld>
+</file>
+
+<file path=ppt/slides/slide70.xml><?xml version="1.0" encoding="utf-8"?>
+<p:sld xmlns:a="http://schemas.openxmlformats.org/drawingml/2006/main" xmlns:r="http://schemas.openxmlformats.org/officeDocument/2006/relationships" xmlns:p="http://schemas.openxmlformats.org/presentationml/2006/main">
+  <p:cSld>
+    <p:spTree>
+      <p:nvGrpSpPr>
+        <p:cNvPr id="1" name=""/>
+        <p:cNvGrpSpPr/>
+        <p:nvPr/>
+      </p:nvGrpSpPr>
+      <p:grpSpPr>
+        <a:xfrm>
+          <a:off x="0" y="0"/>
+          <a:ext cx="0" cy="0"/>
+          <a:chOff x="0" y="0"/>
+          <a:chExt cx="0" cy="0"/>
+        </a:xfrm>
+      </p:grpSpPr>
+      <p:sp>
+        <p:nvSpPr>
+          <p:cNvPr id="40962" name="Rectangle 2"/>
+          <p:cNvSpPr>
+            <a:spLocks noGrp="1" noChangeArrowheads="1"/>
+          </p:cNvSpPr>
+          <p:nvPr>
+            <p:ph type="title"/>
+          </p:nvPr>
+        </p:nvSpPr>
+        <p:spPr/>
+        <p:txBody>
+          <a:bodyPr/>
+          <a:lstStyle/>
+          <a:p>
+            <a:pPr algn="l" eaLnBrk="1" hangingPunct="1"/>
+            <a:r>
+              <a:rPr lang="en-US" dirty="0" smtClean="0"/>
+              <a:t>India</a:t>
+            </a:r>
+          </a:p>
+        </p:txBody>
+      </p:sp>
+      <p:sp>
+        <p:nvSpPr>
+          <p:cNvPr id="6" name="Slide Number Placeholder 5"/>
+          <p:cNvSpPr>
+            <a:spLocks noGrp="1"/>
+          </p:cNvSpPr>
+          <p:nvPr>
+            <p:ph type="sldNum" sz="quarter" idx="12"/>
+          </p:nvPr>
+        </p:nvSpPr>
+        <p:spPr/>
+        <p:txBody>
+          <a:bodyPr/>
+          <a:lstStyle/>
+          <a:p>
+            <a:pPr>
+              <a:defRPr/>
+            </a:pPr>
+            <a:fld id="{8617ACB6-EADE-4263-B932-20C3691C3C1F}" type="slidenum">
+              <a:rPr lang="en-US" smtClean="0"/>
+              <a:pPr>
+                <a:defRPr/>
+              </a:pPr>
+              <a:t>70</a:t>
             </a:fld>
             <a:endParaRPr lang="en-US"/>
           </a:p>
@@ -36323,7 +36782,7 @@
 </p:sld>
 </file>
 
-<file path=ppt/slides/slide69.xml><?xml version="1.0" encoding="utf-8"?>
+<file path=ppt/slides/slide71.xml><?xml version="1.0" encoding="utf-8"?>
 <p:sld xmlns:a="http://schemas.openxmlformats.org/drawingml/2006/main" xmlns:r="http://schemas.openxmlformats.org/officeDocument/2006/relationships" xmlns:p="http://schemas.openxmlformats.org/presentationml/2006/main">
   <p:cSld>
     <p:spTree>
@@ -36386,7 +36845,7 @@
               <a:pPr>
                 <a:defRPr/>
               </a:pPr>
-              <a:t>69</a:t>
+              <a:t>71</a:t>
             </a:fld>
             <a:endParaRPr lang="en-US"/>
           </a:p>
@@ -37593,162 +38052,7 @@
 </p:sld>
 </file>
 
-<file path=ppt/slides/slide7.xml><?xml version="1.0" encoding="utf-8"?>
-<p:sld xmlns:a="http://schemas.openxmlformats.org/drawingml/2006/main" xmlns:r="http://schemas.openxmlformats.org/officeDocument/2006/relationships" xmlns:p="http://schemas.openxmlformats.org/presentationml/2006/main">
-  <p:cSld>
-    <p:spTree>
-      <p:nvGrpSpPr>
-        <p:cNvPr id="1" name=""/>
-        <p:cNvGrpSpPr/>
-        <p:nvPr/>
-      </p:nvGrpSpPr>
-      <p:grpSpPr>
-        <a:xfrm>
-          <a:off x="0" y="0"/>
-          <a:ext cx="0" cy="0"/>
-          <a:chOff x="0" y="0"/>
-          <a:chExt cx="0" cy="0"/>
-        </a:xfrm>
-      </p:grpSpPr>
-      <p:sp>
-        <p:nvSpPr>
-          <p:cNvPr id="4098" name="Rectangle 2"/>
-          <p:cNvSpPr>
-            <a:spLocks noGrp="1" noChangeArrowheads="1"/>
-          </p:cNvSpPr>
-          <p:nvPr>
-            <p:ph type="title"/>
-          </p:nvPr>
-        </p:nvSpPr>
-        <p:spPr/>
-        <p:txBody>
-          <a:bodyPr/>
-          <a:lstStyle/>
-          <a:p>
-            <a:pPr algn="l" eaLnBrk="1" hangingPunct="1"/>
-            <a:r>
-              <a:rPr lang="en-US" dirty="0" smtClean="0"/>
-              <a:t>Reminder:  GDP </a:t>
-            </a:r>
-          </a:p>
-        </p:txBody>
-      </p:sp>
-      <p:sp>
-        <p:nvSpPr>
-          <p:cNvPr id="4" name="Slide Number Placeholder 3"/>
-          <p:cNvSpPr>
-            <a:spLocks noGrp="1"/>
-          </p:cNvSpPr>
-          <p:nvPr>
-            <p:ph type="sldNum" sz="quarter" idx="12"/>
-          </p:nvPr>
-        </p:nvSpPr>
-        <p:spPr/>
-        <p:txBody>
-          <a:bodyPr/>
-          <a:lstStyle/>
-          <a:p>
-            <a:pPr>
-              <a:defRPr/>
-            </a:pPr>
-            <a:fld id="{8617ACB6-EADE-4263-B932-20C3691C3C1F}" type="slidenum">
-              <a:rPr lang="en-US" smtClean="0"/>
-              <a:pPr>
-                <a:defRPr/>
-              </a:pPr>
-              <a:t>7</a:t>
-            </a:fld>
-            <a:endParaRPr lang="en-US"/>
-          </a:p>
-        </p:txBody>
-      </p:sp>
-      <p:pic>
-        <p:nvPicPr>
-          <p:cNvPr id="71682" name="Picture 2" descr="Imfchart"/>
-          <p:cNvPicPr>
-            <a:picLocks noChangeAspect="1" noChangeArrowheads="1"/>
-          </p:cNvPicPr>
-          <p:nvPr/>
-        </p:nvPicPr>
-        <p:blipFill>
-          <a:blip r:embed="rId3">
-            <a:extLst>
-              <a:ext uri="{28A0092B-C50C-407E-A947-70E740481C1C}">
-                <a14:useLocalDpi xmlns:a14="http://schemas.microsoft.com/office/drawing/2010/main" val="0"/>
-              </a:ext>
-            </a:extLst>
-          </a:blip>
-          <a:srcRect/>
-          <a:stretch>
-            <a:fillRect/>
-          </a:stretch>
-        </p:blipFill>
-        <p:spPr bwMode="auto">
-          <a:xfrm>
-            <a:off x="1183192" y="1229248"/>
-            <a:ext cx="6843247" cy="4878185"/>
-          </a:xfrm>
-          <a:prstGeom prst="rect">
-            <a:avLst/>
-          </a:prstGeom>
-          <a:noFill/>
-          <a:extLst>
-            <a:ext uri="{909E8E84-426E-40DD-AFC4-6F175D3DCCD1}">
-              <a14:hiddenFill xmlns:a14="http://schemas.microsoft.com/office/drawing/2010/main">
-                <a:solidFill>
-                  <a:srgbClr val="FFFFFF"/>
-                </a:solidFill>
-              </a14:hiddenFill>
-            </a:ext>
-          </a:extLst>
-        </p:spPr>
-      </p:pic>
-      <p:sp>
-        <p:nvSpPr>
-          <p:cNvPr id="7" name="TextBox 6"/>
-          <p:cNvSpPr txBox="1"/>
-          <p:nvPr/>
-        </p:nvSpPr>
-        <p:spPr>
-          <a:xfrm>
-            <a:off x="533400" y="6248400"/>
-            <a:ext cx="4724400" cy="276999"/>
-          </a:xfrm>
-          <a:prstGeom prst="rect">
-            <a:avLst/>
-          </a:prstGeom>
-          <a:noFill/>
-        </p:spPr>
-        <p:txBody>
-          <a:bodyPr wrap="square" rtlCol="0">
-            <a:spAutoFit/>
-          </a:bodyPr>
-          <a:lstStyle/>
-          <a:p>
-            <a:r>
-              <a:rPr lang="en-US" sz="1200" dirty="0" smtClean="0"/>
-              <a:t>Source:  World Bank, International Comparisons Project, report.  </a:t>
-            </a:r>
-            <a:endParaRPr lang="en-US" sz="1200" dirty="0"/>
-          </a:p>
-        </p:txBody>
-      </p:sp>
-    </p:spTree>
-  </p:cSld>
-  <p:clrMapOvr>
-    <a:masterClrMapping/>
-  </p:clrMapOvr>
-  <p:timing>
-    <p:tnLst>
-      <p:par>
-        <p:cTn id="1" dur="indefinite" restart="never" nodeType="tmRoot"/>
-      </p:par>
-    </p:tnLst>
-  </p:timing>
-</p:sld>
-</file>
-
-<file path=ppt/slides/slide70.xml><?xml version="1.0" encoding="utf-8"?>
+<file path=ppt/slides/slide72.xml><?xml version="1.0" encoding="utf-8"?>
 <p:sld xmlns:a="http://schemas.openxmlformats.org/drawingml/2006/main" xmlns:r="http://schemas.openxmlformats.org/officeDocument/2006/relationships" xmlns:p="http://schemas.openxmlformats.org/presentationml/2006/main">
   <p:cSld>
     <p:spTree>
@@ -37811,7 +38115,7 @@
               <a:pPr>
                 <a:defRPr/>
               </a:pPr>
-              <a:t>70</a:t>
+              <a:t>72</a:t>
             </a:fld>
             <a:endParaRPr lang="en-US"/>
           </a:p>
@@ -37832,7 +38136,7 @@
 </p:sld>
 </file>
 
-<file path=ppt/slides/slide71.xml><?xml version="1.0" encoding="utf-8"?>
+<file path=ppt/slides/slide73.xml><?xml version="1.0" encoding="utf-8"?>
 <p:sld xmlns:a="http://schemas.openxmlformats.org/drawingml/2006/main" xmlns:r="http://schemas.openxmlformats.org/officeDocument/2006/relationships" xmlns:p="http://schemas.openxmlformats.org/presentationml/2006/main">
   <p:cSld>
     <p:spTree>
@@ -37939,7 +38243,7 @@
               <a:pPr>
                 <a:defRPr/>
               </a:pPr>
-              <a:t>71</a:t>
+              <a:t>73</a:t>
             </a:fld>
             <a:endParaRPr lang="en-US"/>
           </a:p>
@@ -37960,7 +38264,7 @@
 </p:sld>
 </file>
 
-<file path=ppt/slides/slide72.xml><?xml version="1.0" encoding="utf-8"?>
+<file path=ppt/slides/slide74.xml><?xml version="1.0" encoding="utf-8"?>
 <p:sld xmlns:a="http://schemas.openxmlformats.org/drawingml/2006/main" xmlns:r="http://schemas.openxmlformats.org/officeDocument/2006/relationships" xmlns:p="http://schemas.openxmlformats.org/presentationml/2006/main">
   <p:cSld>
     <p:spTree>
@@ -37997,6 +38301,11 @@
               <a:rPr lang="en-US" dirty="0" smtClean="0"/>
               <a:t>Investment rates </a:t>
             </a:r>
+            <a:r>
+              <a:rPr lang="en-US" dirty="0" smtClean="0"/>
+              <a:t>(I/Y)</a:t>
+            </a:r>
+            <a:endParaRPr lang="en-US" dirty="0" smtClean="0"/>
           </a:p>
         </p:txBody>
       </p:sp>
@@ -38023,7 +38332,7 @@
               <a:pPr>
                 <a:defRPr/>
               </a:pPr>
-              <a:t>72</a:t>
+              <a:t>74</a:t>
             </a:fld>
             <a:endParaRPr lang="en-US"/>
           </a:p>
@@ -38076,7 +38385,7 @@
 </p:sld>
 </file>
 
-<file path=ppt/slides/slide73.xml><?xml version="1.0" encoding="utf-8"?>
+<file path=ppt/slides/slide75.xml><?xml version="1.0" encoding="utf-8"?>
 <p:sld xmlns:a="http://schemas.openxmlformats.org/drawingml/2006/main" xmlns:r="http://schemas.openxmlformats.org/officeDocument/2006/relationships" xmlns:p="http://schemas.openxmlformats.org/presentationml/2006/main">
   <p:cSld>
     <p:spTree>
@@ -38111,8 +38420,13 @@
             <a:pPr algn="l" eaLnBrk="1" hangingPunct="1"/>
             <a:r>
               <a:rPr lang="en-US" dirty="0" smtClean="0"/>
-              <a:t>Capital intensity</a:t>
-            </a:r>
+              <a:t>Capital </a:t>
+            </a:r>
+            <a:r>
+              <a:rPr lang="en-US" dirty="0" smtClean="0"/>
+              <a:t>intensity (K/Y) </a:t>
+            </a:r>
+            <a:endParaRPr lang="en-US" dirty="0" smtClean="0"/>
           </a:p>
         </p:txBody>
       </p:sp>
@@ -38139,7 +38453,7 @@
               <a:pPr>
                 <a:defRPr/>
               </a:pPr>
-              <a:t>73</a:t>
+              <a:t>75</a:t>
             </a:fld>
             <a:endParaRPr lang="en-US"/>
           </a:p>
@@ -38192,289 +38506,6 @@
 </p:sld>
 </file>
 
-<file path=ppt/slides/slide74.xml><?xml version="1.0" encoding="utf-8"?>
-<p:sld xmlns:a="http://schemas.openxmlformats.org/drawingml/2006/main" xmlns:r="http://schemas.openxmlformats.org/officeDocument/2006/relationships" xmlns:p="http://schemas.openxmlformats.org/presentationml/2006/main">
-  <p:cSld>
-    <p:spTree>
-      <p:nvGrpSpPr>
-        <p:cNvPr id="1" name=""/>
-        <p:cNvGrpSpPr/>
-        <p:nvPr/>
-      </p:nvGrpSpPr>
-      <p:grpSpPr>
-        <a:xfrm>
-          <a:off x="0" y="0"/>
-          <a:ext cx="0" cy="0"/>
-          <a:chOff x="0" y="0"/>
-          <a:chExt cx="0" cy="0"/>
-        </a:xfrm>
-      </p:grpSpPr>
-      <p:sp>
-        <p:nvSpPr>
-          <p:cNvPr id="64514" name="Rectangle 2"/>
-          <p:cNvSpPr>
-            <a:spLocks noGrp="1" noChangeArrowheads="1"/>
-          </p:cNvSpPr>
-          <p:nvPr>
-            <p:ph type="title"/>
-          </p:nvPr>
-        </p:nvSpPr>
-        <p:spPr/>
-        <p:txBody>
-          <a:bodyPr/>
-          <a:lstStyle/>
-          <a:p>
-            <a:pPr algn="l" eaLnBrk="1" hangingPunct="1"/>
-            <a:r>
-              <a:rPr lang="en-US" dirty="0" smtClean="0"/>
-              <a:t>China summary</a:t>
-            </a:r>
-          </a:p>
-        </p:txBody>
-      </p:sp>
-      <p:sp>
-        <p:nvSpPr>
-          <p:cNvPr id="64515" name="Rectangle 3"/>
-          <p:cNvSpPr>
-            <a:spLocks noGrp="1" noChangeArrowheads="1"/>
-          </p:cNvSpPr>
-          <p:nvPr>
-            <p:ph type="body" idx="1"/>
-          </p:nvPr>
-        </p:nvSpPr>
-        <p:spPr>
-          <a:xfrm>
-            <a:off x="457200" y="1524000"/>
-            <a:ext cx="8229600" cy="4525963"/>
-          </a:xfrm>
-        </p:spPr>
-        <p:txBody>
-          <a:bodyPr/>
-          <a:lstStyle/>
-          <a:p>
-            <a:pPr eaLnBrk="1" hangingPunct="1">
-              <a:spcBef>
-                <a:spcPct val="50000"/>
-              </a:spcBef>
-            </a:pPr>
-            <a:r>
-              <a:rPr lang="en-US" sz="2400" dirty="0" smtClean="0"/>
-              <a:t>Quantity of capital not unusual</a:t>
-            </a:r>
-            <a:endParaRPr lang="en-US" sz="2000" dirty="0" smtClean="0"/>
-          </a:p>
-          <a:p>
-            <a:pPr lvl="1" eaLnBrk="1" hangingPunct="1">
-              <a:spcBef>
-                <a:spcPct val="50000"/>
-              </a:spcBef>
-            </a:pPr>
-            <a:r>
-              <a:rPr lang="en-US" sz="2000" dirty="0" smtClean="0"/>
-              <a:t>K/Y not much different from US </a:t>
-            </a:r>
-          </a:p>
-          <a:p>
-            <a:pPr lvl="1" eaLnBrk="1" hangingPunct="1">
-              <a:spcBef>
-                <a:spcPct val="50000"/>
-              </a:spcBef>
-            </a:pPr>
-            <a:r>
-              <a:rPr lang="en-US" sz="2000" dirty="0" smtClean="0"/>
-              <a:t>How can that be?  </a:t>
-            </a:r>
-          </a:p>
-          <a:p>
-            <a:pPr lvl="1" eaLnBrk="1" hangingPunct="1">
-              <a:spcBef>
-                <a:spcPct val="50000"/>
-              </a:spcBef>
-            </a:pPr>
-            <a:r>
-              <a:rPr lang="en-US" sz="2000" dirty="0" smtClean="0"/>
-              <a:t>When you growth this fast, you need a lot of investment </a:t>
-            </a:r>
-          </a:p>
-          <a:p>
-            <a:pPr eaLnBrk="1" hangingPunct="1">
-              <a:spcBef>
-                <a:spcPct val="50000"/>
-              </a:spcBef>
-            </a:pPr>
-            <a:r>
-              <a:rPr lang="en-US" sz="2400" dirty="0" smtClean="0"/>
-              <a:t>“Quality” of capital raises some questions</a:t>
-            </a:r>
-          </a:p>
-          <a:p>
-            <a:pPr lvl="1" eaLnBrk="1" hangingPunct="1">
-              <a:spcBef>
-                <a:spcPct val="50000"/>
-              </a:spcBef>
-            </a:pPr>
-            <a:r>
-              <a:rPr lang="en-US" sz="2000" dirty="0" smtClean="0"/>
-              <a:t>Has public infrastructure been overdone?</a:t>
-            </a:r>
-          </a:p>
-          <a:p>
-            <a:pPr lvl="1" eaLnBrk="1" hangingPunct="1">
-              <a:spcBef>
-                <a:spcPct val="50000"/>
-              </a:spcBef>
-            </a:pPr>
-            <a:r>
-              <a:rPr lang="en-US" sz="2000" dirty="0" smtClean="0"/>
-              <a:t>Are productive firms starved for resources?  </a:t>
-            </a:r>
-          </a:p>
-          <a:p>
-            <a:pPr lvl="1" eaLnBrk="1" hangingPunct="1">
-              <a:spcBef>
-                <a:spcPct val="50000"/>
-              </a:spcBef>
-            </a:pPr>
-            <a:r>
-              <a:rPr lang="en-US" sz="2000" dirty="0" smtClean="0"/>
-              <a:t>Is the financial system a hindrance to future growth?  </a:t>
-            </a:r>
-          </a:p>
-        </p:txBody>
-      </p:sp>
-      <p:sp>
-        <p:nvSpPr>
-          <p:cNvPr id="4" name="Slide Number Placeholder 3"/>
-          <p:cNvSpPr>
-            <a:spLocks noGrp="1"/>
-          </p:cNvSpPr>
-          <p:nvPr>
-            <p:ph type="sldNum" sz="quarter" idx="12"/>
-          </p:nvPr>
-        </p:nvSpPr>
-        <p:spPr/>
-        <p:txBody>
-          <a:bodyPr/>
-          <a:lstStyle/>
-          <a:p>
-            <a:pPr>
-              <a:defRPr/>
-            </a:pPr>
-            <a:fld id="{8617ACB6-EADE-4263-B932-20C3691C3C1F}" type="slidenum">
-              <a:rPr lang="en-US" smtClean="0"/>
-              <a:pPr>
-                <a:defRPr/>
-              </a:pPr>
-              <a:t>74</a:t>
-            </a:fld>
-            <a:endParaRPr lang="en-US"/>
-          </a:p>
-        </p:txBody>
-      </p:sp>
-    </p:spTree>
-    <p:extLst>
-      <p:ext uri="{BB962C8B-B14F-4D97-AF65-F5344CB8AC3E}">
-        <p14:creationId xmlns:p14="http://schemas.microsoft.com/office/powerpoint/2010/main" val="3519775483"/>
-      </p:ext>
-    </p:extLst>
-  </p:cSld>
-  <p:clrMapOvr>
-    <a:masterClrMapping/>
-  </p:clrMapOvr>
-  <p:timing>
-    <p:tnLst>
-      <p:par>
-        <p:cTn id="1" dur="indefinite" restart="never" nodeType="tmRoot"/>
-      </p:par>
-    </p:tnLst>
-  </p:timing>
-</p:sld>
-</file>
-
-<file path=ppt/slides/slide75.xml><?xml version="1.0" encoding="utf-8"?>
-<p:sld xmlns:a="http://schemas.openxmlformats.org/drawingml/2006/main" xmlns:r="http://schemas.openxmlformats.org/officeDocument/2006/relationships" xmlns:p="http://schemas.openxmlformats.org/presentationml/2006/main">
-  <p:cSld>
-    <p:spTree>
-      <p:nvGrpSpPr>
-        <p:cNvPr id="1" name=""/>
-        <p:cNvGrpSpPr/>
-        <p:nvPr/>
-      </p:nvGrpSpPr>
-      <p:grpSpPr>
-        <a:xfrm>
-          <a:off x="0" y="0"/>
-          <a:ext cx="0" cy="0"/>
-          <a:chOff x="0" y="0"/>
-          <a:chExt cx="0" cy="0"/>
-        </a:xfrm>
-      </p:grpSpPr>
-      <p:sp>
-        <p:nvSpPr>
-          <p:cNvPr id="21506" name="Rectangle 4"/>
-          <p:cNvSpPr>
-            <a:spLocks noGrp="1" noChangeArrowheads="1"/>
-          </p:cNvSpPr>
-          <p:nvPr>
-            <p:ph type="ctrTitle"/>
-          </p:nvPr>
-        </p:nvSpPr>
-        <p:spPr/>
-        <p:txBody>
-          <a:bodyPr/>
-          <a:lstStyle/>
-          <a:p>
-            <a:pPr eaLnBrk="1" hangingPunct="1"/>
-            <a:r>
-              <a:rPr lang="en-US" dirty="0" smtClean="0"/>
-              <a:t>Almost done</a:t>
-            </a:r>
-          </a:p>
-        </p:txBody>
-      </p:sp>
-      <p:sp>
-        <p:nvSpPr>
-          <p:cNvPr id="3" name="Slide Number Placeholder 2"/>
-          <p:cNvSpPr>
-            <a:spLocks noGrp="1"/>
-          </p:cNvSpPr>
-          <p:nvPr>
-            <p:ph type="sldNum" sz="quarter" idx="12"/>
-          </p:nvPr>
-        </p:nvSpPr>
-        <p:spPr/>
-        <p:txBody>
-          <a:bodyPr/>
-          <a:lstStyle/>
-          <a:p>
-            <a:pPr>
-              <a:defRPr/>
-            </a:pPr>
-            <a:fld id="{A0CE64D5-222C-4CFA-AFD3-A2848F192F39}" type="slidenum">
-              <a:rPr lang="en-US" smtClean="0"/>
-              <a:pPr>
-                <a:defRPr/>
-              </a:pPr>
-              <a:t>75</a:t>
-            </a:fld>
-            <a:endParaRPr lang="en-US"/>
-          </a:p>
-        </p:txBody>
-      </p:sp>
-    </p:spTree>
-  </p:cSld>
-  <p:clrMapOvr>
-    <a:masterClrMapping/>
-  </p:clrMapOvr>
-  <p:timing>
-    <p:tnLst>
-      <p:par>
-        <p:cTn id="1" dur="indefinite" restart="never" nodeType="tmRoot"/>
-      </p:par>
-    </p:tnLst>
-  </p:timing>
-</p:sld>
-</file>
-
 <file path=ppt/slides/slide76.xml><?xml version="1.0" encoding="utf-8"?>
 <p:sld xmlns:a="http://schemas.openxmlformats.org/drawingml/2006/main" xmlns:r="http://schemas.openxmlformats.org/officeDocument/2006/relationships" xmlns:p="http://schemas.openxmlformats.org/presentationml/2006/main">
   <p:cSld>
@@ -38510,7 +38541,7 @@
             <a:pPr algn="l" eaLnBrk="1" hangingPunct="1"/>
             <a:r>
               <a:rPr lang="en-US" dirty="0" smtClean="0"/>
-              <a:t>What have we learned?</a:t>
+              <a:t>China summary</a:t>
             </a:r>
           </a:p>
         </p:txBody>
@@ -38542,8 +38573,9 @@
             </a:pPr>
             <a:r>
               <a:rPr lang="en-US" sz="2400" dirty="0" smtClean="0"/>
-              <a:t>Solow model </a:t>
-            </a:r>
+              <a:t>Quantity of capital not unusual</a:t>
+            </a:r>
+            <a:endParaRPr lang="en-US" sz="2000" dirty="0" smtClean="0"/>
           </a:p>
           <a:p>
             <a:pPr lvl="1" eaLnBrk="1" hangingPunct="1">
@@ -38553,7 +38585,7 @@
             </a:pPr>
             <a:r>
               <a:rPr lang="en-US" sz="2000" dirty="0" smtClean="0"/>
-              <a:t>Saving and capital accumulation generate growth </a:t>
+              <a:t>K/Y not much different from US </a:t>
             </a:r>
           </a:p>
           <a:p>
@@ -38564,7 +38596,7 @@
             </a:pPr>
             <a:r>
               <a:rPr lang="en-US" sz="2000" dirty="0" smtClean="0"/>
-              <a:t>But diminishing returns kills this off quickly</a:t>
+              <a:t>How can that be?  </a:t>
             </a:r>
           </a:p>
           <a:p>
@@ -38575,7 +38607,18 @@
             </a:pPr>
             <a:r>
               <a:rPr lang="en-US" sz="2000" dirty="0" smtClean="0"/>
-              <a:t>Conclusion:  saving and capital formation can’t be the keys to prosperity (in the US, in China, in India, etc) </a:t>
+              <a:t>When you growth this fast, you need a lot of investment </a:t>
+            </a:r>
+          </a:p>
+          <a:p>
+            <a:pPr eaLnBrk="1" hangingPunct="1">
+              <a:spcBef>
+                <a:spcPct val="50000"/>
+              </a:spcBef>
+            </a:pPr>
+            <a:r>
+              <a:rPr lang="en-US" sz="2400" dirty="0" smtClean="0"/>
+              <a:t>“Quality” of capital raises some questions</a:t>
             </a:r>
           </a:p>
           <a:p>
@@ -38586,18 +38629,7 @@
             </a:pPr>
             <a:r>
               <a:rPr lang="en-US" sz="2000" dirty="0" smtClean="0"/>
-              <a:t>Solow model still a useful forecasting tool </a:t>
-            </a:r>
-          </a:p>
-          <a:p>
-            <a:pPr eaLnBrk="1" hangingPunct="1">
-              <a:spcBef>
-                <a:spcPct val="50000"/>
-              </a:spcBef>
-            </a:pPr>
-            <a:r>
-              <a:rPr lang="en-US" sz="2400" dirty="0" smtClean="0"/>
-              <a:t>If not capital, what? </a:t>
+              <a:t>Has public infrastructure been overdone?</a:t>
             </a:r>
           </a:p>
           <a:p>
@@ -38607,12 +38639,19 @@
               </a:spcBef>
             </a:pPr>
             <a:r>
-              <a:rPr lang="en-US" sz="2000" smtClean="0"/>
-              <a:t>Productivity </a:t>
-            </a:r>
-            <a:r>
               <a:rPr lang="en-US" sz="2000" dirty="0" smtClean="0"/>
-              <a:t>growth </a:t>
+              <a:t>Are productive firms starved for resources?  </a:t>
+            </a:r>
+          </a:p>
+          <a:p>
+            <a:pPr lvl="1" eaLnBrk="1" hangingPunct="1">
+              <a:spcBef>
+                <a:spcPct val="50000"/>
+              </a:spcBef>
+            </a:pPr>
+            <a:r>
+              <a:rPr lang="en-US" sz="2000" dirty="0" smtClean="0"/>
+              <a:t>Is the financial system a hindrance to future growth?  </a:t>
             </a:r>
           </a:p>
         </p:txBody>
@@ -38647,6 +38686,11 @@
         </p:txBody>
       </p:sp>
     </p:spTree>
+    <p:extLst>
+      <p:ext uri="{BB962C8B-B14F-4D97-AF65-F5344CB8AC3E}">
+        <p14:creationId xmlns:p14="http://schemas.microsoft.com/office/powerpoint/2010/main" val="3519775483"/>
+      </p:ext>
+    </p:extLst>
   </p:cSld>
   <p:clrMapOvr>
     <a:masterClrMapping/>
@@ -38680,6 +38724,276 @@
       </p:grpSpPr>
       <p:sp>
         <p:nvSpPr>
+          <p:cNvPr id="21506" name="Rectangle 4"/>
+          <p:cNvSpPr>
+            <a:spLocks noGrp="1" noChangeArrowheads="1"/>
+          </p:cNvSpPr>
+          <p:nvPr>
+            <p:ph type="ctrTitle"/>
+          </p:nvPr>
+        </p:nvSpPr>
+        <p:spPr/>
+        <p:txBody>
+          <a:bodyPr/>
+          <a:lstStyle/>
+          <a:p>
+            <a:pPr eaLnBrk="1" hangingPunct="1"/>
+            <a:r>
+              <a:rPr lang="en-US" dirty="0" smtClean="0"/>
+              <a:t>Almost done</a:t>
+            </a:r>
+          </a:p>
+        </p:txBody>
+      </p:sp>
+      <p:sp>
+        <p:nvSpPr>
+          <p:cNvPr id="3" name="Slide Number Placeholder 2"/>
+          <p:cNvSpPr>
+            <a:spLocks noGrp="1"/>
+          </p:cNvSpPr>
+          <p:nvPr>
+            <p:ph type="sldNum" sz="quarter" idx="12"/>
+          </p:nvPr>
+        </p:nvSpPr>
+        <p:spPr/>
+        <p:txBody>
+          <a:bodyPr/>
+          <a:lstStyle/>
+          <a:p>
+            <a:pPr>
+              <a:defRPr/>
+            </a:pPr>
+            <a:fld id="{A0CE64D5-222C-4CFA-AFD3-A2848F192F39}" type="slidenum">
+              <a:rPr lang="en-US" smtClean="0"/>
+              <a:pPr>
+                <a:defRPr/>
+              </a:pPr>
+              <a:t>77</a:t>
+            </a:fld>
+            <a:endParaRPr lang="en-US"/>
+          </a:p>
+        </p:txBody>
+      </p:sp>
+    </p:spTree>
+  </p:cSld>
+  <p:clrMapOvr>
+    <a:masterClrMapping/>
+  </p:clrMapOvr>
+  <p:timing>
+    <p:tnLst>
+      <p:par>
+        <p:cTn id="1" dur="indefinite" restart="never" nodeType="tmRoot"/>
+      </p:par>
+    </p:tnLst>
+  </p:timing>
+</p:sld>
+</file>
+
+<file path=ppt/slides/slide78.xml><?xml version="1.0" encoding="utf-8"?>
+<p:sld xmlns:a="http://schemas.openxmlformats.org/drawingml/2006/main" xmlns:r="http://schemas.openxmlformats.org/officeDocument/2006/relationships" xmlns:p="http://schemas.openxmlformats.org/presentationml/2006/main">
+  <p:cSld>
+    <p:spTree>
+      <p:nvGrpSpPr>
+        <p:cNvPr id="1" name=""/>
+        <p:cNvGrpSpPr/>
+        <p:nvPr/>
+      </p:nvGrpSpPr>
+      <p:grpSpPr>
+        <a:xfrm>
+          <a:off x="0" y="0"/>
+          <a:ext cx="0" cy="0"/>
+          <a:chOff x="0" y="0"/>
+          <a:chExt cx="0" cy="0"/>
+        </a:xfrm>
+      </p:grpSpPr>
+      <p:sp>
+        <p:nvSpPr>
+          <p:cNvPr id="64514" name="Rectangle 2"/>
+          <p:cNvSpPr>
+            <a:spLocks noGrp="1" noChangeArrowheads="1"/>
+          </p:cNvSpPr>
+          <p:nvPr>
+            <p:ph type="title"/>
+          </p:nvPr>
+        </p:nvSpPr>
+        <p:spPr/>
+        <p:txBody>
+          <a:bodyPr/>
+          <a:lstStyle/>
+          <a:p>
+            <a:pPr algn="l" eaLnBrk="1" hangingPunct="1"/>
+            <a:r>
+              <a:rPr lang="en-US" dirty="0" smtClean="0"/>
+              <a:t>What have we learned?</a:t>
+            </a:r>
+          </a:p>
+        </p:txBody>
+      </p:sp>
+      <p:sp>
+        <p:nvSpPr>
+          <p:cNvPr id="64515" name="Rectangle 3"/>
+          <p:cNvSpPr>
+            <a:spLocks noGrp="1" noChangeArrowheads="1"/>
+          </p:cNvSpPr>
+          <p:nvPr>
+            <p:ph type="body" idx="1"/>
+          </p:nvPr>
+        </p:nvSpPr>
+        <p:spPr>
+          <a:xfrm>
+            <a:off x="457200" y="1524000"/>
+            <a:ext cx="8229600" cy="4525963"/>
+          </a:xfrm>
+        </p:spPr>
+        <p:txBody>
+          <a:bodyPr/>
+          <a:lstStyle/>
+          <a:p>
+            <a:pPr eaLnBrk="1" hangingPunct="1">
+              <a:spcBef>
+                <a:spcPct val="50000"/>
+              </a:spcBef>
+            </a:pPr>
+            <a:r>
+              <a:rPr lang="en-US" sz="2400" dirty="0" smtClean="0"/>
+              <a:t>Solow model </a:t>
+            </a:r>
+          </a:p>
+          <a:p>
+            <a:pPr lvl="1" eaLnBrk="1" hangingPunct="1">
+              <a:spcBef>
+                <a:spcPct val="50000"/>
+              </a:spcBef>
+            </a:pPr>
+            <a:r>
+              <a:rPr lang="en-US" sz="2000" dirty="0" smtClean="0"/>
+              <a:t>Saving and capital accumulation generate growth </a:t>
+            </a:r>
+          </a:p>
+          <a:p>
+            <a:pPr lvl="1" eaLnBrk="1" hangingPunct="1">
+              <a:spcBef>
+                <a:spcPct val="50000"/>
+              </a:spcBef>
+            </a:pPr>
+            <a:r>
+              <a:rPr lang="en-US" sz="2000" dirty="0" smtClean="0"/>
+              <a:t>But diminishing returns kills this off quickly</a:t>
+            </a:r>
+          </a:p>
+          <a:p>
+            <a:pPr lvl="1" eaLnBrk="1" hangingPunct="1">
+              <a:spcBef>
+                <a:spcPct val="50000"/>
+              </a:spcBef>
+            </a:pPr>
+            <a:r>
+              <a:rPr lang="en-US" sz="2000" dirty="0" smtClean="0"/>
+              <a:t>Conclusion:  saving and capital formation can’t be the keys to prosperity (in the US, in China, in India, etc) </a:t>
+            </a:r>
+          </a:p>
+          <a:p>
+            <a:pPr lvl="1" eaLnBrk="1" hangingPunct="1">
+              <a:spcBef>
+                <a:spcPct val="50000"/>
+              </a:spcBef>
+            </a:pPr>
+            <a:r>
+              <a:rPr lang="en-US" sz="2000" dirty="0" smtClean="0"/>
+              <a:t>Solow model still a useful forecasting tool </a:t>
+            </a:r>
+          </a:p>
+          <a:p>
+            <a:pPr eaLnBrk="1" hangingPunct="1">
+              <a:spcBef>
+                <a:spcPct val="50000"/>
+              </a:spcBef>
+            </a:pPr>
+            <a:r>
+              <a:rPr lang="en-US" sz="2400" dirty="0" smtClean="0"/>
+              <a:t>If not capital, what? </a:t>
+            </a:r>
+          </a:p>
+          <a:p>
+            <a:pPr lvl="1" eaLnBrk="1" hangingPunct="1">
+              <a:spcBef>
+                <a:spcPct val="50000"/>
+              </a:spcBef>
+            </a:pPr>
+            <a:r>
+              <a:rPr lang="en-US" sz="2000" smtClean="0"/>
+              <a:t>Productivity </a:t>
+            </a:r>
+            <a:r>
+              <a:rPr lang="en-US" sz="2000" dirty="0" smtClean="0"/>
+              <a:t>growth </a:t>
+            </a:r>
+          </a:p>
+        </p:txBody>
+      </p:sp>
+      <p:sp>
+        <p:nvSpPr>
+          <p:cNvPr id="4" name="Slide Number Placeholder 3"/>
+          <p:cNvSpPr>
+            <a:spLocks noGrp="1"/>
+          </p:cNvSpPr>
+          <p:nvPr>
+            <p:ph type="sldNum" sz="quarter" idx="12"/>
+          </p:nvPr>
+        </p:nvSpPr>
+        <p:spPr/>
+        <p:txBody>
+          <a:bodyPr/>
+          <a:lstStyle/>
+          <a:p>
+            <a:pPr>
+              <a:defRPr/>
+            </a:pPr>
+            <a:fld id="{8617ACB6-EADE-4263-B932-20C3691C3C1F}" type="slidenum">
+              <a:rPr lang="en-US" smtClean="0"/>
+              <a:pPr>
+                <a:defRPr/>
+              </a:pPr>
+              <a:t>78</a:t>
+            </a:fld>
+            <a:endParaRPr lang="en-US"/>
+          </a:p>
+        </p:txBody>
+      </p:sp>
+    </p:spTree>
+  </p:cSld>
+  <p:clrMapOvr>
+    <a:masterClrMapping/>
+  </p:clrMapOvr>
+  <p:timing>
+    <p:tnLst>
+      <p:par>
+        <p:cTn id="1" dur="indefinite" restart="never" nodeType="tmRoot"/>
+      </p:par>
+    </p:tnLst>
+  </p:timing>
+</p:sld>
+</file>
+
+<file path=ppt/slides/slide79.xml><?xml version="1.0" encoding="utf-8"?>
+<p:sld xmlns:a="http://schemas.openxmlformats.org/drawingml/2006/main" xmlns:r="http://schemas.openxmlformats.org/officeDocument/2006/relationships" xmlns:p="http://schemas.openxmlformats.org/presentationml/2006/main">
+  <p:cSld>
+    <p:spTree>
+      <p:nvGrpSpPr>
+        <p:cNvPr id="1" name=""/>
+        <p:cNvGrpSpPr/>
+        <p:nvPr/>
+      </p:nvGrpSpPr>
+      <p:grpSpPr>
+        <a:xfrm>
+          <a:off x="0" y="0"/>
+          <a:ext cx="0" cy="0"/>
+          <a:chOff x="0" y="0"/>
+          <a:chExt cx="0" cy="0"/>
+        </a:xfrm>
+      </p:grpSpPr>
+      <p:sp>
+        <p:nvSpPr>
           <p:cNvPr id="141314" name="Rectangle 2"/>
           <p:cNvSpPr>
             <a:spLocks noGrp="1" noChangeArrowheads="1"/>
@@ -38790,7 +39104,7 @@
             <a:fld id="{F6FB92B7-FF3F-48F1-A050-FBDAAD6C6217}" type="slidenum">
               <a:rPr lang="en-US" smtClean="0"/>
               <a:pPr/>
-              <a:t>77</a:t>
+              <a:t>79</a:t>
             </a:fld>
             <a:endParaRPr lang="en-US"/>
           </a:p>
